--- a/Tamaños de muestra.pptx
+++ b/Tamaños de muestra.pptx
@@ -5,39 +5,50 @@
     <p:sldMasterId id="2147483648" r:id="rId1"/>
   </p:sldMasterIdLst>
   <p:notesMasterIdLst>
-    <p:notesMasterId r:id="rId32"/>
+    <p:notesMasterId r:id="rId43"/>
   </p:notesMasterIdLst>
   <p:sldIdLst>
     <p:sldId id="256" r:id="rId2"/>
-    <p:sldId id="265" r:id="rId3"/>
-    <p:sldId id="266" r:id="rId4"/>
-    <p:sldId id="267" r:id="rId5"/>
-    <p:sldId id="268" r:id="rId6"/>
-    <p:sldId id="269" r:id="rId7"/>
-    <p:sldId id="270" r:id="rId8"/>
-    <p:sldId id="273" r:id="rId9"/>
-    <p:sldId id="274" r:id="rId10"/>
-    <p:sldId id="275" r:id="rId11"/>
-    <p:sldId id="276" r:id="rId12"/>
-    <p:sldId id="277" r:id="rId13"/>
-    <p:sldId id="278" r:id="rId14"/>
-    <p:sldId id="279" r:id="rId15"/>
-    <p:sldId id="280" r:id="rId16"/>
-    <p:sldId id="281" r:id="rId17"/>
-    <p:sldId id="282" r:id="rId18"/>
-    <p:sldId id="283" r:id="rId19"/>
-    <p:sldId id="284" r:id="rId20"/>
-    <p:sldId id="271" r:id="rId21"/>
-    <p:sldId id="272" r:id="rId22"/>
-    <p:sldId id="257" r:id="rId23"/>
-    <p:sldId id="285" r:id="rId24"/>
-    <p:sldId id="258" r:id="rId25"/>
-    <p:sldId id="259" r:id="rId26"/>
-    <p:sldId id="261" r:id="rId27"/>
-    <p:sldId id="286" r:id="rId28"/>
-    <p:sldId id="264" r:id="rId29"/>
-    <p:sldId id="262" r:id="rId30"/>
-    <p:sldId id="263" r:id="rId31"/>
+    <p:sldId id="288" r:id="rId3"/>
+    <p:sldId id="290" r:id="rId4"/>
+    <p:sldId id="291" r:id="rId5"/>
+    <p:sldId id="293" r:id="rId6"/>
+    <p:sldId id="294" r:id="rId7"/>
+    <p:sldId id="295" r:id="rId8"/>
+    <p:sldId id="297" r:id="rId9"/>
+    <p:sldId id="298" r:id="rId10"/>
+    <p:sldId id="299" r:id="rId11"/>
+    <p:sldId id="300" r:id="rId12"/>
+    <p:sldId id="301" r:id="rId13"/>
+    <p:sldId id="265" r:id="rId14"/>
+    <p:sldId id="266" r:id="rId15"/>
+    <p:sldId id="267" r:id="rId16"/>
+    <p:sldId id="268" r:id="rId17"/>
+    <p:sldId id="269" r:id="rId18"/>
+    <p:sldId id="270" r:id="rId19"/>
+    <p:sldId id="257" r:id="rId20"/>
+    <p:sldId id="285" r:id="rId21"/>
+    <p:sldId id="258" r:id="rId22"/>
+    <p:sldId id="259" r:id="rId23"/>
+    <p:sldId id="261" r:id="rId24"/>
+    <p:sldId id="286" r:id="rId25"/>
+    <p:sldId id="264" r:id="rId26"/>
+    <p:sldId id="262" r:id="rId27"/>
+    <p:sldId id="263" r:id="rId28"/>
+    <p:sldId id="273" r:id="rId29"/>
+    <p:sldId id="274" r:id="rId30"/>
+    <p:sldId id="275" r:id="rId31"/>
+    <p:sldId id="276" r:id="rId32"/>
+    <p:sldId id="277" r:id="rId33"/>
+    <p:sldId id="278" r:id="rId34"/>
+    <p:sldId id="279" r:id="rId35"/>
+    <p:sldId id="280" r:id="rId36"/>
+    <p:sldId id="281" r:id="rId37"/>
+    <p:sldId id="282" r:id="rId38"/>
+    <p:sldId id="283" r:id="rId39"/>
+    <p:sldId id="284" r:id="rId40"/>
+    <p:sldId id="271" r:id="rId41"/>
+    <p:sldId id="272" r:id="rId42"/>
   </p:sldIdLst>
   <p:sldSz cx="9144000" cy="6858000" type="screen4x3"/>
   <p:notesSz cx="6858000" cy="9144000"/>
@@ -237,7 +248,7 @@
           <a:p>
             <a:fld id="{61686EB3-C2FB-41BC-B85A-29E8C185CCA8}" type="datetimeFigureOut">
               <a:rPr lang="es-CO" smtClean="0"/>
-              <a:t>25/01/2019</a:t>
+              <a:t>6/02/2019</a:t>
             </a:fld>
             <a:endParaRPr lang="es-CO"/>
           </a:p>
@@ -570,7 +581,7 @@
           <a:p>
             <a:fld id="{6CCDE108-E012-433B-98E7-67C553A84992}" type="slidenum">
               <a:rPr lang="es-CO" smtClean="0"/>
-              <a:t>2</a:t>
+              <a:t>13</a:t>
             </a:fld>
             <a:endParaRPr lang="es-CO"/>
           </a:p>
@@ -770,7 +781,7 @@
           <a:p>
             <a:fld id="{8420CBD6-5596-4E2D-AED7-913B4E08C409}" type="datetimeFigureOut">
               <a:rPr lang="es-CO" smtClean="0"/>
-              <a:t>25/01/2019</a:t>
+              <a:t>6/02/2019</a:t>
             </a:fld>
             <a:endParaRPr lang="es-CO"/>
           </a:p>
@@ -940,7 +951,7 @@
           <a:p>
             <a:fld id="{8420CBD6-5596-4E2D-AED7-913B4E08C409}" type="datetimeFigureOut">
               <a:rPr lang="es-CO" smtClean="0"/>
-              <a:t>25/01/2019</a:t>
+              <a:t>6/02/2019</a:t>
             </a:fld>
             <a:endParaRPr lang="es-CO"/>
           </a:p>
@@ -1120,7 +1131,7 @@
           <a:p>
             <a:fld id="{8420CBD6-5596-4E2D-AED7-913B4E08C409}" type="datetimeFigureOut">
               <a:rPr lang="es-CO" smtClean="0"/>
-              <a:t>25/01/2019</a:t>
+              <a:t>6/02/2019</a:t>
             </a:fld>
             <a:endParaRPr lang="es-CO"/>
           </a:p>
@@ -1290,7 +1301,7 @@
           <a:p>
             <a:fld id="{8420CBD6-5596-4E2D-AED7-913B4E08C409}" type="datetimeFigureOut">
               <a:rPr lang="es-CO" smtClean="0"/>
-              <a:t>25/01/2019</a:t>
+              <a:t>6/02/2019</a:t>
             </a:fld>
             <a:endParaRPr lang="es-CO"/>
           </a:p>
@@ -1536,7 +1547,7 @@
           <a:p>
             <a:fld id="{8420CBD6-5596-4E2D-AED7-913B4E08C409}" type="datetimeFigureOut">
               <a:rPr lang="es-CO" smtClean="0"/>
-              <a:t>25/01/2019</a:t>
+              <a:t>6/02/2019</a:t>
             </a:fld>
             <a:endParaRPr lang="es-CO"/>
           </a:p>
@@ -1824,7 +1835,7 @@
           <a:p>
             <a:fld id="{8420CBD6-5596-4E2D-AED7-913B4E08C409}" type="datetimeFigureOut">
               <a:rPr lang="es-CO" smtClean="0"/>
-              <a:t>25/01/2019</a:t>
+              <a:t>6/02/2019</a:t>
             </a:fld>
             <a:endParaRPr lang="es-CO"/>
           </a:p>
@@ -2246,7 +2257,7 @@
           <a:p>
             <a:fld id="{8420CBD6-5596-4E2D-AED7-913B4E08C409}" type="datetimeFigureOut">
               <a:rPr lang="es-CO" smtClean="0"/>
-              <a:t>25/01/2019</a:t>
+              <a:t>6/02/2019</a:t>
             </a:fld>
             <a:endParaRPr lang="es-CO"/>
           </a:p>
@@ -2364,7 +2375,7 @@
           <a:p>
             <a:fld id="{8420CBD6-5596-4E2D-AED7-913B4E08C409}" type="datetimeFigureOut">
               <a:rPr lang="es-CO" smtClean="0"/>
-              <a:t>25/01/2019</a:t>
+              <a:t>6/02/2019</a:t>
             </a:fld>
             <a:endParaRPr lang="es-CO"/>
           </a:p>
@@ -2459,7 +2470,7 @@
           <a:p>
             <a:fld id="{8420CBD6-5596-4E2D-AED7-913B4E08C409}" type="datetimeFigureOut">
               <a:rPr lang="es-CO" smtClean="0"/>
-              <a:t>25/01/2019</a:t>
+              <a:t>6/02/2019</a:t>
             </a:fld>
             <a:endParaRPr lang="es-CO"/>
           </a:p>
@@ -2736,7 +2747,7 @@
           <a:p>
             <a:fld id="{8420CBD6-5596-4E2D-AED7-913B4E08C409}" type="datetimeFigureOut">
               <a:rPr lang="es-CO" smtClean="0"/>
-              <a:t>25/01/2019</a:t>
+              <a:t>6/02/2019</a:t>
             </a:fld>
             <a:endParaRPr lang="es-CO"/>
           </a:p>
@@ -2989,7 +3000,7 @@
           <a:p>
             <a:fld id="{8420CBD6-5596-4E2D-AED7-913B4E08C409}" type="datetimeFigureOut">
               <a:rPr lang="es-CO" smtClean="0"/>
-              <a:t>25/01/2019</a:t>
+              <a:t>6/02/2019</a:t>
             </a:fld>
             <a:endParaRPr lang="es-CO"/>
           </a:p>
@@ -3202,7 +3213,7 @@
           <a:p>
             <a:fld id="{8420CBD6-5596-4E2D-AED7-913B4E08C409}" type="datetimeFigureOut">
               <a:rPr lang="es-CO" smtClean="0"/>
-              <a:t>25/01/2019</a:t>
+              <a:t>6/02/2019</a:t>
             </a:fld>
             <a:endParaRPr lang="es-CO"/>
           </a:p>
@@ -3660,72 +3671,68 @@
           <a:chExt cx="0" cy="0"/>
         </a:xfrm>
       </p:grpSpPr>
+      <p:sp>
+        <p:nvSpPr>
+          <p:cNvPr id="2" name="Título 1"/>
+          <p:cNvSpPr>
+            <a:spLocks noGrp="1"/>
+          </p:cNvSpPr>
+          <p:nvPr>
+            <p:ph type="title"/>
+          </p:nvPr>
+        </p:nvSpPr>
+        <p:spPr/>
+        <p:txBody>
+          <a:bodyPr/>
+          <a:lstStyle/>
+          <a:p>
+            <a:endParaRPr lang="es-CO"/>
+          </a:p>
+        </p:txBody>
+      </p:sp>
       <p:pic>
         <p:nvPicPr>
-          <p:cNvPr id="1026" name="Picture 2"/>
+          <p:cNvPr id="4" name="Marcador de contenido 3"/>
           <p:cNvPicPr>
-            <a:picLocks noGrp="1" noChangeAspect="1" noChangeArrowheads="1"/>
+            <a:picLocks noGrp="1" noChangeAspect="1"/>
           </p:cNvPicPr>
           <p:nvPr>
             <p:ph idx="1"/>
           </p:nvPr>
         </p:nvPicPr>
         <p:blipFill>
-          <a:blip r:embed="rId2">
-            <a:extLst>
-              <a:ext uri="{28A0092B-C50C-407E-A947-70E740481C1C}">
-                <a14:useLocalDpi xmlns:a14="http://schemas.microsoft.com/office/drawing/2010/main" val="0"/>
-              </a:ext>
-            </a:extLst>
-          </a:blip>
-          <a:srcRect/>
+          <a:blip r:embed="rId2"/>
           <a:stretch>
             <a:fillRect/>
           </a:stretch>
         </p:blipFill>
-        <p:spPr bwMode="auto">
+        <p:spPr>
           <a:xfrm>
-            <a:off x="683568" y="332656"/>
-            <a:ext cx="7776864" cy="6126115"/>
+            <a:off x="304131" y="1383867"/>
+            <a:ext cx="8535738" cy="3952541"/>
           </a:xfrm>
           <a:prstGeom prst="rect">
             <a:avLst/>
           </a:prstGeom>
-          <a:noFill/>
-          <a:ln>
-            <a:noFill/>
-          </a:ln>
-          <a:extLst>
-            <a:ext uri="{909E8E84-426E-40DD-AFC4-6F175D3DCCD1}">
-              <a14:hiddenFill xmlns:a14="http://schemas.microsoft.com/office/drawing/2010/main">
-                <a:solidFill>
-                  <a:schemeClr val="accent1"/>
-                </a:solidFill>
-              </a14:hiddenFill>
-            </a:ext>
-            <a:ext uri="{91240B29-F687-4F45-9708-019B960494DF}">
-              <a14:hiddenLine xmlns:a14="http://schemas.microsoft.com/office/drawing/2010/main" w="9525">
-                <a:solidFill>
-                  <a:schemeClr val="tx1"/>
-                </a:solidFill>
-                <a:miter lim="800000"/>
-                <a:headEnd/>
-                <a:tailEnd/>
-              </a14:hiddenLine>
-            </a:ext>
-          </a:extLst>
         </p:spPr>
       </p:pic>
     </p:spTree>
     <p:extLst>
       <p:ext uri="{BB962C8B-B14F-4D97-AF65-F5344CB8AC3E}">
-        <p14:creationId xmlns:p14="http://schemas.microsoft.com/office/powerpoint/2010/main" val="2649284231"/>
+        <p14:creationId xmlns:p14="http://schemas.microsoft.com/office/powerpoint/2010/main" val="3433820484"/>
       </p:ext>
     </p:extLst>
   </p:cSld>
   <p:clrMapOvr>
     <a:masterClrMapping/>
   </p:clrMapOvr>
+  <p:timing>
+    <p:tnLst>
+      <p:par>
+        <p:cTn id="1" dur="indefinite" restart="never" nodeType="tmRoot"/>
+      </p:par>
+    </p:tnLst>
+  </p:timing>
 </p:sld>
 </file>
 
@@ -3748,7 +3755,7 @@
       </p:grpSpPr>
       <p:sp>
         <p:nvSpPr>
-          <p:cNvPr id="2" name="1 Título"/>
+          <p:cNvPr id="2" name="Título 1"/>
           <p:cNvSpPr>
             <a:spLocks noGrp="1"/>
           </p:cNvSpPr>
@@ -3758,184 +3765,56 @@
         </p:nvSpPr>
         <p:spPr/>
         <p:txBody>
-          <a:bodyPr>
-            <a:normAutofit fontScale="90000"/>
-          </a:bodyPr>
+          <a:bodyPr/>
           <a:lstStyle/>
           <a:p>
-            <a:r>
-              <a:rPr lang="es-CO" b="1" dirty="0" smtClean="0">
-                <a:solidFill>
-                  <a:srgbClr val="0070C0"/>
-                </a:solidFill>
-              </a:rPr>
-              <a:t>Muestreo no probabilista</a:t>
-            </a:r>
-            <a:br>
-              <a:rPr lang="es-CO" b="1" dirty="0" smtClean="0">
-                <a:solidFill>
-                  <a:srgbClr val="0070C0"/>
-                </a:solidFill>
-              </a:rPr>
-            </a:br>
-            <a:r>
-              <a:rPr lang="es-CO" b="1" dirty="0" smtClean="0">
-                <a:solidFill>
-                  <a:srgbClr val="0070C0"/>
-                </a:solidFill>
-              </a:rPr>
-              <a:t>Muestreo </a:t>
-            </a:r>
-            <a:r>
-              <a:rPr lang="es-CO" b="1" dirty="0">
-                <a:solidFill>
-                  <a:srgbClr val="0070C0"/>
-                </a:solidFill>
-              </a:rPr>
-              <a:t>por Conveniencia </a:t>
-            </a:r>
-          </a:p>
-        </p:txBody>
-      </p:sp>
-      <p:sp>
-        <p:nvSpPr>
-          <p:cNvPr id="3" name="2 Marcador de contenido"/>
-          <p:cNvSpPr>
-            <a:spLocks noGrp="1"/>
-          </p:cNvSpPr>
-          <p:nvPr>
-            <p:ph idx="1"/>
-          </p:nvPr>
-        </p:nvSpPr>
-        <p:spPr>
-          <a:xfrm>
-            <a:off x="457200" y="1600200"/>
-            <a:ext cx="8132416" cy="4525963"/>
-          </a:xfrm>
-        </p:spPr>
-        <p:txBody>
-          <a:bodyPr>
-            <a:normAutofit fontScale="92500" lnSpcReduction="20000"/>
-          </a:bodyPr>
-          <a:lstStyle/>
-          <a:p>
-            <a:r>
-              <a:rPr lang="es-CO" dirty="0" smtClean="0"/>
-              <a:t> Los elementos de la muestra se eligen por estar en el lugar o en el momento adecuado para la investigación. </a:t>
-            </a:r>
-          </a:p>
-          <a:p>
-            <a:r>
-              <a:rPr lang="es-CO" dirty="0" smtClean="0"/>
-              <a:t> El criterio de selección (lugar, tiempo y demás) es completamente dependiente del investigador, sin reglas predeterminadas. </a:t>
-            </a:r>
-          </a:p>
-          <a:p>
-            <a:r>
-              <a:rPr lang="es-CO" b="1" dirty="0" smtClean="0">
-                <a:solidFill>
-                  <a:schemeClr val="accent1">
-                    <a:lumMod val="75000"/>
-                  </a:schemeClr>
-                </a:solidFill>
-              </a:rPr>
-              <a:t>Ejemplos: </a:t>
-            </a:r>
-          </a:p>
-          <a:p>
-            <a:pPr marL="0" indent="0">
-              <a:buNone/>
-            </a:pPr>
-            <a:r>
-              <a:rPr lang="es-CO" dirty="0" smtClean="0"/>
-              <a:t> encuestas en la calle</a:t>
-            </a:r>
-          </a:p>
-          <a:p>
-            <a:pPr marL="0" indent="0">
-              <a:buNone/>
-            </a:pPr>
-            <a:r>
-              <a:rPr lang="es-CO" dirty="0" smtClean="0"/>
-              <a:t> encuestas a estudiantes </a:t>
-            </a:r>
-          </a:p>
-          <a:p>
-            <a:pPr marL="0" indent="0">
-              <a:buNone/>
-            </a:pPr>
-            <a:r>
-              <a:rPr lang="es-CO" dirty="0" smtClean="0"/>
-              <a:t> encuestas web</a:t>
-            </a:r>
-            <a:endParaRPr lang="es-CO" dirty="0"/>
+            <a:endParaRPr lang="es-CO"/>
           </a:p>
         </p:txBody>
       </p:sp>
       <p:pic>
         <p:nvPicPr>
-          <p:cNvPr id="1026" name="Picture 2"/>
+          <p:cNvPr id="4" name="Marcador de contenido 3"/>
           <p:cNvPicPr>
-            <a:picLocks noChangeAspect="1" noChangeArrowheads="1"/>
+            <a:picLocks noGrp="1" noChangeAspect="1"/>
           </p:cNvPicPr>
-          <p:nvPr/>
+          <p:nvPr>
+            <p:ph idx="1"/>
+          </p:nvPr>
         </p:nvPicPr>
         <p:blipFill>
-          <a:blip r:embed="rId2">
-            <a:extLst>
-              <a:ext uri="{28A0092B-C50C-407E-A947-70E740481C1C}">
-                <a14:useLocalDpi xmlns:a14="http://schemas.microsoft.com/office/drawing/2010/main" val="0"/>
-              </a:ext>
-            </a:extLst>
-          </a:blip>
-          <a:srcRect/>
+          <a:blip r:embed="rId2"/>
           <a:stretch>
             <a:fillRect/>
           </a:stretch>
         </p:blipFill>
-        <p:spPr bwMode="auto">
+        <p:spPr>
           <a:xfrm>
-            <a:off x="6732240" y="4581128"/>
-            <a:ext cx="1857375" cy="1924050"/>
+            <a:off x="535300" y="1383867"/>
+            <a:ext cx="8073401" cy="4103973"/>
           </a:xfrm>
           <a:prstGeom prst="rect">
             <a:avLst/>
           </a:prstGeom>
-          <a:noFill/>
-          <a:ln>
-            <a:noFill/>
-          </a:ln>
-          <a:extLst>
-            <a:ext uri="{909E8E84-426E-40DD-AFC4-6F175D3DCCD1}">
-              <a14:hiddenFill xmlns:a14="http://schemas.microsoft.com/office/drawing/2010/main">
-                <a:solidFill>
-                  <a:schemeClr val="accent1"/>
-                </a:solidFill>
-              </a14:hiddenFill>
-            </a:ext>
-            <a:ext uri="{91240B29-F687-4F45-9708-019B960494DF}">
-              <a14:hiddenLine xmlns:a14="http://schemas.microsoft.com/office/drawing/2010/main" w="9525">
-                <a:solidFill>
-                  <a:schemeClr val="tx1"/>
-                </a:solidFill>
-                <a:miter lim="800000"/>
-                <a:headEnd/>
-                <a:tailEnd/>
-              </a14:hiddenLine>
-            </a:ext>
-          </a:extLst>
         </p:spPr>
       </p:pic>
     </p:spTree>
     <p:extLst>
       <p:ext uri="{BB962C8B-B14F-4D97-AF65-F5344CB8AC3E}">
-        <p14:creationId xmlns:p14="http://schemas.microsoft.com/office/powerpoint/2010/main" val="2352853551"/>
+        <p14:creationId xmlns:p14="http://schemas.microsoft.com/office/powerpoint/2010/main" val="809383346"/>
       </p:ext>
     </p:extLst>
   </p:cSld>
   <p:clrMapOvr>
     <a:masterClrMapping/>
   </p:clrMapOvr>
+  <p:timing>
+    <p:tnLst>
+      <p:par>
+        <p:cTn id="1" dur="indefinite" restart="never" nodeType="tmRoot"/>
+      </p:par>
+    </p:tnLst>
+  </p:timing>
 </p:sld>
 </file>
 
@@ -3958,7 +3837,7 @@
       </p:grpSpPr>
       <p:sp>
         <p:nvSpPr>
-          <p:cNvPr id="2" name="1 Título"/>
+          <p:cNvPr id="2" name="Título 1"/>
           <p:cNvSpPr>
             <a:spLocks noGrp="1"/>
           </p:cNvSpPr>
@@ -3968,1825 +3847,60 @@
         </p:nvSpPr>
         <p:spPr/>
         <p:txBody>
-          <a:bodyPr>
-            <a:normAutofit/>
-          </a:bodyPr>
+          <a:bodyPr/>
           <a:lstStyle/>
           <a:p>
-            <a:r>
-              <a:rPr lang="es-CO" b="1" dirty="0">
-                <a:solidFill>
-                  <a:srgbClr val="0070C0"/>
-                </a:solidFill>
-              </a:rPr>
-              <a:t>Muestreo por Juicio </a:t>
-            </a:r>
-          </a:p>
-        </p:txBody>
-      </p:sp>
-      <p:sp>
-        <p:nvSpPr>
-          <p:cNvPr id="3" name="2 Marcador de contenido"/>
-          <p:cNvSpPr>
-            <a:spLocks noGrp="1"/>
-          </p:cNvSpPr>
-          <p:nvPr>
-            <p:ph idx="1"/>
-          </p:nvPr>
-        </p:nvSpPr>
-        <p:spPr>
-          <a:xfrm>
-            <a:off x="457200" y="1600201"/>
-            <a:ext cx="8229600" cy="2044824"/>
-          </a:xfrm>
-        </p:spPr>
-        <p:txBody>
-          <a:bodyPr>
-            <a:normAutofit fontScale="70000" lnSpcReduction="20000"/>
-          </a:bodyPr>
-          <a:lstStyle/>
-          <a:p>
-            <a:r>
-              <a:rPr lang="es-CO" dirty="0" smtClean="0"/>
-              <a:t>Se selecciona de acuerdo a alguna característica especifica del encuestado juzgada por el encuestador</a:t>
-            </a:r>
-          </a:p>
-          <a:p>
-            <a:r>
-              <a:rPr lang="es-CO" dirty="0" smtClean="0"/>
-              <a:t>Muestreo </a:t>
-            </a:r>
-            <a:r>
-              <a:rPr lang="es-CO" dirty="0"/>
-              <a:t>por conveniencia </a:t>
-            </a:r>
-          </a:p>
-          <a:p>
-            <a:r>
-              <a:rPr lang="es-CO" dirty="0" smtClean="0"/>
-              <a:t>Clientes / Consumidores de un cierto tipo</a:t>
-            </a:r>
-          </a:p>
-          <a:p>
-            <a:r>
-              <a:rPr lang="es-CO" dirty="0" smtClean="0"/>
-              <a:t>Expertos en un tema o aspecto de la organización </a:t>
-            </a:r>
-          </a:p>
-          <a:p>
-            <a:r>
-              <a:rPr lang="es-CO" dirty="0" smtClean="0"/>
-              <a:t>Personajes “líderes de opinión”</a:t>
-            </a:r>
-            <a:endParaRPr lang="es-CO" dirty="0"/>
+            <a:endParaRPr lang="es-CO"/>
           </a:p>
         </p:txBody>
       </p:sp>
       <p:pic>
         <p:nvPicPr>
-          <p:cNvPr id="5122" name="Picture 2"/>
+          <p:cNvPr id="4" name="Marcador de contenido 3"/>
           <p:cNvPicPr>
-            <a:picLocks noChangeAspect="1" noChangeArrowheads="1"/>
+            <a:picLocks noGrp="1" noChangeAspect="1"/>
           </p:cNvPicPr>
-          <p:nvPr/>
+          <p:nvPr>
+            <p:ph idx="1"/>
+          </p:nvPr>
         </p:nvPicPr>
         <p:blipFill>
-          <a:blip r:embed="rId2">
-            <a:extLst>
-              <a:ext uri="{28A0092B-C50C-407E-A947-70E740481C1C}">
-                <a14:useLocalDpi xmlns:a14="http://schemas.microsoft.com/office/drawing/2010/main" val="0"/>
-              </a:ext>
-            </a:extLst>
-          </a:blip>
-          <a:srcRect/>
+          <a:blip r:embed="rId2"/>
           <a:stretch>
             <a:fillRect/>
           </a:stretch>
         </p:blipFill>
-        <p:spPr bwMode="auto">
+        <p:spPr>
           <a:xfrm>
-            <a:off x="1907704" y="3524267"/>
-            <a:ext cx="4819650" cy="3133725"/>
+            <a:off x="512617" y="1343025"/>
+            <a:ext cx="8002733" cy="4000500"/>
           </a:xfrm>
           <a:prstGeom prst="rect">
             <a:avLst/>
           </a:prstGeom>
-          <a:noFill/>
-          <a:ln>
-            <a:noFill/>
-          </a:ln>
-          <a:extLst>
-            <a:ext uri="{909E8E84-426E-40DD-AFC4-6F175D3DCCD1}">
-              <a14:hiddenFill xmlns:a14="http://schemas.microsoft.com/office/drawing/2010/main">
-                <a:solidFill>
-                  <a:schemeClr val="accent1"/>
-                </a:solidFill>
-              </a14:hiddenFill>
-            </a:ext>
-            <a:ext uri="{91240B29-F687-4F45-9708-019B960494DF}">
-              <a14:hiddenLine xmlns:a14="http://schemas.microsoft.com/office/drawing/2010/main" w="9525">
-                <a:solidFill>
-                  <a:schemeClr val="tx1"/>
-                </a:solidFill>
-                <a:miter lim="800000"/>
-                <a:headEnd/>
-                <a:tailEnd/>
-              </a14:hiddenLine>
-            </a:ext>
-          </a:extLst>
         </p:spPr>
       </p:pic>
     </p:spTree>
     <p:extLst>
       <p:ext uri="{BB962C8B-B14F-4D97-AF65-F5344CB8AC3E}">
-        <p14:creationId xmlns:p14="http://schemas.microsoft.com/office/powerpoint/2010/main" val="3588502736"/>
+        <p14:creationId xmlns:p14="http://schemas.microsoft.com/office/powerpoint/2010/main" val="110625081"/>
       </p:ext>
     </p:extLst>
   </p:cSld>
   <p:clrMapOvr>
     <a:masterClrMapping/>
   </p:clrMapOvr>
+  <p:timing>
+    <p:tnLst>
+      <p:par>
+        <p:cTn id="1" dur="indefinite" restart="never" nodeType="tmRoot"/>
+      </p:par>
+    </p:tnLst>
+  </p:timing>
 </p:sld>
 </file>
 
 <file path=ppt/slides/slide13.xml><?xml version="1.0" encoding="utf-8"?>
-<p:sld xmlns:a="http://schemas.openxmlformats.org/drawingml/2006/main" xmlns:r="http://schemas.openxmlformats.org/officeDocument/2006/relationships" xmlns:p="http://schemas.openxmlformats.org/presentationml/2006/main">
-  <p:cSld>
-    <p:spTree>
-      <p:nvGrpSpPr>
-        <p:cNvPr id="1" name=""/>
-        <p:cNvGrpSpPr/>
-        <p:nvPr/>
-      </p:nvGrpSpPr>
-      <p:grpSpPr>
-        <a:xfrm>
-          <a:off x="0" y="0"/>
-          <a:ext cx="0" cy="0"/>
-          <a:chOff x="0" y="0"/>
-          <a:chExt cx="0" cy="0"/>
-        </a:xfrm>
-      </p:grpSpPr>
-      <p:sp>
-        <p:nvSpPr>
-          <p:cNvPr id="2" name="1 Título"/>
-          <p:cNvSpPr>
-            <a:spLocks noGrp="1"/>
-          </p:cNvSpPr>
-          <p:nvPr>
-            <p:ph type="title"/>
-          </p:nvPr>
-        </p:nvSpPr>
-        <p:spPr/>
-        <p:txBody>
-          <a:bodyPr>
-            <a:normAutofit/>
-          </a:bodyPr>
-          <a:lstStyle/>
-          <a:p>
-            <a:r>
-              <a:rPr lang="es-CO" b="1" dirty="0">
-                <a:solidFill>
-                  <a:srgbClr val="0070C0"/>
-                </a:solidFill>
-              </a:rPr>
-              <a:t>Muestreo por Cuota </a:t>
-            </a:r>
-          </a:p>
-        </p:txBody>
-      </p:sp>
-      <p:sp>
-        <p:nvSpPr>
-          <p:cNvPr id="3" name="2 Marcador de contenido"/>
-          <p:cNvSpPr>
-            <a:spLocks noGrp="1"/>
-          </p:cNvSpPr>
-          <p:nvPr>
-            <p:ph idx="1"/>
-          </p:nvPr>
-        </p:nvSpPr>
-        <p:spPr>
-          <a:xfrm>
-            <a:off x="457200" y="1600201"/>
-            <a:ext cx="8507288" cy="1684783"/>
-          </a:xfrm>
-        </p:spPr>
-        <p:txBody>
-          <a:bodyPr>
-            <a:normAutofit fontScale="92500" lnSpcReduction="20000"/>
-          </a:bodyPr>
-          <a:lstStyle/>
-          <a:p>
-            <a:r>
-              <a:rPr lang="es-CO" dirty="0" smtClean="0"/>
-              <a:t>Separa la población de acuerdo a variables de control: edad, sexo, raza, nivel socio-económico </a:t>
-            </a:r>
-          </a:p>
-          <a:p>
-            <a:r>
-              <a:rPr lang="es-CO" dirty="0" smtClean="0"/>
-              <a:t>A cada subgrupo se le asigna una proporción de muestreo, típicamente un % de la población</a:t>
-            </a:r>
-            <a:endParaRPr lang="es-CO" dirty="0"/>
-          </a:p>
-        </p:txBody>
-      </p:sp>
-      <p:pic>
-        <p:nvPicPr>
-          <p:cNvPr id="2050" name="Picture 2"/>
-          <p:cNvPicPr>
-            <a:picLocks noChangeAspect="1" noChangeArrowheads="1"/>
-          </p:cNvPicPr>
-          <p:nvPr/>
-        </p:nvPicPr>
-        <p:blipFill>
-          <a:blip r:embed="rId2">
-            <a:extLst>
-              <a:ext uri="{28A0092B-C50C-407E-A947-70E740481C1C}">
-                <a14:useLocalDpi xmlns:a14="http://schemas.microsoft.com/office/drawing/2010/main" val="0"/>
-              </a:ext>
-            </a:extLst>
-          </a:blip>
-          <a:srcRect/>
-          <a:stretch>
-            <a:fillRect/>
-          </a:stretch>
-        </p:blipFill>
-        <p:spPr bwMode="auto">
-          <a:xfrm>
-            <a:off x="2699792" y="3381096"/>
-            <a:ext cx="4953668" cy="3278765"/>
-          </a:xfrm>
-          <a:prstGeom prst="rect">
-            <a:avLst/>
-          </a:prstGeom>
-          <a:noFill/>
-          <a:ln>
-            <a:noFill/>
-          </a:ln>
-          <a:extLst>
-            <a:ext uri="{909E8E84-426E-40DD-AFC4-6F175D3DCCD1}">
-              <a14:hiddenFill xmlns:a14="http://schemas.microsoft.com/office/drawing/2010/main">
-                <a:solidFill>
-                  <a:schemeClr val="accent1"/>
-                </a:solidFill>
-              </a14:hiddenFill>
-            </a:ext>
-            <a:ext uri="{91240B29-F687-4F45-9708-019B960494DF}">
-              <a14:hiddenLine xmlns:a14="http://schemas.microsoft.com/office/drawing/2010/main" w="9525">
-                <a:solidFill>
-                  <a:schemeClr val="tx1"/>
-                </a:solidFill>
-                <a:miter lim="800000"/>
-                <a:headEnd/>
-                <a:tailEnd/>
-              </a14:hiddenLine>
-            </a:ext>
-          </a:extLst>
-        </p:spPr>
-      </p:pic>
-    </p:spTree>
-    <p:extLst>
-      <p:ext uri="{BB962C8B-B14F-4D97-AF65-F5344CB8AC3E}">
-        <p14:creationId xmlns:p14="http://schemas.microsoft.com/office/powerpoint/2010/main" val="2251312649"/>
-      </p:ext>
-    </p:extLst>
-  </p:cSld>
-  <p:clrMapOvr>
-    <a:masterClrMapping/>
-  </p:clrMapOvr>
-</p:sld>
-</file>
-
-<file path=ppt/slides/slide14.xml><?xml version="1.0" encoding="utf-8"?>
-<p:sld xmlns:a="http://schemas.openxmlformats.org/drawingml/2006/main" xmlns:r="http://schemas.openxmlformats.org/officeDocument/2006/relationships" xmlns:p="http://schemas.openxmlformats.org/presentationml/2006/main">
-  <p:cSld>
-    <p:spTree>
-      <p:nvGrpSpPr>
-        <p:cNvPr id="1" name=""/>
-        <p:cNvGrpSpPr/>
-        <p:nvPr/>
-      </p:nvGrpSpPr>
-      <p:grpSpPr>
-        <a:xfrm>
-          <a:off x="0" y="0"/>
-          <a:ext cx="0" cy="0"/>
-          <a:chOff x="0" y="0"/>
-          <a:chExt cx="0" cy="0"/>
-        </a:xfrm>
-      </p:grpSpPr>
-      <p:sp>
-        <p:nvSpPr>
-          <p:cNvPr id="2" name="1 Título"/>
-          <p:cNvSpPr>
-            <a:spLocks noGrp="1"/>
-          </p:cNvSpPr>
-          <p:nvPr>
-            <p:ph type="title"/>
-          </p:nvPr>
-        </p:nvSpPr>
-        <p:spPr/>
-        <p:txBody>
-          <a:bodyPr>
-            <a:normAutofit/>
-          </a:bodyPr>
-          <a:lstStyle/>
-          <a:p>
-            <a:r>
-              <a:rPr lang="es-CO" b="1" dirty="0">
-                <a:solidFill>
-                  <a:srgbClr val="0070C0"/>
-                </a:solidFill>
-              </a:rPr>
-              <a:t>Muestreo tipo bola de nieve </a:t>
-            </a:r>
-          </a:p>
-        </p:txBody>
-      </p:sp>
-      <p:sp>
-        <p:nvSpPr>
-          <p:cNvPr id="3" name="2 Marcador de contenido"/>
-          <p:cNvSpPr>
-            <a:spLocks noGrp="1"/>
-          </p:cNvSpPr>
-          <p:nvPr>
-            <p:ph idx="1"/>
-          </p:nvPr>
-        </p:nvSpPr>
-        <p:spPr>
-          <a:xfrm>
-            <a:off x="467544" y="1317989"/>
-            <a:ext cx="8229600" cy="2116832"/>
-          </a:xfrm>
-        </p:spPr>
-        <p:txBody>
-          <a:bodyPr>
-            <a:normAutofit fontScale="70000" lnSpcReduction="20000"/>
-          </a:bodyPr>
-          <a:lstStyle/>
-          <a:p>
-            <a:r>
-              <a:rPr lang="es-CO" dirty="0" smtClean="0"/>
-              <a:t>Se selecciona un grupo inicial</a:t>
-            </a:r>
-          </a:p>
-          <a:p>
-            <a:r>
-              <a:rPr lang="es-CO" dirty="0" smtClean="0"/>
-              <a:t>Los nuevos encuestados se seleccionan en base a las referencias de los encuestados anteriores, explotando sus “redes sociales” .</a:t>
-            </a:r>
-          </a:p>
-          <a:p>
-            <a:r>
-              <a:rPr lang="es-CO" dirty="0" smtClean="0"/>
-              <a:t>Muy utilizado en ciencias sociales, cuando la característica a estudiar es rara o escasa y cuando es difícil conseguir encuestados.</a:t>
-            </a:r>
-            <a:endParaRPr lang="es-CO" dirty="0"/>
-          </a:p>
-        </p:txBody>
-      </p:sp>
-      <p:pic>
-        <p:nvPicPr>
-          <p:cNvPr id="3074" name="Picture 2"/>
-          <p:cNvPicPr>
-            <a:picLocks noChangeAspect="1" noChangeArrowheads="1"/>
-          </p:cNvPicPr>
-          <p:nvPr/>
-        </p:nvPicPr>
-        <p:blipFill>
-          <a:blip r:embed="rId2">
-            <a:extLst>
-              <a:ext uri="{28A0092B-C50C-407E-A947-70E740481C1C}">
-                <a14:useLocalDpi xmlns:a14="http://schemas.microsoft.com/office/drawing/2010/main" val="0"/>
-              </a:ext>
-            </a:extLst>
-          </a:blip>
-          <a:srcRect/>
-          <a:stretch>
-            <a:fillRect/>
-          </a:stretch>
-        </p:blipFill>
-        <p:spPr bwMode="auto">
-          <a:xfrm>
-            <a:off x="179512" y="3434821"/>
-            <a:ext cx="4933950" cy="2952750"/>
-          </a:xfrm>
-          <a:prstGeom prst="rect">
-            <a:avLst/>
-          </a:prstGeom>
-          <a:noFill/>
-          <a:ln>
-            <a:noFill/>
-          </a:ln>
-          <a:extLst>
-            <a:ext uri="{909E8E84-426E-40DD-AFC4-6F175D3DCCD1}">
-              <a14:hiddenFill xmlns:a14="http://schemas.microsoft.com/office/drawing/2010/main">
-                <a:solidFill>
-                  <a:schemeClr val="accent1"/>
-                </a:solidFill>
-              </a14:hiddenFill>
-            </a:ext>
-            <a:ext uri="{91240B29-F687-4F45-9708-019B960494DF}">
-              <a14:hiddenLine xmlns:a14="http://schemas.microsoft.com/office/drawing/2010/main" w="9525">
-                <a:solidFill>
-                  <a:schemeClr val="tx1"/>
-                </a:solidFill>
-                <a:miter lim="800000"/>
-                <a:headEnd/>
-                <a:tailEnd/>
-              </a14:hiddenLine>
-            </a:ext>
-          </a:extLst>
-        </p:spPr>
-      </p:pic>
-      <p:sp>
-        <p:nvSpPr>
-          <p:cNvPr id="4" name="3 CuadroTexto"/>
-          <p:cNvSpPr txBox="1"/>
-          <p:nvPr/>
-        </p:nvSpPr>
-        <p:spPr>
-          <a:xfrm>
-            <a:off x="5292080" y="3434821"/>
-            <a:ext cx="3600400" cy="2862322"/>
-          </a:xfrm>
-          <a:prstGeom prst="rect">
-            <a:avLst/>
-          </a:prstGeom>
-          <a:noFill/>
-        </p:spPr>
-        <p:txBody>
-          <a:bodyPr wrap="square" rtlCol="0">
-            <a:spAutoFit/>
-          </a:bodyPr>
-          <a:lstStyle/>
-          <a:p>
-            <a:r>
-              <a:rPr lang="es-CO" dirty="0"/>
-              <a:t>Un investigador quiere hacer un estudio sobre el comportamiento de los individuos </a:t>
-            </a:r>
-            <a:r>
-              <a:rPr lang="es-CO" dirty="0" smtClean="0"/>
-              <a:t>de una</a:t>
-            </a:r>
-            <a:r>
-              <a:rPr lang="es-CO" dirty="0"/>
-              <a:t> secta secreta. </a:t>
-            </a:r>
-            <a:endParaRPr lang="es-CO" dirty="0" smtClean="0"/>
-          </a:p>
-          <a:p>
-            <a:endParaRPr lang="es-CO" dirty="0"/>
-          </a:p>
-          <a:p>
-            <a:r>
-              <a:rPr lang="es-CO" dirty="0" smtClean="0"/>
-              <a:t>Empieza </a:t>
-            </a:r>
-            <a:r>
-              <a:rPr lang="es-CO" dirty="0"/>
-              <a:t>estudiando a tres integrantes </a:t>
-            </a:r>
-            <a:r>
-              <a:rPr lang="es-CO" dirty="0" smtClean="0"/>
-              <a:t>de </a:t>
-            </a:r>
-            <a:r>
-              <a:rPr lang="es-CO" dirty="0"/>
-              <a:t>la misma secta que conoce y ellos le van presentando a otros sujetos para incluirlos en su estudio.</a:t>
-            </a:r>
-          </a:p>
-          <a:p>
-            <a:endParaRPr lang="es-CO" dirty="0"/>
-          </a:p>
-        </p:txBody>
-      </p:sp>
-    </p:spTree>
-    <p:extLst>
-      <p:ext uri="{BB962C8B-B14F-4D97-AF65-F5344CB8AC3E}">
-        <p14:creationId xmlns:p14="http://schemas.microsoft.com/office/powerpoint/2010/main" val="4024474921"/>
-      </p:ext>
-    </p:extLst>
-  </p:cSld>
-  <p:clrMapOvr>
-    <a:masterClrMapping/>
-  </p:clrMapOvr>
-</p:sld>
-</file>
-
-<file path=ppt/slides/slide15.xml><?xml version="1.0" encoding="utf-8"?>
-<p:sld xmlns:a="http://schemas.openxmlformats.org/drawingml/2006/main" xmlns:r="http://schemas.openxmlformats.org/officeDocument/2006/relationships" xmlns:p="http://schemas.openxmlformats.org/presentationml/2006/main">
-  <p:cSld>
-    <p:spTree>
-      <p:nvGrpSpPr>
-        <p:cNvPr id="1" name=""/>
-        <p:cNvGrpSpPr/>
-        <p:nvPr/>
-      </p:nvGrpSpPr>
-      <p:grpSpPr>
-        <a:xfrm>
-          <a:off x="0" y="0"/>
-          <a:ext cx="0" cy="0"/>
-          <a:chOff x="0" y="0"/>
-          <a:chExt cx="0" cy="0"/>
-        </a:xfrm>
-      </p:grpSpPr>
-      <p:sp>
-        <p:nvSpPr>
-          <p:cNvPr id="2" name="1 Título"/>
-          <p:cNvSpPr>
-            <a:spLocks noGrp="1"/>
-          </p:cNvSpPr>
-          <p:nvPr>
-            <p:ph type="title"/>
-          </p:nvPr>
-        </p:nvSpPr>
-        <p:spPr>
-          <a:xfrm>
-            <a:off x="467544" y="620688"/>
-            <a:ext cx="8229600" cy="1143000"/>
-          </a:xfrm>
-        </p:spPr>
-        <p:txBody>
-          <a:bodyPr>
-            <a:normAutofit fontScale="90000"/>
-          </a:bodyPr>
-          <a:lstStyle/>
-          <a:p>
-            <a:r>
-              <a:rPr lang="es-CO" sz="4900" b="1" dirty="0" smtClean="0">
-                <a:solidFill>
-                  <a:srgbClr val="0070C0"/>
-                </a:solidFill>
-              </a:rPr>
-              <a:t>Muestreo probabilístico </a:t>
-            </a:r>
-            <a:br>
-              <a:rPr lang="es-CO" sz="4900" b="1" dirty="0" smtClean="0">
-                <a:solidFill>
-                  <a:srgbClr val="0070C0"/>
-                </a:solidFill>
-              </a:rPr>
-            </a:br>
-            <a:r>
-              <a:rPr lang="es-CO" sz="4900" b="1" dirty="0" smtClean="0">
-                <a:solidFill>
-                  <a:srgbClr val="0070C0"/>
-                </a:solidFill>
-              </a:rPr>
-              <a:t>Muestreo </a:t>
-            </a:r>
-            <a:r>
-              <a:rPr lang="es-CO" sz="4900" b="1" dirty="0">
-                <a:solidFill>
-                  <a:srgbClr val="0070C0"/>
-                </a:solidFill>
-              </a:rPr>
-              <a:t>Aleatorio Simple</a:t>
-            </a:r>
-            <a:r>
-              <a:rPr lang="es-CO" dirty="0" smtClean="0"/>
-              <a:t/>
-            </a:r>
-            <a:br>
-              <a:rPr lang="es-CO" dirty="0" smtClean="0"/>
-            </a:br>
-            <a:endParaRPr lang="es-CO" dirty="0"/>
-          </a:p>
-        </p:txBody>
-      </p:sp>
-      <p:sp>
-        <p:nvSpPr>
-          <p:cNvPr id="3" name="2 Marcador de contenido"/>
-          <p:cNvSpPr>
-            <a:spLocks noGrp="1"/>
-          </p:cNvSpPr>
-          <p:nvPr>
-            <p:ph idx="1"/>
-          </p:nvPr>
-        </p:nvSpPr>
-        <p:spPr>
-          <a:xfrm>
-            <a:off x="467544" y="1988840"/>
-            <a:ext cx="6131024" cy="4525963"/>
-          </a:xfrm>
-        </p:spPr>
-        <p:txBody>
-          <a:bodyPr>
-            <a:normAutofit fontScale="77500" lnSpcReduction="20000"/>
-          </a:bodyPr>
-          <a:lstStyle/>
-          <a:p>
-            <a:r>
-              <a:rPr lang="es-CO" dirty="0" smtClean="0"/>
-              <a:t>Cada elemento del marco </a:t>
-            </a:r>
-            <a:r>
-              <a:rPr lang="es-CO" dirty="0" err="1" smtClean="0"/>
-              <a:t>muestral</a:t>
-            </a:r>
-            <a:r>
-              <a:rPr lang="es-CO" dirty="0" smtClean="0"/>
-              <a:t> tiene la misma probabilidad de ser seleccionado y cada elemento se selecciona de manera independiente de los otros.</a:t>
-            </a:r>
-          </a:p>
-          <a:p>
-            <a:r>
-              <a:rPr lang="es-CO" dirty="0"/>
-              <a:t>C</a:t>
-            </a:r>
-            <a:r>
-              <a:rPr lang="es-CO" dirty="0" smtClean="0"/>
-              <a:t>on reemplazo: se pueden repetir elementos</a:t>
-            </a:r>
-          </a:p>
-          <a:p>
-            <a:r>
-              <a:rPr lang="es-CO" dirty="0"/>
-              <a:t>S</a:t>
-            </a:r>
-            <a:r>
-              <a:rPr lang="es-CO" dirty="0" smtClean="0"/>
-              <a:t>in reemplazo: no se pueden repetir elementos</a:t>
-            </a:r>
-          </a:p>
-          <a:p>
-            <a:r>
-              <a:rPr lang="es-CO" dirty="0"/>
-              <a:t>S</a:t>
-            </a:r>
-            <a:r>
-              <a:rPr lang="es-CO" dirty="0" smtClean="0"/>
-              <a:t>e indexa a la población y luego se elige un índice de manera aleatoria hasta completar el tamaño deseado de la muestra.</a:t>
-            </a:r>
-            <a:endParaRPr lang="es-CO" dirty="0"/>
-          </a:p>
-        </p:txBody>
-      </p:sp>
-      <p:pic>
-        <p:nvPicPr>
-          <p:cNvPr id="4098" name="Picture 2"/>
-          <p:cNvPicPr>
-            <a:picLocks noChangeAspect="1" noChangeArrowheads="1"/>
-          </p:cNvPicPr>
-          <p:nvPr/>
-        </p:nvPicPr>
-        <p:blipFill>
-          <a:blip r:embed="rId2">
-            <a:extLst>
-              <a:ext uri="{28A0092B-C50C-407E-A947-70E740481C1C}">
-                <a14:useLocalDpi xmlns:a14="http://schemas.microsoft.com/office/drawing/2010/main" val="0"/>
-              </a:ext>
-            </a:extLst>
-          </a:blip>
-          <a:srcRect/>
-          <a:stretch>
-            <a:fillRect/>
-          </a:stretch>
-        </p:blipFill>
-        <p:spPr bwMode="auto">
-          <a:xfrm>
-            <a:off x="6732240" y="2556867"/>
-            <a:ext cx="2247900" cy="2600325"/>
-          </a:xfrm>
-          <a:prstGeom prst="rect">
-            <a:avLst/>
-          </a:prstGeom>
-          <a:noFill/>
-          <a:ln>
-            <a:noFill/>
-          </a:ln>
-          <a:extLst>
-            <a:ext uri="{909E8E84-426E-40DD-AFC4-6F175D3DCCD1}">
-              <a14:hiddenFill xmlns:a14="http://schemas.microsoft.com/office/drawing/2010/main">
-                <a:solidFill>
-                  <a:schemeClr val="accent1"/>
-                </a:solidFill>
-              </a14:hiddenFill>
-            </a:ext>
-            <a:ext uri="{91240B29-F687-4F45-9708-019B960494DF}">
-              <a14:hiddenLine xmlns:a14="http://schemas.microsoft.com/office/drawing/2010/main" w="9525">
-                <a:solidFill>
-                  <a:schemeClr val="tx1"/>
-                </a:solidFill>
-                <a:miter lim="800000"/>
-                <a:headEnd/>
-                <a:tailEnd/>
-              </a14:hiddenLine>
-            </a:ext>
-          </a:extLst>
-        </p:spPr>
-      </p:pic>
-    </p:spTree>
-    <p:extLst>
-      <p:ext uri="{BB962C8B-B14F-4D97-AF65-F5344CB8AC3E}">
-        <p14:creationId xmlns:p14="http://schemas.microsoft.com/office/powerpoint/2010/main" val="3564453021"/>
-      </p:ext>
-    </p:extLst>
-  </p:cSld>
-  <p:clrMapOvr>
-    <a:masterClrMapping/>
-  </p:clrMapOvr>
-</p:sld>
-</file>
-
-<file path=ppt/slides/slide16.xml><?xml version="1.0" encoding="utf-8"?>
-<p:sld xmlns:a="http://schemas.openxmlformats.org/drawingml/2006/main" xmlns:r="http://schemas.openxmlformats.org/officeDocument/2006/relationships" xmlns:p="http://schemas.openxmlformats.org/presentationml/2006/main">
-  <p:cSld>
-    <p:spTree>
-      <p:nvGrpSpPr>
-        <p:cNvPr id="1" name=""/>
-        <p:cNvGrpSpPr/>
-        <p:nvPr/>
-      </p:nvGrpSpPr>
-      <p:grpSpPr>
-        <a:xfrm>
-          <a:off x="0" y="0"/>
-          <a:ext cx="0" cy="0"/>
-          <a:chOff x="0" y="0"/>
-          <a:chExt cx="0" cy="0"/>
-        </a:xfrm>
-      </p:grpSpPr>
-      <p:sp>
-        <p:nvSpPr>
-          <p:cNvPr id="2" name="1 Título"/>
-          <p:cNvSpPr>
-            <a:spLocks noGrp="1"/>
-          </p:cNvSpPr>
-          <p:nvPr>
-            <p:ph type="title"/>
-          </p:nvPr>
-        </p:nvSpPr>
-        <p:spPr>
-          <a:xfrm>
-            <a:off x="467544" y="476672"/>
-            <a:ext cx="8229600" cy="720080"/>
-          </a:xfrm>
-        </p:spPr>
-        <p:txBody>
-          <a:bodyPr>
-            <a:noAutofit/>
-          </a:bodyPr>
-          <a:lstStyle/>
-          <a:p>
-            <a:r>
-              <a:rPr lang="es-CO" b="1" dirty="0" smtClean="0">
-                <a:solidFill>
-                  <a:srgbClr val="0070C0"/>
-                </a:solidFill>
-              </a:rPr>
-              <a:t>Muestreo </a:t>
-            </a:r>
-            <a:r>
-              <a:rPr lang="es-CO" b="1" dirty="0">
-                <a:solidFill>
-                  <a:srgbClr val="0070C0"/>
-                </a:solidFill>
-              </a:rPr>
-              <a:t>Aleatorio Estratificado</a:t>
-            </a:r>
-          </a:p>
-        </p:txBody>
-      </p:sp>
-      <p:sp>
-        <p:nvSpPr>
-          <p:cNvPr id="3" name="2 Marcador de contenido"/>
-          <p:cNvSpPr>
-            <a:spLocks noGrp="1"/>
-          </p:cNvSpPr>
-          <p:nvPr>
-            <p:ph idx="1"/>
-          </p:nvPr>
-        </p:nvSpPr>
-        <p:spPr>
-          <a:xfrm>
-            <a:off x="251520" y="1772816"/>
-            <a:ext cx="5400600" cy="4525963"/>
-          </a:xfrm>
-        </p:spPr>
-        <p:txBody>
-          <a:bodyPr>
-            <a:normAutofit fontScale="85000" lnSpcReduction="20000"/>
-          </a:bodyPr>
-          <a:lstStyle/>
-          <a:p>
-            <a:pPr marL="0" indent="0">
-              <a:buNone/>
-            </a:pPr>
-            <a:r>
-              <a:rPr lang="es-CO" dirty="0"/>
-              <a:t>Antes de seleccionar los elementos, se agrupa </a:t>
-            </a:r>
-            <a:r>
-              <a:rPr lang="es-CO" dirty="0" smtClean="0"/>
-              <a:t>la población </a:t>
-            </a:r>
-            <a:r>
-              <a:rPr lang="es-CO" dirty="0" err="1" smtClean="0"/>
-              <a:t>muestral</a:t>
-            </a:r>
-            <a:r>
-              <a:rPr lang="es-CO" dirty="0" smtClean="0"/>
-              <a:t> </a:t>
-            </a:r>
-            <a:r>
-              <a:rPr lang="es-CO" dirty="0"/>
-              <a:t>en estratos de acuerdo a </a:t>
-            </a:r>
-            <a:r>
-              <a:rPr lang="es-CO" dirty="0" smtClean="0"/>
-              <a:t>una variable </a:t>
-            </a:r>
-            <a:r>
-              <a:rPr lang="es-CO" dirty="0"/>
-              <a:t>importante: edad, género</a:t>
-            </a:r>
-            <a:r>
-              <a:rPr lang="es-CO" dirty="0" smtClean="0"/>
-              <a:t>, ocupación</a:t>
-            </a:r>
-            <a:r>
-              <a:rPr lang="es-CO" dirty="0"/>
-              <a:t>.</a:t>
-            </a:r>
-          </a:p>
-          <a:p>
-            <a:endParaRPr lang="es-CO" dirty="0" smtClean="0"/>
-          </a:p>
-          <a:p>
-            <a:pPr marL="0" indent="0">
-              <a:buNone/>
-            </a:pPr>
-            <a:r>
-              <a:rPr lang="es-CO" dirty="0" smtClean="0"/>
-              <a:t>Objetivo</a:t>
-            </a:r>
-            <a:r>
-              <a:rPr lang="es-CO" dirty="0"/>
-              <a:t>: reducir la variabilidad que se </a:t>
-            </a:r>
-            <a:r>
-              <a:rPr lang="es-CO" dirty="0" smtClean="0"/>
-              <a:t>puede observar </a:t>
-            </a:r>
-            <a:r>
-              <a:rPr lang="es-CO" dirty="0"/>
-              <a:t>dentro de cada </a:t>
-            </a:r>
-            <a:r>
-              <a:rPr lang="es-CO" dirty="0" smtClean="0"/>
-              <a:t>estrato</a:t>
-            </a:r>
-          </a:p>
-          <a:p>
-            <a:pPr marL="0" indent="0">
-              <a:buNone/>
-            </a:pPr>
-            <a:endParaRPr lang="es-CO" dirty="0"/>
-          </a:p>
-          <a:p>
-            <a:pPr marL="0" indent="0">
-              <a:buNone/>
-            </a:pPr>
-            <a:r>
-              <a:rPr lang="es-CO" dirty="0" smtClean="0"/>
-              <a:t>Dentro </a:t>
-            </a:r>
-            <a:r>
-              <a:rPr lang="es-CO" dirty="0"/>
-              <a:t>de cada estrato se puede proceder </a:t>
-            </a:r>
-            <a:r>
-              <a:rPr lang="es-CO" dirty="0" smtClean="0"/>
-              <a:t>con muestreo simple</a:t>
-            </a:r>
-            <a:endParaRPr lang="es-CO" dirty="0"/>
-          </a:p>
-        </p:txBody>
-      </p:sp>
-      <p:pic>
-        <p:nvPicPr>
-          <p:cNvPr id="6146" name="Picture 2"/>
-          <p:cNvPicPr>
-            <a:picLocks noChangeAspect="1" noChangeArrowheads="1"/>
-          </p:cNvPicPr>
-          <p:nvPr/>
-        </p:nvPicPr>
-        <p:blipFill>
-          <a:blip r:embed="rId2">
-            <a:extLst>
-              <a:ext uri="{28A0092B-C50C-407E-A947-70E740481C1C}">
-                <a14:useLocalDpi xmlns:a14="http://schemas.microsoft.com/office/drawing/2010/main" val="0"/>
-              </a:ext>
-            </a:extLst>
-          </a:blip>
-          <a:srcRect/>
-          <a:stretch>
-            <a:fillRect/>
-          </a:stretch>
-        </p:blipFill>
-        <p:spPr bwMode="auto">
-          <a:xfrm>
-            <a:off x="5382344" y="2132856"/>
-            <a:ext cx="3638550" cy="3133725"/>
-          </a:xfrm>
-          <a:prstGeom prst="rect">
-            <a:avLst/>
-          </a:prstGeom>
-          <a:noFill/>
-          <a:ln>
-            <a:noFill/>
-          </a:ln>
-          <a:extLst>
-            <a:ext uri="{909E8E84-426E-40DD-AFC4-6F175D3DCCD1}">
-              <a14:hiddenFill xmlns:a14="http://schemas.microsoft.com/office/drawing/2010/main">
-                <a:solidFill>
-                  <a:schemeClr val="accent1"/>
-                </a:solidFill>
-              </a14:hiddenFill>
-            </a:ext>
-            <a:ext uri="{91240B29-F687-4F45-9708-019B960494DF}">
-              <a14:hiddenLine xmlns:a14="http://schemas.microsoft.com/office/drawing/2010/main" w="9525">
-                <a:solidFill>
-                  <a:schemeClr val="tx1"/>
-                </a:solidFill>
-                <a:miter lim="800000"/>
-                <a:headEnd/>
-                <a:tailEnd/>
-              </a14:hiddenLine>
-            </a:ext>
-          </a:extLst>
-        </p:spPr>
-      </p:pic>
-    </p:spTree>
-    <p:extLst>
-      <p:ext uri="{BB962C8B-B14F-4D97-AF65-F5344CB8AC3E}">
-        <p14:creationId xmlns:p14="http://schemas.microsoft.com/office/powerpoint/2010/main" val="260002158"/>
-      </p:ext>
-    </p:extLst>
-  </p:cSld>
-  <p:clrMapOvr>
-    <a:masterClrMapping/>
-  </p:clrMapOvr>
-</p:sld>
-</file>
-
-<file path=ppt/slides/slide17.xml><?xml version="1.0" encoding="utf-8"?>
-<p:sld xmlns:a="http://schemas.openxmlformats.org/drawingml/2006/main" xmlns:r="http://schemas.openxmlformats.org/officeDocument/2006/relationships" xmlns:p="http://schemas.openxmlformats.org/presentationml/2006/main">
-  <p:cSld>
-    <p:spTree>
-      <p:nvGrpSpPr>
-        <p:cNvPr id="1" name=""/>
-        <p:cNvGrpSpPr/>
-        <p:nvPr/>
-      </p:nvGrpSpPr>
-      <p:grpSpPr>
-        <a:xfrm>
-          <a:off x="0" y="0"/>
-          <a:ext cx="0" cy="0"/>
-          <a:chOff x="0" y="0"/>
-          <a:chExt cx="0" cy="0"/>
-        </a:xfrm>
-      </p:grpSpPr>
-      <p:sp>
-        <p:nvSpPr>
-          <p:cNvPr id="2" name="1 Título"/>
-          <p:cNvSpPr>
-            <a:spLocks noGrp="1"/>
-          </p:cNvSpPr>
-          <p:nvPr>
-            <p:ph type="title"/>
-          </p:nvPr>
-        </p:nvSpPr>
-        <p:spPr/>
-        <p:txBody>
-          <a:bodyPr>
-            <a:normAutofit/>
-          </a:bodyPr>
-          <a:lstStyle/>
-          <a:p>
-            <a:r>
-              <a:rPr lang="es-CO" b="1" dirty="0">
-                <a:solidFill>
-                  <a:srgbClr val="0070C0"/>
-                </a:solidFill>
-              </a:rPr>
-              <a:t>Muestreo por conglomerados</a:t>
-            </a:r>
-          </a:p>
-        </p:txBody>
-      </p:sp>
-      <p:pic>
-        <p:nvPicPr>
-          <p:cNvPr id="7170" name="Picture 2"/>
-          <p:cNvPicPr>
-            <a:picLocks noGrp="1" noChangeAspect="1" noChangeArrowheads="1"/>
-          </p:cNvPicPr>
-          <p:nvPr>
-            <p:ph idx="1"/>
-          </p:nvPr>
-        </p:nvPicPr>
-        <p:blipFill>
-          <a:blip r:embed="rId2">
-            <a:extLst>
-              <a:ext uri="{28A0092B-C50C-407E-A947-70E740481C1C}">
-                <a14:useLocalDpi xmlns:a14="http://schemas.microsoft.com/office/drawing/2010/main" val="0"/>
-              </a:ext>
-            </a:extLst>
-          </a:blip>
-          <a:srcRect/>
-          <a:stretch>
-            <a:fillRect/>
-          </a:stretch>
-        </p:blipFill>
-        <p:spPr bwMode="auto">
-          <a:xfrm>
-            <a:off x="4943475" y="3782534"/>
-            <a:ext cx="4200525" cy="2895600"/>
-          </a:xfrm>
-          <a:prstGeom prst="rect">
-            <a:avLst/>
-          </a:prstGeom>
-          <a:noFill/>
-          <a:ln>
-            <a:noFill/>
-          </a:ln>
-          <a:extLst>
-            <a:ext uri="{909E8E84-426E-40DD-AFC4-6F175D3DCCD1}">
-              <a14:hiddenFill xmlns:a14="http://schemas.microsoft.com/office/drawing/2010/main">
-                <a:solidFill>
-                  <a:schemeClr val="accent1"/>
-                </a:solidFill>
-              </a14:hiddenFill>
-            </a:ext>
-            <a:ext uri="{91240B29-F687-4F45-9708-019B960494DF}">
-              <a14:hiddenLine xmlns:a14="http://schemas.microsoft.com/office/drawing/2010/main" w="9525">
-                <a:solidFill>
-                  <a:schemeClr val="tx1"/>
-                </a:solidFill>
-                <a:miter lim="800000"/>
-                <a:headEnd/>
-                <a:tailEnd/>
-              </a14:hiddenLine>
-            </a:ext>
-          </a:extLst>
-        </p:spPr>
-      </p:pic>
-      <p:sp>
-        <p:nvSpPr>
-          <p:cNvPr id="5" name="4 Rectángulo"/>
-          <p:cNvSpPr/>
-          <p:nvPr/>
-        </p:nvSpPr>
-        <p:spPr>
-          <a:xfrm>
-            <a:off x="323528" y="1556792"/>
-            <a:ext cx="8280920" cy="1938992"/>
-          </a:xfrm>
-          <a:prstGeom prst="rect">
-            <a:avLst/>
-          </a:prstGeom>
-        </p:spPr>
-        <p:txBody>
-          <a:bodyPr wrap="square">
-            <a:spAutoFit/>
-          </a:bodyPr>
-          <a:lstStyle/>
-          <a:p>
-            <a:pPr algn="just"/>
-            <a:r>
-              <a:rPr lang="es-CO" sz="2000" dirty="0"/>
-              <a:t>El método de muestreo por conglomerados se utiliza cuando la población está agrupada </a:t>
-            </a:r>
-            <a:r>
-              <a:rPr lang="es-CO" sz="2000" dirty="0" smtClean="0"/>
-              <a:t>naturalmente.</a:t>
-            </a:r>
-            <a:endParaRPr lang="es-CO" sz="2000" dirty="0"/>
-          </a:p>
-          <a:p>
-            <a:pPr algn="just"/>
-            <a:r>
-              <a:rPr lang="es-CO" sz="2000" dirty="0"/>
-              <a:t>Si se supone que los conglomerados son muestra significativa de la variable que se está estudiando, se puede seleccionar algunos </a:t>
-            </a:r>
-            <a:r>
-              <a:rPr lang="es-CO" sz="2000" dirty="0" smtClean="0"/>
-              <a:t>grupos </a:t>
-            </a:r>
-            <a:r>
-              <a:rPr lang="es-CO" sz="2000" dirty="0"/>
-              <a:t>al azar (todos los conglomerados deben tener las mismas probabilidades de ser seleccionados) y utilizarlos en representación de la población</a:t>
-            </a:r>
-            <a:r>
-              <a:rPr lang="es-CO" sz="2000" dirty="0" smtClean="0"/>
-              <a:t>.</a:t>
-            </a:r>
-            <a:endParaRPr lang="es-CO" sz="2000" dirty="0"/>
-          </a:p>
-        </p:txBody>
-      </p:sp>
-      <p:sp>
-        <p:nvSpPr>
-          <p:cNvPr id="6" name="5 Rectángulo"/>
-          <p:cNvSpPr/>
-          <p:nvPr/>
-        </p:nvSpPr>
-        <p:spPr>
-          <a:xfrm>
-            <a:off x="611560" y="4005064"/>
-            <a:ext cx="3852428" cy="2215991"/>
-          </a:xfrm>
-          <a:prstGeom prst="rect">
-            <a:avLst/>
-          </a:prstGeom>
-        </p:spPr>
-        <p:txBody>
-          <a:bodyPr wrap="square">
-            <a:spAutoFit/>
-          </a:bodyPr>
-          <a:lstStyle/>
-          <a:p>
-            <a:endParaRPr lang="es-CO" dirty="0"/>
-          </a:p>
-          <a:p>
-            <a:r>
-              <a:rPr lang="es-CO" sz="2000" dirty="0"/>
-              <a:t>En la práctica, el conglomerado más utilizado es el geográfico. Si queremos hacer un estudio en un país, podemos dividir el país en conglomerados como las comunidades, provincias, ciudades.</a:t>
-            </a:r>
-          </a:p>
-        </p:txBody>
-      </p:sp>
-    </p:spTree>
-    <p:extLst>
-      <p:ext uri="{BB962C8B-B14F-4D97-AF65-F5344CB8AC3E}">
-        <p14:creationId xmlns:p14="http://schemas.microsoft.com/office/powerpoint/2010/main" val="4163957138"/>
-      </p:ext>
-    </p:extLst>
-  </p:cSld>
-  <p:clrMapOvr>
-    <a:masterClrMapping/>
-  </p:clrMapOvr>
-</p:sld>
-</file>
-
-<file path=ppt/slides/slide18.xml><?xml version="1.0" encoding="utf-8"?>
-<p:sld xmlns:a="http://schemas.openxmlformats.org/drawingml/2006/main" xmlns:r="http://schemas.openxmlformats.org/officeDocument/2006/relationships" xmlns:p="http://schemas.openxmlformats.org/presentationml/2006/main">
-  <p:cSld>
-    <p:spTree>
-      <p:nvGrpSpPr>
-        <p:cNvPr id="1" name=""/>
-        <p:cNvGrpSpPr/>
-        <p:nvPr/>
-      </p:nvGrpSpPr>
-      <p:grpSpPr>
-        <a:xfrm>
-          <a:off x="0" y="0"/>
-          <a:ext cx="0" cy="0"/>
-          <a:chOff x="0" y="0"/>
-          <a:chExt cx="0" cy="0"/>
-        </a:xfrm>
-      </p:grpSpPr>
-      <p:sp>
-        <p:nvSpPr>
-          <p:cNvPr id="2" name="1 Título"/>
-          <p:cNvSpPr>
-            <a:spLocks noGrp="1"/>
-          </p:cNvSpPr>
-          <p:nvPr>
-            <p:ph type="title"/>
-          </p:nvPr>
-        </p:nvSpPr>
-        <p:spPr/>
-        <p:txBody>
-          <a:bodyPr>
-            <a:normAutofit/>
-          </a:bodyPr>
-          <a:lstStyle/>
-          <a:p>
-            <a:r>
-              <a:rPr lang="es-CO" b="1" dirty="0">
-                <a:solidFill>
-                  <a:srgbClr val="0070C0"/>
-                </a:solidFill>
-              </a:rPr>
-              <a:t>Muestreo sistemático</a:t>
-            </a:r>
-          </a:p>
-        </p:txBody>
-      </p:sp>
-      <p:pic>
-        <p:nvPicPr>
-          <p:cNvPr id="8194" name="Picture 2"/>
-          <p:cNvPicPr>
-            <a:picLocks noGrp="1" noChangeAspect="1" noChangeArrowheads="1"/>
-          </p:cNvPicPr>
-          <p:nvPr>
-            <p:ph idx="1"/>
-          </p:nvPr>
-        </p:nvPicPr>
-        <p:blipFill>
-          <a:blip r:embed="rId2">
-            <a:extLst>
-              <a:ext uri="{28A0092B-C50C-407E-A947-70E740481C1C}">
-                <a14:useLocalDpi xmlns:a14="http://schemas.microsoft.com/office/drawing/2010/main" val="0"/>
-              </a:ext>
-            </a:extLst>
-          </a:blip>
-          <a:srcRect/>
-          <a:stretch>
-            <a:fillRect/>
-          </a:stretch>
-        </p:blipFill>
-        <p:spPr bwMode="auto">
-          <a:xfrm>
-            <a:off x="1763688" y="5661248"/>
-            <a:ext cx="5476875" cy="609600"/>
-          </a:xfrm>
-          <a:prstGeom prst="rect">
-            <a:avLst/>
-          </a:prstGeom>
-          <a:noFill/>
-          <a:ln>
-            <a:noFill/>
-          </a:ln>
-          <a:extLst>
-            <a:ext uri="{909E8E84-426E-40DD-AFC4-6F175D3DCCD1}">
-              <a14:hiddenFill xmlns:a14="http://schemas.microsoft.com/office/drawing/2010/main">
-                <a:solidFill>
-                  <a:schemeClr val="accent1"/>
-                </a:solidFill>
-              </a14:hiddenFill>
-            </a:ext>
-            <a:ext uri="{91240B29-F687-4F45-9708-019B960494DF}">
-              <a14:hiddenLine xmlns:a14="http://schemas.microsoft.com/office/drawing/2010/main" w="9525">
-                <a:solidFill>
-                  <a:schemeClr val="tx1"/>
-                </a:solidFill>
-                <a:miter lim="800000"/>
-                <a:headEnd/>
-                <a:tailEnd/>
-              </a14:hiddenLine>
-            </a:ext>
-          </a:extLst>
-        </p:spPr>
-      </p:pic>
-      <p:sp>
-        <p:nvSpPr>
-          <p:cNvPr id="4" name="3 Rectángulo"/>
-          <p:cNvSpPr/>
-          <p:nvPr/>
-        </p:nvSpPr>
-        <p:spPr>
-          <a:xfrm>
-            <a:off x="827584" y="1124744"/>
-            <a:ext cx="7776864" cy="4062651"/>
-          </a:xfrm>
-          <a:prstGeom prst="rect">
-            <a:avLst/>
-          </a:prstGeom>
-        </p:spPr>
-        <p:txBody>
-          <a:bodyPr wrap="square">
-            <a:spAutoFit/>
-          </a:bodyPr>
-          <a:lstStyle/>
-          <a:p>
-            <a:pPr marL="285750" indent="-285750" fontAlgn="base">
-              <a:buFont typeface="Arial" panose="020B0604020202020204" pitchFamily="34" charset="0"/>
-              <a:buChar char="•"/>
-            </a:pPr>
-            <a:r>
-              <a:rPr lang="es-CO" sz="2400" dirty="0" smtClean="0"/>
-              <a:t>Se </a:t>
-            </a:r>
-            <a:r>
-              <a:rPr lang="es-CO" sz="2400" dirty="0"/>
-              <a:t>utiliza en </a:t>
-            </a:r>
-            <a:r>
-              <a:rPr lang="es-CO" sz="2400" dirty="0" smtClean="0"/>
-              <a:t>muestras</a:t>
-            </a:r>
-            <a:r>
-              <a:rPr lang="es-CO" sz="2400" dirty="0"/>
-              <a:t> ordenadas del 1 al </a:t>
-            </a:r>
-            <a:r>
-              <a:rPr lang="es-CO" sz="2400" i="1" dirty="0" smtClean="0"/>
-              <a:t>N</a:t>
-            </a:r>
-            <a:r>
-              <a:rPr lang="es-CO" sz="2400" dirty="0" smtClean="0"/>
-              <a:t>.</a:t>
-            </a:r>
-          </a:p>
-          <a:p>
-            <a:pPr marL="285750" indent="-285750" fontAlgn="base">
-              <a:buFont typeface="Arial" panose="020B0604020202020204" pitchFamily="34" charset="0"/>
-              <a:buChar char="•"/>
-            </a:pPr>
-            <a:r>
-              <a:rPr lang="es-CO" sz="2400" dirty="0" smtClean="0"/>
-              <a:t>Supongamos </a:t>
-            </a:r>
-            <a:r>
-              <a:rPr lang="es-CO" sz="2400" dirty="0"/>
-              <a:t>que tenemos una población de </a:t>
-            </a:r>
-            <a:r>
-              <a:rPr lang="es-CO" sz="2400" i="1" dirty="0"/>
-              <a:t>N</a:t>
-            </a:r>
-            <a:r>
-              <a:rPr lang="es-CO" sz="2400" dirty="0"/>
-              <a:t> individuos ordenados del 1 al </a:t>
-            </a:r>
-            <a:r>
-              <a:rPr lang="es-CO" sz="2400" i="1" dirty="0"/>
-              <a:t>N</a:t>
-            </a:r>
-            <a:r>
-              <a:rPr lang="es-CO" sz="2400" dirty="0"/>
-              <a:t>. Queremos seleccionar una muestra de tamaño </a:t>
-            </a:r>
-            <a:r>
-              <a:rPr lang="es-CO" sz="2400" i="1" dirty="0" smtClean="0"/>
-              <a:t>n</a:t>
-            </a:r>
-            <a:r>
-              <a:rPr lang="es-CO" sz="2400" dirty="0" smtClean="0"/>
-              <a:t>.</a:t>
-            </a:r>
-          </a:p>
-          <a:p>
-            <a:pPr marL="285750" indent="-285750" fontAlgn="base">
-              <a:buFont typeface="Arial" panose="020B0604020202020204" pitchFamily="34" charset="0"/>
-              <a:buChar char="•"/>
-            </a:pPr>
-            <a:r>
-              <a:rPr lang="es-CO" sz="2400" dirty="0" smtClean="0"/>
-              <a:t>Sea</a:t>
-            </a:r>
-            <a:r>
-              <a:rPr lang="es-CO" sz="2400" dirty="0"/>
-              <a:t> </a:t>
-            </a:r>
-            <a:r>
-              <a:rPr lang="es-CO" sz="2400" i="1" dirty="0"/>
-              <a:t>k</a:t>
-            </a:r>
-            <a:r>
-              <a:rPr lang="es-CO" sz="2400" dirty="0"/>
-              <a:t> el entero más próximo a </a:t>
-            </a:r>
-            <a:r>
-              <a:rPr lang="es-CO" sz="2400" i="1" dirty="0" smtClean="0"/>
-              <a:t>N/n</a:t>
-            </a:r>
-            <a:r>
-              <a:rPr lang="es-CO" sz="2400" dirty="0" smtClean="0"/>
-              <a:t>.</a:t>
-            </a:r>
-          </a:p>
-          <a:p>
-            <a:pPr marL="285750" indent="-285750" fontAlgn="base">
-              <a:buFont typeface="Arial" panose="020B0604020202020204" pitchFamily="34" charset="0"/>
-              <a:buChar char="•"/>
-            </a:pPr>
-            <a:r>
-              <a:rPr lang="es-CO" sz="2400" dirty="0" smtClean="0"/>
-              <a:t>Escogemos </a:t>
-            </a:r>
-            <a:r>
-              <a:rPr lang="es-CO" sz="2400" dirty="0"/>
-              <a:t>al azar un número </a:t>
-            </a:r>
-            <a:r>
-              <a:rPr lang="es-CO" sz="2400" i="1" dirty="0"/>
-              <a:t>i</a:t>
-            </a:r>
-            <a:r>
-              <a:rPr lang="es-CO" sz="2400" dirty="0"/>
-              <a:t> entre 1 y </a:t>
-            </a:r>
-            <a:r>
-              <a:rPr lang="es-CO" sz="2400" i="1" dirty="0"/>
-              <a:t>k</a:t>
-            </a:r>
-            <a:r>
-              <a:rPr lang="es-CO" sz="2400" dirty="0"/>
-              <a:t> (utilizando los números aleatorios, sacar una bola de un bombo, etc</a:t>
-            </a:r>
-            <a:r>
-              <a:rPr lang="es-CO" sz="2400" dirty="0" smtClean="0"/>
-              <a:t>.).</a:t>
-            </a:r>
-          </a:p>
-          <a:p>
-            <a:pPr marL="285750" indent="-285750" fontAlgn="base">
-              <a:buFont typeface="Arial" panose="020B0604020202020204" pitchFamily="34" charset="0"/>
-              <a:buChar char="•"/>
-            </a:pPr>
-            <a:r>
-              <a:rPr lang="es-CO" sz="2400" dirty="0" smtClean="0"/>
-              <a:t>La</a:t>
-            </a:r>
-            <a:r>
-              <a:rPr lang="es-CO" sz="2400" dirty="0"/>
-              <a:t> muestra será el elemento </a:t>
-            </a:r>
-            <a:r>
-              <a:rPr lang="es-CO" sz="2400" i="1" dirty="0"/>
-              <a:t>i</a:t>
-            </a:r>
-            <a:r>
-              <a:rPr lang="es-CO" sz="2400" dirty="0"/>
-              <a:t> y los elementos </a:t>
-            </a:r>
-            <a:r>
-              <a:rPr lang="es-CO" sz="2400" i="1" dirty="0" err="1"/>
-              <a:t>i+k</a:t>
-            </a:r>
-            <a:r>
-              <a:rPr lang="es-CO" sz="2400" dirty="0"/>
-              <a:t>, </a:t>
-            </a:r>
-            <a:r>
-              <a:rPr lang="es-CO" sz="2400" i="1" dirty="0"/>
-              <a:t>i+2k</a:t>
-            </a:r>
-            <a:r>
-              <a:rPr lang="es-CO" sz="2400" dirty="0"/>
-              <a:t>, etc</a:t>
-            </a:r>
-            <a:r>
-              <a:rPr lang="es-CO" sz="2400" dirty="0" smtClean="0"/>
-              <a:t>. </a:t>
-            </a:r>
-            <a:r>
-              <a:rPr lang="es-CO" sz="2400" dirty="0"/>
-              <a:t>Es decir, el elemento </a:t>
-            </a:r>
-            <a:r>
-              <a:rPr lang="es-CO" sz="2400" i="1" dirty="0"/>
-              <a:t>k</a:t>
-            </a:r>
-            <a:r>
-              <a:rPr lang="es-CO" sz="2400" dirty="0"/>
-              <a:t> y los elementos a intervalos fijos </a:t>
-            </a:r>
-            <a:r>
-              <a:rPr lang="es-CO" sz="2400" i="1" dirty="0"/>
-              <a:t>k</a:t>
-            </a:r>
-            <a:r>
-              <a:rPr lang="es-CO" sz="2400" dirty="0"/>
-              <a:t> hasta conseguir los </a:t>
-            </a:r>
-            <a:r>
-              <a:rPr lang="es-CO" sz="2400" i="1" dirty="0"/>
-              <a:t>n</a:t>
-            </a:r>
-            <a:r>
-              <a:rPr lang="es-CO" sz="2400" dirty="0"/>
-              <a:t> sujetos</a:t>
-            </a:r>
-            <a:r>
-              <a:rPr lang="es-CO" sz="2400" dirty="0" smtClean="0"/>
-              <a:t>:</a:t>
-            </a:r>
-          </a:p>
-          <a:p>
-            <a:pPr fontAlgn="base"/>
-            <a:endParaRPr lang="es-CO" dirty="0"/>
-          </a:p>
-        </p:txBody>
-      </p:sp>
-      <p:pic>
-        <p:nvPicPr>
-          <p:cNvPr id="8195" name="Picture 3"/>
-          <p:cNvPicPr>
-            <a:picLocks noChangeAspect="1" noChangeArrowheads="1"/>
-          </p:cNvPicPr>
-          <p:nvPr/>
-        </p:nvPicPr>
-        <p:blipFill>
-          <a:blip r:embed="rId3">
-            <a:extLst>
-              <a:ext uri="{28A0092B-C50C-407E-A947-70E740481C1C}">
-                <a14:useLocalDpi xmlns:a14="http://schemas.microsoft.com/office/drawing/2010/main" val="0"/>
-              </a:ext>
-            </a:extLst>
-          </a:blip>
-          <a:srcRect/>
-          <a:stretch>
-            <a:fillRect/>
-          </a:stretch>
-        </p:blipFill>
-        <p:spPr bwMode="auto">
-          <a:xfrm>
-            <a:off x="2514207" y="4941168"/>
-            <a:ext cx="4067175" cy="371475"/>
-          </a:xfrm>
-          <a:prstGeom prst="rect">
-            <a:avLst/>
-          </a:prstGeom>
-          <a:noFill/>
-          <a:ln>
-            <a:noFill/>
-          </a:ln>
-          <a:extLst>
-            <a:ext uri="{909E8E84-426E-40DD-AFC4-6F175D3DCCD1}">
-              <a14:hiddenFill xmlns:a14="http://schemas.microsoft.com/office/drawing/2010/main">
-                <a:solidFill>
-                  <a:schemeClr val="accent1"/>
-                </a:solidFill>
-              </a14:hiddenFill>
-            </a:ext>
-            <a:ext uri="{91240B29-F687-4F45-9708-019B960494DF}">
-              <a14:hiddenLine xmlns:a14="http://schemas.microsoft.com/office/drawing/2010/main" w="9525">
-                <a:solidFill>
-                  <a:schemeClr val="tx1"/>
-                </a:solidFill>
-                <a:miter lim="800000"/>
-                <a:headEnd/>
-                <a:tailEnd/>
-              </a14:hiddenLine>
-            </a:ext>
-          </a:extLst>
-        </p:spPr>
-      </p:pic>
-    </p:spTree>
-    <p:extLst>
-      <p:ext uri="{BB962C8B-B14F-4D97-AF65-F5344CB8AC3E}">
-        <p14:creationId xmlns:p14="http://schemas.microsoft.com/office/powerpoint/2010/main" val="2065159707"/>
-      </p:ext>
-    </p:extLst>
-  </p:cSld>
-  <p:clrMapOvr>
-    <a:masterClrMapping/>
-  </p:clrMapOvr>
-</p:sld>
-</file>
-
-<file path=ppt/slides/slide19.xml><?xml version="1.0" encoding="utf-8"?>
-<p:sld xmlns:a="http://schemas.openxmlformats.org/drawingml/2006/main" xmlns:r="http://schemas.openxmlformats.org/officeDocument/2006/relationships" xmlns:p="http://schemas.openxmlformats.org/presentationml/2006/main">
-  <p:cSld>
-    <p:spTree>
-      <p:nvGrpSpPr>
-        <p:cNvPr id="1" name=""/>
-        <p:cNvGrpSpPr/>
-        <p:nvPr/>
-      </p:nvGrpSpPr>
-      <p:grpSpPr>
-        <a:xfrm>
-          <a:off x="0" y="0"/>
-          <a:ext cx="0" cy="0"/>
-          <a:chOff x="0" y="0"/>
-          <a:chExt cx="0" cy="0"/>
-        </a:xfrm>
-      </p:grpSpPr>
-      <p:sp>
-        <p:nvSpPr>
-          <p:cNvPr id="2" name="1 Título"/>
-          <p:cNvSpPr>
-            <a:spLocks noGrp="1"/>
-          </p:cNvSpPr>
-          <p:nvPr>
-            <p:ph type="title"/>
-          </p:nvPr>
-        </p:nvSpPr>
-        <p:spPr/>
-        <p:txBody>
-          <a:bodyPr>
-            <a:normAutofit/>
-          </a:bodyPr>
-          <a:lstStyle/>
-          <a:p>
-            <a:r>
-              <a:rPr lang="es-CO" b="1" dirty="0">
-                <a:solidFill>
-                  <a:srgbClr val="0070C0"/>
-                </a:solidFill>
-              </a:rPr>
-              <a:t>EJEMPLO</a:t>
-            </a:r>
-          </a:p>
-        </p:txBody>
-      </p:sp>
-      <p:sp>
-        <p:nvSpPr>
-          <p:cNvPr id="3" name="2 Marcador de contenido"/>
-          <p:cNvSpPr>
-            <a:spLocks noGrp="1"/>
-          </p:cNvSpPr>
-          <p:nvPr>
-            <p:ph idx="1"/>
-          </p:nvPr>
-        </p:nvSpPr>
-        <p:spPr>
-          <a:xfrm>
-            <a:off x="467544" y="1196752"/>
-            <a:ext cx="8229600" cy="1828800"/>
-          </a:xfrm>
-        </p:spPr>
-        <p:txBody>
-          <a:bodyPr>
-            <a:normAutofit fontScale="77500" lnSpcReduction="20000"/>
-          </a:bodyPr>
-          <a:lstStyle/>
-          <a:p>
-            <a:pPr fontAlgn="base"/>
-            <a:r>
-              <a:rPr lang="es-CO" dirty="0" smtClean="0"/>
-              <a:t>Se quiere saber </a:t>
-            </a:r>
-            <a:r>
-              <a:rPr lang="es-CO" dirty="0"/>
-              <a:t>la opinión sobre un profesor de una clase de 60 personas. Dichas personas están ordenadas por orden alfabético en la lista de alumnos de clase. Para realizar la encuesta, seleccionamos a 12 personas. Por lo tanto, </a:t>
-            </a:r>
-            <a:r>
-              <a:rPr lang="es-CO" i="1" dirty="0"/>
-              <a:t>N</a:t>
-            </a:r>
-            <a:r>
-              <a:rPr lang="es-CO" dirty="0"/>
-              <a:t>=60 </a:t>
-            </a:r>
-            <a:r>
-              <a:rPr lang="es-CO" dirty="0" smtClean="0"/>
-              <a:t>y </a:t>
-            </a:r>
-            <a:r>
-              <a:rPr lang="es-CO" i="1" dirty="0" smtClean="0"/>
-              <a:t>n</a:t>
-            </a:r>
-            <a:r>
-              <a:rPr lang="es-CO" dirty="0" smtClean="0"/>
-              <a:t>=12</a:t>
-            </a:r>
-            <a:r>
-              <a:rPr lang="es-CO" dirty="0"/>
-              <a:t>. El intervalo fijo entre sujetos es</a:t>
-            </a:r>
-            <a:r>
-              <a:rPr lang="es-CO" dirty="0" smtClean="0"/>
-              <a:t>:</a:t>
-            </a:r>
-            <a:endParaRPr lang="es-CO" dirty="0"/>
-          </a:p>
-        </p:txBody>
-      </p:sp>
-      <p:pic>
-        <p:nvPicPr>
-          <p:cNvPr id="9218" name="Picture 2"/>
-          <p:cNvPicPr>
-            <a:picLocks noChangeAspect="1" noChangeArrowheads="1"/>
-          </p:cNvPicPr>
-          <p:nvPr/>
-        </p:nvPicPr>
-        <p:blipFill>
-          <a:blip r:embed="rId2">
-            <a:extLst>
-              <a:ext uri="{28A0092B-C50C-407E-A947-70E740481C1C}">
-                <a14:useLocalDpi xmlns:a14="http://schemas.microsoft.com/office/drawing/2010/main" val="0"/>
-              </a:ext>
-            </a:extLst>
-          </a:blip>
-          <a:srcRect/>
-          <a:stretch>
-            <a:fillRect/>
-          </a:stretch>
-        </p:blipFill>
-        <p:spPr bwMode="auto">
-          <a:xfrm>
-            <a:off x="3203848" y="2998948"/>
-            <a:ext cx="3250658" cy="526727"/>
-          </a:xfrm>
-          <a:prstGeom prst="rect">
-            <a:avLst/>
-          </a:prstGeom>
-          <a:noFill/>
-          <a:ln>
-            <a:noFill/>
-          </a:ln>
-          <a:extLst>
-            <a:ext uri="{909E8E84-426E-40DD-AFC4-6F175D3DCCD1}">
-              <a14:hiddenFill xmlns:a14="http://schemas.microsoft.com/office/drawing/2010/main">
-                <a:solidFill>
-                  <a:schemeClr val="accent1"/>
-                </a:solidFill>
-              </a14:hiddenFill>
-            </a:ext>
-            <a:ext uri="{91240B29-F687-4F45-9708-019B960494DF}">
-              <a14:hiddenLine xmlns:a14="http://schemas.microsoft.com/office/drawing/2010/main" w="9525">
-                <a:solidFill>
-                  <a:schemeClr val="tx1"/>
-                </a:solidFill>
-                <a:miter lim="800000"/>
-                <a:headEnd/>
-                <a:tailEnd/>
-              </a14:hiddenLine>
-            </a:ext>
-          </a:extLst>
-        </p:spPr>
-      </p:pic>
-      <p:sp>
-        <p:nvSpPr>
-          <p:cNvPr id="4" name="3 Rectángulo"/>
-          <p:cNvSpPr/>
-          <p:nvPr/>
-        </p:nvSpPr>
-        <p:spPr>
-          <a:xfrm>
-            <a:off x="539552" y="3556273"/>
-            <a:ext cx="8352928" cy="1246495"/>
-          </a:xfrm>
-          <a:prstGeom prst="rect">
-            <a:avLst/>
-          </a:prstGeom>
-        </p:spPr>
-        <p:txBody>
-          <a:bodyPr wrap="square">
-            <a:spAutoFit/>
-          </a:bodyPr>
-          <a:lstStyle/>
-          <a:p>
-            <a:r>
-              <a:rPr lang="es-CO" sz="2500" dirty="0"/>
-              <a:t>Ahora elegimos al azar un número entre 1 y k=5. Suponemos que nos sale i=2. La muestra resultado mediante el muestreo sistemático será:</a:t>
-            </a:r>
-          </a:p>
-        </p:txBody>
-      </p:sp>
-      <p:pic>
-        <p:nvPicPr>
-          <p:cNvPr id="9219" name="Picture 3"/>
-          <p:cNvPicPr>
-            <a:picLocks noChangeAspect="1" noChangeArrowheads="1"/>
-          </p:cNvPicPr>
-          <p:nvPr/>
-        </p:nvPicPr>
-        <p:blipFill>
-          <a:blip r:embed="rId3">
-            <a:extLst>
-              <a:ext uri="{28A0092B-C50C-407E-A947-70E740481C1C}">
-                <a14:useLocalDpi xmlns:a14="http://schemas.microsoft.com/office/drawing/2010/main" val="0"/>
-              </a:ext>
-            </a:extLst>
-          </a:blip>
-          <a:srcRect/>
-          <a:stretch>
-            <a:fillRect/>
-          </a:stretch>
-        </p:blipFill>
-        <p:spPr bwMode="auto">
-          <a:xfrm>
-            <a:off x="3203848" y="4509120"/>
-            <a:ext cx="4524375" cy="1857375"/>
-          </a:xfrm>
-          <a:prstGeom prst="rect">
-            <a:avLst/>
-          </a:prstGeom>
-          <a:noFill/>
-          <a:ln>
-            <a:noFill/>
-          </a:ln>
-          <a:extLst>
-            <a:ext uri="{909E8E84-426E-40DD-AFC4-6F175D3DCCD1}">
-              <a14:hiddenFill xmlns:a14="http://schemas.microsoft.com/office/drawing/2010/main">
-                <a:solidFill>
-                  <a:schemeClr val="accent1"/>
-                </a:solidFill>
-              </a14:hiddenFill>
-            </a:ext>
-            <a:ext uri="{91240B29-F687-4F45-9708-019B960494DF}">
-              <a14:hiddenLine xmlns:a14="http://schemas.microsoft.com/office/drawing/2010/main" w="9525">
-                <a:solidFill>
-                  <a:schemeClr val="tx1"/>
-                </a:solidFill>
-                <a:miter lim="800000"/>
-                <a:headEnd/>
-                <a:tailEnd/>
-              </a14:hiddenLine>
-            </a:ext>
-          </a:extLst>
-        </p:spPr>
-      </p:pic>
-    </p:spTree>
-    <p:extLst>
-      <p:ext uri="{BB962C8B-B14F-4D97-AF65-F5344CB8AC3E}">
-        <p14:creationId xmlns:p14="http://schemas.microsoft.com/office/powerpoint/2010/main" val="4146904237"/>
-      </p:ext>
-    </p:extLst>
-  </p:cSld>
-  <p:clrMapOvr>
-    <a:masterClrMapping/>
-  </p:clrMapOvr>
-</p:sld>
-</file>
-
-<file path=ppt/slides/slide2.xml><?xml version="1.0" encoding="utf-8"?>
 <p:sld xmlns:a="http://schemas.openxmlformats.org/drawingml/2006/main" xmlns:r="http://schemas.openxmlformats.org/officeDocument/2006/relationships" xmlns:p="http://schemas.openxmlformats.org/presentationml/2006/main">
   <p:cSld>
     <p:spTree>
@@ -6102,7 +4216,7 @@
 </p:sld>
 </file>
 
-<file path=ppt/slides/slide20.xml><?xml version="1.0" encoding="utf-8"?>
+<file path=ppt/slides/slide14.xml><?xml version="1.0" encoding="utf-8"?>
 <p:sld xmlns:a="http://schemas.openxmlformats.org/drawingml/2006/main" xmlns:r="http://schemas.openxmlformats.org/officeDocument/2006/relationships" xmlns:p="http://schemas.openxmlformats.org/presentationml/2006/main">
   <p:cSld>
     <p:spTree>
@@ -6139,14 +4253,20 @@
             <a:r>
               <a:rPr lang="es-CO" b="1" dirty="0" smtClean="0">
                 <a:solidFill>
-                  <a:srgbClr val="0070C0"/>
+                  <a:schemeClr val="tx2">
+                    <a:lumMod val="60000"/>
+                    <a:lumOff val="40000"/>
+                  </a:schemeClr>
                 </a:solidFill>
               </a:rPr>
-              <a:t>EJEMPLO  DE UNA MUESTRA</a:t>
+              <a:t>¿Porqué una muestra?</a:t>
             </a:r>
             <a:endParaRPr lang="es-CO" b="1" dirty="0">
               <a:solidFill>
-                <a:srgbClr val="0070C0"/>
+                <a:schemeClr val="tx2">
+                  <a:lumMod val="60000"/>
+                  <a:lumOff val="40000"/>
+                </a:schemeClr>
               </a:solidFill>
             </a:endParaRPr>
           </a:p>
@@ -6162,16 +4282,9 @@
             <p:ph idx="1"/>
           </p:nvPr>
         </p:nvSpPr>
-        <p:spPr>
-          <a:xfrm>
-            <a:off x="467544" y="1196753"/>
-            <a:ext cx="8229600" cy="1224135"/>
-          </a:xfrm>
-        </p:spPr>
-        <p:txBody>
-          <a:bodyPr>
-            <a:normAutofit fontScale="92500"/>
-          </a:bodyPr>
+        <p:spPr/>
+        <p:txBody>
+          <a:bodyPr/>
           <a:lstStyle/>
           <a:p>
             <a:pPr marL="0" indent="0">
@@ -6179,70 +4292,44 @@
             </a:pPr>
             <a:r>
               <a:rPr lang="es-CO" dirty="0" smtClean="0"/>
-              <a:t>Encuestas acerca de la preferencia de un candidato presidencial, las cuales se hacen sobre una muestra.</a:t>
-            </a:r>
-            <a:endParaRPr lang="es-CO" dirty="0"/>
-          </a:p>
-        </p:txBody>
-      </p:sp>
-      <p:pic>
-        <p:nvPicPr>
-          <p:cNvPr id="2051" name="Picture 3"/>
-          <p:cNvPicPr>
-            <a:picLocks noChangeAspect="1" noChangeArrowheads="1"/>
-          </p:cNvPicPr>
-          <p:nvPr/>
-        </p:nvPicPr>
-        <p:blipFill>
-          <a:blip r:embed="rId2">
-            <a:extLst>
-              <a:ext uri="{28A0092B-C50C-407E-A947-70E740481C1C}">
-                <a14:useLocalDpi xmlns:a14="http://schemas.microsoft.com/office/drawing/2010/main" val="0"/>
-              </a:ext>
-            </a:extLst>
-          </a:blip>
-          <a:srcRect/>
-          <a:stretch>
-            <a:fillRect/>
-          </a:stretch>
-        </p:blipFill>
-        <p:spPr bwMode="auto">
-          <a:xfrm>
-            <a:off x="539552" y="2564904"/>
-            <a:ext cx="7855418" cy="3960440"/>
-          </a:xfrm>
-          <a:prstGeom prst="rect">
-            <a:avLst/>
-          </a:prstGeom>
-          <a:noFill/>
-          <a:ln>
-            <a:noFill/>
-          </a:ln>
-          <a:extLst>
-            <a:ext uri="{909E8E84-426E-40DD-AFC4-6F175D3DCCD1}">
-              <a14:hiddenFill xmlns:a14="http://schemas.microsoft.com/office/drawing/2010/main">
-                <a:solidFill>
-                  <a:schemeClr val="accent1"/>
-                </a:solidFill>
-              </a14:hiddenFill>
-            </a:ext>
-            <a:ext uri="{91240B29-F687-4F45-9708-019B960494DF}">
-              <a14:hiddenLine xmlns:a14="http://schemas.microsoft.com/office/drawing/2010/main" w="9525">
-                <a:solidFill>
-                  <a:schemeClr val="tx1"/>
-                </a:solidFill>
-                <a:miter lim="800000"/>
-                <a:headEnd/>
-                <a:tailEnd/>
-              </a14:hiddenLine>
-            </a:ext>
-          </a:extLst>
-        </p:spPr>
-      </p:pic>
+              <a:t>Imposibilidad </a:t>
+            </a:r>
+            <a:r>
+              <a:rPr lang="es-CO" dirty="0"/>
+              <a:t>o costo excesivo de realizar un </a:t>
+            </a:r>
+            <a:r>
+              <a:rPr lang="es-CO" b="1" dirty="0"/>
+              <a:t>censo </a:t>
+            </a:r>
+            <a:r>
+              <a:rPr lang="es-CO" dirty="0" smtClean="0"/>
+              <a:t>en que </a:t>
+            </a:r>
+            <a:r>
+              <a:rPr lang="es-CO" dirty="0"/>
+              <a:t>se mide toda la </a:t>
+            </a:r>
+            <a:r>
+              <a:rPr lang="es-CO" dirty="0" smtClean="0"/>
+              <a:t>población.</a:t>
+            </a:r>
+          </a:p>
+          <a:p>
+            <a:pPr marL="0" indent="0" algn="just">
+              <a:buNone/>
+            </a:pPr>
+            <a:r>
+              <a:rPr lang="es-CO" dirty="0"/>
+              <a:t>El muestreo se realiza para obtener información acerca de los parámetros desconocidos de la población, por medio de un experimento que permite  observar o medir las características de la población, de las cuáles se tiene incertidumbre</a:t>
+            </a:r>
+          </a:p>
+        </p:txBody>
+      </p:sp>
     </p:spTree>
     <p:extLst>
       <p:ext uri="{BB962C8B-B14F-4D97-AF65-F5344CB8AC3E}">
-        <p14:creationId xmlns:p14="http://schemas.microsoft.com/office/powerpoint/2010/main" val="3066627130"/>
+        <p14:creationId xmlns:p14="http://schemas.microsoft.com/office/powerpoint/2010/main" val="921445165"/>
       </p:ext>
     </p:extLst>
   </p:cSld>
@@ -6252,7 +4339,7 @@
 </p:sld>
 </file>
 
-<file path=ppt/slides/slide21.xml><?xml version="1.0" encoding="utf-8"?>
+<file path=ppt/slides/slide15.xml><?xml version="1.0" encoding="utf-8"?>
 <p:sld xmlns:a="http://schemas.openxmlformats.org/drawingml/2006/main" xmlns:r="http://schemas.openxmlformats.org/officeDocument/2006/relationships" xmlns:p="http://schemas.openxmlformats.org/presentationml/2006/main">
   <p:cSld>
     <p:spTree>
@@ -6269,119 +4356,205 @@
           <a:chExt cx="0" cy="0"/>
         </a:xfrm>
       </p:grpSpPr>
-      <p:pic>
-        <p:nvPicPr>
-          <p:cNvPr id="3075" name="Picture 3"/>
-          <p:cNvPicPr>
-            <a:picLocks noChangeAspect="1" noChangeArrowheads="1"/>
-          </p:cNvPicPr>
-          <p:nvPr/>
-        </p:nvPicPr>
-        <p:blipFill>
-          <a:blip r:embed="rId2">
-            <a:extLst>
-              <a:ext uri="{28A0092B-C50C-407E-A947-70E740481C1C}">
-                <a14:useLocalDpi xmlns:a14="http://schemas.microsoft.com/office/drawing/2010/main" val="0"/>
-              </a:ext>
-            </a:extLst>
-          </a:blip>
-          <a:srcRect/>
-          <a:stretch>
-            <a:fillRect/>
-          </a:stretch>
-        </p:blipFill>
-        <p:spPr bwMode="auto">
-          <a:xfrm>
-            <a:off x="539552" y="821702"/>
-            <a:ext cx="7848872" cy="5275287"/>
-          </a:xfrm>
-          <a:prstGeom prst="rect">
-            <a:avLst/>
-          </a:prstGeom>
-          <a:noFill/>
-          <a:ln>
-            <a:noFill/>
-          </a:ln>
-          <a:extLst>
-            <a:ext uri="{909E8E84-426E-40DD-AFC4-6F175D3DCCD1}">
-              <a14:hiddenFill xmlns:a14="http://schemas.microsoft.com/office/drawing/2010/main">
-                <a:solidFill>
-                  <a:schemeClr val="accent1"/>
-                </a:solidFill>
-              </a14:hiddenFill>
-            </a:ext>
-            <a:ext uri="{91240B29-F687-4F45-9708-019B960494DF}">
-              <a14:hiddenLine xmlns:a14="http://schemas.microsoft.com/office/drawing/2010/main" w="9525">
-                <a:solidFill>
-                  <a:schemeClr val="tx1"/>
-                </a:solidFill>
-                <a:miter lim="800000"/>
-                <a:headEnd/>
-                <a:tailEnd/>
-              </a14:hiddenLine>
-            </a:ext>
-          </a:extLst>
-        </p:spPr>
-      </p:pic>
-      <p:sp>
-        <p:nvSpPr>
-          <p:cNvPr id="5" name="4 Rectángulo"/>
-          <p:cNvSpPr/>
-          <p:nvPr/>
+      <p:sp>
+        <p:nvSpPr>
+          <p:cNvPr id="2" name="1 Título"/>
+          <p:cNvSpPr>
+            <a:spLocks noGrp="1"/>
+          </p:cNvSpPr>
+          <p:nvPr>
+            <p:ph type="title"/>
+          </p:nvPr>
         </p:nvSpPr>
         <p:spPr>
           <a:xfrm>
-            <a:off x="3203848" y="2276872"/>
-            <a:ext cx="5184576" cy="576064"/>
+            <a:off x="323528" y="908720"/>
+            <a:ext cx="8507288" cy="1143000"/>
           </a:xfrm>
-          <a:prstGeom prst="rect">
-            <a:avLst/>
-          </a:prstGeom>
-          <a:noFill/>
-          <a:ln>
-            <a:solidFill>
-              <a:schemeClr val="tx2">
-                <a:lumMod val="60000"/>
-                <a:lumOff val="40000"/>
-              </a:schemeClr>
-            </a:solidFill>
-          </a:ln>
         </p:spPr>
-        <p:style>
-          <a:lnRef idx="2">
-            <a:schemeClr val="accent1">
-              <a:shade val="50000"/>
-            </a:schemeClr>
-          </a:lnRef>
-          <a:fillRef idx="1">
-            <a:schemeClr val="accent1"/>
-          </a:fillRef>
-          <a:effectRef idx="0">
-            <a:schemeClr val="accent1"/>
-          </a:effectRef>
-          <a:fontRef idx="minor">
-            <a:schemeClr val="lt1"/>
-          </a:fontRef>
-        </p:style>
-        <p:txBody>
-          <a:bodyPr rtlCol="0" anchor="ctr"/>
+        <p:txBody>
+          <a:bodyPr>
+            <a:normAutofit fontScale="90000"/>
+          </a:bodyPr>
           <a:lstStyle/>
           <a:p>
-            <a:pPr algn="ctr"/>
-            <a:endParaRPr lang="es-CO">
-              <a:ln w="57150">
+            <a:r>
+              <a:rPr lang="es-CO" b="1" dirty="0" smtClean="0">
                 <a:solidFill>
-                  <a:schemeClr val="tx1"/>
+                  <a:schemeClr val="tx2">
+                    <a:lumMod val="60000"/>
+                    <a:lumOff val="40000"/>
+                  </a:schemeClr>
                 </a:solidFill>
-              </a:ln>
-            </a:endParaRPr>
+              </a:rPr>
+              <a:t>Herramientas con dos </a:t>
+            </a:r>
+            <a:br>
+              <a:rPr lang="es-CO" b="1" dirty="0" smtClean="0">
+                <a:solidFill>
+                  <a:schemeClr val="tx2">
+                    <a:lumMod val="60000"/>
+                    <a:lumOff val="40000"/>
+                  </a:schemeClr>
+                </a:solidFill>
+              </a:rPr>
+            </a:br>
+            <a:r>
+              <a:rPr lang="es-CO" b="1" dirty="0" smtClean="0">
+                <a:solidFill>
+                  <a:schemeClr val="tx2">
+                    <a:lumMod val="60000"/>
+                    <a:lumOff val="40000"/>
+                  </a:schemeClr>
+                </a:solidFill>
+              </a:rPr>
+              <a:t>Objetivos Básicos</a:t>
+            </a:r>
+            <a:r>
+              <a:rPr lang="es-CO" dirty="0" smtClean="0"/>
+              <a:t/>
+            </a:r>
+            <a:br>
+              <a:rPr lang="es-CO" dirty="0" smtClean="0"/>
+            </a:br>
+            <a:endParaRPr lang="es-CO" dirty="0"/>
+          </a:p>
+        </p:txBody>
+      </p:sp>
+      <p:sp>
+        <p:nvSpPr>
+          <p:cNvPr id="3" name="2 Marcador de contenido"/>
+          <p:cNvSpPr>
+            <a:spLocks noGrp="1"/>
+          </p:cNvSpPr>
+          <p:nvPr>
+            <p:ph idx="1"/>
+          </p:nvPr>
+        </p:nvSpPr>
+        <p:spPr>
+          <a:xfrm>
+            <a:off x="467544" y="1700808"/>
+            <a:ext cx="8229600" cy="4525963"/>
+          </a:xfrm>
+        </p:spPr>
+        <p:txBody>
+          <a:bodyPr>
+            <a:normAutofit fontScale="40000" lnSpcReduction="20000"/>
+          </a:bodyPr>
+          <a:lstStyle/>
+          <a:p>
+            <a:endParaRPr lang="es-CO" dirty="0" smtClean="0"/>
+          </a:p>
+          <a:p>
+            <a:pPr marL="0" indent="0" algn="just">
+              <a:buNone/>
+            </a:pPr>
+            <a:r>
+              <a:rPr lang="es-CO" sz="7000" dirty="0" smtClean="0"/>
+              <a:t>Describir </a:t>
+            </a:r>
+            <a:r>
+              <a:rPr lang="es-CO" sz="7000" dirty="0"/>
+              <a:t>la muestra: </a:t>
+            </a:r>
+            <a:r>
+              <a:rPr lang="es-CO" sz="7000" b="1" dirty="0"/>
+              <a:t>Estadística </a:t>
+            </a:r>
+            <a:r>
+              <a:rPr lang="es-CO" sz="7000" b="1" dirty="0" smtClean="0"/>
+              <a:t>Descriptiva</a:t>
+            </a:r>
+          </a:p>
+          <a:p>
+            <a:pPr marL="0" indent="0" algn="just">
+              <a:buNone/>
+            </a:pPr>
+            <a:endParaRPr lang="es-CO" sz="7000" dirty="0"/>
+          </a:p>
+          <a:p>
+            <a:pPr marL="0" indent="0" algn="just">
+              <a:buNone/>
+            </a:pPr>
+            <a:r>
+              <a:rPr lang="es-CO" sz="7000" dirty="0" smtClean="0"/>
+              <a:t>Obtener </a:t>
+            </a:r>
+            <a:r>
+              <a:rPr lang="es-CO" sz="7000" dirty="0"/>
+              <a:t>conclusiones de la población a partir de </a:t>
+            </a:r>
+            <a:r>
+              <a:rPr lang="es-CO" sz="7000" dirty="0" smtClean="0"/>
+              <a:t>la muestra</a:t>
+            </a:r>
+            <a:r>
+              <a:rPr lang="es-CO" sz="7000" dirty="0"/>
+              <a:t>: </a:t>
+            </a:r>
+            <a:r>
+              <a:rPr lang="es-CO" sz="7000" b="1" dirty="0"/>
+              <a:t>Inferencia Estadística</a:t>
+            </a:r>
+            <a:r>
+              <a:rPr lang="es-CO" sz="7000" b="1" dirty="0" smtClean="0"/>
+              <a:t>.</a:t>
+            </a:r>
+          </a:p>
+          <a:p>
+            <a:pPr marL="0" indent="0" algn="just">
+              <a:buNone/>
+            </a:pPr>
+            <a:endParaRPr lang="es-CO" sz="7000" b="1" dirty="0" smtClean="0"/>
+          </a:p>
+          <a:p>
+            <a:pPr marL="0" indent="0" algn="just">
+              <a:buNone/>
+            </a:pPr>
+            <a:r>
+              <a:rPr lang="es-CO" sz="7000" b="1" dirty="0" smtClean="0"/>
+              <a:t>Parámetro: </a:t>
+            </a:r>
+            <a:r>
+              <a:rPr lang="es-CO" sz="7000" dirty="0" smtClean="0"/>
+              <a:t>número derivado del estudio de una variable estadística de toda una población.</a:t>
+            </a:r>
+          </a:p>
+          <a:p>
+            <a:pPr marL="0" indent="0" algn="just">
+              <a:buNone/>
+            </a:pPr>
+            <a:endParaRPr lang="es-CO" sz="7000" dirty="0" smtClean="0"/>
+          </a:p>
+          <a:p>
+            <a:pPr marL="0" indent="0" algn="just">
+              <a:buNone/>
+            </a:pPr>
+            <a:r>
+              <a:rPr lang="es-CO" sz="7000" b="1" dirty="0" smtClean="0"/>
+              <a:t>Estadístico:</a:t>
+            </a:r>
+            <a:r>
+              <a:rPr lang="es-CO" sz="7000" dirty="0" smtClean="0"/>
+              <a:t> Medida de resumen numérica que se calcula a partir de la muestra</a:t>
+            </a:r>
+          </a:p>
+          <a:p>
+            <a:pPr marL="0" indent="0">
+              <a:buNone/>
+            </a:pPr>
+            <a:r>
+              <a:rPr lang="es-CO" b="1" dirty="0" smtClean="0"/>
+              <a:t> </a:t>
+            </a:r>
+            <a:endParaRPr lang="es-CO" b="1" dirty="0"/>
           </a:p>
         </p:txBody>
       </p:sp>
     </p:spTree>
     <p:extLst>
       <p:ext uri="{BB962C8B-B14F-4D97-AF65-F5344CB8AC3E}">
-        <p14:creationId xmlns:p14="http://schemas.microsoft.com/office/powerpoint/2010/main" val="3750759623"/>
+        <p14:creationId xmlns:p14="http://schemas.microsoft.com/office/powerpoint/2010/main" val="658628899"/>
       </p:ext>
     </p:extLst>
   </p:cSld>
@@ -6391,7 +4564,922 @@
 </p:sld>
 </file>
 
-<file path=ppt/slides/slide22.xml><?xml version="1.0" encoding="utf-8"?>
+<file path=ppt/slides/slide16.xml><?xml version="1.0" encoding="utf-8"?>
+<p:sld xmlns:a="http://schemas.openxmlformats.org/drawingml/2006/main" xmlns:r="http://schemas.openxmlformats.org/officeDocument/2006/relationships" xmlns:p="http://schemas.openxmlformats.org/presentationml/2006/main">
+  <p:cSld>
+    <p:spTree>
+      <p:nvGrpSpPr>
+        <p:cNvPr id="1" name=""/>
+        <p:cNvGrpSpPr/>
+        <p:nvPr/>
+      </p:nvGrpSpPr>
+      <p:grpSpPr>
+        <a:xfrm>
+          <a:off x="0" y="0"/>
+          <a:ext cx="0" cy="0"/>
+          <a:chOff x="0" y="0"/>
+          <a:chExt cx="0" cy="0"/>
+        </a:xfrm>
+      </p:grpSpPr>
+      <p:sp>
+        <p:nvSpPr>
+          <p:cNvPr id="2" name="1 Título"/>
+          <p:cNvSpPr>
+            <a:spLocks noGrp="1"/>
+          </p:cNvSpPr>
+          <p:nvPr>
+            <p:ph type="title"/>
+          </p:nvPr>
+        </p:nvSpPr>
+        <p:spPr/>
+        <p:txBody>
+          <a:bodyPr>
+            <a:normAutofit fontScale="90000"/>
+          </a:bodyPr>
+          <a:lstStyle/>
+          <a:p>
+            <a:r>
+              <a:rPr lang="es-CO" b="1" dirty="0">
+                <a:solidFill>
+                  <a:srgbClr val="0070C0"/>
+                </a:solidFill>
+              </a:rPr>
+              <a:t>¿</a:t>
+            </a:r>
+            <a:r>
+              <a:rPr lang="es-CO" sz="3600" b="1" dirty="0" smtClean="0">
+                <a:solidFill>
+                  <a:srgbClr val="0070C0"/>
+                </a:solidFill>
+              </a:rPr>
+              <a:t>Cómo elegir el </a:t>
+            </a:r>
+            <a:r>
+              <a:rPr lang="es-CO" sz="3600" b="1" dirty="0">
+                <a:solidFill>
+                  <a:srgbClr val="0070C0"/>
+                </a:solidFill>
+              </a:rPr>
+              <a:t>t</a:t>
+            </a:r>
+            <a:r>
+              <a:rPr lang="es-CO" sz="3600" b="1" dirty="0" smtClean="0">
+                <a:solidFill>
+                  <a:srgbClr val="0070C0"/>
+                </a:solidFill>
+              </a:rPr>
+              <a:t>amaño </a:t>
+            </a:r>
+            <a:r>
+              <a:rPr lang="es-CO" sz="3600" b="1" dirty="0">
+                <a:solidFill>
+                  <a:srgbClr val="0070C0"/>
+                </a:solidFill>
+              </a:rPr>
+              <a:t>de la Muestra (n) </a:t>
+            </a:r>
+            <a:r>
+              <a:rPr lang="es-CO" sz="3600" b="1" dirty="0" smtClean="0">
+                <a:solidFill>
+                  <a:srgbClr val="0070C0"/>
+                </a:solidFill>
+              </a:rPr>
+              <a:t>?</a:t>
+            </a:r>
+            <a:endParaRPr lang="es-CO" sz="3600" b="1" dirty="0">
+              <a:solidFill>
+                <a:srgbClr val="0070C0"/>
+              </a:solidFill>
+            </a:endParaRPr>
+          </a:p>
+        </p:txBody>
+      </p:sp>
+      <p:sp>
+        <p:nvSpPr>
+          <p:cNvPr id="3" name="2 Marcador de contenido"/>
+          <p:cNvSpPr>
+            <a:spLocks noGrp="1"/>
+          </p:cNvSpPr>
+          <p:nvPr>
+            <p:ph idx="1"/>
+          </p:nvPr>
+        </p:nvSpPr>
+        <p:spPr>
+          <a:xfrm>
+            <a:off x="457200" y="1556792"/>
+            <a:ext cx="8229600" cy="4525963"/>
+          </a:xfrm>
+        </p:spPr>
+        <p:txBody>
+          <a:bodyPr>
+            <a:normAutofit/>
+          </a:bodyPr>
+          <a:lstStyle/>
+          <a:p>
+            <a:r>
+              <a:rPr lang="es-CO" dirty="0" smtClean="0"/>
+              <a:t>¿Qué se va a medir? </a:t>
+            </a:r>
+          </a:p>
+          <a:p>
+            <a:r>
+              <a:rPr lang="es-CO" dirty="0" smtClean="0"/>
+              <a:t>¿Qué se quiere determinar? </a:t>
+            </a:r>
+          </a:p>
+          <a:p>
+            <a:r>
+              <a:rPr lang="es-CO" dirty="0" smtClean="0"/>
+              <a:t>Nivel máximo de error admisible </a:t>
+            </a:r>
+          </a:p>
+          <a:p>
+            <a:r>
+              <a:rPr lang="es-CO" dirty="0" smtClean="0"/>
+              <a:t>Nivel de confianza con qué se quiere obtener la estimación del tamaño </a:t>
+            </a:r>
+            <a:r>
+              <a:rPr lang="es-CO" dirty="0" err="1" smtClean="0"/>
+              <a:t>muestral</a:t>
+            </a:r>
+            <a:endParaRPr lang="es-CO" dirty="0"/>
+          </a:p>
+          <a:p>
+            <a:r>
+              <a:rPr lang="es-CO" dirty="0" smtClean="0"/>
+              <a:t>Variabilidad de las características a medir</a:t>
+            </a:r>
+            <a:endParaRPr lang="es-CO" dirty="0"/>
+          </a:p>
+        </p:txBody>
+      </p:sp>
+    </p:spTree>
+    <p:extLst>
+      <p:ext uri="{BB962C8B-B14F-4D97-AF65-F5344CB8AC3E}">
+        <p14:creationId xmlns:p14="http://schemas.microsoft.com/office/powerpoint/2010/main" val="1312803477"/>
+      </p:ext>
+    </p:extLst>
+  </p:cSld>
+  <p:clrMapOvr>
+    <a:masterClrMapping/>
+  </p:clrMapOvr>
+</p:sld>
+</file>
+
+<file path=ppt/slides/slide17.xml><?xml version="1.0" encoding="utf-8"?>
+<p:sld xmlns:a="http://schemas.openxmlformats.org/drawingml/2006/main" xmlns:r="http://schemas.openxmlformats.org/officeDocument/2006/relationships" xmlns:p="http://schemas.openxmlformats.org/presentationml/2006/main">
+  <p:cSld>
+    <p:spTree>
+      <p:nvGrpSpPr>
+        <p:cNvPr id="1" name=""/>
+        <p:cNvGrpSpPr/>
+        <p:nvPr/>
+      </p:nvGrpSpPr>
+      <p:grpSpPr>
+        <a:xfrm>
+          <a:off x="0" y="0"/>
+          <a:ext cx="0" cy="0"/>
+          <a:chOff x="0" y="0"/>
+          <a:chExt cx="0" cy="0"/>
+        </a:xfrm>
+      </p:grpSpPr>
+      <mc:AlternateContent xmlns:mc="http://schemas.openxmlformats.org/markup-compatibility/2006" xmlns:a14="http://schemas.microsoft.com/office/drawing/2010/main">
+        <mc:Choice Requires="a14">
+          <p:sp>
+            <p:nvSpPr>
+              <p:cNvPr id="3" name="2 Marcador de contenido"/>
+              <p:cNvSpPr>
+                <a:spLocks noGrp="1"/>
+              </p:cNvSpPr>
+              <p:nvPr>
+                <p:ph idx="1"/>
+              </p:nvPr>
+            </p:nvSpPr>
+            <p:spPr>
+              <a:xfrm>
+                <a:off x="457200" y="1600200"/>
+                <a:ext cx="8507288" cy="4525963"/>
+              </a:xfrm>
+            </p:spPr>
+            <p:txBody>
+              <a:bodyPr>
+                <a:normAutofit fontScale="85000" lnSpcReduction="20000"/>
+              </a:bodyPr>
+              <a:lstStyle/>
+              <a:p>
+                <a:pPr marL="0" indent="0">
+                  <a:buNone/>
+                </a:pPr>
+                <a:r>
+                  <a:rPr lang="es-CO" dirty="0" smtClean="0"/>
+                  <a:t>Se dice que las variables aleatorias </a:t>
+                </a:r>
+                <a:r>
+                  <a:rPr lang="es-CO" i="1" dirty="0"/>
+                  <a:t>X</a:t>
+                </a:r>
+                <a:r>
+                  <a:rPr lang="es-CO" dirty="0"/>
+                  <a:t>1, </a:t>
+                </a:r>
+                <a:r>
+                  <a:rPr lang="es-CO" i="1" dirty="0"/>
+                  <a:t>X</a:t>
+                </a:r>
+                <a:r>
+                  <a:rPr lang="es-CO" dirty="0"/>
+                  <a:t>2, . . . , </a:t>
+                </a:r>
+                <a:r>
+                  <a:rPr lang="es-CO" i="1" dirty="0" err="1"/>
+                  <a:t>Xn</a:t>
+                </a:r>
+                <a:r>
+                  <a:rPr lang="es-CO" i="1" dirty="0"/>
+                  <a:t> </a:t>
+                </a:r>
+                <a:r>
+                  <a:rPr lang="es-CO" dirty="0"/>
+                  <a:t>forman una </a:t>
+                </a:r>
+                <a:r>
+                  <a:rPr lang="es-CO" b="1" dirty="0"/>
+                  <a:t>muestra aleatoria </a:t>
+                </a:r>
+                <a:r>
+                  <a:rPr lang="es-CO" dirty="0" smtClean="0"/>
+                  <a:t>simple de </a:t>
+                </a:r>
+                <a:r>
+                  <a:rPr lang="es-CO" dirty="0"/>
+                  <a:t>tamaño </a:t>
+                </a:r>
+                <a:r>
+                  <a:rPr lang="es-CO" i="1" dirty="0"/>
+                  <a:t>n </a:t>
+                </a:r>
+                <a:r>
+                  <a:rPr lang="es-CO" dirty="0" smtClean="0"/>
+                  <a:t>si:</a:t>
+                </a:r>
+              </a:p>
+              <a:p>
+                <a:pPr marL="0" indent="0">
+                  <a:buNone/>
+                </a:pPr>
+                <a:endParaRPr lang="es-CO" dirty="0"/>
+              </a:p>
+              <a:p>
+                <a:pPr marL="0" indent="0">
+                  <a:buNone/>
+                </a:pPr>
+                <a:r>
+                  <a:rPr lang="es-CO" b="1" dirty="0"/>
+                  <a:t>1. </a:t>
+                </a:r>
+                <a:r>
+                  <a:rPr lang="es-CO" dirty="0"/>
+                  <a:t>Las </a:t>
+                </a:r>
+                <a:r>
+                  <a:rPr lang="es-CO" i="1" dirty="0"/>
+                  <a:t>Xi </a:t>
+                </a:r>
+                <a:r>
+                  <a:rPr lang="es-CO" dirty="0"/>
+                  <a:t>son variables aleatorias independientes.</a:t>
+                </a:r>
+              </a:p>
+              <a:p>
+                <a:pPr marL="0" indent="0">
+                  <a:buNone/>
+                </a:pPr>
+                <a:r>
+                  <a:rPr lang="es-CO" b="1" dirty="0"/>
+                  <a:t>2. </a:t>
+                </a:r>
+                <a:r>
+                  <a:rPr lang="es-CO" dirty="0"/>
+                  <a:t>Cada </a:t>
+                </a:r>
+                <a:r>
+                  <a:rPr lang="es-CO" i="1" dirty="0"/>
+                  <a:t>Xi </a:t>
+                </a:r>
+                <a:r>
+                  <a:rPr lang="es-CO" dirty="0"/>
+                  <a:t>tiene la misma distribución de </a:t>
+                </a:r>
+                <a:r>
+                  <a:rPr lang="es-CO" dirty="0" smtClean="0"/>
+                  <a:t>probabilidad, en la mayoría de veces se asume normal</a:t>
+                </a:r>
+              </a:p>
+              <a:p>
+                <a:pPr marL="0" indent="0">
+                  <a:buNone/>
+                </a:pPr>
+                <a:r>
+                  <a:rPr lang="es-CO" b="1" dirty="0" smtClean="0"/>
+                  <a:t>3. </a:t>
+                </a:r>
+                <a:r>
+                  <a:rPr lang="es-CO" dirty="0" smtClean="0"/>
+                  <a:t>Cualquier función de las variables aleatorias que forman una muestra se llaman estadístico .</a:t>
+                </a:r>
+              </a:p>
+              <a:p>
+                <a:pPr marL="0" indent="0">
+                  <a:buNone/>
+                </a:pPr>
+                <a:r>
+                  <a:rPr lang="es-CO" dirty="0" smtClean="0"/>
+                  <a:t> </a:t>
+                </a:r>
+              </a:p>
+              <a:p>
+                <a:pPr marL="0" indent="0">
+                  <a:buNone/>
+                </a:pPr>
+                <a:r>
+                  <a:rPr lang="es-CO" dirty="0" smtClean="0"/>
+                  <a:t>Es decir </a:t>
+                </a:r>
+                <a:r>
+                  <a:rPr lang="es-CO" dirty="0"/>
+                  <a:t>las </a:t>
+                </a:r>
+                <a:r>
+                  <a:rPr lang="es-CO" i="1" dirty="0"/>
+                  <a:t>Xi </a:t>
+                </a:r>
+                <a:r>
+                  <a:rPr lang="es-CO" dirty="0"/>
+                  <a:t>son </a:t>
+                </a:r>
+                <a:r>
+                  <a:rPr lang="es-CO" i="1" dirty="0"/>
+                  <a:t>independientes </a:t>
+                </a:r>
+                <a:r>
+                  <a:rPr lang="es-CO" i="1" dirty="0" smtClean="0"/>
+                  <a:t>e idénticamente </a:t>
+                </a:r>
+                <a:r>
+                  <a:rPr lang="es-CO" i="1" dirty="0"/>
+                  <a:t>distribuidas </a:t>
+                </a:r>
+                <a:r>
+                  <a:rPr lang="es-CO" dirty="0"/>
+                  <a:t>(</a:t>
+                </a:r>
+                <a:r>
+                  <a:rPr lang="es-CO" dirty="0" err="1" smtClean="0"/>
+                  <a:t>iid</a:t>
+                </a:r>
+                <a:r>
+                  <a:rPr lang="es-CO" dirty="0" smtClean="0"/>
+                  <a:t>)</a:t>
+                </a:r>
+                <a14:m>
+                  <m:oMath xmlns:m="http://schemas.openxmlformats.org/officeDocument/2006/math">
+                    <m:r>
+                      <a:rPr lang="es-CO" b="0" i="0" smtClean="0">
+                        <a:latin typeface="Cambria Math"/>
+                      </a:rPr>
+                      <m:t> </m:t>
+                    </m:r>
+                    <m:sSub>
+                      <m:sSubPr>
+                        <m:ctrlPr>
+                          <a:rPr lang="es-CO" i="1" smtClean="0">
+                            <a:latin typeface="Cambria Math" panose="02040503050406030204" pitchFamily="18" charset="0"/>
+                          </a:rPr>
+                        </m:ctrlPr>
+                      </m:sSubPr>
+                      <m:e>
+                        <m:r>
+                          <a:rPr lang="es-CO" b="0" i="1" smtClean="0">
+                            <a:latin typeface="Cambria Math"/>
+                          </a:rPr>
+                          <m:t>𝑋</m:t>
+                        </m:r>
+                      </m:e>
+                      <m:sub>
+                        <m:r>
+                          <a:rPr lang="es-CO" b="0" i="1" smtClean="0">
+                            <a:latin typeface="Cambria Math"/>
+                          </a:rPr>
+                          <m:t>𝑖</m:t>
+                        </m:r>
+                      </m:sub>
+                    </m:sSub>
+                    <m:r>
+                      <a:rPr lang="es-CO" i="1" smtClean="0">
+                        <a:latin typeface="Cambria Math"/>
+                        <a:ea typeface="Cambria Math"/>
+                      </a:rPr>
+                      <m:t>~</m:t>
+                    </m:r>
+                    <m:r>
+                      <m:rPr>
+                        <m:sty m:val="p"/>
+                      </m:rPr>
+                      <a:rPr lang="es-CO" b="0" i="0" smtClean="0">
+                        <a:latin typeface="Cambria Math"/>
+                        <a:ea typeface="Cambria Math"/>
+                      </a:rPr>
+                      <m:t>iid</m:t>
+                    </m:r>
+                    <m:r>
+                      <a:rPr lang="es-CO" b="0" i="0" smtClean="0">
+                        <a:latin typeface="Cambria Math"/>
+                        <a:ea typeface="Cambria Math"/>
+                      </a:rPr>
+                      <m:t> </m:t>
+                    </m:r>
+                    <m:r>
+                      <m:rPr>
+                        <m:sty m:val="p"/>
+                      </m:rPr>
+                      <a:rPr lang="es-CO" b="0" i="0" smtClean="0">
+                        <a:latin typeface="Cambria Math"/>
+                        <a:ea typeface="Cambria Math"/>
+                      </a:rPr>
+                      <m:t>N</m:t>
+                    </m:r>
+                    <m:r>
+                      <a:rPr lang="es-CO" b="0" i="0" smtClean="0">
+                        <a:latin typeface="Cambria Math"/>
+                        <a:ea typeface="Cambria Math"/>
+                      </a:rPr>
+                      <m:t>(0,</m:t>
+                    </m:r>
+                    <m:sSup>
+                      <m:sSupPr>
+                        <m:ctrlPr>
+                          <a:rPr lang="es-CO" b="0" i="1" smtClean="0">
+                            <a:latin typeface="Cambria Math" panose="02040503050406030204" pitchFamily="18" charset="0"/>
+                            <a:ea typeface="Cambria Math"/>
+                          </a:rPr>
+                        </m:ctrlPr>
+                      </m:sSupPr>
+                      <m:e>
+                        <m:r>
+                          <a:rPr lang="es-CO" b="0" i="1" smtClean="0">
+                            <a:latin typeface="Cambria Math"/>
+                            <a:ea typeface="Cambria Math"/>
+                          </a:rPr>
+                          <m:t>𝜎</m:t>
+                        </m:r>
+                      </m:e>
+                      <m:sup>
+                        <m:r>
+                          <a:rPr lang="es-CO" b="0" i="1" smtClean="0">
+                            <a:latin typeface="Cambria Math"/>
+                            <a:ea typeface="Cambria Math"/>
+                          </a:rPr>
+                          <m:t>2</m:t>
+                        </m:r>
+                      </m:sup>
+                    </m:sSup>
+                    <m:r>
+                      <a:rPr lang="es-CO" b="0" i="0" smtClean="0">
+                        <a:latin typeface="Cambria Math"/>
+                        <a:ea typeface="Cambria Math"/>
+                      </a:rPr>
+                      <m:t>)</m:t>
+                    </m:r>
+                  </m:oMath>
+                </a14:m>
+                <a:endParaRPr lang="es-CO" dirty="0"/>
+              </a:p>
+            </p:txBody>
+          </p:sp>
+        </mc:Choice>
+        <mc:Fallback xmlns="">
+          <p:sp>
+            <p:nvSpPr>
+              <p:cNvPr id="3" name="2 Marcador de contenido"/>
+              <p:cNvSpPr>
+                <a:spLocks noGrp="1" noRot="1" noChangeAspect="1" noMove="1" noResize="1" noEditPoints="1" noAdjustHandles="1" noChangeArrowheads="1" noChangeShapeType="1" noTextEdit="1"/>
+              </p:cNvSpPr>
+              <p:nvPr>
+                <p:ph idx="1"/>
+              </p:nvPr>
+            </p:nvSpPr>
+            <p:spPr>
+              <a:xfrm>
+                <a:off x="457200" y="1600200"/>
+                <a:ext cx="8507288" cy="4525963"/>
+              </a:xfrm>
+              <a:blipFill rotWithShape="1">
+                <a:blip r:embed="rId2"/>
+                <a:stretch>
+                  <a:fillRect l="-1289" t="-2695" r="-1934"/>
+                </a:stretch>
+              </a:blipFill>
+            </p:spPr>
+            <p:txBody>
+              <a:bodyPr/>
+              <a:lstStyle/>
+              <a:p>
+                <a:r>
+                  <a:rPr lang="es-CO">
+                    <a:noFill/>
+                  </a:rPr>
+                  <a:t> </a:t>
+                </a:r>
+              </a:p>
+            </p:txBody>
+          </p:sp>
+        </mc:Fallback>
+      </mc:AlternateContent>
+    </p:spTree>
+    <p:extLst>
+      <p:ext uri="{BB962C8B-B14F-4D97-AF65-F5344CB8AC3E}">
+        <p14:creationId xmlns:p14="http://schemas.microsoft.com/office/powerpoint/2010/main" val="2954289933"/>
+      </p:ext>
+    </p:extLst>
+  </p:cSld>
+  <p:clrMapOvr>
+    <a:masterClrMapping/>
+  </p:clrMapOvr>
+</p:sld>
+</file>
+
+<file path=ppt/slides/slide18.xml><?xml version="1.0" encoding="utf-8"?>
+<p:sld xmlns:a="http://schemas.openxmlformats.org/drawingml/2006/main" xmlns:r="http://schemas.openxmlformats.org/officeDocument/2006/relationships" xmlns:p="http://schemas.openxmlformats.org/presentationml/2006/main">
+  <p:cSld>
+    <p:spTree>
+      <p:nvGrpSpPr>
+        <p:cNvPr id="1" name=""/>
+        <p:cNvGrpSpPr/>
+        <p:nvPr/>
+      </p:nvGrpSpPr>
+      <p:grpSpPr>
+        <a:xfrm>
+          <a:off x="0" y="0"/>
+          <a:ext cx="0" cy="0"/>
+          <a:chOff x="0" y="0"/>
+          <a:chExt cx="0" cy="0"/>
+        </a:xfrm>
+      </p:grpSpPr>
+      <p:sp>
+        <p:nvSpPr>
+          <p:cNvPr id="2" name="1 Título"/>
+          <p:cNvSpPr>
+            <a:spLocks noGrp="1"/>
+          </p:cNvSpPr>
+          <p:nvPr>
+            <p:ph type="title"/>
+          </p:nvPr>
+        </p:nvSpPr>
+        <p:spPr/>
+        <p:txBody>
+          <a:bodyPr>
+            <a:normAutofit/>
+          </a:bodyPr>
+          <a:lstStyle/>
+          <a:p>
+            <a:r>
+              <a:rPr lang="es-CO" b="1" dirty="0">
+                <a:solidFill>
+                  <a:srgbClr val="0070C0"/>
+                </a:solidFill>
+              </a:rPr>
+              <a:t>Teorema del </a:t>
+            </a:r>
+            <a:r>
+              <a:rPr lang="es-CO" b="1" dirty="0" smtClean="0">
+                <a:solidFill>
+                  <a:srgbClr val="0070C0"/>
+                </a:solidFill>
+              </a:rPr>
+              <a:t>Límite </a:t>
+            </a:r>
+            <a:r>
+              <a:rPr lang="es-CO" b="1" dirty="0">
+                <a:solidFill>
+                  <a:srgbClr val="0070C0"/>
+                </a:solidFill>
+              </a:rPr>
+              <a:t>central</a:t>
+            </a:r>
+          </a:p>
+        </p:txBody>
+      </p:sp>
+      <mc:AlternateContent xmlns:mc="http://schemas.openxmlformats.org/markup-compatibility/2006" xmlns:a14="http://schemas.microsoft.com/office/drawing/2010/main">
+        <mc:Choice Requires="a14">
+          <p:sp>
+            <p:nvSpPr>
+              <p:cNvPr id="3" name="2 Marcador de contenido"/>
+              <p:cNvSpPr>
+                <a:spLocks noGrp="1"/>
+              </p:cNvSpPr>
+              <p:nvPr>
+                <p:ph idx="1"/>
+              </p:nvPr>
+            </p:nvSpPr>
+            <p:spPr>
+              <a:xfrm>
+                <a:off x="467544" y="1556792"/>
+                <a:ext cx="8229600" cy="4525963"/>
+              </a:xfrm>
+            </p:spPr>
+            <p:txBody>
+              <a:bodyPr>
+                <a:normAutofit/>
+              </a:bodyPr>
+              <a:lstStyle/>
+              <a:p>
+                <a:pPr marL="0" indent="0" algn="just">
+                  <a:buNone/>
+                </a:pPr>
+                <a:r>
+                  <a:rPr lang="es-CO" dirty="0" smtClean="0"/>
+                  <a:t>Si </a:t>
+                </a:r>
+                <a14:m>
+                  <m:oMath xmlns:m="http://schemas.openxmlformats.org/officeDocument/2006/math">
+                    <m:acc>
+                      <m:accPr>
+                        <m:chr m:val="̅"/>
+                        <m:ctrlPr>
+                          <a:rPr lang="es-CO" i="1" smtClean="0">
+                            <a:latin typeface="Cambria Math" panose="02040503050406030204" pitchFamily="18" charset="0"/>
+                          </a:rPr>
+                        </m:ctrlPr>
+                      </m:accPr>
+                      <m:e>
+                        <m:r>
+                          <a:rPr lang="es-CO" b="0" i="1" smtClean="0">
+                            <a:latin typeface="Cambria Math"/>
+                          </a:rPr>
+                          <m:t>𝑋</m:t>
+                        </m:r>
+                      </m:e>
+                    </m:acc>
+                    <m:r>
+                      <a:rPr lang="es-CO" b="0" i="1" smtClean="0">
+                        <a:latin typeface="Cambria Math"/>
+                      </a:rPr>
+                      <m:t> </m:t>
+                    </m:r>
+                    <m:r>
+                      <m:rPr>
+                        <m:sty m:val="p"/>
+                      </m:rPr>
+                      <a:rPr lang="es-CO" b="0" i="0" smtClean="0">
+                        <a:latin typeface="Cambria Math"/>
+                      </a:rPr>
+                      <m:t>es</m:t>
+                    </m:r>
+                    <m:r>
+                      <a:rPr lang="es-CO" b="0" i="0" smtClean="0">
+                        <a:latin typeface="Cambria Math"/>
+                      </a:rPr>
+                      <m:t> </m:t>
+                    </m:r>
+                  </m:oMath>
+                </a14:m>
+                <a:r>
+                  <a:rPr lang="es-CO" dirty="0" smtClean="0"/>
+                  <a:t>la media de una muestra aleatoria de tamaño n, tomada de una población de tamaño N, con media µ y varianza finita</a:t>
+                </a:r>
+                <a14:m>
+                  <m:oMath xmlns:m="http://schemas.openxmlformats.org/officeDocument/2006/math">
+                    <m:r>
+                      <a:rPr lang="es-CO" b="0" i="0" smtClean="0">
+                        <a:latin typeface="Cambria Math"/>
+                      </a:rPr>
+                      <m:t>  </m:t>
+                    </m:r>
+                    <m:sSup>
+                      <m:sSupPr>
+                        <m:ctrlPr>
+                          <a:rPr lang="es-CO" i="1" smtClean="0">
+                            <a:latin typeface="Cambria Math" panose="02040503050406030204" pitchFamily="18" charset="0"/>
+                          </a:rPr>
+                        </m:ctrlPr>
+                      </m:sSupPr>
+                      <m:e>
+                        <m:r>
+                          <a:rPr lang="es-CO" i="1" smtClean="0">
+                            <a:latin typeface="Cambria Math"/>
+                            <a:ea typeface="Cambria Math"/>
+                          </a:rPr>
+                          <m:t>𝜎</m:t>
+                        </m:r>
+                      </m:e>
+                      <m:sup>
+                        <m:r>
+                          <a:rPr lang="es-CO" b="0" i="1" smtClean="0">
+                            <a:latin typeface="Cambria Math"/>
+                          </a:rPr>
+                          <m:t>2</m:t>
+                        </m:r>
+                      </m:sup>
+                    </m:sSup>
+                  </m:oMath>
+                </a14:m>
+                <a:r>
+                  <a:rPr lang="es-CO" dirty="0" smtClean="0"/>
+                  <a:t>, entonces la forma límite de la distribución es;  </a:t>
+                </a:r>
+              </a:p>
+              <a:p>
+                <a:pPr marL="0" indent="0">
+                  <a:buNone/>
+                </a:pPr>
+                <a14:m>
+                  <m:oMathPara xmlns:m="http://schemas.openxmlformats.org/officeDocument/2006/math">
+                    <m:oMathParaPr>
+                      <m:jc m:val="centerGroup"/>
+                    </m:oMathParaPr>
+                    <m:oMath xmlns:m="http://schemas.openxmlformats.org/officeDocument/2006/math">
+                      <m:r>
+                        <a:rPr lang="es-CO" b="0" i="1" smtClean="0">
+                          <a:latin typeface="Cambria Math"/>
+                        </a:rPr>
+                        <m:t>𝑍</m:t>
+                      </m:r>
+                      <m:r>
+                        <a:rPr lang="es-CO" b="0" i="1" smtClean="0">
+                          <a:latin typeface="Cambria Math"/>
+                        </a:rPr>
+                        <m:t>=</m:t>
+                      </m:r>
+                      <m:f>
+                        <m:fPr>
+                          <m:ctrlPr>
+                            <a:rPr lang="es-CO" b="0" i="1" smtClean="0">
+                              <a:latin typeface="Cambria Math" panose="02040503050406030204" pitchFamily="18" charset="0"/>
+                            </a:rPr>
+                          </m:ctrlPr>
+                        </m:fPr>
+                        <m:num>
+                          <m:acc>
+                            <m:accPr>
+                              <m:chr m:val="̅"/>
+                              <m:ctrlPr>
+                                <a:rPr lang="es-CO" i="1">
+                                  <a:latin typeface="Cambria Math" panose="02040503050406030204" pitchFamily="18" charset="0"/>
+                                </a:rPr>
+                              </m:ctrlPr>
+                            </m:accPr>
+                            <m:e>
+                              <m:r>
+                                <a:rPr lang="es-CO" i="1">
+                                  <a:latin typeface="Cambria Math"/>
+                                </a:rPr>
+                                <m:t>𝑋</m:t>
+                              </m:r>
+                            </m:e>
+                          </m:acc>
+                          <m:r>
+                            <a:rPr lang="es-CO" b="0" i="1" smtClean="0">
+                              <a:latin typeface="Cambria Math"/>
+                            </a:rPr>
+                            <m:t>−</m:t>
+                          </m:r>
+                          <m:r>
+                            <m:rPr>
+                              <m:nor/>
+                            </m:rPr>
+                            <a:rPr lang="es-CO" dirty="0"/>
+                            <m:t>µ</m:t>
+                          </m:r>
+                        </m:num>
+                        <m:den>
+                          <m:r>
+                            <a:rPr lang="es-CO" b="0" i="1" smtClean="0">
+                              <a:latin typeface="Cambria Math"/>
+                              <a:ea typeface="Cambria Math"/>
+                            </a:rPr>
+                            <m:t>𝜎</m:t>
+                          </m:r>
+                          <m:r>
+                            <a:rPr lang="es-CO" b="0" i="1" smtClean="0">
+                              <a:latin typeface="Cambria Math"/>
+                              <a:ea typeface="Cambria Math"/>
+                            </a:rPr>
+                            <m:t>/</m:t>
+                          </m:r>
+                          <m:rad>
+                            <m:radPr>
+                              <m:degHide m:val="on"/>
+                              <m:ctrlPr>
+                                <a:rPr lang="es-CO" b="0" i="1" smtClean="0">
+                                  <a:latin typeface="Cambria Math" panose="02040503050406030204" pitchFamily="18" charset="0"/>
+                                  <a:ea typeface="Cambria Math"/>
+                                </a:rPr>
+                              </m:ctrlPr>
+                            </m:radPr>
+                            <m:deg/>
+                            <m:e>
+                              <m:r>
+                                <a:rPr lang="es-CO" b="0" i="1" smtClean="0">
+                                  <a:latin typeface="Cambria Math"/>
+                                  <a:ea typeface="Cambria Math"/>
+                                </a:rPr>
+                                <m:t>𝑛</m:t>
+                              </m:r>
+                            </m:e>
+                          </m:rad>
+                        </m:den>
+                      </m:f>
+                    </m:oMath>
+                  </m:oMathPara>
+                </a14:m>
+                <a:endParaRPr lang="es-CO" dirty="0" smtClean="0"/>
+              </a:p>
+              <a:p>
+                <a:pPr marL="0" indent="0">
+                  <a:buNone/>
+                </a:pPr>
+                <a:r>
+                  <a:rPr lang="es-CO" dirty="0" smtClean="0"/>
+                  <a:t>Conforme </a:t>
+                </a:r>
+                <a14:m>
+                  <m:oMath xmlns:m="http://schemas.openxmlformats.org/officeDocument/2006/math">
+                    <m:r>
+                      <a:rPr lang="es-CO" b="0" i="1" smtClean="0">
+                        <a:latin typeface="Cambria Math"/>
+                      </a:rPr>
+                      <m:t>𝑛</m:t>
+                    </m:r>
+                    <m:r>
+                      <a:rPr lang="es-CO" b="0" i="1" smtClean="0">
+                        <a:latin typeface="Cambria Math"/>
+                        <a:ea typeface="Cambria Math"/>
+                      </a:rPr>
+                      <m:t>→∞, </m:t>
+                    </m:r>
+                  </m:oMath>
+                </a14:m>
+                <a:r>
+                  <a:rPr lang="es-CO" dirty="0" smtClean="0"/>
+                  <a:t>es la distribución de la normal estándar n(Z;0,1)</a:t>
+                </a:r>
+                <a:endParaRPr lang="es-CO" dirty="0"/>
+              </a:p>
+            </p:txBody>
+          </p:sp>
+        </mc:Choice>
+        <mc:Fallback xmlns="">
+          <p:sp>
+            <p:nvSpPr>
+              <p:cNvPr id="3" name="2 Marcador de contenido"/>
+              <p:cNvSpPr>
+                <a:spLocks noGrp="1" noRot="1" noChangeAspect="1" noMove="1" noResize="1" noEditPoints="1" noAdjustHandles="1" noChangeArrowheads="1" noChangeShapeType="1" noTextEdit="1"/>
+              </p:cNvSpPr>
+              <p:nvPr>
+                <p:ph idx="1"/>
+              </p:nvPr>
+            </p:nvSpPr>
+            <p:spPr>
+              <a:xfrm>
+                <a:off x="467544" y="1556792"/>
+                <a:ext cx="8229600" cy="4525963"/>
+              </a:xfrm>
+              <a:blipFill rotWithShape="1">
+                <a:blip r:embed="rId2"/>
+                <a:stretch>
+                  <a:fillRect l="-1926" t="-1615" r="-2593"/>
+                </a:stretch>
+              </a:blipFill>
+            </p:spPr>
+            <p:txBody>
+              <a:bodyPr/>
+              <a:lstStyle/>
+              <a:p>
+                <a:r>
+                  <a:rPr lang="es-CO">
+                    <a:noFill/>
+                  </a:rPr>
+                  <a:t> </a:t>
+                </a:r>
+              </a:p>
+            </p:txBody>
+          </p:sp>
+        </mc:Fallback>
+      </mc:AlternateContent>
+    </p:spTree>
+    <p:extLst>
+      <p:ext uri="{BB962C8B-B14F-4D97-AF65-F5344CB8AC3E}">
+        <p14:creationId xmlns:p14="http://schemas.microsoft.com/office/powerpoint/2010/main" val="3004949137"/>
+      </p:ext>
+    </p:extLst>
+  </p:cSld>
+  <p:clrMapOvr>
+    <a:masterClrMapping/>
+  </p:clrMapOvr>
+</p:sld>
+</file>
+
+<file path=ppt/slides/slide19.xml><?xml version="1.0" encoding="utf-8"?>
 <p:sld xmlns:a="http://schemas.openxmlformats.org/drawingml/2006/main" xmlns:r="http://schemas.openxmlformats.org/officeDocument/2006/relationships" xmlns:p="http://schemas.openxmlformats.org/presentationml/2006/main">
   <p:cSld>
     <p:spTree>
@@ -6899,7 +5987,7 @@
 </p:sld>
 </file>
 
-<file path=ppt/slides/slide23.xml><?xml version="1.0" encoding="utf-8"?>
+<file path=ppt/slides/slide2.xml><?xml version="1.0" encoding="utf-8"?>
 <p:sld xmlns:a="http://schemas.openxmlformats.org/drawingml/2006/main" xmlns:r="http://schemas.openxmlformats.org/officeDocument/2006/relationships" xmlns:p="http://schemas.openxmlformats.org/presentationml/2006/main">
   <p:cSld>
     <p:spTree>
@@ -6926,6 +6014,135 @@
             <p:ph type="title"/>
           </p:nvPr>
         </p:nvSpPr>
+        <p:spPr>
+          <a:xfrm>
+            <a:off x="435893" y="1179904"/>
+            <a:ext cx="8272212" cy="760350"/>
+          </a:xfrm>
+        </p:spPr>
+        <p:txBody>
+          <a:bodyPr>
+            <a:normAutofit fontScale="90000"/>
+          </a:bodyPr>
+          <a:lstStyle/>
+          <a:p>
+            <a:pPr algn="ctr"/>
+            <a:r>
+              <a:rPr lang="es-CO" b="1" smtClean="0"/>
+              <a:t>DISTRIBUCIÓN </a:t>
+            </a:r>
+            <a:r>
+              <a:rPr lang="es-CO" b="1" dirty="0" smtClean="0"/>
+              <a:t>NORMAL</a:t>
+            </a:r>
+            <a:endParaRPr lang="es-CO" b="1" dirty="0"/>
+          </a:p>
+        </p:txBody>
+      </p:sp>
+      <p:sp>
+        <p:nvSpPr>
+          <p:cNvPr id="3" name="Marcador de contenido 2"/>
+          <p:cNvSpPr>
+            <a:spLocks noGrp="1"/>
+          </p:cNvSpPr>
+          <p:nvPr>
+            <p:ph idx="1"/>
+          </p:nvPr>
+        </p:nvSpPr>
+        <p:spPr>
+          <a:xfrm>
+            <a:off x="364950" y="2478346"/>
+            <a:ext cx="8272211" cy="934407"/>
+          </a:xfrm>
+        </p:spPr>
+        <p:txBody>
+          <a:bodyPr>
+            <a:normAutofit/>
+          </a:bodyPr>
+          <a:lstStyle/>
+          <a:p>
+            <a:pPr marL="0" indent="0" algn="ctr">
+              <a:buNone/>
+            </a:pPr>
+            <a:r>
+              <a:rPr lang="es-CO" sz="2700" dirty="0"/>
+              <a:t>Una distribución ampliamente usada es la distribución normal o gaussiana</a:t>
+            </a:r>
+            <a:endParaRPr lang="es-CO" sz="2700" dirty="0"/>
+          </a:p>
+        </p:txBody>
+      </p:sp>
+      <p:pic>
+        <p:nvPicPr>
+          <p:cNvPr id="6" name="Imagen 5"/>
+          <p:cNvPicPr>
+            <a:picLocks noChangeAspect="1"/>
+          </p:cNvPicPr>
+          <p:nvPr/>
+        </p:nvPicPr>
+        <p:blipFill>
+          <a:blip r:embed="rId2"/>
+          <a:stretch>
+            <a:fillRect/>
+          </a:stretch>
+        </p:blipFill>
+        <p:spPr>
+          <a:xfrm>
+            <a:off x="3004649" y="3412753"/>
+            <a:ext cx="3134700" cy="2549160"/>
+          </a:xfrm>
+          <a:prstGeom prst="rect">
+            <a:avLst/>
+          </a:prstGeom>
+        </p:spPr>
+      </p:pic>
+    </p:spTree>
+    <p:extLst>
+      <p:ext uri="{BB962C8B-B14F-4D97-AF65-F5344CB8AC3E}">
+        <p14:creationId xmlns:p14="http://schemas.microsoft.com/office/powerpoint/2010/main" val="227165988"/>
+      </p:ext>
+    </p:extLst>
+  </p:cSld>
+  <p:clrMapOvr>
+    <a:masterClrMapping/>
+  </p:clrMapOvr>
+  <p:timing>
+    <p:tnLst>
+      <p:par>
+        <p:cTn id="1" dur="indefinite" restart="never" nodeType="tmRoot"/>
+      </p:par>
+    </p:tnLst>
+  </p:timing>
+</p:sld>
+</file>
+
+<file path=ppt/slides/slide20.xml><?xml version="1.0" encoding="utf-8"?>
+<p:sld xmlns:a="http://schemas.openxmlformats.org/drawingml/2006/main" xmlns:r="http://schemas.openxmlformats.org/officeDocument/2006/relationships" xmlns:p="http://schemas.openxmlformats.org/presentationml/2006/main">
+  <p:cSld>
+    <p:spTree>
+      <p:nvGrpSpPr>
+        <p:cNvPr id="1" name=""/>
+        <p:cNvGrpSpPr/>
+        <p:nvPr/>
+      </p:nvGrpSpPr>
+      <p:grpSpPr>
+        <a:xfrm>
+          <a:off x="0" y="0"/>
+          <a:ext cx="0" cy="0"/>
+          <a:chOff x="0" y="0"/>
+          <a:chExt cx="0" cy="0"/>
+        </a:xfrm>
+      </p:grpSpPr>
+      <p:sp>
+        <p:nvSpPr>
+          <p:cNvPr id="2" name="Título 1"/>
+          <p:cNvSpPr>
+            <a:spLocks noGrp="1"/>
+          </p:cNvSpPr>
+          <p:nvPr>
+            <p:ph type="title"/>
+          </p:nvPr>
+        </p:nvSpPr>
         <p:spPr/>
         <p:txBody>
           <a:bodyPr/>
@@ -6979,7 +6196,7 @@
 </p:sld>
 </file>
 
-<file path=ppt/slides/slide24.xml><?xml version="1.0" encoding="utf-8"?>
+<file path=ppt/slides/slide21.xml><?xml version="1.0" encoding="utf-8"?>
 <p:sld xmlns:a="http://schemas.openxmlformats.org/drawingml/2006/main" xmlns:r="http://schemas.openxmlformats.org/officeDocument/2006/relationships" xmlns:p="http://schemas.openxmlformats.org/presentationml/2006/main">
   <p:cSld>
     <p:spTree>
@@ -7130,7 +6347,7 @@
 </p:sld>
 </file>
 
-<file path=ppt/slides/slide25.xml><?xml version="1.0" encoding="utf-8"?>
+<file path=ppt/slides/slide22.xml><?xml version="1.0" encoding="utf-8"?>
 <p:sld xmlns:a="http://schemas.openxmlformats.org/drawingml/2006/main" xmlns:r="http://schemas.openxmlformats.org/officeDocument/2006/relationships" xmlns:p="http://schemas.openxmlformats.org/presentationml/2006/main">
   <p:cSld>
     <p:spTree>
@@ -7653,7 +6870,7 @@
 </p:sld>
 </file>
 
-<file path=ppt/slides/slide26.xml><?xml version="1.0" encoding="utf-8"?>
+<file path=ppt/slides/slide23.xml><?xml version="1.0" encoding="utf-8"?>
 <p:sld xmlns:a="http://schemas.openxmlformats.org/drawingml/2006/main" xmlns:r="http://schemas.openxmlformats.org/officeDocument/2006/relationships" xmlns:p="http://schemas.openxmlformats.org/presentationml/2006/main">
   <p:cSld>
     <p:spTree>
@@ -8244,7 +7461,7 @@
 </p:sld>
 </file>
 
-<file path=ppt/slides/slide27.xml><?xml version="1.0" encoding="utf-8"?>
+<file path=ppt/slides/slide24.xml><?xml version="1.0" encoding="utf-8"?>
 <p:sld xmlns:a="http://schemas.openxmlformats.org/drawingml/2006/main" xmlns:r="http://schemas.openxmlformats.org/officeDocument/2006/relationships" xmlns:p="http://schemas.openxmlformats.org/presentationml/2006/main">
   <p:cSld>
     <p:spTree>
@@ -8321,7 +7538,7 @@
 </p:sld>
 </file>
 
-<file path=ppt/slides/slide28.xml><?xml version="1.0" encoding="utf-8"?>
+<file path=ppt/slides/slide25.xml><?xml version="1.0" encoding="utf-8"?>
 <p:sld xmlns:a="http://schemas.openxmlformats.org/drawingml/2006/main" xmlns:r="http://schemas.openxmlformats.org/officeDocument/2006/relationships" xmlns:p="http://schemas.openxmlformats.org/presentationml/2006/main">
   <p:cSld>
     <p:spTree>
@@ -8557,7 +7774,7 @@
 </p:sld>
 </file>
 
-<file path=ppt/slides/slide29.xml><?xml version="1.0" encoding="utf-8"?>
+<file path=ppt/slides/slide26.xml><?xml version="1.0" encoding="utf-8"?>
 <p:sld xmlns:a="http://schemas.openxmlformats.org/drawingml/2006/main" xmlns:r="http://schemas.openxmlformats.org/officeDocument/2006/relationships" xmlns:p="http://schemas.openxmlformats.org/presentationml/2006/main">
   <p:cSld>
     <p:spTree>
@@ -8654,131 +7871,7 @@
 </p:sld>
 </file>
 
-<file path=ppt/slides/slide3.xml><?xml version="1.0" encoding="utf-8"?>
-<p:sld xmlns:a="http://schemas.openxmlformats.org/drawingml/2006/main" xmlns:r="http://schemas.openxmlformats.org/officeDocument/2006/relationships" xmlns:p="http://schemas.openxmlformats.org/presentationml/2006/main">
-  <p:cSld>
-    <p:spTree>
-      <p:nvGrpSpPr>
-        <p:cNvPr id="1" name=""/>
-        <p:cNvGrpSpPr/>
-        <p:nvPr/>
-      </p:nvGrpSpPr>
-      <p:grpSpPr>
-        <a:xfrm>
-          <a:off x="0" y="0"/>
-          <a:ext cx="0" cy="0"/>
-          <a:chOff x="0" y="0"/>
-          <a:chExt cx="0" cy="0"/>
-        </a:xfrm>
-      </p:grpSpPr>
-      <p:sp>
-        <p:nvSpPr>
-          <p:cNvPr id="2" name="1 Título"/>
-          <p:cNvSpPr>
-            <a:spLocks noGrp="1"/>
-          </p:cNvSpPr>
-          <p:nvPr>
-            <p:ph type="title"/>
-          </p:nvPr>
-        </p:nvSpPr>
-        <p:spPr/>
-        <p:txBody>
-          <a:bodyPr>
-            <a:normAutofit/>
-          </a:bodyPr>
-          <a:lstStyle/>
-          <a:p>
-            <a:r>
-              <a:rPr lang="es-CO" b="1" dirty="0" smtClean="0">
-                <a:solidFill>
-                  <a:schemeClr val="tx2">
-                    <a:lumMod val="60000"/>
-                    <a:lumOff val="40000"/>
-                  </a:schemeClr>
-                </a:solidFill>
-              </a:rPr>
-              <a:t>¿Porqué una muestra?</a:t>
-            </a:r>
-            <a:endParaRPr lang="es-CO" b="1" dirty="0">
-              <a:solidFill>
-                <a:schemeClr val="tx2">
-                  <a:lumMod val="60000"/>
-                  <a:lumOff val="40000"/>
-                </a:schemeClr>
-              </a:solidFill>
-            </a:endParaRPr>
-          </a:p>
-        </p:txBody>
-      </p:sp>
-      <p:sp>
-        <p:nvSpPr>
-          <p:cNvPr id="3" name="2 Marcador de contenido"/>
-          <p:cNvSpPr>
-            <a:spLocks noGrp="1"/>
-          </p:cNvSpPr>
-          <p:nvPr>
-            <p:ph idx="1"/>
-          </p:nvPr>
-        </p:nvSpPr>
-        <p:spPr/>
-        <p:txBody>
-          <a:bodyPr/>
-          <a:lstStyle/>
-          <a:p>
-            <a:pPr marL="0" indent="0">
-              <a:buNone/>
-            </a:pPr>
-            <a:r>
-              <a:rPr lang="es-CO" dirty="0" smtClean="0"/>
-              <a:t>Imposibilidad </a:t>
-            </a:r>
-            <a:r>
-              <a:rPr lang="es-CO" dirty="0"/>
-              <a:t>o costo excesivo de realizar un </a:t>
-            </a:r>
-            <a:r>
-              <a:rPr lang="es-CO" b="1" dirty="0"/>
-              <a:t>censo </a:t>
-            </a:r>
-            <a:r>
-              <a:rPr lang="es-CO" dirty="0" smtClean="0"/>
-              <a:t>en que </a:t>
-            </a:r>
-            <a:r>
-              <a:rPr lang="es-CO" dirty="0"/>
-              <a:t>se mide toda la </a:t>
-            </a:r>
-            <a:r>
-              <a:rPr lang="es-CO" dirty="0" smtClean="0"/>
-              <a:t>población.</a:t>
-            </a:r>
-          </a:p>
-          <a:p>
-            <a:pPr marL="0" indent="0" algn="just">
-              <a:buNone/>
-            </a:pPr>
-            <a:r>
-              <a:rPr lang="es-CO" dirty="0"/>
-              <a:t>El muestreo se realiza para obtener información acerca de los parámetros desconocidos de la población, por medio de un experimento que permite  observar o medir las características de la población, de las cuáles se tiene incertidumbre</a:t>
-            </a:r>
-            <a:endParaRPr lang="es-CO" dirty="0"/>
-          </a:p>
-        </p:txBody>
-      </p:sp>
-    </p:spTree>
-    <p:extLst>
-      <p:ext uri="{BB962C8B-B14F-4D97-AF65-F5344CB8AC3E}">
-        <p14:creationId xmlns:p14="http://schemas.microsoft.com/office/powerpoint/2010/main" val="921445165"/>
-      </p:ext>
-    </p:extLst>
-  </p:cSld>
-  <p:clrMapOvr>
-    <a:masterClrMapping/>
-  </p:clrMapOvr>
-</p:sld>
-</file>
-
-<file path=ppt/slides/slide30.xml><?xml version="1.0" encoding="utf-8"?>
+<file path=ppt/slides/slide27.xml><?xml version="1.0" encoding="utf-8"?>
 <p:sld xmlns:a="http://schemas.openxmlformats.org/drawingml/2006/main" xmlns:r="http://schemas.openxmlformats.org/officeDocument/2006/relationships" xmlns:p="http://schemas.openxmlformats.org/presentationml/2006/main">
   <p:cSld>
     <p:spTree>
@@ -9372,6 +8465,2689 @@
 </p:sld>
 </file>
 
+<file path=ppt/slides/slide28.xml><?xml version="1.0" encoding="utf-8"?>
+<p:sld xmlns:a="http://schemas.openxmlformats.org/drawingml/2006/main" xmlns:r="http://schemas.openxmlformats.org/officeDocument/2006/relationships" xmlns:p="http://schemas.openxmlformats.org/presentationml/2006/main">
+  <p:cSld>
+    <p:spTree>
+      <p:nvGrpSpPr>
+        <p:cNvPr id="1" name=""/>
+        <p:cNvGrpSpPr/>
+        <p:nvPr/>
+      </p:nvGrpSpPr>
+      <p:grpSpPr>
+        <a:xfrm>
+          <a:off x="0" y="0"/>
+          <a:ext cx="0" cy="0"/>
+          <a:chOff x="0" y="0"/>
+          <a:chExt cx="0" cy="0"/>
+        </a:xfrm>
+      </p:grpSpPr>
+      <p:sp>
+        <p:nvSpPr>
+          <p:cNvPr id="2" name="1 Título"/>
+          <p:cNvSpPr>
+            <a:spLocks noGrp="1"/>
+          </p:cNvSpPr>
+          <p:nvPr>
+            <p:ph type="title"/>
+          </p:nvPr>
+        </p:nvSpPr>
+        <p:spPr/>
+        <p:txBody>
+          <a:bodyPr>
+            <a:normAutofit/>
+          </a:bodyPr>
+          <a:lstStyle/>
+          <a:p>
+            <a:r>
+              <a:rPr lang="es-CO" b="1" dirty="0">
+                <a:solidFill>
+                  <a:srgbClr val="0070C0"/>
+                </a:solidFill>
+              </a:rPr>
+              <a:t>Técnicas de Muestreo </a:t>
+            </a:r>
+          </a:p>
+        </p:txBody>
+      </p:sp>
+      <p:sp>
+        <p:nvSpPr>
+          <p:cNvPr id="3" name="2 Marcador de contenido"/>
+          <p:cNvSpPr>
+            <a:spLocks noGrp="1"/>
+          </p:cNvSpPr>
+          <p:nvPr>
+            <p:ph idx="1"/>
+          </p:nvPr>
+        </p:nvSpPr>
+        <p:spPr/>
+        <p:txBody>
+          <a:bodyPr>
+            <a:normAutofit lnSpcReduction="10000"/>
+          </a:bodyPr>
+          <a:lstStyle/>
+          <a:p>
+            <a:r>
+              <a:rPr lang="es-CO" dirty="0" smtClean="0"/>
+              <a:t>Muestreo No-Aleatorizado (o No-Probabilista) </a:t>
+            </a:r>
+          </a:p>
+          <a:p>
+            <a:pPr marL="1371600" lvl="2" indent="-571500">
+              <a:buFont typeface="+mj-lt"/>
+              <a:buAutoNum type="romanLcPeriod"/>
+            </a:pPr>
+            <a:r>
+              <a:rPr lang="es-CO" dirty="0" smtClean="0"/>
+              <a:t>   Se basa en el juicio personal del investigador. </a:t>
+            </a:r>
+            <a:endParaRPr lang="es-CO" dirty="0"/>
+          </a:p>
+          <a:p>
+            <a:pPr marL="1371600" lvl="2" indent="-571500">
+              <a:buFont typeface="+mj-lt"/>
+              <a:buAutoNum type="romanLcPeriod"/>
+            </a:pPr>
+            <a:r>
+              <a:rPr lang="es-CO" dirty="0" smtClean="0"/>
+              <a:t>   Puede generar buenas muestras pero no permite    </a:t>
+            </a:r>
+          </a:p>
+          <a:p>
+            <a:pPr marL="800100" lvl="2" indent="0">
+              <a:buNone/>
+            </a:pPr>
+            <a:r>
+              <a:rPr lang="es-CO" dirty="0"/>
+              <a:t> </a:t>
+            </a:r>
+            <a:r>
+              <a:rPr lang="es-CO" dirty="0" smtClean="0"/>
+              <a:t>          una evaluación estadística de confianza. </a:t>
+            </a:r>
+          </a:p>
+          <a:p>
+            <a:pPr marL="800100" lvl="2" indent="0">
+              <a:buNone/>
+            </a:pPr>
+            <a:r>
+              <a:rPr lang="es-CO" dirty="0" smtClean="0"/>
+              <a:t>iii.        Frecuentemente usado como primera aproximación </a:t>
+            </a:r>
+          </a:p>
+          <a:p>
+            <a:r>
+              <a:rPr lang="es-CO" dirty="0" smtClean="0"/>
+              <a:t>Muestreo Aleatorizado (o Probabilista ) </a:t>
+            </a:r>
+          </a:p>
+          <a:p>
+            <a:pPr marL="1371600" lvl="2" indent="-571500">
+              <a:buFont typeface="+mj-lt"/>
+              <a:buAutoNum type="romanLcPeriod"/>
+            </a:pPr>
+            <a:r>
+              <a:rPr lang="es-CO" dirty="0"/>
+              <a:t>Se controla la probabilidad de seleccionar un determinado individuo </a:t>
+            </a:r>
+          </a:p>
+          <a:p>
+            <a:pPr marL="1371600" lvl="2" indent="-571500">
+              <a:buFont typeface="+mj-lt"/>
+              <a:buAutoNum type="romanLcPeriod"/>
+            </a:pPr>
+            <a:r>
+              <a:rPr lang="es-CO" dirty="0"/>
+              <a:t>Permite estudiar objetivamente la confianza de las generalizaciones hacia la población objetivo. </a:t>
+            </a:r>
+          </a:p>
+        </p:txBody>
+      </p:sp>
+    </p:spTree>
+    <p:extLst>
+      <p:ext uri="{BB962C8B-B14F-4D97-AF65-F5344CB8AC3E}">
+        <p14:creationId xmlns:p14="http://schemas.microsoft.com/office/powerpoint/2010/main" val="3428098799"/>
+      </p:ext>
+    </p:extLst>
+  </p:cSld>
+  <p:clrMapOvr>
+    <a:masterClrMapping/>
+  </p:clrMapOvr>
+</p:sld>
+</file>
+
+<file path=ppt/slides/slide29.xml><?xml version="1.0" encoding="utf-8"?>
+<p:sld xmlns:a="http://schemas.openxmlformats.org/drawingml/2006/main" xmlns:r="http://schemas.openxmlformats.org/officeDocument/2006/relationships" xmlns:p="http://schemas.openxmlformats.org/presentationml/2006/main">
+  <p:cSld>
+    <p:spTree>
+      <p:nvGrpSpPr>
+        <p:cNvPr id="1" name=""/>
+        <p:cNvGrpSpPr/>
+        <p:nvPr/>
+      </p:nvGrpSpPr>
+      <p:grpSpPr>
+        <a:xfrm>
+          <a:off x="0" y="0"/>
+          <a:ext cx="0" cy="0"/>
+          <a:chOff x="0" y="0"/>
+          <a:chExt cx="0" cy="0"/>
+        </a:xfrm>
+      </p:grpSpPr>
+      <p:sp>
+        <p:nvSpPr>
+          <p:cNvPr id="3" name="2 Marcador de contenido"/>
+          <p:cNvSpPr>
+            <a:spLocks noGrp="1"/>
+          </p:cNvSpPr>
+          <p:nvPr>
+            <p:ph idx="1"/>
+          </p:nvPr>
+        </p:nvSpPr>
+        <p:spPr/>
+        <p:txBody>
+          <a:bodyPr>
+            <a:normAutofit fontScale="77500" lnSpcReduction="20000"/>
+          </a:bodyPr>
+          <a:lstStyle/>
+          <a:p>
+            <a:pPr marL="0" indent="0" algn="ctr">
+              <a:spcBef>
+                <a:spcPct val="0"/>
+              </a:spcBef>
+              <a:buNone/>
+            </a:pPr>
+            <a:r>
+              <a:rPr lang="es-CO" sz="4100" b="1" dirty="0">
+                <a:solidFill>
+                  <a:srgbClr val="0070C0"/>
+                </a:solidFill>
+                <a:latin typeface="+mj-lt"/>
+                <a:ea typeface="+mj-ea"/>
+                <a:cs typeface="+mj-cs"/>
+              </a:rPr>
+              <a:t>Muestreo no-Aleatorizado o </a:t>
+            </a:r>
+            <a:r>
+              <a:rPr lang="es-CO" sz="4100" b="1" dirty="0" smtClean="0">
+                <a:solidFill>
+                  <a:srgbClr val="0070C0"/>
+                </a:solidFill>
+                <a:latin typeface="+mj-lt"/>
+                <a:ea typeface="+mj-ea"/>
+                <a:cs typeface="+mj-cs"/>
+              </a:rPr>
+              <a:t>no-Probabilístico </a:t>
+            </a:r>
+            <a:endParaRPr lang="es-CO" sz="4100" b="1" dirty="0">
+              <a:solidFill>
+                <a:srgbClr val="0070C0"/>
+              </a:solidFill>
+              <a:latin typeface="+mj-lt"/>
+              <a:ea typeface="+mj-ea"/>
+              <a:cs typeface="+mj-cs"/>
+            </a:endParaRPr>
+          </a:p>
+          <a:p>
+            <a:r>
+              <a:rPr lang="es-CO" dirty="0" smtClean="0"/>
+              <a:t> Muestreo por </a:t>
+            </a:r>
+            <a:r>
+              <a:rPr lang="es-CO" dirty="0" err="1" smtClean="0"/>
+              <a:t>convenciencia</a:t>
+            </a:r>
+            <a:r>
+              <a:rPr lang="es-CO" dirty="0" smtClean="0"/>
+              <a:t>  </a:t>
+            </a:r>
+          </a:p>
+          <a:p>
+            <a:r>
+              <a:rPr lang="es-CO" dirty="0" smtClean="0"/>
+              <a:t> Muestreo por juicio </a:t>
+            </a:r>
+          </a:p>
+          <a:p>
+            <a:r>
+              <a:rPr lang="es-CO" dirty="0" smtClean="0"/>
+              <a:t> Muestreo por cuota </a:t>
+            </a:r>
+          </a:p>
+          <a:p>
+            <a:r>
+              <a:rPr lang="es-CO" dirty="0" smtClean="0"/>
+              <a:t> Muestreo tipo “bola de nieve” (</a:t>
+            </a:r>
+            <a:r>
+              <a:rPr lang="es-CO" dirty="0" err="1" smtClean="0"/>
+              <a:t>snowball</a:t>
+            </a:r>
+            <a:r>
+              <a:rPr lang="es-CO" dirty="0" smtClean="0"/>
+              <a:t>) </a:t>
+            </a:r>
+          </a:p>
+          <a:p>
+            <a:pPr marL="0" indent="0">
+              <a:buNone/>
+            </a:pPr>
+            <a:endParaRPr lang="es-CO" sz="4100" b="1" dirty="0" smtClean="0">
+              <a:solidFill>
+                <a:srgbClr val="0070C0"/>
+              </a:solidFill>
+              <a:latin typeface="+mj-lt"/>
+              <a:ea typeface="+mj-ea"/>
+              <a:cs typeface="+mj-cs"/>
+            </a:endParaRPr>
+          </a:p>
+          <a:p>
+            <a:pPr marL="0" indent="0">
+              <a:spcBef>
+                <a:spcPct val="0"/>
+              </a:spcBef>
+              <a:buNone/>
+            </a:pPr>
+            <a:r>
+              <a:rPr lang="es-CO" sz="4100" b="1" dirty="0" smtClean="0">
+                <a:solidFill>
+                  <a:srgbClr val="0070C0"/>
+                </a:solidFill>
+                <a:latin typeface="+mj-lt"/>
+                <a:ea typeface="+mj-ea"/>
+                <a:cs typeface="+mj-cs"/>
+              </a:rPr>
+              <a:t>Muestreo </a:t>
+            </a:r>
+            <a:r>
+              <a:rPr lang="es-CO" sz="4100" b="1" dirty="0">
+                <a:solidFill>
+                  <a:srgbClr val="0070C0"/>
+                </a:solidFill>
+                <a:latin typeface="+mj-lt"/>
+                <a:ea typeface="+mj-ea"/>
+                <a:cs typeface="+mj-cs"/>
+              </a:rPr>
+              <a:t>Aleatorizado o </a:t>
+            </a:r>
+            <a:r>
+              <a:rPr lang="es-CO" sz="4100" b="1" dirty="0" smtClean="0">
+                <a:solidFill>
+                  <a:srgbClr val="0070C0"/>
+                </a:solidFill>
+                <a:latin typeface="+mj-lt"/>
+                <a:ea typeface="+mj-ea"/>
+                <a:cs typeface="+mj-cs"/>
+              </a:rPr>
+              <a:t>Probabilístico: </a:t>
+            </a:r>
+            <a:endParaRPr lang="es-CO" sz="4100" b="1" dirty="0">
+              <a:solidFill>
+                <a:srgbClr val="0070C0"/>
+              </a:solidFill>
+              <a:latin typeface="+mj-lt"/>
+              <a:ea typeface="+mj-ea"/>
+              <a:cs typeface="+mj-cs"/>
+            </a:endParaRPr>
+          </a:p>
+          <a:p>
+            <a:r>
+              <a:rPr lang="es-CO" dirty="0" smtClean="0"/>
+              <a:t>Muestreo aleatorio simple </a:t>
+            </a:r>
+          </a:p>
+          <a:p>
+            <a:r>
+              <a:rPr lang="es-CO" dirty="0" smtClean="0"/>
+              <a:t>Muestreo sistemático </a:t>
+            </a:r>
+          </a:p>
+          <a:p>
+            <a:r>
+              <a:rPr lang="es-CO" dirty="0" smtClean="0"/>
+              <a:t>Muestreo estratificado </a:t>
+            </a:r>
+          </a:p>
+          <a:p>
+            <a:r>
+              <a:rPr lang="es-CO" dirty="0" smtClean="0"/>
+              <a:t>Muestreo por grupos</a:t>
+            </a:r>
+            <a:endParaRPr lang="es-CO" dirty="0"/>
+          </a:p>
+        </p:txBody>
+      </p:sp>
+      <p:sp>
+        <p:nvSpPr>
+          <p:cNvPr id="4" name="1 Título"/>
+          <p:cNvSpPr>
+            <a:spLocks noGrp="1"/>
+          </p:cNvSpPr>
+          <p:nvPr>
+            <p:ph type="title"/>
+          </p:nvPr>
+        </p:nvSpPr>
+        <p:spPr/>
+        <p:txBody>
+          <a:bodyPr>
+            <a:normAutofit/>
+          </a:bodyPr>
+          <a:lstStyle/>
+          <a:p>
+            <a:r>
+              <a:rPr lang="es-CO" b="1" dirty="0" smtClean="0">
+                <a:solidFill>
+                  <a:srgbClr val="0070C0"/>
+                </a:solidFill>
+              </a:rPr>
+              <a:t>Técnicas de Muestreo </a:t>
+            </a:r>
+            <a:endParaRPr lang="es-CO" b="1" dirty="0">
+              <a:solidFill>
+                <a:srgbClr val="0070C0"/>
+              </a:solidFill>
+            </a:endParaRPr>
+          </a:p>
+        </p:txBody>
+      </p:sp>
+    </p:spTree>
+    <p:extLst>
+      <p:ext uri="{BB962C8B-B14F-4D97-AF65-F5344CB8AC3E}">
+        <p14:creationId xmlns:p14="http://schemas.microsoft.com/office/powerpoint/2010/main" val="2591280976"/>
+      </p:ext>
+    </p:extLst>
+  </p:cSld>
+  <p:clrMapOvr>
+    <a:masterClrMapping/>
+  </p:clrMapOvr>
+</p:sld>
+</file>
+
+<file path=ppt/slides/slide3.xml><?xml version="1.0" encoding="utf-8"?>
+<p:sld xmlns:a="http://schemas.openxmlformats.org/drawingml/2006/main" xmlns:r="http://schemas.openxmlformats.org/officeDocument/2006/relationships" xmlns:p="http://schemas.openxmlformats.org/presentationml/2006/main">
+  <p:cSld>
+    <p:spTree>
+      <p:nvGrpSpPr>
+        <p:cNvPr id="1" name=""/>
+        <p:cNvGrpSpPr/>
+        <p:nvPr/>
+      </p:nvGrpSpPr>
+      <p:grpSpPr>
+        <a:xfrm>
+          <a:off x="0" y="0"/>
+          <a:ext cx="0" cy="0"/>
+          <a:chOff x="0" y="0"/>
+          <a:chExt cx="0" cy="0"/>
+        </a:xfrm>
+      </p:grpSpPr>
+      <p:sp>
+        <p:nvSpPr>
+          <p:cNvPr id="2" name="Título 1"/>
+          <p:cNvSpPr>
+            <a:spLocks noGrp="1"/>
+          </p:cNvSpPr>
+          <p:nvPr>
+            <p:ph type="title"/>
+          </p:nvPr>
+        </p:nvSpPr>
+        <p:spPr>
+          <a:xfrm>
+            <a:off x="435894" y="1383867"/>
+            <a:ext cx="8272212" cy="608501"/>
+          </a:xfrm>
+        </p:spPr>
+        <p:txBody>
+          <a:bodyPr>
+            <a:normAutofit fontScale="90000"/>
+          </a:bodyPr>
+          <a:lstStyle/>
+          <a:p>
+            <a:pPr algn="ctr"/>
+            <a:r>
+              <a:rPr lang="es-CO" b="1" dirty="0" smtClean="0"/>
+              <a:t>Parámetros de la distribución</a:t>
+            </a:r>
+            <a:endParaRPr lang="es-CO" b="1" dirty="0"/>
+          </a:p>
+        </p:txBody>
+      </p:sp>
+      <p:sp>
+        <p:nvSpPr>
+          <p:cNvPr id="3" name="Marcador de contenido 2"/>
+          <p:cNvSpPr>
+            <a:spLocks noGrp="1"/>
+          </p:cNvSpPr>
+          <p:nvPr>
+            <p:ph idx="1"/>
+          </p:nvPr>
+        </p:nvSpPr>
+        <p:spPr>
+          <a:xfrm>
+            <a:off x="435895" y="2492623"/>
+            <a:ext cx="8272211" cy="1454669"/>
+          </a:xfrm>
+        </p:spPr>
+        <p:txBody>
+          <a:bodyPr>
+            <a:normAutofit fontScale="92500" lnSpcReduction="10000"/>
+          </a:bodyPr>
+          <a:lstStyle/>
+          <a:p>
+            <a:pPr marL="0" indent="0" algn="just">
+              <a:buNone/>
+            </a:pPr>
+            <a:r>
+              <a:rPr lang="es-CO" sz="3300" dirty="0"/>
+              <a:t>Esta distribución depende de los parámetros de localización y escala, determinados por la media (</a:t>
+            </a:r>
+            <a:r>
+              <a:rPr lang="el-GR" sz="3300" dirty="0"/>
+              <a:t>μ</a:t>
+            </a:r>
+            <a:r>
+              <a:rPr lang="es-CO" sz="3300" dirty="0"/>
+              <a:t>) y la desviación estándar (</a:t>
+            </a:r>
+            <a:r>
+              <a:rPr lang="el-GR" sz="3300" dirty="0"/>
+              <a:t>σ</a:t>
+            </a:r>
+            <a:r>
+              <a:rPr lang="es-CO" sz="3300" dirty="0"/>
+              <a:t>).</a:t>
+            </a:r>
+          </a:p>
+          <a:p>
+            <a:endParaRPr lang="es-CO" dirty="0"/>
+          </a:p>
+        </p:txBody>
+      </p:sp>
+      <p:pic>
+        <p:nvPicPr>
+          <p:cNvPr id="5" name="Imagen 4"/>
+          <p:cNvPicPr>
+            <a:picLocks noChangeAspect="1"/>
+          </p:cNvPicPr>
+          <p:nvPr/>
+        </p:nvPicPr>
+        <p:blipFill>
+          <a:blip r:embed="rId2"/>
+          <a:stretch>
+            <a:fillRect/>
+          </a:stretch>
+        </p:blipFill>
+        <p:spPr>
+          <a:xfrm>
+            <a:off x="1921066" y="4214581"/>
+            <a:ext cx="4876200" cy="1472460"/>
+          </a:xfrm>
+          <a:prstGeom prst="rect">
+            <a:avLst/>
+          </a:prstGeom>
+        </p:spPr>
+      </p:pic>
+    </p:spTree>
+    <p:extLst>
+      <p:ext uri="{BB962C8B-B14F-4D97-AF65-F5344CB8AC3E}">
+        <p14:creationId xmlns:p14="http://schemas.microsoft.com/office/powerpoint/2010/main" val="3646154602"/>
+      </p:ext>
+    </p:extLst>
+  </p:cSld>
+  <p:clrMapOvr>
+    <a:masterClrMapping/>
+  </p:clrMapOvr>
+  <p:timing>
+    <p:tnLst>
+      <p:par>
+        <p:cTn id="1" dur="indefinite" restart="never" nodeType="tmRoot"/>
+      </p:par>
+    </p:tnLst>
+  </p:timing>
+</p:sld>
+</file>
+
+<file path=ppt/slides/slide30.xml><?xml version="1.0" encoding="utf-8"?>
+<p:sld xmlns:a="http://schemas.openxmlformats.org/drawingml/2006/main" xmlns:r="http://schemas.openxmlformats.org/officeDocument/2006/relationships" xmlns:p="http://schemas.openxmlformats.org/presentationml/2006/main">
+  <p:cSld>
+    <p:spTree>
+      <p:nvGrpSpPr>
+        <p:cNvPr id="1" name=""/>
+        <p:cNvGrpSpPr/>
+        <p:nvPr/>
+      </p:nvGrpSpPr>
+      <p:grpSpPr>
+        <a:xfrm>
+          <a:off x="0" y="0"/>
+          <a:ext cx="0" cy="0"/>
+          <a:chOff x="0" y="0"/>
+          <a:chExt cx="0" cy="0"/>
+        </a:xfrm>
+      </p:grpSpPr>
+      <p:pic>
+        <p:nvPicPr>
+          <p:cNvPr id="1026" name="Picture 2"/>
+          <p:cNvPicPr>
+            <a:picLocks noGrp="1" noChangeAspect="1" noChangeArrowheads="1"/>
+          </p:cNvPicPr>
+          <p:nvPr>
+            <p:ph idx="1"/>
+          </p:nvPr>
+        </p:nvPicPr>
+        <p:blipFill>
+          <a:blip r:embed="rId2">
+            <a:extLst>
+              <a:ext uri="{28A0092B-C50C-407E-A947-70E740481C1C}">
+                <a14:useLocalDpi xmlns:a14="http://schemas.microsoft.com/office/drawing/2010/main" val="0"/>
+              </a:ext>
+            </a:extLst>
+          </a:blip>
+          <a:srcRect/>
+          <a:stretch>
+            <a:fillRect/>
+          </a:stretch>
+        </p:blipFill>
+        <p:spPr bwMode="auto">
+          <a:xfrm>
+            <a:off x="683568" y="332656"/>
+            <a:ext cx="7776864" cy="6126115"/>
+          </a:xfrm>
+          <a:prstGeom prst="rect">
+            <a:avLst/>
+          </a:prstGeom>
+          <a:noFill/>
+          <a:ln>
+            <a:noFill/>
+          </a:ln>
+          <a:extLst>
+            <a:ext uri="{909E8E84-426E-40DD-AFC4-6F175D3DCCD1}">
+              <a14:hiddenFill xmlns:a14="http://schemas.microsoft.com/office/drawing/2010/main">
+                <a:solidFill>
+                  <a:schemeClr val="accent1"/>
+                </a:solidFill>
+              </a14:hiddenFill>
+            </a:ext>
+            <a:ext uri="{91240B29-F687-4F45-9708-019B960494DF}">
+              <a14:hiddenLine xmlns:a14="http://schemas.microsoft.com/office/drawing/2010/main" w="9525">
+                <a:solidFill>
+                  <a:schemeClr val="tx1"/>
+                </a:solidFill>
+                <a:miter lim="800000"/>
+                <a:headEnd/>
+                <a:tailEnd/>
+              </a14:hiddenLine>
+            </a:ext>
+          </a:extLst>
+        </p:spPr>
+      </p:pic>
+    </p:spTree>
+    <p:extLst>
+      <p:ext uri="{BB962C8B-B14F-4D97-AF65-F5344CB8AC3E}">
+        <p14:creationId xmlns:p14="http://schemas.microsoft.com/office/powerpoint/2010/main" val="2649284231"/>
+      </p:ext>
+    </p:extLst>
+  </p:cSld>
+  <p:clrMapOvr>
+    <a:masterClrMapping/>
+  </p:clrMapOvr>
+</p:sld>
+</file>
+
+<file path=ppt/slides/slide31.xml><?xml version="1.0" encoding="utf-8"?>
+<p:sld xmlns:a="http://schemas.openxmlformats.org/drawingml/2006/main" xmlns:r="http://schemas.openxmlformats.org/officeDocument/2006/relationships" xmlns:p="http://schemas.openxmlformats.org/presentationml/2006/main">
+  <p:cSld>
+    <p:spTree>
+      <p:nvGrpSpPr>
+        <p:cNvPr id="1" name=""/>
+        <p:cNvGrpSpPr/>
+        <p:nvPr/>
+      </p:nvGrpSpPr>
+      <p:grpSpPr>
+        <a:xfrm>
+          <a:off x="0" y="0"/>
+          <a:ext cx="0" cy="0"/>
+          <a:chOff x="0" y="0"/>
+          <a:chExt cx="0" cy="0"/>
+        </a:xfrm>
+      </p:grpSpPr>
+      <p:sp>
+        <p:nvSpPr>
+          <p:cNvPr id="2" name="1 Título"/>
+          <p:cNvSpPr>
+            <a:spLocks noGrp="1"/>
+          </p:cNvSpPr>
+          <p:nvPr>
+            <p:ph type="title"/>
+          </p:nvPr>
+        </p:nvSpPr>
+        <p:spPr/>
+        <p:txBody>
+          <a:bodyPr>
+            <a:normAutofit fontScale="90000"/>
+          </a:bodyPr>
+          <a:lstStyle/>
+          <a:p>
+            <a:r>
+              <a:rPr lang="es-CO" b="1" dirty="0" smtClean="0">
+                <a:solidFill>
+                  <a:srgbClr val="0070C0"/>
+                </a:solidFill>
+              </a:rPr>
+              <a:t>Muestreo no probabilista</a:t>
+            </a:r>
+            <a:br>
+              <a:rPr lang="es-CO" b="1" dirty="0" smtClean="0">
+                <a:solidFill>
+                  <a:srgbClr val="0070C0"/>
+                </a:solidFill>
+              </a:rPr>
+            </a:br>
+            <a:r>
+              <a:rPr lang="es-CO" b="1" dirty="0" smtClean="0">
+                <a:solidFill>
+                  <a:srgbClr val="0070C0"/>
+                </a:solidFill>
+              </a:rPr>
+              <a:t>Muestreo </a:t>
+            </a:r>
+            <a:r>
+              <a:rPr lang="es-CO" b="1" dirty="0">
+                <a:solidFill>
+                  <a:srgbClr val="0070C0"/>
+                </a:solidFill>
+              </a:rPr>
+              <a:t>por Conveniencia </a:t>
+            </a:r>
+          </a:p>
+        </p:txBody>
+      </p:sp>
+      <p:sp>
+        <p:nvSpPr>
+          <p:cNvPr id="3" name="2 Marcador de contenido"/>
+          <p:cNvSpPr>
+            <a:spLocks noGrp="1"/>
+          </p:cNvSpPr>
+          <p:nvPr>
+            <p:ph idx="1"/>
+          </p:nvPr>
+        </p:nvSpPr>
+        <p:spPr>
+          <a:xfrm>
+            <a:off x="457200" y="1600200"/>
+            <a:ext cx="8132416" cy="4525963"/>
+          </a:xfrm>
+        </p:spPr>
+        <p:txBody>
+          <a:bodyPr>
+            <a:normAutofit fontScale="92500" lnSpcReduction="20000"/>
+          </a:bodyPr>
+          <a:lstStyle/>
+          <a:p>
+            <a:r>
+              <a:rPr lang="es-CO" dirty="0" smtClean="0"/>
+              <a:t> Los elementos de la muestra se eligen por estar en el lugar o en el momento adecuado para la investigación. </a:t>
+            </a:r>
+          </a:p>
+          <a:p>
+            <a:r>
+              <a:rPr lang="es-CO" dirty="0" smtClean="0"/>
+              <a:t> El criterio de selección (lugar, tiempo y demás) es completamente dependiente del investigador, sin reglas predeterminadas. </a:t>
+            </a:r>
+          </a:p>
+          <a:p>
+            <a:r>
+              <a:rPr lang="es-CO" b="1" dirty="0" smtClean="0">
+                <a:solidFill>
+                  <a:schemeClr val="accent1">
+                    <a:lumMod val="75000"/>
+                  </a:schemeClr>
+                </a:solidFill>
+              </a:rPr>
+              <a:t>Ejemplos: </a:t>
+            </a:r>
+          </a:p>
+          <a:p>
+            <a:pPr marL="0" indent="0">
+              <a:buNone/>
+            </a:pPr>
+            <a:r>
+              <a:rPr lang="es-CO" dirty="0" smtClean="0"/>
+              <a:t> encuestas en la calle</a:t>
+            </a:r>
+          </a:p>
+          <a:p>
+            <a:pPr marL="0" indent="0">
+              <a:buNone/>
+            </a:pPr>
+            <a:r>
+              <a:rPr lang="es-CO" dirty="0" smtClean="0"/>
+              <a:t> encuestas a estudiantes </a:t>
+            </a:r>
+          </a:p>
+          <a:p>
+            <a:pPr marL="0" indent="0">
+              <a:buNone/>
+            </a:pPr>
+            <a:r>
+              <a:rPr lang="es-CO" dirty="0" smtClean="0"/>
+              <a:t> encuestas web</a:t>
+            </a:r>
+            <a:endParaRPr lang="es-CO" dirty="0"/>
+          </a:p>
+        </p:txBody>
+      </p:sp>
+      <p:pic>
+        <p:nvPicPr>
+          <p:cNvPr id="1026" name="Picture 2"/>
+          <p:cNvPicPr>
+            <a:picLocks noChangeAspect="1" noChangeArrowheads="1"/>
+          </p:cNvPicPr>
+          <p:nvPr/>
+        </p:nvPicPr>
+        <p:blipFill>
+          <a:blip r:embed="rId2">
+            <a:extLst>
+              <a:ext uri="{28A0092B-C50C-407E-A947-70E740481C1C}">
+                <a14:useLocalDpi xmlns:a14="http://schemas.microsoft.com/office/drawing/2010/main" val="0"/>
+              </a:ext>
+            </a:extLst>
+          </a:blip>
+          <a:srcRect/>
+          <a:stretch>
+            <a:fillRect/>
+          </a:stretch>
+        </p:blipFill>
+        <p:spPr bwMode="auto">
+          <a:xfrm>
+            <a:off x="6732240" y="4581128"/>
+            <a:ext cx="1857375" cy="1924050"/>
+          </a:xfrm>
+          <a:prstGeom prst="rect">
+            <a:avLst/>
+          </a:prstGeom>
+          <a:noFill/>
+          <a:ln>
+            <a:noFill/>
+          </a:ln>
+          <a:extLst>
+            <a:ext uri="{909E8E84-426E-40DD-AFC4-6F175D3DCCD1}">
+              <a14:hiddenFill xmlns:a14="http://schemas.microsoft.com/office/drawing/2010/main">
+                <a:solidFill>
+                  <a:schemeClr val="accent1"/>
+                </a:solidFill>
+              </a14:hiddenFill>
+            </a:ext>
+            <a:ext uri="{91240B29-F687-4F45-9708-019B960494DF}">
+              <a14:hiddenLine xmlns:a14="http://schemas.microsoft.com/office/drawing/2010/main" w="9525">
+                <a:solidFill>
+                  <a:schemeClr val="tx1"/>
+                </a:solidFill>
+                <a:miter lim="800000"/>
+                <a:headEnd/>
+                <a:tailEnd/>
+              </a14:hiddenLine>
+            </a:ext>
+          </a:extLst>
+        </p:spPr>
+      </p:pic>
+    </p:spTree>
+    <p:extLst>
+      <p:ext uri="{BB962C8B-B14F-4D97-AF65-F5344CB8AC3E}">
+        <p14:creationId xmlns:p14="http://schemas.microsoft.com/office/powerpoint/2010/main" val="2352853551"/>
+      </p:ext>
+    </p:extLst>
+  </p:cSld>
+  <p:clrMapOvr>
+    <a:masterClrMapping/>
+  </p:clrMapOvr>
+</p:sld>
+</file>
+
+<file path=ppt/slides/slide32.xml><?xml version="1.0" encoding="utf-8"?>
+<p:sld xmlns:a="http://schemas.openxmlformats.org/drawingml/2006/main" xmlns:r="http://schemas.openxmlformats.org/officeDocument/2006/relationships" xmlns:p="http://schemas.openxmlformats.org/presentationml/2006/main">
+  <p:cSld>
+    <p:spTree>
+      <p:nvGrpSpPr>
+        <p:cNvPr id="1" name=""/>
+        <p:cNvGrpSpPr/>
+        <p:nvPr/>
+      </p:nvGrpSpPr>
+      <p:grpSpPr>
+        <a:xfrm>
+          <a:off x="0" y="0"/>
+          <a:ext cx="0" cy="0"/>
+          <a:chOff x="0" y="0"/>
+          <a:chExt cx="0" cy="0"/>
+        </a:xfrm>
+      </p:grpSpPr>
+      <p:sp>
+        <p:nvSpPr>
+          <p:cNvPr id="2" name="1 Título"/>
+          <p:cNvSpPr>
+            <a:spLocks noGrp="1"/>
+          </p:cNvSpPr>
+          <p:nvPr>
+            <p:ph type="title"/>
+          </p:nvPr>
+        </p:nvSpPr>
+        <p:spPr/>
+        <p:txBody>
+          <a:bodyPr>
+            <a:normAutofit/>
+          </a:bodyPr>
+          <a:lstStyle/>
+          <a:p>
+            <a:r>
+              <a:rPr lang="es-CO" b="1" dirty="0">
+                <a:solidFill>
+                  <a:srgbClr val="0070C0"/>
+                </a:solidFill>
+              </a:rPr>
+              <a:t>Muestreo por Juicio </a:t>
+            </a:r>
+          </a:p>
+        </p:txBody>
+      </p:sp>
+      <p:sp>
+        <p:nvSpPr>
+          <p:cNvPr id="3" name="2 Marcador de contenido"/>
+          <p:cNvSpPr>
+            <a:spLocks noGrp="1"/>
+          </p:cNvSpPr>
+          <p:nvPr>
+            <p:ph idx="1"/>
+          </p:nvPr>
+        </p:nvSpPr>
+        <p:spPr>
+          <a:xfrm>
+            <a:off x="457200" y="1600201"/>
+            <a:ext cx="8229600" cy="2044824"/>
+          </a:xfrm>
+        </p:spPr>
+        <p:txBody>
+          <a:bodyPr>
+            <a:normAutofit fontScale="70000" lnSpcReduction="20000"/>
+          </a:bodyPr>
+          <a:lstStyle/>
+          <a:p>
+            <a:r>
+              <a:rPr lang="es-CO" dirty="0" smtClean="0"/>
+              <a:t>Se selecciona de acuerdo a alguna característica especifica del encuestado juzgada por el encuestador</a:t>
+            </a:r>
+          </a:p>
+          <a:p>
+            <a:r>
+              <a:rPr lang="es-CO" dirty="0" smtClean="0"/>
+              <a:t>Muestreo </a:t>
+            </a:r>
+            <a:r>
+              <a:rPr lang="es-CO" dirty="0"/>
+              <a:t>por conveniencia </a:t>
+            </a:r>
+          </a:p>
+          <a:p>
+            <a:r>
+              <a:rPr lang="es-CO" dirty="0" smtClean="0"/>
+              <a:t>Clientes / Consumidores de un cierto tipo</a:t>
+            </a:r>
+          </a:p>
+          <a:p>
+            <a:r>
+              <a:rPr lang="es-CO" dirty="0" smtClean="0"/>
+              <a:t>Expertos en un tema o aspecto de la organización </a:t>
+            </a:r>
+          </a:p>
+          <a:p>
+            <a:r>
+              <a:rPr lang="es-CO" dirty="0" smtClean="0"/>
+              <a:t>Personajes “líderes de opinión”</a:t>
+            </a:r>
+            <a:endParaRPr lang="es-CO" dirty="0"/>
+          </a:p>
+        </p:txBody>
+      </p:sp>
+      <p:pic>
+        <p:nvPicPr>
+          <p:cNvPr id="5122" name="Picture 2"/>
+          <p:cNvPicPr>
+            <a:picLocks noChangeAspect="1" noChangeArrowheads="1"/>
+          </p:cNvPicPr>
+          <p:nvPr/>
+        </p:nvPicPr>
+        <p:blipFill>
+          <a:blip r:embed="rId2">
+            <a:extLst>
+              <a:ext uri="{28A0092B-C50C-407E-A947-70E740481C1C}">
+                <a14:useLocalDpi xmlns:a14="http://schemas.microsoft.com/office/drawing/2010/main" val="0"/>
+              </a:ext>
+            </a:extLst>
+          </a:blip>
+          <a:srcRect/>
+          <a:stretch>
+            <a:fillRect/>
+          </a:stretch>
+        </p:blipFill>
+        <p:spPr bwMode="auto">
+          <a:xfrm>
+            <a:off x="1907704" y="3524267"/>
+            <a:ext cx="4819650" cy="3133725"/>
+          </a:xfrm>
+          <a:prstGeom prst="rect">
+            <a:avLst/>
+          </a:prstGeom>
+          <a:noFill/>
+          <a:ln>
+            <a:noFill/>
+          </a:ln>
+          <a:extLst>
+            <a:ext uri="{909E8E84-426E-40DD-AFC4-6F175D3DCCD1}">
+              <a14:hiddenFill xmlns:a14="http://schemas.microsoft.com/office/drawing/2010/main">
+                <a:solidFill>
+                  <a:schemeClr val="accent1"/>
+                </a:solidFill>
+              </a14:hiddenFill>
+            </a:ext>
+            <a:ext uri="{91240B29-F687-4F45-9708-019B960494DF}">
+              <a14:hiddenLine xmlns:a14="http://schemas.microsoft.com/office/drawing/2010/main" w="9525">
+                <a:solidFill>
+                  <a:schemeClr val="tx1"/>
+                </a:solidFill>
+                <a:miter lim="800000"/>
+                <a:headEnd/>
+                <a:tailEnd/>
+              </a14:hiddenLine>
+            </a:ext>
+          </a:extLst>
+        </p:spPr>
+      </p:pic>
+    </p:spTree>
+    <p:extLst>
+      <p:ext uri="{BB962C8B-B14F-4D97-AF65-F5344CB8AC3E}">
+        <p14:creationId xmlns:p14="http://schemas.microsoft.com/office/powerpoint/2010/main" val="3588502736"/>
+      </p:ext>
+    </p:extLst>
+  </p:cSld>
+  <p:clrMapOvr>
+    <a:masterClrMapping/>
+  </p:clrMapOvr>
+</p:sld>
+</file>
+
+<file path=ppt/slides/slide33.xml><?xml version="1.0" encoding="utf-8"?>
+<p:sld xmlns:a="http://schemas.openxmlformats.org/drawingml/2006/main" xmlns:r="http://schemas.openxmlformats.org/officeDocument/2006/relationships" xmlns:p="http://schemas.openxmlformats.org/presentationml/2006/main">
+  <p:cSld>
+    <p:spTree>
+      <p:nvGrpSpPr>
+        <p:cNvPr id="1" name=""/>
+        <p:cNvGrpSpPr/>
+        <p:nvPr/>
+      </p:nvGrpSpPr>
+      <p:grpSpPr>
+        <a:xfrm>
+          <a:off x="0" y="0"/>
+          <a:ext cx="0" cy="0"/>
+          <a:chOff x="0" y="0"/>
+          <a:chExt cx="0" cy="0"/>
+        </a:xfrm>
+      </p:grpSpPr>
+      <p:sp>
+        <p:nvSpPr>
+          <p:cNvPr id="2" name="1 Título"/>
+          <p:cNvSpPr>
+            <a:spLocks noGrp="1"/>
+          </p:cNvSpPr>
+          <p:nvPr>
+            <p:ph type="title"/>
+          </p:nvPr>
+        </p:nvSpPr>
+        <p:spPr/>
+        <p:txBody>
+          <a:bodyPr>
+            <a:normAutofit/>
+          </a:bodyPr>
+          <a:lstStyle/>
+          <a:p>
+            <a:r>
+              <a:rPr lang="es-CO" b="1" dirty="0">
+                <a:solidFill>
+                  <a:srgbClr val="0070C0"/>
+                </a:solidFill>
+              </a:rPr>
+              <a:t>Muestreo por Cuota </a:t>
+            </a:r>
+          </a:p>
+        </p:txBody>
+      </p:sp>
+      <p:sp>
+        <p:nvSpPr>
+          <p:cNvPr id="3" name="2 Marcador de contenido"/>
+          <p:cNvSpPr>
+            <a:spLocks noGrp="1"/>
+          </p:cNvSpPr>
+          <p:nvPr>
+            <p:ph idx="1"/>
+          </p:nvPr>
+        </p:nvSpPr>
+        <p:spPr>
+          <a:xfrm>
+            <a:off x="457200" y="1600201"/>
+            <a:ext cx="8507288" cy="1684783"/>
+          </a:xfrm>
+        </p:spPr>
+        <p:txBody>
+          <a:bodyPr>
+            <a:normAutofit fontScale="92500" lnSpcReduction="20000"/>
+          </a:bodyPr>
+          <a:lstStyle/>
+          <a:p>
+            <a:r>
+              <a:rPr lang="es-CO" dirty="0" smtClean="0"/>
+              <a:t>Separa la población de acuerdo a variables de control: edad, sexo, raza, nivel socio-económico </a:t>
+            </a:r>
+          </a:p>
+          <a:p>
+            <a:r>
+              <a:rPr lang="es-CO" dirty="0" smtClean="0"/>
+              <a:t>A cada subgrupo se le asigna una proporción de muestreo, típicamente un % de la población</a:t>
+            </a:r>
+            <a:endParaRPr lang="es-CO" dirty="0"/>
+          </a:p>
+        </p:txBody>
+      </p:sp>
+      <p:pic>
+        <p:nvPicPr>
+          <p:cNvPr id="2050" name="Picture 2"/>
+          <p:cNvPicPr>
+            <a:picLocks noChangeAspect="1" noChangeArrowheads="1"/>
+          </p:cNvPicPr>
+          <p:nvPr/>
+        </p:nvPicPr>
+        <p:blipFill>
+          <a:blip r:embed="rId2">
+            <a:extLst>
+              <a:ext uri="{28A0092B-C50C-407E-A947-70E740481C1C}">
+                <a14:useLocalDpi xmlns:a14="http://schemas.microsoft.com/office/drawing/2010/main" val="0"/>
+              </a:ext>
+            </a:extLst>
+          </a:blip>
+          <a:srcRect/>
+          <a:stretch>
+            <a:fillRect/>
+          </a:stretch>
+        </p:blipFill>
+        <p:spPr bwMode="auto">
+          <a:xfrm>
+            <a:off x="2699792" y="3381096"/>
+            <a:ext cx="4953668" cy="3278765"/>
+          </a:xfrm>
+          <a:prstGeom prst="rect">
+            <a:avLst/>
+          </a:prstGeom>
+          <a:noFill/>
+          <a:ln>
+            <a:noFill/>
+          </a:ln>
+          <a:extLst>
+            <a:ext uri="{909E8E84-426E-40DD-AFC4-6F175D3DCCD1}">
+              <a14:hiddenFill xmlns:a14="http://schemas.microsoft.com/office/drawing/2010/main">
+                <a:solidFill>
+                  <a:schemeClr val="accent1"/>
+                </a:solidFill>
+              </a14:hiddenFill>
+            </a:ext>
+            <a:ext uri="{91240B29-F687-4F45-9708-019B960494DF}">
+              <a14:hiddenLine xmlns:a14="http://schemas.microsoft.com/office/drawing/2010/main" w="9525">
+                <a:solidFill>
+                  <a:schemeClr val="tx1"/>
+                </a:solidFill>
+                <a:miter lim="800000"/>
+                <a:headEnd/>
+                <a:tailEnd/>
+              </a14:hiddenLine>
+            </a:ext>
+          </a:extLst>
+        </p:spPr>
+      </p:pic>
+    </p:spTree>
+    <p:extLst>
+      <p:ext uri="{BB962C8B-B14F-4D97-AF65-F5344CB8AC3E}">
+        <p14:creationId xmlns:p14="http://schemas.microsoft.com/office/powerpoint/2010/main" val="2251312649"/>
+      </p:ext>
+    </p:extLst>
+  </p:cSld>
+  <p:clrMapOvr>
+    <a:masterClrMapping/>
+  </p:clrMapOvr>
+</p:sld>
+</file>
+
+<file path=ppt/slides/slide34.xml><?xml version="1.0" encoding="utf-8"?>
+<p:sld xmlns:a="http://schemas.openxmlformats.org/drawingml/2006/main" xmlns:r="http://schemas.openxmlformats.org/officeDocument/2006/relationships" xmlns:p="http://schemas.openxmlformats.org/presentationml/2006/main">
+  <p:cSld>
+    <p:spTree>
+      <p:nvGrpSpPr>
+        <p:cNvPr id="1" name=""/>
+        <p:cNvGrpSpPr/>
+        <p:nvPr/>
+      </p:nvGrpSpPr>
+      <p:grpSpPr>
+        <a:xfrm>
+          <a:off x="0" y="0"/>
+          <a:ext cx="0" cy="0"/>
+          <a:chOff x="0" y="0"/>
+          <a:chExt cx="0" cy="0"/>
+        </a:xfrm>
+      </p:grpSpPr>
+      <p:sp>
+        <p:nvSpPr>
+          <p:cNvPr id="2" name="1 Título"/>
+          <p:cNvSpPr>
+            <a:spLocks noGrp="1"/>
+          </p:cNvSpPr>
+          <p:nvPr>
+            <p:ph type="title"/>
+          </p:nvPr>
+        </p:nvSpPr>
+        <p:spPr/>
+        <p:txBody>
+          <a:bodyPr>
+            <a:normAutofit/>
+          </a:bodyPr>
+          <a:lstStyle/>
+          <a:p>
+            <a:r>
+              <a:rPr lang="es-CO" b="1" dirty="0">
+                <a:solidFill>
+                  <a:srgbClr val="0070C0"/>
+                </a:solidFill>
+              </a:rPr>
+              <a:t>Muestreo tipo bola de nieve </a:t>
+            </a:r>
+          </a:p>
+        </p:txBody>
+      </p:sp>
+      <p:sp>
+        <p:nvSpPr>
+          <p:cNvPr id="3" name="2 Marcador de contenido"/>
+          <p:cNvSpPr>
+            <a:spLocks noGrp="1"/>
+          </p:cNvSpPr>
+          <p:nvPr>
+            <p:ph idx="1"/>
+          </p:nvPr>
+        </p:nvSpPr>
+        <p:spPr>
+          <a:xfrm>
+            <a:off x="467544" y="1317989"/>
+            <a:ext cx="8229600" cy="2116832"/>
+          </a:xfrm>
+        </p:spPr>
+        <p:txBody>
+          <a:bodyPr>
+            <a:normAutofit fontScale="70000" lnSpcReduction="20000"/>
+          </a:bodyPr>
+          <a:lstStyle/>
+          <a:p>
+            <a:r>
+              <a:rPr lang="es-CO" dirty="0" smtClean="0"/>
+              <a:t>Se selecciona un grupo inicial</a:t>
+            </a:r>
+          </a:p>
+          <a:p>
+            <a:r>
+              <a:rPr lang="es-CO" dirty="0" smtClean="0"/>
+              <a:t>Los nuevos encuestados se seleccionan en base a las referencias de los encuestados anteriores, explotando sus “redes sociales” .</a:t>
+            </a:r>
+          </a:p>
+          <a:p>
+            <a:r>
+              <a:rPr lang="es-CO" dirty="0" smtClean="0"/>
+              <a:t>Muy utilizado en ciencias sociales, cuando la característica a estudiar es rara o escasa y cuando es difícil conseguir encuestados.</a:t>
+            </a:r>
+            <a:endParaRPr lang="es-CO" dirty="0"/>
+          </a:p>
+        </p:txBody>
+      </p:sp>
+      <p:pic>
+        <p:nvPicPr>
+          <p:cNvPr id="3074" name="Picture 2"/>
+          <p:cNvPicPr>
+            <a:picLocks noChangeAspect="1" noChangeArrowheads="1"/>
+          </p:cNvPicPr>
+          <p:nvPr/>
+        </p:nvPicPr>
+        <p:blipFill>
+          <a:blip r:embed="rId2">
+            <a:extLst>
+              <a:ext uri="{28A0092B-C50C-407E-A947-70E740481C1C}">
+                <a14:useLocalDpi xmlns:a14="http://schemas.microsoft.com/office/drawing/2010/main" val="0"/>
+              </a:ext>
+            </a:extLst>
+          </a:blip>
+          <a:srcRect/>
+          <a:stretch>
+            <a:fillRect/>
+          </a:stretch>
+        </p:blipFill>
+        <p:spPr bwMode="auto">
+          <a:xfrm>
+            <a:off x="179512" y="3434821"/>
+            <a:ext cx="4933950" cy="2952750"/>
+          </a:xfrm>
+          <a:prstGeom prst="rect">
+            <a:avLst/>
+          </a:prstGeom>
+          <a:noFill/>
+          <a:ln>
+            <a:noFill/>
+          </a:ln>
+          <a:extLst>
+            <a:ext uri="{909E8E84-426E-40DD-AFC4-6F175D3DCCD1}">
+              <a14:hiddenFill xmlns:a14="http://schemas.microsoft.com/office/drawing/2010/main">
+                <a:solidFill>
+                  <a:schemeClr val="accent1"/>
+                </a:solidFill>
+              </a14:hiddenFill>
+            </a:ext>
+            <a:ext uri="{91240B29-F687-4F45-9708-019B960494DF}">
+              <a14:hiddenLine xmlns:a14="http://schemas.microsoft.com/office/drawing/2010/main" w="9525">
+                <a:solidFill>
+                  <a:schemeClr val="tx1"/>
+                </a:solidFill>
+                <a:miter lim="800000"/>
+                <a:headEnd/>
+                <a:tailEnd/>
+              </a14:hiddenLine>
+            </a:ext>
+          </a:extLst>
+        </p:spPr>
+      </p:pic>
+      <p:sp>
+        <p:nvSpPr>
+          <p:cNvPr id="4" name="3 CuadroTexto"/>
+          <p:cNvSpPr txBox="1"/>
+          <p:nvPr/>
+        </p:nvSpPr>
+        <p:spPr>
+          <a:xfrm>
+            <a:off x="5292080" y="3434821"/>
+            <a:ext cx="3600400" cy="2862322"/>
+          </a:xfrm>
+          <a:prstGeom prst="rect">
+            <a:avLst/>
+          </a:prstGeom>
+          <a:noFill/>
+        </p:spPr>
+        <p:txBody>
+          <a:bodyPr wrap="square" rtlCol="0">
+            <a:spAutoFit/>
+          </a:bodyPr>
+          <a:lstStyle/>
+          <a:p>
+            <a:r>
+              <a:rPr lang="es-CO" dirty="0"/>
+              <a:t>Un investigador quiere hacer un estudio sobre el comportamiento de los individuos </a:t>
+            </a:r>
+            <a:r>
+              <a:rPr lang="es-CO" dirty="0" smtClean="0"/>
+              <a:t>de una</a:t>
+            </a:r>
+            <a:r>
+              <a:rPr lang="es-CO" dirty="0"/>
+              <a:t> secta secreta. </a:t>
+            </a:r>
+            <a:endParaRPr lang="es-CO" dirty="0" smtClean="0"/>
+          </a:p>
+          <a:p>
+            <a:endParaRPr lang="es-CO" dirty="0"/>
+          </a:p>
+          <a:p>
+            <a:r>
+              <a:rPr lang="es-CO" dirty="0" smtClean="0"/>
+              <a:t>Empieza </a:t>
+            </a:r>
+            <a:r>
+              <a:rPr lang="es-CO" dirty="0"/>
+              <a:t>estudiando a tres integrantes </a:t>
+            </a:r>
+            <a:r>
+              <a:rPr lang="es-CO" dirty="0" smtClean="0"/>
+              <a:t>de </a:t>
+            </a:r>
+            <a:r>
+              <a:rPr lang="es-CO" dirty="0"/>
+              <a:t>la misma secta que conoce y ellos le van presentando a otros sujetos para incluirlos en su estudio.</a:t>
+            </a:r>
+          </a:p>
+          <a:p>
+            <a:endParaRPr lang="es-CO" dirty="0"/>
+          </a:p>
+        </p:txBody>
+      </p:sp>
+    </p:spTree>
+    <p:extLst>
+      <p:ext uri="{BB962C8B-B14F-4D97-AF65-F5344CB8AC3E}">
+        <p14:creationId xmlns:p14="http://schemas.microsoft.com/office/powerpoint/2010/main" val="4024474921"/>
+      </p:ext>
+    </p:extLst>
+  </p:cSld>
+  <p:clrMapOvr>
+    <a:masterClrMapping/>
+  </p:clrMapOvr>
+</p:sld>
+</file>
+
+<file path=ppt/slides/slide35.xml><?xml version="1.0" encoding="utf-8"?>
+<p:sld xmlns:a="http://schemas.openxmlformats.org/drawingml/2006/main" xmlns:r="http://schemas.openxmlformats.org/officeDocument/2006/relationships" xmlns:p="http://schemas.openxmlformats.org/presentationml/2006/main">
+  <p:cSld>
+    <p:spTree>
+      <p:nvGrpSpPr>
+        <p:cNvPr id="1" name=""/>
+        <p:cNvGrpSpPr/>
+        <p:nvPr/>
+      </p:nvGrpSpPr>
+      <p:grpSpPr>
+        <a:xfrm>
+          <a:off x="0" y="0"/>
+          <a:ext cx="0" cy="0"/>
+          <a:chOff x="0" y="0"/>
+          <a:chExt cx="0" cy="0"/>
+        </a:xfrm>
+      </p:grpSpPr>
+      <p:sp>
+        <p:nvSpPr>
+          <p:cNvPr id="2" name="1 Título"/>
+          <p:cNvSpPr>
+            <a:spLocks noGrp="1"/>
+          </p:cNvSpPr>
+          <p:nvPr>
+            <p:ph type="title"/>
+          </p:nvPr>
+        </p:nvSpPr>
+        <p:spPr>
+          <a:xfrm>
+            <a:off x="467544" y="620688"/>
+            <a:ext cx="8229600" cy="1143000"/>
+          </a:xfrm>
+        </p:spPr>
+        <p:txBody>
+          <a:bodyPr>
+            <a:normAutofit fontScale="90000"/>
+          </a:bodyPr>
+          <a:lstStyle/>
+          <a:p>
+            <a:r>
+              <a:rPr lang="es-CO" sz="4900" b="1" dirty="0" smtClean="0">
+                <a:solidFill>
+                  <a:srgbClr val="0070C0"/>
+                </a:solidFill>
+              </a:rPr>
+              <a:t>Muestreo probabilístico </a:t>
+            </a:r>
+            <a:br>
+              <a:rPr lang="es-CO" sz="4900" b="1" dirty="0" smtClean="0">
+                <a:solidFill>
+                  <a:srgbClr val="0070C0"/>
+                </a:solidFill>
+              </a:rPr>
+            </a:br>
+            <a:r>
+              <a:rPr lang="es-CO" sz="4900" b="1" dirty="0" smtClean="0">
+                <a:solidFill>
+                  <a:srgbClr val="0070C0"/>
+                </a:solidFill>
+              </a:rPr>
+              <a:t>Muestreo </a:t>
+            </a:r>
+            <a:r>
+              <a:rPr lang="es-CO" sz="4900" b="1" dirty="0">
+                <a:solidFill>
+                  <a:srgbClr val="0070C0"/>
+                </a:solidFill>
+              </a:rPr>
+              <a:t>Aleatorio Simple</a:t>
+            </a:r>
+            <a:r>
+              <a:rPr lang="es-CO" dirty="0" smtClean="0"/>
+              <a:t/>
+            </a:r>
+            <a:br>
+              <a:rPr lang="es-CO" dirty="0" smtClean="0"/>
+            </a:br>
+            <a:endParaRPr lang="es-CO" dirty="0"/>
+          </a:p>
+        </p:txBody>
+      </p:sp>
+      <p:sp>
+        <p:nvSpPr>
+          <p:cNvPr id="3" name="2 Marcador de contenido"/>
+          <p:cNvSpPr>
+            <a:spLocks noGrp="1"/>
+          </p:cNvSpPr>
+          <p:nvPr>
+            <p:ph idx="1"/>
+          </p:nvPr>
+        </p:nvSpPr>
+        <p:spPr>
+          <a:xfrm>
+            <a:off x="467544" y="1988840"/>
+            <a:ext cx="6131024" cy="4525963"/>
+          </a:xfrm>
+        </p:spPr>
+        <p:txBody>
+          <a:bodyPr>
+            <a:normAutofit fontScale="77500" lnSpcReduction="20000"/>
+          </a:bodyPr>
+          <a:lstStyle/>
+          <a:p>
+            <a:r>
+              <a:rPr lang="es-CO" dirty="0" smtClean="0"/>
+              <a:t>Cada elemento del marco </a:t>
+            </a:r>
+            <a:r>
+              <a:rPr lang="es-CO" dirty="0" err="1" smtClean="0"/>
+              <a:t>muestral</a:t>
+            </a:r>
+            <a:r>
+              <a:rPr lang="es-CO" dirty="0" smtClean="0"/>
+              <a:t> tiene la misma probabilidad de ser seleccionado y cada elemento se selecciona de manera independiente de los otros.</a:t>
+            </a:r>
+          </a:p>
+          <a:p>
+            <a:r>
+              <a:rPr lang="es-CO" dirty="0"/>
+              <a:t>C</a:t>
+            </a:r>
+            <a:r>
+              <a:rPr lang="es-CO" dirty="0" smtClean="0"/>
+              <a:t>on reemplazo: se pueden repetir elementos</a:t>
+            </a:r>
+          </a:p>
+          <a:p>
+            <a:r>
+              <a:rPr lang="es-CO" dirty="0"/>
+              <a:t>S</a:t>
+            </a:r>
+            <a:r>
+              <a:rPr lang="es-CO" dirty="0" smtClean="0"/>
+              <a:t>in reemplazo: no se pueden repetir elementos</a:t>
+            </a:r>
+          </a:p>
+          <a:p>
+            <a:r>
+              <a:rPr lang="es-CO" dirty="0"/>
+              <a:t>S</a:t>
+            </a:r>
+            <a:r>
+              <a:rPr lang="es-CO" dirty="0" smtClean="0"/>
+              <a:t>e indexa a la población y luego se elige un índice de manera aleatoria hasta completar el tamaño deseado de la muestra.</a:t>
+            </a:r>
+            <a:endParaRPr lang="es-CO" dirty="0"/>
+          </a:p>
+        </p:txBody>
+      </p:sp>
+      <p:pic>
+        <p:nvPicPr>
+          <p:cNvPr id="4098" name="Picture 2"/>
+          <p:cNvPicPr>
+            <a:picLocks noChangeAspect="1" noChangeArrowheads="1"/>
+          </p:cNvPicPr>
+          <p:nvPr/>
+        </p:nvPicPr>
+        <p:blipFill>
+          <a:blip r:embed="rId2">
+            <a:extLst>
+              <a:ext uri="{28A0092B-C50C-407E-A947-70E740481C1C}">
+                <a14:useLocalDpi xmlns:a14="http://schemas.microsoft.com/office/drawing/2010/main" val="0"/>
+              </a:ext>
+            </a:extLst>
+          </a:blip>
+          <a:srcRect/>
+          <a:stretch>
+            <a:fillRect/>
+          </a:stretch>
+        </p:blipFill>
+        <p:spPr bwMode="auto">
+          <a:xfrm>
+            <a:off x="6732240" y="2556867"/>
+            <a:ext cx="2247900" cy="2600325"/>
+          </a:xfrm>
+          <a:prstGeom prst="rect">
+            <a:avLst/>
+          </a:prstGeom>
+          <a:noFill/>
+          <a:ln>
+            <a:noFill/>
+          </a:ln>
+          <a:extLst>
+            <a:ext uri="{909E8E84-426E-40DD-AFC4-6F175D3DCCD1}">
+              <a14:hiddenFill xmlns:a14="http://schemas.microsoft.com/office/drawing/2010/main">
+                <a:solidFill>
+                  <a:schemeClr val="accent1"/>
+                </a:solidFill>
+              </a14:hiddenFill>
+            </a:ext>
+            <a:ext uri="{91240B29-F687-4F45-9708-019B960494DF}">
+              <a14:hiddenLine xmlns:a14="http://schemas.microsoft.com/office/drawing/2010/main" w="9525">
+                <a:solidFill>
+                  <a:schemeClr val="tx1"/>
+                </a:solidFill>
+                <a:miter lim="800000"/>
+                <a:headEnd/>
+                <a:tailEnd/>
+              </a14:hiddenLine>
+            </a:ext>
+          </a:extLst>
+        </p:spPr>
+      </p:pic>
+    </p:spTree>
+    <p:extLst>
+      <p:ext uri="{BB962C8B-B14F-4D97-AF65-F5344CB8AC3E}">
+        <p14:creationId xmlns:p14="http://schemas.microsoft.com/office/powerpoint/2010/main" val="3564453021"/>
+      </p:ext>
+    </p:extLst>
+  </p:cSld>
+  <p:clrMapOvr>
+    <a:masterClrMapping/>
+  </p:clrMapOvr>
+</p:sld>
+</file>
+
+<file path=ppt/slides/slide36.xml><?xml version="1.0" encoding="utf-8"?>
+<p:sld xmlns:a="http://schemas.openxmlformats.org/drawingml/2006/main" xmlns:r="http://schemas.openxmlformats.org/officeDocument/2006/relationships" xmlns:p="http://schemas.openxmlformats.org/presentationml/2006/main">
+  <p:cSld>
+    <p:spTree>
+      <p:nvGrpSpPr>
+        <p:cNvPr id="1" name=""/>
+        <p:cNvGrpSpPr/>
+        <p:nvPr/>
+      </p:nvGrpSpPr>
+      <p:grpSpPr>
+        <a:xfrm>
+          <a:off x="0" y="0"/>
+          <a:ext cx="0" cy="0"/>
+          <a:chOff x="0" y="0"/>
+          <a:chExt cx="0" cy="0"/>
+        </a:xfrm>
+      </p:grpSpPr>
+      <p:sp>
+        <p:nvSpPr>
+          <p:cNvPr id="2" name="1 Título"/>
+          <p:cNvSpPr>
+            <a:spLocks noGrp="1"/>
+          </p:cNvSpPr>
+          <p:nvPr>
+            <p:ph type="title"/>
+          </p:nvPr>
+        </p:nvSpPr>
+        <p:spPr>
+          <a:xfrm>
+            <a:off x="467544" y="476672"/>
+            <a:ext cx="8229600" cy="720080"/>
+          </a:xfrm>
+        </p:spPr>
+        <p:txBody>
+          <a:bodyPr>
+            <a:noAutofit/>
+          </a:bodyPr>
+          <a:lstStyle/>
+          <a:p>
+            <a:r>
+              <a:rPr lang="es-CO" b="1" dirty="0" smtClean="0">
+                <a:solidFill>
+                  <a:srgbClr val="0070C0"/>
+                </a:solidFill>
+              </a:rPr>
+              <a:t>Muestreo </a:t>
+            </a:r>
+            <a:r>
+              <a:rPr lang="es-CO" b="1" dirty="0">
+                <a:solidFill>
+                  <a:srgbClr val="0070C0"/>
+                </a:solidFill>
+              </a:rPr>
+              <a:t>Aleatorio Estratificado</a:t>
+            </a:r>
+          </a:p>
+        </p:txBody>
+      </p:sp>
+      <p:sp>
+        <p:nvSpPr>
+          <p:cNvPr id="3" name="2 Marcador de contenido"/>
+          <p:cNvSpPr>
+            <a:spLocks noGrp="1"/>
+          </p:cNvSpPr>
+          <p:nvPr>
+            <p:ph idx="1"/>
+          </p:nvPr>
+        </p:nvSpPr>
+        <p:spPr>
+          <a:xfrm>
+            <a:off x="251520" y="1772816"/>
+            <a:ext cx="5400600" cy="4525963"/>
+          </a:xfrm>
+        </p:spPr>
+        <p:txBody>
+          <a:bodyPr>
+            <a:normAutofit fontScale="85000" lnSpcReduction="20000"/>
+          </a:bodyPr>
+          <a:lstStyle/>
+          <a:p>
+            <a:pPr marL="0" indent="0">
+              <a:buNone/>
+            </a:pPr>
+            <a:r>
+              <a:rPr lang="es-CO" dirty="0"/>
+              <a:t>Antes de seleccionar los elementos, se agrupa </a:t>
+            </a:r>
+            <a:r>
+              <a:rPr lang="es-CO" dirty="0" smtClean="0"/>
+              <a:t>la población </a:t>
+            </a:r>
+            <a:r>
+              <a:rPr lang="es-CO" dirty="0" err="1" smtClean="0"/>
+              <a:t>muestral</a:t>
+            </a:r>
+            <a:r>
+              <a:rPr lang="es-CO" dirty="0" smtClean="0"/>
+              <a:t> </a:t>
+            </a:r>
+            <a:r>
+              <a:rPr lang="es-CO" dirty="0"/>
+              <a:t>en estratos de acuerdo a </a:t>
+            </a:r>
+            <a:r>
+              <a:rPr lang="es-CO" dirty="0" smtClean="0"/>
+              <a:t>una variable </a:t>
+            </a:r>
+            <a:r>
+              <a:rPr lang="es-CO" dirty="0"/>
+              <a:t>importante: edad, género</a:t>
+            </a:r>
+            <a:r>
+              <a:rPr lang="es-CO" dirty="0" smtClean="0"/>
+              <a:t>, ocupación</a:t>
+            </a:r>
+            <a:r>
+              <a:rPr lang="es-CO" dirty="0"/>
+              <a:t>.</a:t>
+            </a:r>
+          </a:p>
+          <a:p>
+            <a:endParaRPr lang="es-CO" dirty="0" smtClean="0"/>
+          </a:p>
+          <a:p>
+            <a:pPr marL="0" indent="0">
+              <a:buNone/>
+            </a:pPr>
+            <a:r>
+              <a:rPr lang="es-CO" dirty="0" smtClean="0"/>
+              <a:t>Objetivo</a:t>
+            </a:r>
+            <a:r>
+              <a:rPr lang="es-CO" dirty="0"/>
+              <a:t>: reducir la variabilidad que se </a:t>
+            </a:r>
+            <a:r>
+              <a:rPr lang="es-CO" dirty="0" smtClean="0"/>
+              <a:t>puede observar </a:t>
+            </a:r>
+            <a:r>
+              <a:rPr lang="es-CO" dirty="0"/>
+              <a:t>dentro de cada </a:t>
+            </a:r>
+            <a:r>
+              <a:rPr lang="es-CO" dirty="0" smtClean="0"/>
+              <a:t>estrato</a:t>
+            </a:r>
+          </a:p>
+          <a:p>
+            <a:pPr marL="0" indent="0">
+              <a:buNone/>
+            </a:pPr>
+            <a:endParaRPr lang="es-CO" dirty="0"/>
+          </a:p>
+          <a:p>
+            <a:pPr marL="0" indent="0">
+              <a:buNone/>
+            </a:pPr>
+            <a:r>
+              <a:rPr lang="es-CO" dirty="0" smtClean="0"/>
+              <a:t>Dentro </a:t>
+            </a:r>
+            <a:r>
+              <a:rPr lang="es-CO" dirty="0"/>
+              <a:t>de cada estrato se puede proceder </a:t>
+            </a:r>
+            <a:r>
+              <a:rPr lang="es-CO" dirty="0" smtClean="0"/>
+              <a:t>con muestreo simple</a:t>
+            </a:r>
+            <a:endParaRPr lang="es-CO" dirty="0"/>
+          </a:p>
+        </p:txBody>
+      </p:sp>
+      <p:pic>
+        <p:nvPicPr>
+          <p:cNvPr id="6146" name="Picture 2"/>
+          <p:cNvPicPr>
+            <a:picLocks noChangeAspect="1" noChangeArrowheads="1"/>
+          </p:cNvPicPr>
+          <p:nvPr/>
+        </p:nvPicPr>
+        <p:blipFill>
+          <a:blip r:embed="rId2">
+            <a:extLst>
+              <a:ext uri="{28A0092B-C50C-407E-A947-70E740481C1C}">
+                <a14:useLocalDpi xmlns:a14="http://schemas.microsoft.com/office/drawing/2010/main" val="0"/>
+              </a:ext>
+            </a:extLst>
+          </a:blip>
+          <a:srcRect/>
+          <a:stretch>
+            <a:fillRect/>
+          </a:stretch>
+        </p:blipFill>
+        <p:spPr bwMode="auto">
+          <a:xfrm>
+            <a:off x="5382344" y="2132856"/>
+            <a:ext cx="3638550" cy="3133725"/>
+          </a:xfrm>
+          <a:prstGeom prst="rect">
+            <a:avLst/>
+          </a:prstGeom>
+          <a:noFill/>
+          <a:ln>
+            <a:noFill/>
+          </a:ln>
+          <a:extLst>
+            <a:ext uri="{909E8E84-426E-40DD-AFC4-6F175D3DCCD1}">
+              <a14:hiddenFill xmlns:a14="http://schemas.microsoft.com/office/drawing/2010/main">
+                <a:solidFill>
+                  <a:schemeClr val="accent1"/>
+                </a:solidFill>
+              </a14:hiddenFill>
+            </a:ext>
+            <a:ext uri="{91240B29-F687-4F45-9708-019B960494DF}">
+              <a14:hiddenLine xmlns:a14="http://schemas.microsoft.com/office/drawing/2010/main" w="9525">
+                <a:solidFill>
+                  <a:schemeClr val="tx1"/>
+                </a:solidFill>
+                <a:miter lim="800000"/>
+                <a:headEnd/>
+                <a:tailEnd/>
+              </a14:hiddenLine>
+            </a:ext>
+          </a:extLst>
+        </p:spPr>
+      </p:pic>
+    </p:spTree>
+    <p:extLst>
+      <p:ext uri="{BB962C8B-B14F-4D97-AF65-F5344CB8AC3E}">
+        <p14:creationId xmlns:p14="http://schemas.microsoft.com/office/powerpoint/2010/main" val="260002158"/>
+      </p:ext>
+    </p:extLst>
+  </p:cSld>
+  <p:clrMapOvr>
+    <a:masterClrMapping/>
+  </p:clrMapOvr>
+</p:sld>
+</file>
+
+<file path=ppt/slides/slide37.xml><?xml version="1.0" encoding="utf-8"?>
+<p:sld xmlns:a="http://schemas.openxmlformats.org/drawingml/2006/main" xmlns:r="http://schemas.openxmlformats.org/officeDocument/2006/relationships" xmlns:p="http://schemas.openxmlformats.org/presentationml/2006/main">
+  <p:cSld>
+    <p:spTree>
+      <p:nvGrpSpPr>
+        <p:cNvPr id="1" name=""/>
+        <p:cNvGrpSpPr/>
+        <p:nvPr/>
+      </p:nvGrpSpPr>
+      <p:grpSpPr>
+        <a:xfrm>
+          <a:off x="0" y="0"/>
+          <a:ext cx="0" cy="0"/>
+          <a:chOff x="0" y="0"/>
+          <a:chExt cx="0" cy="0"/>
+        </a:xfrm>
+      </p:grpSpPr>
+      <p:sp>
+        <p:nvSpPr>
+          <p:cNvPr id="2" name="1 Título"/>
+          <p:cNvSpPr>
+            <a:spLocks noGrp="1"/>
+          </p:cNvSpPr>
+          <p:nvPr>
+            <p:ph type="title"/>
+          </p:nvPr>
+        </p:nvSpPr>
+        <p:spPr/>
+        <p:txBody>
+          <a:bodyPr>
+            <a:normAutofit/>
+          </a:bodyPr>
+          <a:lstStyle/>
+          <a:p>
+            <a:r>
+              <a:rPr lang="es-CO" b="1" dirty="0">
+                <a:solidFill>
+                  <a:srgbClr val="0070C0"/>
+                </a:solidFill>
+              </a:rPr>
+              <a:t>Muestreo por conglomerados</a:t>
+            </a:r>
+          </a:p>
+        </p:txBody>
+      </p:sp>
+      <p:pic>
+        <p:nvPicPr>
+          <p:cNvPr id="7170" name="Picture 2"/>
+          <p:cNvPicPr>
+            <a:picLocks noGrp="1" noChangeAspect="1" noChangeArrowheads="1"/>
+          </p:cNvPicPr>
+          <p:nvPr>
+            <p:ph idx="1"/>
+          </p:nvPr>
+        </p:nvPicPr>
+        <p:blipFill>
+          <a:blip r:embed="rId2">
+            <a:extLst>
+              <a:ext uri="{28A0092B-C50C-407E-A947-70E740481C1C}">
+                <a14:useLocalDpi xmlns:a14="http://schemas.microsoft.com/office/drawing/2010/main" val="0"/>
+              </a:ext>
+            </a:extLst>
+          </a:blip>
+          <a:srcRect/>
+          <a:stretch>
+            <a:fillRect/>
+          </a:stretch>
+        </p:blipFill>
+        <p:spPr bwMode="auto">
+          <a:xfrm>
+            <a:off x="4943475" y="3782534"/>
+            <a:ext cx="4200525" cy="2895600"/>
+          </a:xfrm>
+          <a:prstGeom prst="rect">
+            <a:avLst/>
+          </a:prstGeom>
+          <a:noFill/>
+          <a:ln>
+            <a:noFill/>
+          </a:ln>
+          <a:extLst>
+            <a:ext uri="{909E8E84-426E-40DD-AFC4-6F175D3DCCD1}">
+              <a14:hiddenFill xmlns:a14="http://schemas.microsoft.com/office/drawing/2010/main">
+                <a:solidFill>
+                  <a:schemeClr val="accent1"/>
+                </a:solidFill>
+              </a14:hiddenFill>
+            </a:ext>
+            <a:ext uri="{91240B29-F687-4F45-9708-019B960494DF}">
+              <a14:hiddenLine xmlns:a14="http://schemas.microsoft.com/office/drawing/2010/main" w="9525">
+                <a:solidFill>
+                  <a:schemeClr val="tx1"/>
+                </a:solidFill>
+                <a:miter lim="800000"/>
+                <a:headEnd/>
+                <a:tailEnd/>
+              </a14:hiddenLine>
+            </a:ext>
+          </a:extLst>
+        </p:spPr>
+      </p:pic>
+      <p:sp>
+        <p:nvSpPr>
+          <p:cNvPr id="5" name="4 Rectángulo"/>
+          <p:cNvSpPr/>
+          <p:nvPr/>
+        </p:nvSpPr>
+        <p:spPr>
+          <a:xfrm>
+            <a:off x="323528" y="1556792"/>
+            <a:ext cx="8280920" cy="1938992"/>
+          </a:xfrm>
+          <a:prstGeom prst="rect">
+            <a:avLst/>
+          </a:prstGeom>
+        </p:spPr>
+        <p:txBody>
+          <a:bodyPr wrap="square">
+            <a:spAutoFit/>
+          </a:bodyPr>
+          <a:lstStyle/>
+          <a:p>
+            <a:pPr algn="just"/>
+            <a:r>
+              <a:rPr lang="es-CO" sz="2000" dirty="0"/>
+              <a:t>El método de muestreo por conglomerados se utiliza cuando la población está agrupada </a:t>
+            </a:r>
+            <a:r>
+              <a:rPr lang="es-CO" sz="2000" dirty="0" smtClean="0"/>
+              <a:t>naturalmente.</a:t>
+            </a:r>
+            <a:endParaRPr lang="es-CO" sz="2000" dirty="0"/>
+          </a:p>
+          <a:p>
+            <a:pPr algn="just"/>
+            <a:r>
+              <a:rPr lang="es-CO" sz="2000" dirty="0"/>
+              <a:t>Si se supone que los conglomerados son muestra significativa de la variable que se está estudiando, se puede seleccionar algunos </a:t>
+            </a:r>
+            <a:r>
+              <a:rPr lang="es-CO" sz="2000" dirty="0" smtClean="0"/>
+              <a:t>grupos </a:t>
+            </a:r>
+            <a:r>
+              <a:rPr lang="es-CO" sz="2000" dirty="0"/>
+              <a:t>al azar (todos los conglomerados deben tener las mismas probabilidades de ser seleccionados) y utilizarlos en representación de la población</a:t>
+            </a:r>
+            <a:r>
+              <a:rPr lang="es-CO" sz="2000" dirty="0" smtClean="0"/>
+              <a:t>.</a:t>
+            </a:r>
+            <a:endParaRPr lang="es-CO" sz="2000" dirty="0"/>
+          </a:p>
+        </p:txBody>
+      </p:sp>
+      <p:sp>
+        <p:nvSpPr>
+          <p:cNvPr id="6" name="5 Rectángulo"/>
+          <p:cNvSpPr/>
+          <p:nvPr/>
+        </p:nvSpPr>
+        <p:spPr>
+          <a:xfrm>
+            <a:off x="611560" y="4005064"/>
+            <a:ext cx="3852428" cy="2215991"/>
+          </a:xfrm>
+          <a:prstGeom prst="rect">
+            <a:avLst/>
+          </a:prstGeom>
+        </p:spPr>
+        <p:txBody>
+          <a:bodyPr wrap="square">
+            <a:spAutoFit/>
+          </a:bodyPr>
+          <a:lstStyle/>
+          <a:p>
+            <a:endParaRPr lang="es-CO" dirty="0"/>
+          </a:p>
+          <a:p>
+            <a:r>
+              <a:rPr lang="es-CO" sz="2000" dirty="0"/>
+              <a:t>En la práctica, el conglomerado más utilizado es el geográfico. Si queremos hacer un estudio en un país, podemos dividir el país en conglomerados como las comunidades, provincias, ciudades.</a:t>
+            </a:r>
+          </a:p>
+        </p:txBody>
+      </p:sp>
+    </p:spTree>
+    <p:extLst>
+      <p:ext uri="{BB962C8B-B14F-4D97-AF65-F5344CB8AC3E}">
+        <p14:creationId xmlns:p14="http://schemas.microsoft.com/office/powerpoint/2010/main" val="4163957138"/>
+      </p:ext>
+    </p:extLst>
+  </p:cSld>
+  <p:clrMapOvr>
+    <a:masterClrMapping/>
+  </p:clrMapOvr>
+</p:sld>
+</file>
+
+<file path=ppt/slides/slide38.xml><?xml version="1.0" encoding="utf-8"?>
+<p:sld xmlns:a="http://schemas.openxmlformats.org/drawingml/2006/main" xmlns:r="http://schemas.openxmlformats.org/officeDocument/2006/relationships" xmlns:p="http://schemas.openxmlformats.org/presentationml/2006/main">
+  <p:cSld>
+    <p:spTree>
+      <p:nvGrpSpPr>
+        <p:cNvPr id="1" name=""/>
+        <p:cNvGrpSpPr/>
+        <p:nvPr/>
+      </p:nvGrpSpPr>
+      <p:grpSpPr>
+        <a:xfrm>
+          <a:off x="0" y="0"/>
+          <a:ext cx="0" cy="0"/>
+          <a:chOff x="0" y="0"/>
+          <a:chExt cx="0" cy="0"/>
+        </a:xfrm>
+      </p:grpSpPr>
+      <p:sp>
+        <p:nvSpPr>
+          <p:cNvPr id="2" name="1 Título"/>
+          <p:cNvSpPr>
+            <a:spLocks noGrp="1"/>
+          </p:cNvSpPr>
+          <p:nvPr>
+            <p:ph type="title"/>
+          </p:nvPr>
+        </p:nvSpPr>
+        <p:spPr/>
+        <p:txBody>
+          <a:bodyPr>
+            <a:normAutofit/>
+          </a:bodyPr>
+          <a:lstStyle/>
+          <a:p>
+            <a:r>
+              <a:rPr lang="es-CO" b="1" dirty="0">
+                <a:solidFill>
+                  <a:srgbClr val="0070C0"/>
+                </a:solidFill>
+              </a:rPr>
+              <a:t>Muestreo sistemático</a:t>
+            </a:r>
+          </a:p>
+        </p:txBody>
+      </p:sp>
+      <p:pic>
+        <p:nvPicPr>
+          <p:cNvPr id="8194" name="Picture 2"/>
+          <p:cNvPicPr>
+            <a:picLocks noGrp="1" noChangeAspect="1" noChangeArrowheads="1"/>
+          </p:cNvPicPr>
+          <p:nvPr>
+            <p:ph idx="1"/>
+          </p:nvPr>
+        </p:nvPicPr>
+        <p:blipFill>
+          <a:blip r:embed="rId2">
+            <a:extLst>
+              <a:ext uri="{28A0092B-C50C-407E-A947-70E740481C1C}">
+                <a14:useLocalDpi xmlns:a14="http://schemas.microsoft.com/office/drawing/2010/main" val="0"/>
+              </a:ext>
+            </a:extLst>
+          </a:blip>
+          <a:srcRect/>
+          <a:stretch>
+            <a:fillRect/>
+          </a:stretch>
+        </p:blipFill>
+        <p:spPr bwMode="auto">
+          <a:xfrm>
+            <a:off x="1763688" y="5661248"/>
+            <a:ext cx="5476875" cy="609600"/>
+          </a:xfrm>
+          <a:prstGeom prst="rect">
+            <a:avLst/>
+          </a:prstGeom>
+          <a:noFill/>
+          <a:ln>
+            <a:noFill/>
+          </a:ln>
+          <a:extLst>
+            <a:ext uri="{909E8E84-426E-40DD-AFC4-6F175D3DCCD1}">
+              <a14:hiddenFill xmlns:a14="http://schemas.microsoft.com/office/drawing/2010/main">
+                <a:solidFill>
+                  <a:schemeClr val="accent1"/>
+                </a:solidFill>
+              </a14:hiddenFill>
+            </a:ext>
+            <a:ext uri="{91240B29-F687-4F45-9708-019B960494DF}">
+              <a14:hiddenLine xmlns:a14="http://schemas.microsoft.com/office/drawing/2010/main" w="9525">
+                <a:solidFill>
+                  <a:schemeClr val="tx1"/>
+                </a:solidFill>
+                <a:miter lim="800000"/>
+                <a:headEnd/>
+                <a:tailEnd/>
+              </a14:hiddenLine>
+            </a:ext>
+          </a:extLst>
+        </p:spPr>
+      </p:pic>
+      <p:sp>
+        <p:nvSpPr>
+          <p:cNvPr id="4" name="3 Rectángulo"/>
+          <p:cNvSpPr/>
+          <p:nvPr/>
+        </p:nvSpPr>
+        <p:spPr>
+          <a:xfrm>
+            <a:off x="827584" y="1124744"/>
+            <a:ext cx="7776864" cy="4062651"/>
+          </a:xfrm>
+          <a:prstGeom prst="rect">
+            <a:avLst/>
+          </a:prstGeom>
+        </p:spPr>
+        <p:txBody>
+          <a:bodyPr wrap="square">
+            <a:spAutoFit/>
+          </a:bodyPr>
+          <a:lstStyle/>
+          <a:p>
+            <a:pPr marL="285750" indent="-285750" fontAlgn="base">
+              <a:buFont typeface="Arial" panose="020B0604020202020204" pitchFamily="34" charset="0"/>
+              <a:buChar char="•"/>
+            </a:pPr>
+            <a:r>
+              <a:rPr lang="es-CO" sz="2400" dirty="0" smtClean="0"/>
+              <a:t>Se </a:t>
+            </a:r>
+            <a:r>
+              <a:rPr lang="es-CO" sz="2400" dirty="0"/>
+              <a:t>utiliza en </a:t>
+            </a:r>
+            <a:r>
+              <a:rPr lang="es-CO" sz="2400" dirty="0" smtClean="0"/>
+              <a:t>muestras</a:t>
+            </a:r>
+            <a:r>
+              <a:rPr lang="es-CO" sz="2400" dirty="0"/>
+              <a:t> ordenadas del 1 al </a:t>
+            </a:r>
+            <a:r>
+              <a:rPr lang="es-CO" sz="2400" i="1" dirty="0" smtClean="0"/>
+              <a:t>N</a:t>
+            </a:r>
+            <a:r>
+              <a:rPr lang="es-CO" sz="2400" dirty="0" smtClean="0"/>
+              <a:t>.</a:t>
+            </a:r>
+          </a:p>
+          <a:p>
+            <a:pPr marL="285750" indent="-285750" fontAlgn="base">
+              <a:buFont typeface="Arial" panose="020B0604020202020204" pitchFamily="34" charset="0"/>
+              <a:buChar char="•"/>
+            </a:pPr>
+            <a:r>
+              <a:rPr lang="es-CO" sz="2400" dirty="0" smtClean="0"/>
+              <a:t>Supongamos </a:t>
+            </a:r>
+            <a:r>
+              <a:rPr lang="es-CO" sz="2400" dirty="0"/>
+              <a:t>que tenemos una población de </a:t>
+            </a:r>
+            <a:r>
+              <a:rPr lang="es-CO" sz="2400" i="1" dirty="0"/>
+              <a:t>N</a:t>
+            </a:r>
+            <a:r>
+              <a:rPr lang="es-CO" sz="2400" dirty="0"/>
+              <a:t> individuos ordenados del 1 al </a:t>
+            </a:r>
+            <a:r>
+              <a:rPr lang="es-CO" sz="2400" i="1" dirty="0"/>
+              <a:t>N</a:t>
+            </a:r>
+            <a:r>
+              <a:rPr lang="es-CO" sz="2400" dirty="0"/>
+              <a:t>. Queremos seleccionar una muestra de tamaño </a:t>
+            </a:r>
+            <a:r>
+              <a:rPr lang="es-CO" sz="2400" i="1" dirty="0" smtClean="0"/>
+              <a:t>n</a:t>
+            </a:r>
+            <a:r>
+              <a:rPr lang="es-CO" sz="2400" dirty="0" smtClean="0"/>
+              <a:t>.</a:t>
+            </a:r>
+          </a:p>
+          <a:p>
+            <a:pPr marL="285750" indent="-285750" fontAlgn="base">
+              <a:buFont typeface="Arial" panose="020B0604020202020204" pitchFamily="34" charset="0"/>
+              <a:buChar char="•"/>
+            </a:pPr>
+            <a:r>
+              <a:rPr lang="es-CO" sz="2400" dirty="0" smtClean="0"/>
+              <a:t>Sea</a:t>
+            </a:r>
+            <a:r>
+              <a:rPr lang="es-CO" sz="2400" dirty="0"/>
+              <a:t> </a:t>
+            </a:r>
+            <a:r>
+              <a:rPr lang="es-CO" sz="2400" i="1" dirty="0"/>
+              <a:t>k</a:t>
+            </a:r>
+            <a:r>
+              <a:rPr lang="es-CO" sz="2400" dirty="0"/>
+              <a:t> el entero más próximo a </a:t>
+            </a:r>
+            <a:r>
+              <a:rPr lang="es-CO" sz="2400" i="1" dirty="0" smtClean="0"/>
+              <a:t>N/n</a:t>
+            </a:r>
+            <a:r>
+              <a:rPr lang="es-CO" sz="2400" dirty="0" smtClean="0"/>
+              <a:t>.</a:t>
+            </a:r>
+          </a:p>
+          <a:p>
+            <a:pPr marL="285750" indent="-285750" fontAlgn="base">
+              <a:buFont typeface="Arial" panose="020B0604020202020204" pitchFamily="34" charset="0"/>
+              <a:buChar char="•"/>
+            </a:pPr>
+            <a:r>
+              <a:rPr lang="es-CO" sz="2400" dirty="0" smtClean="0"/>
+              <a:t>Escogemos </a:t>
+            </a:r>
+            <a:r>
+              <a:rPr lang="es-CO" sz="2400" dirty="0"/>
+              <a:t>al azar un número </a:t>
+            </a:r>
+            <a:r>
+              <a:rPr lang="es-CO" sz="2400" i="1" dirty="0"/>
+              <a:t>i</a:t>
+            </a:r>
+            <a:r>
+              <a:rPr lang="es-CO" sz="2400" dirty="0"/>
+              <a:t> entre 1 y </a:t>
+            </a:r>
+            <a:r>
+              <a:rPr lang="es-CO" sz="2400" i="1" dirty="0"/>
+              <a:t>k</a:t>
+            </a:r>
+            <a:r>
+              <a:rPr lang="es-CO" sz="2400" dirty="0"/>
+              <a:t> (utilizando los números aleatorios, sacar una bola de un bombo, etc</a:t>
+            </a:r>
+            <a:r>
+              <a:rPr lang="es-CO" sz="2400" dirty="0" smtClean="0"/>
+              <a:t>.).</a:t>
+            </a:r>
+          </a:p>
+          <a:p>
+            <a:pPr marL="285750" indent="-285750" fontAlgn="base">
+              <a:buFont typeface="Arial" panose="020B0604020202020204" pitchFamily="34" charset="0"/>
+              <a:buChar char="•"/>
+            </a:pPr>
+            <a:r>
+              <a:rPr lang="es-CO" sz="2400" dirty="0" smtClean="0"/>
+              <a:t>La</a:t>
+            </a:r>
+            <a:r>
+              <a:rPr lang="es-CO" sz="2400" dirty="0"/>
+              <a:t> muestra será el elemento </a:t>
+            </a:r>
+            <a:r>
+              <a:rPr lang="es-CO" sz="2400" i="1" dirty="0"/>
+              <a:t>i</a:t>
+            </a:r>
+            <a:r>
+              <a:rPr lang="es-CO" sz="2400" dirty="0"/>
+              <a:t> y los elementos </a:t>
+            </a:r>
+            <a:r>
+              <a:rPr lang="es-CO" sz="2400" i="1" dirty="0" err="1"/>
+              <a:t>i+k</a:t>
+            </a:r>
+            <a:r>
+              <a:rPr lang="es-CO" sz="2400" dirty="0"/>
+              <a:t>, </a:t>
+            </a:r>
+            <a:r>
+              <a:rPr lang="es-CO" sz="2400" i="1" dirty="0"/>
+              <a:t>i+2k</a:t>
+            </a:r>
+            <a:r>
+              <a:rPr lang="es-CO" sz="2400" dirty="0"/>
+              <a:t>, etc</a:t>
+            </a:r>
+            <a:r>
+              <a:rPr lang="es-CO" sz="2400" dirty="0" smtClean="0"/>
+              <a:t>. </a:t>
+            </a:r>
+            <a:r>
+              <a:rPr lang="es-CO" sz="2400" dirty="0"/>
+              <a:t>Es decir, el elemento </a:t>
+            </a:r>
+            <a:r>
+              <a:rPr lang="es-CO" sz="2400" i="1" dirty="0"/>
+              <a:t>k</a:t>
+            </a:r>
+            <a:r>
+              <a:rPr lang="es-CO" sz="2400" dirty="0"/>
+              <a:t> y los elementos a intervalos fijos </a:t>
+            </a:r>
+            <a:r>
+              <a:rPr lang="es-CO" sz="2400" i="1" dirty="0"/>
+              <a:t>k</a:t>
+            </a:r>
+            <a:r>
+              <a:rPr lang="es-CO" sz="2400" dirty="0"/>
+              <a:t> hasta conseguir los </a:t>
+            </a:r>
+            <a:r>
+              <a:rPr lang="es-CO" sz="2400" i="1" dirty="0"/>
+              <a:t>n</a:t>
+            </a:r>
+            <a:r>
+              <a:rPr lang="es-CO" sz="2400" dirty="0"/>
+              <a:t> sujetos</a:t>
+            </a:r>
+            <a:r>
+              <a:rPr lang="es-CO" sz="2400" dirty="0" smtClean="0"/>
+              <a:t>:</a:t>
+            </a:r>
+          </a:p>
+          <a:p>
+            <a:pPr fontAlgn="base"/>
+            <a:endParaRPr lang="es-CO" dirty="0"/>
+          </a:p>
+        </p:txBody>
+      </p:sp>
+      <p:pic>
+        <p:nvPicPr>
+          <p:cNvPr id="8195" name="Picture 3"/>
+          <p:cNvPicPr>
+            <a:picLocks noChangeAspect="1" noChangeArrowheads="1"/>
+          </p:cNvPicPr>
+          <p:nvPr/>
+        </p:nvPicPr>
+        <p:blipFill>
+          <a:blip r:embed="rId3">
+            <a:extLst>
+              <a:ext uri="{28A0092B-C50C-407E-A947-70E740481C1C}">
+                <a14:useLocalDpi xmlns:a14="http://schemas.microsoft.com/office/drawing/2010/main" val="0"/>
+              </a:ext>
+            </a:extLst>
+          </a:blip>
+          <a:srcRect/>
+          <a:stretch>
+            <a:fillRect/>
+          </a:stretch>
+        </p:blipFill>
+        <p:spPr bwMode="auto">
+          <a:xfrm>
+            <a:off x="2514207" y="4941168"/>
+            <a:ext cx="4067175" cy="371475"/>
+          </a:xfrm>
+          <a:prstGeom prst="rect">
+            <a:avLst/>
+          </a:prstGeom>
+          <a:noFill/>
+          <a:ln>
+            <a:noFill/>
+          </a:ln>
+          <a:extLst>
+            <a:ext uri="{909E8E84-426E-40DD-AFC4-6F175D3DCCD1}">
+              <a14:hiddenFill xmlns:a14="http://schemas.microsoft.com/office/drawing/2010/main">
+                <a:solidFill>
+                  <a:schemeClr val="accent1"/>
+                </a:solidFill>
+              </a14:hiddenFill>
+            </a:ext>
+            <a:ext uri="{91240B29-F687-4F45-9708-019B960494DF}">
+              <a14:hiddenLine xmlns:a14="http://schemas.microsoft.com/office/drawing/2010/main" w="9525">
+                <a:solidFill>
+                  <a:schemeClr val="tx1"/>
+                </a:solidFill>
+                <a:miter lim="800000"/>
+                <a:headEnd/>
+                <a:tailEnd/>
+              </a14:hiddenLine>
+            </a:ext>
+          </a:extLst>
+        </p:spPr>
+      </p:pic>
+    </p:spTree>
+    <p:extLst>
+      <p:ext uri="{BB962C8B-B14F-4D97-AF65-F5344CB8AC3E}">
+        <p14:creationId xmlns:p14="http://schemas.microsoft.com/office/powerpoint/2010/main" val="2065159707"/>
+      </p:ext>
+    </p:extLst>
+  </p:cSld>
+  <p:clrMapOvr>
+    <a:masterClrMapping/>
+  </p:clrMapOvr>
+</p:sld>
+</file>
+
+<file path=ppt/slides/slide39.xml><?xml version="1.0" encoding="utf-8"?>
+<p:sld xmlns:a="http://schemas.openxmlformats.org/drawingml/2006/main" xmlns:r="http://schemas.openxmlformats.org/officeDocument/2006/relationships" xmlns:p="http://schemas.openxmlformats.org/presentationml/2006/main">
+  <p:cSld>
+    <p:spTree>
+      <p:nvGrpSpPr>
+        <p:cNvPr id="1" name=""/>
+        <p:cNvGrpSpPr/>
+        <p:nvPr/>
+      </p:nvGrpSpPr>
+      <p:grpSpPr>
+        <a:xfrm>
+          <a:off x="0" y="0"/>
+          <a:ext cx="0" cy="0"/>
+          <a:chOff x="0" y="0"/>
+          <a:chExt cx="0" cy="0"/>
+        </a:xfrm>
+      </p:grpSpPr>
+      <p:sp>
+        <p:nvSpPr>
+          <p:cNvPr id="2" name="1 Título"/>
+          <p:cNvSpPr>
+            <a:spLocks noGrp="1"/>
+          </p:cNvSpPr>
+          <p:nvPr>
+            <p:ph type="title"/>
+          </p:nvPr>
+        </p:nvSpPr>
+        <p:spPr/>
+        <p:txBody>
+          <a:bodyPr>
+            <a:normAutofit/>
+          </a:bodyPr>
+          <a:lstStyle/>
+          <a:p>
+            <a:r>
+              <a:rPr lang="es-CO" b="1" dirty="0">
+                <a:solidFill>
+                  <a:srgbClr val="0070C0"/>
+                </a:solidFill>
+              </a:rPr>
+              <a:t>EJEMPLO</a:t>
+            </a:r>
+          </a:p>
+        </p:txBody>
+      </p:sp>
+      <p:sp>
+        <p:nvSpPr>
+          <p:cNvPr id="3" name="2 Marcador de contenido"/>
+          <p:cNvSpPr>
+            <a:spLocks noGrp="1"/>
+          </p:cNvSpPr>
+          <p:nvPr>
+            <p:ph idx="1"/>
+          </p:nvPr>
+        </p:nvSpPr>
+        <p:spPr>
+          <a:xfrm>
+            <a:off x="467544" y="1196752"/>
+            <a:ext cx="8229600" cy="1828800"/>
+          </a:xfrm>
+        </p:spPr>
+        <p:txBody>
+          <a:bodyPr>
+            <a:normAutofit fontScale="77500" lnSpcReduction="20000"/>
+          </a:bodyPr>
+          <a:lstStyle/>
+          <a:p>
+            <a:pPr fontAlgn="base"/>
+            <a:r>
+              <a:rPr lang="es-CO" dirty="0" smtClean="0"/>
+              <a:t>Se quiere saber </a:t>
+            </a:r>
+            <a:r>
+              <a:rPr lang="es-CO" dirty="0"/>
+              <a:t>la opinión sobre un profesor de una clase de 60 personas. Dichas personas están ordenadas por orden alfabético en la lista de alumnos de clase. Para realizar la encuesta, seleccionamos a 12 personas. Por lo tanto, </a:t>
+            </a:r>
+            <a:r>
+              <a:rPr lang="es-CO" i="1" dirty="0"/>
+              <a:t>N</a:t>
+            </a:r>
+            <a:r>
+              <a:rPr lang="es-CO" dirty="0"/>
+              <a:t>=60 </a:t>
+            </a:r>
+            <a:r>
+              <a:rPr lang="es-CO" dirty="0" smtClean="0"/>
+              <a:t>y </a:t>
+            </a:r>
+            <a:r>
+              <a:rPr lang="es-CO" i="1" dirty="0" smtClean="0"/>
+              <a:t>n</a:t>
+            </a:r>
+            <a:r>
+              <a:rPr lang="es-CO" dirty="0" smtClean="0"/>
+              <a:t>=12</a:t>
+            </a:r>
+            <a:r>
+              <a:rPr lang="es-CO" dirty="0"/>
+              <a:t>. El intervalo fijo entre sujetos es</a:t>
+            </a:r>
+            <a:r>
+              <a:rPr lang="es-CO" dirty="0" smtClean="0"/>
+              <a:t>:</a:t>
+            </a:r>
+            <a:endParaRPr lang="es-CO" dirty="0"/>
+          </a:p>
+        </p:txBody>
+      </p:sp>
+      <p:pic>
+        <p:nvPicPr>
+          <p:cNvPr id="9218" name="Picture 2"/>
+          <p:cNvPicPr>
+            <a:picLocks noChangeAspect="1" noChangeArrowheads="1"/>
+          </p:cNvPicPr>
+          <p:nvPr/>
+        </p:nvPicPr>
+        <p:blipFill>
+          <a:blip r:embed="rId2">
+            <a:extLst>
+              <a:ext uri="{28A0092B-C50C-407E-A947-70E740481C1C}">
+                <a14:useLocalDpi xmlns:a14="http://schemas.microsoft.com/office/drawing/2010/main" val="0"/>
+              </a:ext>
+            </a:extLst>
+          </a:blip>
+          <a:srcRect/>
+          <a:stretch>
+            <a:fillRect/>
+          </a:stretch>
+        </p:blipFill>
+        <p:spPr bwMode="auto">
+          <a:xfrm>
+            <a:off x="3203848" y="2998948"/>
+            <a:ext cx="3250658" cy="526727"/>
+          </a:xfrm>
+          <a:prstGeom prst="rect">
+            <a:avLst/>
+          </a:prstGeom>
+          <a:noFill/>
+          <a:ln>
+            <a:noFill/>
+          </a:ln>
+          <a:extLst>
+            <a:ext uri="{909E8E84-426E-40DD-AFC4-6F175D3DCCD1}">
+              <a14:hiddenFill xmlns:a14="http://schemas.microsoft.com/office/drawing/2010/main">
+                <a:solidFill>
+                  <a:schemeClr val="accent1"/>
+                </a:solidFill>
+              </a14:hiddenFill>
+            </a:ext>
+            <a:ext uri="{91240B29-F687-4F45-9708-019B960494DF}">
+              <a14:hiddenLine xmlns:a14="http://schemas.microsoft.com/office/drawing/2010/main" w="9525">
+                <a:solidFill>
+                  <a:schemeClr val="tx1"/>
+                </a:solidFill>
+                <a:miter lim="800000"/>
+                <a:headEnd/>
+                <a:tailEnd/>
+              </a14:hiddenLine>
+            </a:ext>
+          </a:extLst>
+        </p:spPr>
+      </p:pic>
+      <p:sp>
+        <p:nvSpPr>
+          <p:cNvPr id="4" name="3 Rectángulo"/>
+          <p:cNvSpPr/>
+          <p:nvPr/>
+        </p:nvSpPr>
+        <p:spPr>
+          <a:xfrm>
+            <a:off x="539552" y="3556273"/>
+            <a:ext cx="8352928" cy="1246495"/>
+          </a:xfrm>
+          <a:prstGeom prst="rect">
+            <a:avLst/>
+          </a:prstGeom>
+        </p:spPr>
+        <p:txBody>
+          <a:bodyPr wrap="square">
+            <a:spAutoFit/>
+          </a:bodyPr>
+          <a:lstStyle/>
+          <a:p>
+            <a:r>
+              <a:rPr lang="es-CO" sz="2500" dirty="0"/>
+              <a:t>Ahora elegimos al azar un número entre 1 y k=5. Suponemos que nos sale i=2. La muestra resultado mediante el muestreo sistemático será:</a:t>
+            </a:r>
+          </a:p>
+        </p:txBody>
+      </p:sp>
+      <p:pic>
+        <p:nvPicPr>
+          <p:cNvPr id="9219" name="Picture 3"/>
+          <p:cNvPicPr>
+            <a:picLocks noChangeAspect="1" noChangeArrowheads="1"/>
+          </p:cNvPicPr>
+          <p:nvPr/>
+        </p:nvPicPr>
+        <p:blipFill>
+          <a:blip r:embed="rId3">
+            <a:extLst>
+              <a:ext uri="{28A0092B-C50C-407E-A947-70E740481C1C}">
+                <a14:useLocalDpi xmlns:a14="http://schemas.microsoft.com/office/drawing/2010/main" val="0"/>
+              </a:ext>
+            </a:extLst>
+          </a:blip>
+          <a:srcRect/>
+          <a:stretch>
+            <a:fillRect/>
+          </a:stretch>
+        </p:blipFill>
+        <p:spPr bwMode="auto">
+          <a:xfrm>
+            <a:off x="3203848" y="4509120"/>
+            <a:ext cx="4524375" cy="1857375"/>
+          </a:xfrm>
+          <a:prstGeom prst="rect">
+            <a:avLst/>
+          </a:prstGeom>
+          <a:noFill/>
+          <a:ln>
+            <a:noFill/>
+          </a:ln>
+          <a:extLst>
+            <a:ext uri="{909E8E84-426E-40DD-AFC4-6F175D3DCCD1}">
+              <a14:hiddenFill xmlns:a14="http://schemas.microsoft.com/office/drawing/2010/main">
+                <a:solidFill>
+                  <a:schemeClr val="accent1"/>
+                </a:solidFill>
+              </a14:hiddenFill>
+            </a:ext>
+            <a:ext uri="{91240B29-F687-4F45-9708-019B960494DF}">
+              <a14:hiddenLine xmlns:a14="http://schemas.microsoft.com/office/drawing/2010/main" w="9525">
+                <a:solidFill>
+                  <a:schemeClr val="tx1"/>
+                </a:solidFill>
+                <a:miter lim="800000"/>
+                <a:headEnd/>
+                <a:tailEnd/>
+              </a14:hiddenLine>
+            </a:ext>
+          </a:extLst>
+        </p:spPr>
+      </p:pic>
+    </p:spTree>
+    <p:extLst>
+      <p:ext uri="{BB962C8B-B14F-4D97-AF65-F5344CB8AC3E}">
+        <p14:creationId xmlns:p14="http://schemas.microsoft.com/office/powerpoint/2010/main" val="4146904237"/>
+      </p:ext>
+    </p:extLst>
+  </p:cSld>
+  <p:clrMapOvr>
+    <a:masterClrMapping/>
+  </p:clrMapOvr>
+</p:sld>
+</file>
+
 <file path=ppt/slides/slide4.xml><?xml version="1.0" encoding="utf-8"?>
 <p:sld xmlns:a="http://schemas.openxmlformats.org/drawingml/2006/main" xmlns:r="http://schemas.openxmlformats.org/officeDocument/2006/relationships" xmlns:p="http://schemas.openxmlformats.org/presentationml/2006/main">
   <p:cSld>
@@ -9391,6 +11167,315 @@
       </p:grpSpPr>
       <p:sp>
         <p:nvSpPr>
+          <p:cNvPr id="2" name="Título 1"/>
+          <p:cNvSpPr>
+            <a:spLocks noGrp="1"/>
+          </p:cNvSpPr>
+          <p:nvPr>
+            <p:ph type="title"/>
+          </p:nvPr>
+        </p:nvSpPr>
+        <p:spPr/>
+        <p:txBody>
+          <a:bodyPr>
+            <a:normAutofit/>
+          </a:bodyPr>
+          <a:lstStyle/>
+          <a:p>
+            <a:pPr algn="ctr"/>
+            <a:r>
+              <a:rPr lang="es-CO" sz="3000" b="1" dirty="0"/>
+              <a:t>Función de distribución de probabilidad normal</a:t>
+            </a:r>
+            <a:endParaRPr lang="es-CO" sz="3000" b="1" dirty="0"/>
+          </a:p>
+        </p:txBody>
+      </p:sp>
+      <mc:AlternateContent xmlns:mc="http://schemas.openxmlformats.org/markup-compatibility/2006">
+        <mc:Choice xmlns:a14="http://schemas.microsoft.com/office/drawing/2010/main" Requires="a14">
+          <p:sp>
+            <p:nvSpPr>
+              <p:cNvPr id="3" name="Marcador de contenido 2"/>
+              <p:cNvSpPr>
+                <a:spLocks noGrp="1"/>
+              </p:cNvSpPr>
+              <p:nvPr>
+                <p:ph idx="1"/>
+              </p:nvPr>
+            </p:nvSpPr>
+            <p:spPr/>
+            <p:txBody>
+              <a:bodyPr>
+                <a:normAutofit fontScale="92500"/>
+              </a:bodyPr>
+              <a:lstStyle/>
+              <a:p>
+                <a:pPr marL="0" indent="0">
+                  <a:buNone/>
+                </a:pPr>
+                <a:r>
+                  <a:rPr lang="es-CO" dirty="0" smtClean="0"/>
+                  <a:t>Una variable aleatoria x con </a:t>
+                </a:r>
+                <a:r>
+                  <a:rPr lang="es-CO" dirty="0" err="1" smtClean="0"/>
+                  <a:t>pdf</a:t>
+                </a:r>
+                <a:r>
+                  <a:rPr lang="es-CO" dirty="0" smtClean="0"/>
+                  <a:t> </a:t>
+                </a:r>
+              </a:p>
+              <a:p>
+                <a:pPr marL="0" indent="0">
+                  <a:buNone/>
+                </a:pPr>
+                <a:endParaRPr lang="es-CO" dirty="0"/>
+              </a:p>
+              <a:p>
+                <a:pPr marL="0" indent="0">
+                  <a:buNone/>
+                </a:pPr>
+                <a:endParaRPr lang="es-CO" dirty="0" smtClean="0"/>
+              </a:p>
+              <a:p>
+                <a:pPr marL="0" indent="0">
+                  <a:buNone/>
+                </a:pPr>
+                <a:endParaRPr lang="es-CO" dirty="0"/>
+              </a:p>
+              <a:p>
+                <a:pPr marL="0" indent="0">
+                  <a:buNone/>
+                </a:pPr>
+                <a:endParaRPr lang="es-CO" dirty="0" smtClean="0"/>
+              </a:p>
+              <a:p>
+                <a:pPr marL="0" indent="0">
+                  <a:buNone/>
+                </a:pPr>
+                <a:r>
+                  <a:rPr lang="es-CO" sz="3000" dirty="0" smtClean="0"/>
+                  <a:t>es una variable aleatoria con parámetros </a:t>
+                </a:r>
+                <a:r>
+                  <a:rPr lang="el-GR" sz="3000" dirty="0" smtClean="0"/>
+                  <a:t>μ</a:t>
+                </a:r>
+                <a:r>
+                  <a:rPr lang="es-CO" sz="3000" dirty="0" smtClean="0"/>
+                  <a:t> </a:t>
+                </a:r>
+                <a:r>
+                  <a:rPr lang="az-Cyrl-AZ" sz="3000" dirty="0" smtClean="0"/>
+                  <a:t>Є</a:t>
+                </a:r>
+                <a:r>
+                  <a:rPr lang="es-CO" sz="3000" dirty="0" smtClean="0"/>
+                  <a:t> R y </a:t>
+                </a:r>
+                <a:r>
+                  <a:rPr lang="el-GR" sz="3000" dirty="0" smtClean="0"/>
+                  <a:t>σ</a:t>
+                </a:r>
+                <a:r>
+                  <a:rPr lang="es-CO" sz="3000" dirty="0" smtClean="0"/>
+                  <a:t>&gt;0.</a:t>
+                </a:r>
+              </a:p>
+              <a:p>
+                <a:pPr marL="0" indent="0" algn="ctr">
+                  <a:buNone/>
+                </a:pPr>
+                <a:r>
+                  <a:rPr lang="es-CO" dirty="0" smtClean="0"/>
+                  <a:t>La variable  aleatoria se denota de la forma </a:t>
+                </a:r>
+                <a14:m>
+                  <m:oMath xmlns:m="http://schemas.openxmlformats.org/officeDocument/2006/math">
+                    <m:r>
+                      <a:rPr lang="es-CO" b="0" i="1" smtClean="0">
+                        <a:latin typeface="Cambria Math" panose="02040503050406030204" pitchFamily="18" charset="0"/>
+                      </a:rPr>
+                      <m:t> </m:t>
+                    </m:r>
+                    <m:r>
+                      <a:rPr lang="es-CO" b="0" i="1" smtClean="0">
+                        <a:latin typeface="Cambria Math" panose="02040503050406030204" pitchFamily="18" charset="0"/>
+                      </a:rPr>
+                      <m:t>𝑥</m:t>
+                    </m:r>
+                    <m:r>
+                      <a:rPr lang="es-CO" b="0" i="1" smtClean="0">
+                        <a:latin typeface="Cambria Math" panose="02040503050406030204" pitchFamily="18" charset="0"/>
+                      </a:rPr>
+                      <m:t>~</m:t>
+                    </m:r>
+                    <m:r>
+                      <a:rPr lang="es-CO" b="0" i="1" smtClean="0">
+                        <a:latin typeface="Cambria Math" panose="02040503050406030204" pitchFamily="18" charset="0"/>
+                      </a:rPr>
+                      <m:t>𝑁</m:t>
+                    </m:r>
+                    <m:r>
+                      <a:rPr lang="es-CO" b="0" i="1" smtClean="0">
+                        <a:latin typeface="Cambria Math" panose="02040503050406030204" pitchFamily="18" charset="0"/>
+                      </a:rPr>
+                      <m:t>(</m:t>
+                    </m:r>
+                    <m:r>
+                      <a:rPr lang="es-CO" b="0" i="1" smtClean="0">
+                        <a:latin typeface="Cambria Math" panose="02040503050406030204" pitchFamily="18" charset="0"/>
+                        <a:ea typeface="Cambria Math" panose="02040503050406030204" pitchFamily="18" charset="0"/>
+                      </a:rPr>
+                      <m:t>𝜇</m:t>
+                    </m:r>
+                    <m:r>
+                      <a:rPr lang="es-CO" b="0" i="1" smtClean="0">
+                        <a:latin typeface="Cambria Math" panose="02040503050406030204" pitchFamily="18" charset="0"/>
+                        <a:ea typeface="Cambria Math" panose="02040503050406030204" pitchFamily="18" charset="0"/>
+                      </a:rPr>
+                      <m:t>,</m:t>
+                    </m:r>
+                    <m:sSup>
+                      <m:sSupPr>
+                        <m:ctrlPr>
+                          <a:rPr lang="es-CO" b="0" i="1" smtClean="0">
+                            <a:latin typeface="Cambria Math" panose="02040503050406030204" pitchFamily="18" charset="0"/>
+                            <a:ea typeface="Cambria Math" panose="02040503050406030204" pitchFamily="18" charset="0"/>
+                          </a:rPr>
+                        </m:ctrlPr>
+                      </m:sSupPr>
+                      <m:e>
+                        <m:r>
+                          <a:rPr lang="es-CO" b="0" i="1" smtClean="0">
+                            <a:latin typeface="Cambria Math" panose="02040503050406030204" pitchFamily="18" charset="0"/>
+                            <a:ea typeface="Cambria Math" panose="02040503050406030204" pitchFamily="18" charset="0"/>
+                          </a:rPr>
+                          <m:t>𝜎</m:t>
+                        </m:r>
+                      </m:e>
+                      <m:sup>
+                        <m:r>
+                          <a:rPr lang="es-CO" b="0" i="1" smtClean="0">
+                            <a:latin typeface="Cambria Math" panose="02040503050406030204" pitchFamily="18" charset="0"/>
+                            <a:ea typeface="Cambria Math" panose="02040503050406030204" pitchFamily="18" charset="0"/>
+                          </a:rPr>
+                          <m:t>2</m:t>
+                        </m:r>
+                      </m:sup>
+                    </m:sSup>
+                    <m:r>
+                      <a:rPr lang="es-CO" b="0" i="1" smtClean="0">
+                        <a:latin typeface="Cambria Math" panose="02040503050406030204" pitchFamily="18" charset="0"/>
+                        <a:ea typeface="Cambria Math" panose="02040503050406030204" pitchFamily="18" charset="0"/>
+                      </a:rPr>
+                      <m:t>)</m:t>
+                    </m:r>
+                  </m:oMath>
+                </a14:m>
+                <a:endParaRPr lang="es-CO" dirty="0"/>
+              </a:p>
+            </p:txBody>
+          </p:sp>
+        </mc:Choice>
+        <mc:Fallback>
+          <p:sp>
+            <p:nvSpPr>
+              <p:cNvPr id="3" name="Marcador de contenido 2"/>
+              <p:cNvSpPr>
+                <a:spLocks noGrp="1" noRot="1" noChangeAspect="1" noMove="1" noResize="1" noEditPoints="1" noAdjustHandles="1" noChangeArrowheads="1" noChangeShapeType="1" noTextEdit="1"/>
+              </p:cNvSpPr>
+              <p:nvPr>
+                <p:ph idx="1"/>
+              </p:nvPr>
+            </p:nvSpPr>
+            <p:spPr>
+              <a:blipFill>
+                <a:blip r:embed="rId2"/>
+                <a:stretch>
+                  <a:fillRect l="-1704" t="-1617"/>
+                </a:stretch>
+              </a:blipFill>
+            </p:spPr>
+            <p:txBody>
+              <a:bodyPr/>
+              <a:lstStyle/>
+              <a:p>
+                <a:r>
+                  <a:rPr lang="es-CO">
+                    <a:noFill/>
+                  </a:rPr>
+                  <a:t> </a:t>
+                </a:r>
+              </a:p>
+            </p:txBody>
+          </p:sp>
+        </mc:Fallback>
+      </mc:AlternateContent>
+      <p:pic>
+        <p:nvPicPr>
+          <p:cNvPr id="4" name="Imagen 3"/>
+          <p:cNvPicPr>
+            <a:picLocks noChangeAspect="1"/>
+          </p:cNvPicPr>
+          <p:nvPr/>
+        </p:nvPicPr>
+        <p:blipFill>
+          <a:blip r:embed="rId3"/>
+          <a:stretch>
+            <a:fillRect/>
+          </a:stretch>
+        </p:blipFill>
+        <p:spPr>
+          <a:xfrm>
+            <a:off x="2498851" y="2814637"/>
+            <a:ext cx="3654742" cy="1040558"/>
+          </a:xfrm>
+          <a:prstGeom prst="rect">
+            <a:avLst/>
+          </a:prstGeom>
+        </p:spPr>
+      </p:pic>
+    </p:spTree>
+    <p:extLst>
+      <p:ext uri="{BB962C8B-B14F-4D97-AF65-F5344CB8AC3E}">
+        <p14:creationId xmlns:p14="http://schemas.microsoft.com/office/powerpoint/2010/main" val="1072948339"/>
+      </p:ext>
+    </p:extLst>
+  </p:cSld>
+  <p:clrMapOvr>
+    <a:masterClrMapping/>
+  </p:clrMapOvr>
+  <p:timing>
+    <p:tnLst>
+      <p:par>
+        <p:cTn id="1" dur="indefinite" restart="never" nodeType="tmRoot"/>
+      </p:par>
+    </p:tnLst>
+  </p:timing>
+</p:sld>
+</file>
+
+<file path=ppt/slides/slide40.xml><?xml version="1.0" encoding="utf-8"?>
+<p:sld xmlns:a="http://schemas.openxmlformats.org/drawingml/2006/main" xmlns:r="http://schemas.openxmlformats.org/officeDocument/2006/relationships" xmlns:p="http://schemas.openxmlformats.org/presentationml/2006/main">
+  <p:cSld>
+    <p:spTree>
+      <p:nvGrpSpPr>
+        <p:cNvPr id="1" name=""/>
+        <p:cNvGrpSpPr/>
+        <p:nvPr/>
+      </p:nvGrpSpPr>
+      <p:grpSpPr>
+        <a:xfrm>
+          <a:off x="0" y="0"/>
+          <a:ext cx="0" cy="0"/>
+          <a:chOff x="0" y="0"/>
+          <a:chExt cx="0" cy="0"/>
+        </a:xfrm>
+      </p:grpSpPr>
+      <p:sp>
+        <p:nvSpPr>
           <p:cNvPr id="2" name="1 Título"/>
           <p:cNvSpPr>
             <a:spLocks noGrp="1"/>
@@ -9399,58 +11484,26 @@
             <p:ph type="title"/>
           </p:nvPr>
         </p:nvSpPr>
-        <p:spPr>
-          <a:xfrm>
-            <a:off x="323528" y="908720"/>
-            <a:ext cx="8507288" cy="1143000"/>
-          </a:xfrm>
-        </p:spPr>
+        <p:spPr/>
         <p:txBody>
           <a:bodyPr>
-            <a:normAutofit fontScale="90000"/>
+            <a:normAutofit/>
           </a:bodyPr>
           <a:lstStyle/>
           <a:p>
             <a:r>
               <a:rPr lang="es-CO" b="1" dirty="0" smtClean="0">
                 <a:solidFill>
-                  <a:schemeClr val="tx2">
-                    <a:lumMod val="60000"/>
-                    <a:lumOff val="40000"/>
-                  </a:schemeClr>
+                  <a:srgbClr val="0070C0"/>
                 </a:solidFill>
               </a:rPr>
-              <a:t>Herramientas con dos </a:t>
-            </a:r>
-            <a:br>
-              <a:rPr lang="es-CO" b="1" dirty="0" smtClean="0">
-                <a:solidFill>
-                  <a:schemeClr val="tx2">
-                    <a:lumMod val="60000"/>
-                    <a:lumOff val="40000"/>
-                  </a:schemeClr>
-                </a:solidFill>
-              </a:rPr>
-            </a:br>
-            <a:r>
-              <a:rPr lang="es-CO" b="1" dirty="0" smtClean="0">
-                <a:solidFill>
-                  <a:schemeClr val="tx2">
-                    <a:lumMod val="60000"/>
-                    <a:lumOff val="40000"/>
-                  </a:schemeClr>
-                </a:solidFill>
-              </a:rPr>
-              <a:t>Objetivos Básicos</a:t>
-            </a:r>
-            <a:r>
-              <a:rPr lang="es-CO" dirty="0" smtClean="0"/>
-              <a:t/>
-            </a:r>
-            <a:br>
-              <a:rPr lang="es-CO" dirty="0" smtClean="0"/>
-            </a:br>
-            <a:endParaRPr lang="es-CO" dirty="0"/>
+              <a:t>EJEMPLO  DE UNA MUESTRA</a:t>
+            </a:r>
+            <a:endParaRPr lang="es-CO" b="1" dirty="0">
+              <a:solidFill>
+                <a:srgbClr val="0070C0"/>
+              </a:solidFill>
+            </a:endParaRPr>
           </a:p>
         </p:txBody>
       </p:sp>
@@ -9466,128 +11519,224 @@
         </p:nvSpPr>
         <p:spPr>
           <a:xfrm>
-            <a:off x="467544" y="1700808"/>
-            <a:ext cx="8229600" cy="4525963"/>
+            <a:off x="467544" y="1196753"/>
+            <a:ext cx="8229600" cy="1224135"/>
           </a:xfrm>
         </p:spPr>
         <p:txBody>
           <a:bodyPr>
-            <a:normAutofit fontScale="40000" lnSpcReduction="20000"/>
+            <a:normAutofit fontScale="92500"/>
           </a:bodyPr>
           <a:lstStyle/>
-          <a:p>
-            <a:endParaRPr lang="es-CO" dirty="0" smtClean="0"/>
-          </a:p>
-          <a:p>
-            <a:pPr marL="0" indent="0" algn="just">
-              <a:buNone/>
-            </a:pPr>
-            <a:r>
-              <a:rPr lang="es-CO" sz="7000" dirty="0" smtClean="0"/>
-              <a:t>Describir </a:t>
-            </a:r>
-            <a:r>
-              <a:rPr lang="es-CO" sz="7000" dirty="0"/>
-              <a:t>la muestra: </a:t>
-            </a:r>
-            <a:r>
-              <a:rPr lang="es-CO" sz="7000" b="1" dirty="0"/>
-              <a:t>Estadística </a:t>
-            </a:r>
-            <a:r>
-              <a:rPr lang="es-CO" sz="7000" b="1" dirty="0" smtClean="0"/>
-              <a:t>Descriptiva</a:t>
-            </a:r>
-          </a:p>
-          <a:p>
-            <a:pPr marL="0" indent="0" algn="just">
-              <a:buNone/>
-            </a:pPr>
-            <a:endParaRPr lang="es-CO" sz="7000" dirty="0"/>
-          </a:p>
-          <a:p>
-            <a:pPr marL="0" indent="0" algn="just">
-              <a:buNone/>
-            </a:pPr>
-            <a:r>
-              <a:rPr lang="es-CO" sz="7000" dirty="0" smtClean="0"/>
-              <a:t>Obtener </a:t>
-            </a:r>
-            <a:r>
-              <a:rPr lang="es-CO" sz="7000" dirty="0"/>
-              <a:t>conclusiones de la población a partir de </a:t>
-            </a:r>
-            <a:r>
-              <a:rPr lang="es-CO" sz="7000" dirty="0" smtClean="0"/>
-              <a:t>la muestra</a:t>
-            </a:r>
-            <a:r>
-              <a:rPr lang="es-CO" sz="7000" dirty="0"/>
-              <a:t>: </a:t>
-            </a:r>
-            <a:r>
-              <a:rPr lang="es-CO" sz="7000" b="1" dirty="0"/>
-              <a:t>Inferencia Estadística</a:t>
-            </a:r>
-            <a:r>
-              <a:rPr lang="es-CO" sz="7000" b="1" dirty="0" smtClean="0"/>
-              <a:t>.</a:t>
-            </a:r>
-          </a:p>
-          <a:p>
-            <a:pPr marL="0" indent="0" algn="just">
-              <a:buNone/>
-            </a:pPr>
-            <a:endParaRPr lang="es-CO" sz="7000" b="1" dirty="0" smtClean="0"/>
-          </a:p>
-          <a:p>
-            <a:pPr marL="0" indent="0" algn="just">
-              <a:buNone/>
-            </a:pPr>
-            <a:r>
-              <a:rPr lang="es-CO" sz="7000" b="1" dirty="0" smtClean="0"/>
-              <a:t>Parámetro: </a:t>
-            </a:r>
-            <a:r>
-              <a:rPr lang="es-CO" sz="7000" dirty="0" smtClean="0"/>
-              <a:t>número derivado del estudio de una variable estadística de toda una población.</a:t>
-            </a:r>
-          </a:p>
-          <a:p>
-            <a:pPr marL="0" indent="0" algn="just">
-              <a:buNone/>
-            </a:pPr>
-            <a:endParaRPr lang="es-CO" sz="7000" dirty="0"/>
-          </a:p>
-          <a:p>
-            <a:pPr marL="0" indent="0" algn="just">
-              <a:buNone/>
-            </a:pPr>
-            <a:r>
-              <a:rPr lang="es-CO" sz="7000" b="1" dirty="0" smtClean="0"/>
-              <a:t>Estadístico:</a:t>
-            </a:r>
-            <a:r>
-              <a:rPr lang="es-CO" sz="7000" dirty="0" smtClean="0"/>
-              <a:t> Medida de resumen numérica que se calcula a partir de la muestra</a:t>
-            </a:r>
-          </a:p>
           <a:p>
             <a:pPr marL="0" indent="0">
               <a:buNone/>
             </a:pPr>
             <a:r>
-              <a:rPr lang="es-CO" b="1" dirty="0" smtClean="0"/>
-              <a:t> </a:t>
-            </a:r>
-            <a:endParaRPr lang="es-CO" b="1" dirty="0"/>
-          </a:p>
-        </p:txBody>
-      </p:sp>
+              <a:rPr lang="es-CO" dirty="0" smtClean="0"/>
+              <a:t>Encuestas acerca de la preferencia de un candidato presidencial, las cuales se hacen sobre una muestra.</a:t>
+            </a:r>
+            <a:endParaRPr lang="es-CO" dirty="0"/>
+          </a:p>
+        </p:txBody>
+      </p:sp>
+      <p:pic>
+        <p:nvPicPr>
+          <p:cNvPr id="2051" name="Picture 3"/>
+          <p:cNvPicPr>
+            <a:picLocks noChangeAspect="1" noChangeArrowheads="1"/>
+          </p:cNvPicPr>
+          <p:nvPr/>
+        </p:nvPicPr>
+        <p:blipFill>
+          <a:blip r:embed="rId2">
+            <a:extLst>
+              <a:ext uri="{28A0092B-C50C-407E-A947-70E740481C1C}">
+                <a14:useLocalDpi xmlns:a14="http://schemas.microsoft.com/office/drawing/2010/main" val="0"/>
+              </a:ext>
+            </a:extLst>
+          </a:blip>
+          <a:srcRect/>
+          <a:stretch>
+            <a:fillRect/>
+          </a:stretch>
+        </p:blipFill>
+        <p:spPr bwMode="auto">
+          <a:xfrm>
+            <a:off x="539552" y="2564904"/>
+            <a:ext cx="7855418" cy="3960440"/>
+          </a:xfrm>
+          <a:prstGeom prst="rect">
+            <a:avLst/>
+          </a:prstGeom>
+          <a:noFill/>
+          <a:ln>
+            <a:noFill/>
+          </a:ln>
+          <a:extLst>
+            <a:ext uri="{909E8E84-426E-40DD-AFC4-6F175D3DCCD1}">
+              <a14:hiddenFill xmlns:a14="http://schemas.microsoft.com/office/drawing/2010/main">
+                <a:solidFill>
+                  <a:schemeClr val="accent1"/>
+                </a:solidFill>
+              </a14:hiddenFill>
+            </a:ext>
+            <a:ext uri="{91240B29-F687-4F45-9708-019B960494DF}">
+              <a14:hiddenLine xmlns:a14="http://schemas.microsoft.com/office/drawing/2010/main" w="9525">
+                <a:solidFill>
+                  <a:schemeClr val="tx1"/>
+                </a:solidFill>
+                <a:miter lim="800000"/>
+                <a:headEnd/>
+                <a:tailEnd/>
+              </a14:hiddenLine>
+            </a:ext>
+          </a:extLst>
+        </p:spPr>
+      </p:pic>
     </p:spTree>
     <p:extLst>
       <p:ext uri="{BB962C8B-B14F-4D97-AF65-F5344CB8AC3E}">
-        <p14:creationId xmlns:p14="http://schemas.microsoft.com/office/powerpoint/2010/main" val="658628899"/>
+        <p14:creationId xmlns:p14="http://schemas.microsoft.com/office/powerpoint/2010/main" val="3066627130"/>
+      </p:ext>
+    </p:extLst>
+  </p:cSld>
+  <p:clrMapOvr>
+    <a:masterClrMapping/>
+  </p:clrMapOvr>
+</p:sld>
+</file>
+
+<file path=ppt/slides/slide41.xml><?xml version="1.0" encoding="utf-8"?>
+<p:sld xmlns:a="http://schemas.openxmlformats.org/drawingml/2006/main" xmlns:r="http://schemas.openxmlformats.org/officeDocument/2006/relationships" xmlns:p="http://schemas.openxmlformats.org/presentationml/2006/main">
+  <p:cSld>
+    <p:spTree>
+      <p:nvGrpSpPr>
+        <p:cNvPr id="1" name=""/>
+        <p:cNvGrpSpPr/>
+        <p:nvPr/>
+      </p:nvGrpSpPr>
+      <p:grpSpPr>
+        <a:xfrm>
+          <a:off x="0" y="0"/>
+          <a:ext cx="0" cy="0"/>
+          <a:chOff x="0" y="0"/>
+          <a:chExt cx="0" cy="0"/>
+        </a:xfrm>
+      </p:grpSpPr>
+      <p:pic>
+        <p:nvPicPr>
+          <p:cNvPr id="3075" name="Picture 3"/>
+          <p:cNvPicPr>
+            <a:picLocks noChangeAspect="1" noChangeArrowheads="1"/>
+          </p:cNvPicPr>
+          <p:nvPr/>
+        </p:nvPicPr>
+        <p:blipFill>
+          <a:blip r:embed="rId2">
+            <a:extLst>
+              <a:ext uri="{28A0092B-C50C-407E-A947-70E740481C1C}">
+                <a14:useLocalDpi xmlns:a14="http://schemas.microsoft.com/office/drawing/2010/main" val="0"/>
+              </a:ext>
+            </a:extLst>
+          </a:blip>
+          <a:srcRect/>
+          <a:stretch>
+            <a:fillRect/>
+          </a:stretch>
+        </p:blipFill>
+        <p:spPr bwMode="auto">
+          <a:xfrm>
+            <a:off x="539552" y="821702"/>
+            <a:ext cx="7848872" cy="5275287"/>
+          </a:xfrm>
+          <a:prstGeom prst="rect">
+            <a:avLst/>
+          </a:prstGeom>
+          <a:noFill/>
+          <a:ln>
+            <a:noFill/>
+          </a:ln>
+          <a:extLst>
+            <a:ext uri="{909E8E84-426E-40DD-AFC4-6F175D3DCCD1}">
+              <a14:hiddenFill xmlns:a14="http://schemas.microsoft.com/office/drawing/2010/main">
+                <a:solidFill>
+                  <a:schemeClr val="accent1"/>
+                </a:solidFill>
+              </a14:hiddenFill>
+            </a:ext>
+            <a:ext uri="{91240B29-F687-4F45-9708-019B960494DF}">
+              <a14:hiddenLine xmlns:a14="http://schemas.microsoft.com/office/drawing/2010/main" w="9525">
+                <a:solidFill>
+                  <a:schemeClr val="tx1"/>
+                </a:solidFill>
+                <a:miter lim="800000"/>
+                <a:headEnd/>
+                <a:tailEnd/>
+              </a14:hiddenLine>
+            </a:ext>
+          </a:extLst>
+        </p:spPr>
+      </p:pic>
+      <p:sp>
+        <p:nvSpPr>
+          <p:cNvPr id="5" name="4 Rectángulo"/>
+          <p:cNvSpPr/>
+          <p:nvPr/>
+        </p:nvSpPr>
+        <p:spPr>
+          <a:xfrm>
+            <a:off x="3203848" y="2276872"/>
+            <a:ext cx="5184576" cy="576064"/>
+          </a:xfrm>
+          <a:prstGeom prst="rect">
+            <a:avLst/>
+          </a:prstGeom>
+          <a:noFill/>
+          <a:ln>
+            <a:solidFill>
+              <a:schemeClr val="tx2">
+                <a:lumMod val="60000"/>
+                <a:lumOff val="40000"/>
+              </a:schemeClr>
+            </a:solidFill>
+          </a:ln>
+        </p:spPr>
+        <p:style>
+          <a:lnRef idx="2">
+            <a:schemeClr val="accent1">
+              <a:shade val="50000"/>
+            </a:schemeClr>
+          </a:lnRef>
+          <a:fillRef idx="1">
+            <a:schemeClr val="accent1"/>
+          </a:fillRef>
+          <a:effectRef idx="0">
+            <a:schemeClr val="accent1"/>
+          </a:effectRef>
+          <a:fontRef idx="minor">
+            <a:schemeClr val="lt1"/>
+          </a:fontRef>
+        </p:style>
+        <p:txBody>
+          <a:bodyPr rtlCol="0" anchor="ctr"/>
+          <a:lstStyle/>
+          <a:p>
+            <a:pPr algn="ctr"/>
+            <a:endParaRPr lang="es-CO">
+              <a:ln w="57150">
+                <a:solidFill>
+                  <a:schemeClr val="tx1"/>
+                </a:solidFill>
+              </a:ln>
+            </a:endParaRPr>
+          </a:p>
+        </p:txBody>
+      </p:sp>
+    </p:spTree>
+    <p:extLst>
+      <p:ext uri="{BB962C8B-B14F-4D97-AF65-F5344CB8AC3E}">
+        <p14:creationId xmlns:p14="http://schemas.microsoft.com/office/powerpoint/2010/main" val="3750759623"/>
       </p:ext>
     </p:extLst>
   </p:cSld>
@@ -9616,7 +11765,7 @@
       </p:grpSpPr>
       <p:sp>
         <p:nvSpPr>
-          <p:cNvPr id="2" name="1 Título"/>
+          <p:cNvPr id="2" name="Título 1"/>
           <p:cNvSpPr>
             <a:spLocks noGrp="1"/>
           </p:cNvSpPr>
@@ -9626,145 +11775,61 @@
         </p:nvSpPr>
         <p:spPr/>
         <p:txBody>
-          <a:bodyPr>
-            <a:normAutofit fontScale="90000"/>
-          </a:bodyPr>
+          <a:bodyPr/>
           <a:lstStyle/>
           <a:p>
-            <a:r>
-              <a:rPr lang="es-CO" b="1" dirty="0">
-                <a:solidFill>
-                  <a:srgbClr val="0070C0"/>
-                </a:solidFill>
-              </a:rPr>
-              <a:t>¿</a:t>
-            </a:r>
-            <a:r>
-              <a:rPr lang="es-CO" sz="3600" b="1" dirty="0" smtClean="0">
-                <a:solidFill>
-                  <a:srgbClr val="0070C0"/>
-                </a:solidFill>
-              </a:rPr>
-              <a:t>Cómo elegir el </a:t>
-            </a:r>
-            <a:r>
-              <a:rPr lang="es-CO" sz="3600" b="1" dirty="0">
-                <a:solidFill>
-                  <a:srgbClr val="0070C0"/>
-                </a:solidFill>
-              </a:rPr>
-              <a:t>t</a:t>
-            </a:r>
-            <a:r>
-              <a:rPr lang="es-CO" sz="3600" b="1" dirty="0" smtClean="0">
-                <a:solidFill>
-                  <a:srgbClr val="0070C0"/>
-                </a:solidFill>
-              </a:rPr>
-              <a:t>amaño </a:t>
-            </a:r>
-            <a:r>
-              <a:rPr lang="es-CO" sz="3600" b="1" dirty="0">
-                <a:solidFill>
-                  <a:srgbClr val="0070C0"/>
-                </a:solidFill>
-              </a:rPr>
-              <a:t>de la Muestra (n) </a:t>
-            </a:r>
-            <a:r>
-              <a:rPr lang="es-CO" sz="3600" b="1" dirty="0" smtClean="0">
-                <a:solidFill>
-                  <a:srgbClr val="0070C0"/>
-                </a:solidFill>
-              </a:rPr>
-              <a:t>?</a:t>
-            </a:r>
-            <a:endParaRPr lang="es-CO" sz="3600" b="1" dirty="0">
-              <a:solidFill>
-                <a:srgbClr val="0070C0"/>
-              </a:solidFill>
-            </a:endParaRPr>
-          </a:p>
-        </p:txBody>
-      </p:sp>
-      <p:sp>
-        <p:nvSpPr>
-          <p:cNvPr id="3" name="2 Marcador de contenido"/>
-          <p:cNvSpPr>
-            <a:spLocks noGrp="1"/>
-          </p:cNvSpPr>
+            <a:pPr algn="ctr"/>
+            <a:r>
+              <a:rPr lang="es-CO" b="1" dirty="0" smtClean="0"/>
+              <a:t>REGLA EMPIRICA</a:t>
+            </a:r>
+            <a:endParaRPr lang="es-CO" b="1" dirty="0"/>
+          </a:p>
+        </p:txBody>
+      </p:sp>
+      <p:pic>
+        <p:nvPicPr>
+          <p:cNvPr id="4" name="Marcador de contenido 3"/>
+          <p:cNvPicPr>
+            <a:picLocks noGrp="1" noChangeAspect="1"/>
+          </p:cNvPicPr>
           <p:nvPr>
             <p:ph idx="1"/>
           </p:nvPr>
-        </p:nvSpPr>
+        </p:nvPicPr>
+        <p:blipFill>
+          <a:blip r:embed="rId2"/>
+          <a:stretch>
+            <a:fillRect/>
+          </a:stretch>
+        </p:blipFill>
         <p:spPr>
           <a:xfrm>
-            <a:off x="457200" y="1556792"/>
-            <a:ext cx="8229600" cy="4525963"/>
+            <a:off x="1256693" y="1772816"/>
+            <a:ext cx="6630613" cy="4248472"/>
           </a:xfrm>
+          <a:prstGeom prst="rect">
+            <a:avLst/>
+          </a:prstGeom>
         </p:spPr>
-        <p:txBody>
-          <a:bodyPr>
-            <a:normAutofit/>
-          </a:bodyPr>
-          <a:lstStyle/>
-          <a:p>
-            <a:r>
-              <a:rPr lang="es-CO" dirty="0" smtClean="0"/>
-              <a:t>¿</a:t>
-            </a:r>
-            <a:r>
-              <a:rPr lang="es-CO" dirty="0" smtClean="0"/>
-              <a:t>Qué se va a medir</a:t>
-            </a:r>
-            <a:r>
-              <a:rPr lang="es-CO" dirty="0" smtClean="0"/>
-              <a:t>? </a:t>
-            </a:r>
-            <a:endParaRPr lang="es-CO" dirty="0" smtClean="0"/>
-          </a:p>
-          <a:p>
-            <a:r>
-              <a:rPr lang="es-CO" dirty="0" smtClean="0"/>
-              <a:t>¿Qué se quiere determinar? </a:t>
-            </a:r>
-          </a:p>
-          <a:p>
-            <a:r>
-              <a:rPr lang="es-CO" dirty="0" smtClean="0"/>
-              <a:t>Nivel máximo de error admisible </a:t>
-            </a:r>
-          </a:p>
-          <a:p>
-            <a:r>
-              <a:rPr lang="es-CO" dirty="0" smtClean="0"/>
-              <a:t>Nivel de confianza con qué se quiere obtener la estimación del tamaño </a:t>
-            </a:r>
-            <a:r>
-              <a:rPr lang="es-CO" dirty="0" err="1" smtClean="0"/>
-              <a:t>muestral</a:t>
-            </a:r>
-            <a:endParaRPr lang="es-CO" dirty="0"/>
-          </a:p>
-          <a:p>
-            <a:r>
-              <a:rPr lang="es-CO" dirty="0" smtClean="0"/>
-              <a:t>Variabilidad de las características a medir</a:t>
-            </a:r>
-            <a:endParaRPr lang="es-CO" dirty="0"/>
-          </a:p>
-        </p:txBody>
-      </p:sp>
+      </p:pic>
     </p:spTree>
     <p:extLst>
       <p:ext uri="{BB962C8B-B14F-4D97-AF65-F5344CB8AC3E}">
-        <p14:creationId xmlns:p14="http://schemas.microsoft.com/office/powerpoint/2010/main" val="1312803477"/>
+        <p14:creationId xmlns:p14="http://schemas.microsoft.com/office/powerpoint/2010/main" val="2150613743"/>
       </p:ext>
     </p:extLst>
   </p:cSld>
   <p:clrMapOvr>
     <a:masterClrMapping/>
   </p:clrMapOvr>
+  <p:timing>
+    <p:tnLst>
+      <p:par>
+        <p:cTn id="1" dur="indefinite" restart="never" nodeType="tmRoot"/>
+      </p:par>
+    </p:tnLst>
+  </p:timing>
 </p:sld>
 </file>
 
@@ -9785,11 +11850,42 @@
           <a:chExt cx="0" cy="0"/>
         </a:xfrm>
       </p:grpSpPr>
-      <mc:AlternateContent xmlns:mc="http://schemas.openxmlformats.org/markup-compatibility/2006" xmlns:a14="http://schemas.microsoft.com/office/drawing/2010/main">
-        <mc:Choice Requires="a14">
+      <p:sp>
+        <p:nvSpPr>
+          <p:cNvPr id="2" name="Título 1"/>
+          <p:cNvSpPr>
+            <a:spLocks noGrp="1"/>
+          </p:cNvSpPr>
+          <p:nvPr>
+            <p:ph type="title"/>
+          </p:nvPr>
+        </p:nvSpPr>
+        <p:spPr>
+          <a:xfrm>
+            <a:off x="396480" y="1186798"/>
+            <a:ext cx="8272212" cy="760350"/>
+          </a:xfrm>
+        </p:spPr>
+        <p:txBody>
+          <a:bodyPr>
+            <a:normAutofit fontScale="90000"/>
+          </a:bodyPr>
+          <a:lstStyle/>
+          <a:p>
+            <a:pPr algn="ctr"/>
+            <a:r>
+              <a:rPr lang="es-CO" b="1" dirty="0" smtClean="0"/>
+              <a:t>DISTRIBUCIÓN NORMAL ESTÁNDAR</a:t>
+            </a:r>
+            <a:endParaRPr lang="es-CO" b="1" dirty="0"/>
+          </a:p>
+        </p:txBody>
+      </p:sp>
+      <mc:AlternateContent xmlns:mc="http://schemas.openxmlformats.org/markup-compatibility/2006">
+        <mc:Choice xmlns:a14="http://schemas.microsoft.com/office/drawing/2010/main" Requires="a14">
           <p:sp>
             <p:nvSpPr>
-              <p:cNvPr id="3" name="2 Marcador de contenido"/>
+              <p:cNvPr id="3" name="Marcador de contenido 2"/>
               <p:cNvSpPr>
                 <a:spLocks noGrp="1"/>
               </p:cNvSpPr>
@@ -9799,310 +11895,142 @@
             </p:nvSpPr>
             <p:spPr>
               <a:xfrm>
-                <a:off x="457200" y="1600200"/>
-                <a:ext cx="8507288" cy="4525963"/>
+                <a:off x="628650" y="2226469"/>
+                <a:ext cx="3814763" cy="3263504"/>
               </a:xfrm>
             </p:spPr>
             <p:txBody>
               <a:bodyPr>
-                <a:normAutofit fontScale="85000" lnSpcReduction="20000"/>
+                <a:normAutofit/>
               </a:bodyPr>
               <a:lstStyle/>
               <a:p>
-                <a:pPr marL="0" indent="0">
+                <a:pPr marL="0" indent="0" algn="just">
+                  <a:buNone/>
+                </a:pPr>
+                <a:endParaRPr lang="es-CO" sz="2250" dirty="0"/>
+              </a:p>
+              <a:p>
+                <a:pPr marL="0" indent="0" algn="just">
                   <a:buNone/>
                 </a:pPr>
                 <a:r>
-                  <a:rPr lang="es-CO" dirty="0" smtClean="0"/>
-                  <a:t>Se dice que las variables aleatorias </a:t>
-                </a:r>
-                <a:r>
-                  <a:rPr lang="es-CO" i="1" dirty="0"/>
-                  <a:t>X</a:t>
-                </a:r>
-                <a:r>
-                  <a:rPr lang="es-CO" dirty="0"/>
-                  <a:t>1, </a:t>
-                </a:r>
-                <a:r>
-                  <a:rPr lang="es-CO" i="1" dirty="0"/>
-                  <a:t>X</a:t>
-                </a:r>
-                <a:r>
-                  <a:rPr lang="es-CO" dirty="0"/>
-                  <a:t>2, . . . , </a:t>
-                </a:r>
-                <a:r>
-                  <a:rPr lang="es-CO" i="1" dirty="0" err="1"/>
-                  <a:t>Xn</a:t>
-                </a:r>
-                <a:r>
-                  <a:rPr lang="es-CO" i="1" dirty="0"/>
-                  <a:t> </a:t>
-                </a:r>
-                <a:r>
-                  <a:rPr lang="es-CO" dirty="0"/>
-                  <a:t>forman una </a:t>
-                </a:r>
-                <a:r>
-                  <a:rPr lang="es-CO" b="1" dirty="0"/>
-                  <a:t>muestra aleatoria </a:t>
-                </a:r>
-                <a:r>
-                  <a:rPr lang="es-CO" dirty="0" smtClean="0"/>
-                  <a:t>simple de </a:t>
-                </a:r>
-                <a:r>
-                  <a:rPr lang="es-CO" dirty="0"/>
-                  <a:t>tamaño </a:t>
-                </a:r>
-                <a:r>
-                  <a:rPr lang="es-CO" i="1" dirty="0"/>
-                  <a:t>n </a:t>
-                </a:r>
-                <a:r>
-                  <a:rPr lang="es-CO" dirty="0" smtClean="0"/>
-                  <a:t>si:</a:t>
-                </a:r>
-              </a:p>
-              <a:p>
-                <a:pPr marL="0" indent="0">
-                  <a:buNone/>
-                </a:pPr>
-                <a:endParaRPr lang="es-CO" dirty="0"/>
-              </a:p>
-              <a:p>
-                <a:pPr marL="0" indent="0">
-                  <a:buNone/>
-                </a:pPr>
-                <a:r>
-                  <a:rPr lang="es-CO" b="1" dirty="0"/>
-                  <a:t>1. </a:t>
-                </a:r>
-                <a:r>
-                  <a:rPr lang="es-CO" dirty="0"/>
-                  <a:t>Las </a:t>
-                </a:r>
-                <a:r>
-                  <a:rPr lang="es-CO" i="1" dirty="0"/>
-                  <a:t>Xi </a:t>
-                </a:r>
-                <a:r>
-                  <a:rPr lang="es-CO" dirty="0"/>
-                  <a:t>son variables aleatorias independientes.</a:t>
-                </a:r>
-              </a:p>
-              <a:p>
-                <a:pPr marL="0" indent="0">
-                  <a:buNone/>
-                </a:pPr>
-                <a:r>
-                  <a:rPr lang="es-CO" b="1" dirty="0"/>
-                  <a:t>2. </a:t>
-                </a:r>
-                <a:r>
-                  <a:rPr lang="es-CO" dirty="0"/>
-                  <a:t>Cada </a:t>
-                </a:r>
-                <a:r>
-                  <a:rPr lang="es-CO" i="1" dirty="0"/>
-                  <a:t>Xi </a:t>
-                </a:r>
-                <a:r>
-                  <a:rPr lang="es-CO" dirty="0"/>
-                  <a:t>tiene la misma distribución de </a:t>
-                </a:r>
-                <a:r>
-                  <a:rPr lang="es-CO" dirty="0" smtClean="0"/>
-                  <a:t>probabilidad, en la mayoría de veces se asume normal</a:t>
-                </a:r>
-              </a:p>
-              <a:p>
-                <a:pPr marL="0" indent="0">
-                  <a:buNone/>
-                </a:pPr>
-                <a:r>
-                  <a:rPr lang="es-CO" b="1" dirty="0" smtClean="0"/>
-                  <a:t>3. </a:t>
-                </a:r>
-                <a:r>
-                  <a:rPr lang="es-CO" dirty="0" smtClean="0"/>
-                  <a:t>Cualquier función de las variables aleatorias que forman una muestra se llaman estadístico .</a:t>
-                </a:r>
-              </a:p>
-              <a:p>
-                <a:pPr marL="0" indent="0">
-                  <a:buNone/>
-                </a:pPr>
-                <a:r>
-                  <a:rPr lang="es-CO" dirty="0" smtClean="0"/>
-                  <a:t> </a:t>
-                </a:r>
-              </a:p>
-              <a:p>
-                <a:pPr marL="0" indent="0">
-                  <a:buNone/>
-                </a:pPr>
-                <a:r>
-                  <a:rPr lang="es-CO" dirty="0" smtClean="0"/>
-                  <a:t>Es decir </a:t>
-                </a:r>
-                <a:r>
-                  <a:rPr lang="es-CO" dirty="0"/>
-                  <a:t>las </a:t>
-                </a:r>
-                <a:r>
-                  <a:rPr lang="es-CO" i="1" dirty="0"/>
-                  <a:t>Xi </a:t>
-                </a:r>
-                <a:r>
-                  <a:rPr lang="es-CO" dirty="0"/>
-                  <a:t>son </a:t>
-                </a:r>
-                <a:r>
-                  <a:rPr lang="es-CO" i="1" dirty="0"/>
-                  <a:t>independientes </a:t>
-                </a:r>
-                <a:r>
-                  <a:rPr lang="es-CO" i="1" dirty="0" smtClean="0"/>
-                  <a:t>e idénticamente </a:t>
-                </a:r>
-                <a:r>
-                  <a:rPr lang="es-CO" i="1" dirty="0"/>
-                  <a:t>distribuidas </a:t>
-                </a:r>
-                <a:r>
-                  <a:rPr lang="es-CO" dirty="0"/>
-                  <a:t>(</a:t>
-                </a:r>
-                <a:r>
-                  <a:rPr lang="es-CO" dirty="0" err="1" smtClean="0"/>
-                  <a:t>iid</a:t>
-                </a:r>
-                <a:r>
-                  <a:rPr lang="es-CO" dirty="0" smtClean="0"/>
-                  <a:t>)</a:t>
+                  <a:rPr lang="es-CO" sz="2250" dirty="0"/>
+                  <a:t>Una variable aleatoria normal con </a:t>
                 </a:r>
                 <a14:m>
                   <m:oMath xmlns:m="http://schemas.openxmlformats.org/officeDocument/2006/math">
                     <m:r>
-                      <a:rPr lang="es-CO" b="0" i="0" smtClean="0">
-                        <a:latin typeface="Cambria Math"/>
+                      <a:rPr lang="es-CO" sz="2250" i="1">
+                        <a:latin typeface="Cambria Math" panose="02040503050406030204" pitchFamily="18" charset="0"/>
+                        <a:ea typeface="Cambria Math" panose="02040503050406030204" pitchFamily="18" charset="0"/>
+                      </a:rPr>
+                      <m:t>𝜇</m:t>
+                    </m:r>
+                    <m:r>
+                      <a:rPr lang="es-CO" sz="2250" i="1">
+                        <a:latin typeface="Cambria Math" panose="02040503050406030204" pitchFamily="18" charset="0"/>
+                        <a:ea typeface="Cambria Math" panose="02040503050406030204" pitchFamily="18" charset="0"/>
+                      </a:rPr>
+                      <m:t>=0 </m:t>
+                    </m:r>
+                    <m:r>
+                      <a:rPr lang="es-CO" sz="2250" i="1">
+                        <a:latin typeface="Cambria Math" panose="02040503050406030204" pitchFamily="18" charset="0"/>
+                        <a:ea typeface="Cambria Math" panose="02040503050406030204" pitchFamily="18" charset="0"/>
+                      </a:rPr>
+                      <m:t>𝑦</m:t>
+                    </m:r>
+                    <m:r>
+                      <a:rPr lang="es-CO" sz="2250" i="1">
+                        <a:latin typeface="Cambria Math" panose="02040503050406030204" pitchFamily="18" charset="0"/>
+                        <a:ea typeface="Cambria Math" panose="02040503050406030204" pitchFamily="18" charset="0"/>
                       </a:rPr>
                       <m:t> </m:t>
                     </m:r>
-                    <m:sSub>
-                      <m:sSubPr>
-                        <m:ctrlPr>
-                          <a:rPr lang="es-CO" i="1" smtClean="0">
-                            <a:latin typeface="Cambria Math" panose="02040503050406030204" pitchFamily="18" charset="0"/>
-                          </a:rPr>
-                        </m:ctrlPr>
-                      </m:sSubPr>
-                      <m:e>
-                        <m:r>
-                          <a:rPr lang="es-CO" b="0" i="1" smtClean="0">
-                            <a:latin typeface="Cambria Math"/>
-                          </a:rPr>
-                          <m:t>𝑋</m:t>
-                        </m:r>
-                      </m:e>
-                      <m:sub>
-                        <m:r>
-                          <a:rPr lang="es-CO" b="0" i="1" smtClean="0">
-                            <a:latin typeface="Cambria Math"/>
-                          </a:rPr>
-                          <m:t>𝑖</m:t>
-                        </m:r>
-                      </m:sub>
-                    </m:sSub>
                     <m:r>
-                      <a:rPr lang="es-CO" i="1" smtClean="0">
-                        <a:latin typeface="Cambria Math"/>
-                        <a:ea typeface="Cambria Math"/>
+                      <a:rPr lang="es-CO" sz="2250" i="1">
+                        <a:latin typeface="Cambria Math" panose="02040503050406030204" pitchFamily="18" charset="0"/>
+                        <a:ea typeface="Cambria Math" panose="02040503050406030204" pitchFamily="18" charset="0"/>
                       </a:rPr>
-                      <m:t>~</m:t>
+                      <m:t>𝜎</m:t>
+                    </m:r>
+                    <m:r>
+                      <a:rPr lang="es-CO" sz="2250" i="1">
+                        <a:latin typeface="Cambria Math" panose="02040503050406030204" pitchFamily="18" charset="0"/>
+                        <a:ea typeface="Cambria Math" panose="02040503050406030204" pitchFamily="18" charset="0"/>
+                      </a:rPr>
+                      <m:t>=1, </m:t>
                     </m:r>
                     <m:r>
                       <m:rPr>
                         <m:sty m:val="p"/>
                       </m:rPr>
-                      <a:rPr lang="es-CO" b="0" i="0" smtClean="0">
-                        <a:latin typeface="Cambria Math"/>
-                        <a:ea typeface="Cambria Math"/>
+                      <a:rPr lang="es-CO" sz="2250">
+                        <a:latin typeface="Cambria Math" panose="02040503050406030204" pitchFamily="18" charset="0"/>
+                        <a:ea typeface="Cambria Math" panose="02040503050406030204" pitchFamily="18" charset="0"/>
                       </a:rPr>
-                      <m:t>iid</m:t>
-                    </m:r>
-                    <m:r>
-                      <a:rPr lang="es-CO" b="0" i="0" smtClean="0">
-                        <a:latin typeface="Cambria Math"/>
-                        <a:ea typeface="Cambria Math"/>
-                      </a:rPr>
-                      <m:t> </m:t>
-                    </m:r>
-                    <m:r>
-                      <m:rPr>
-                        <m:sty m:val="p"/>
-                      </m:rPr>
-                      <a:rPr lang="es-CO" b="0" i="0" smtClean="0">
-                        <a:latin typeface="Cambria Math"/>
-                        <a:ea typeface="Cambria Math"/>
-                      </a:rPr>
-                      <m:t>N</m:t>
-                    </m:r>
-                    <m:r>
-                      <a:rPr lang="es-CO" b="0" i="0" smtClean="0">
-                        <a:latin typeface="Cambria Math"/>
-                        <a:ea typeface="Cambria Math"/>
-                      </a:rPr>
-                      <m:t>(0,</m:t>
-                    </m:r>
-                    <m:sSup>
-                      <m:sSupPr>
-                        <m:ctrlPr>
-                          <a:rPr lang="es-CO" b="0" i="1" smtClean="0">
-                            <a:latin typeface="Cambria Math" panose="02040503050406030204" pitchFamily="18" charset="0"/>
-                            <a:ea typeface="Cambria Math"/>
-                          </a:rPr>
-                        </m:ctrlPr>
-                      </m:sSupPr>
-                      <m:e>
-                        <m:r>
-                          <a:rPr lang="es-CO" b="0" i="1" smtClean="0">
-                            <a:latin typeface="Cambria Math"/>
-                            <a:ea typeface="Cambria Math"/>
-                          </a:rPr>
-                          <m:t>𝜎</m:t>
-                        </m:r>
-                      </m:e>
-                      <m:sup>
-                        <m:r>
-                          <a:rPr lang="es-CO" b="0" i="1" smtClean="0">
-                            <a:latin typeface="Cambria Math"/>
-                            <a:ea typeface="Cambria Math"/>
-                          </a:rPr>
-                          <m:t>2</m:t>
-                        </m:r>
-                      </m:sup>
-                    </m:sSup>
-                    <m:r>
-                      <a:rPr lang="es-CO" b="0" i="0" smtClean="0">
-                        <a:latin typeface="Cambria Math"/>
-                        <a:ea typeface="Cambria Math"/>
-                      </a:rPr>
-                      <m:t>)</m:t>
+                      <m:t>e</m:t>
                     </m:r>
                   </m:oMath>
                 </a14:m>
-                <a:endParaRPr lang="es-CO" dirty="0"/>
+                <a:r>
+                  <a:rPr lang="es-CO" sz="2250" dirty="0"/>
+                  <a:t>s llamada una variable aleatoria normal estándar y se denota como z</a:t>
+                </a:r>
+              </a:p>
+              <a:p>
+                <a:pPr marL="0" indent="0" algn="just">
+                  <a:buNone/>
+                </a:pPr>
+                <a:endParaRPr lang="es-CO" sz="2400" dirty="0"/>
+              </a:p>
+              <a:p>
+                <a:pPr marL="0" indent="0" algn="just">
+                  <a:buNone/>
+                </a:pPr>
+                <a14:m>
+                  <m:oMathPara xmlns:m="http://schemas.openxmlformats.org/officeDocument/2006/math">
+                    <m:oMathParaPr>
+                      <m:jc m:val="centerGroup"/>
+                    </m:oMathParaPr>
+                    <m:oMath xmlns:m="http://schemas.openxmlformats.org/officeDocument/2006/math">
+                      <m:r>
+                        <a:rPr lang="es-CO" sz="2400" i="1">
+                          <a:latin typeface="Cambria Math" panose="02040503050406030204" pitchFamily="18" charset="0"/>
+                        </a:rPr>
+                        <m:t>𝑧</m:t>
+                      </m:r>
+                      <m:r>
+                        <a:rPr lang="es-CO" sz="2400" i="1">
+                          <a:latin typeface="Cambria Math" panose="02040503050406030204" pitchFamily="18" charset="0"/>
+                        </a:rPr>
+                        <m:t>~</m:t>
+                      </m:r>
+                      <m:r>
+                        <a:rPr lang="es-CO" sz="2400" i="1">
+                          <a:latin typeface="Cambria Math" panose="02040503050406030204" pitchFamily="18" charset="0"/>
+                        </a:rPr>
+                        <m:t>𝑁</m:t>
+                      </m:r>
+                      <m:r>
+                        <a:rPr lang="es-CO" sz="2400" i="1">
+                          <a:latin typeface="Cambria Math" panose="02040503050406030204" pitchFamily="18" charset="0"/>
+                        </a:rPr>
+                        <m:t>(0,1)</m:t>
+                      </m:r>
+                    </m:oMath>
+                  </m:oMathPara>
+                </a14:m>
+                <a:endParaRPr lang="es-CO" sz="2400" dirty="0"/>
               </a:p>
             </p:txBody>
           </p:sp>
         </mc:Choice>
-        <mc:Fallback xmlns="">
+        <mc:Fallback>
           <p:sp>
             <p:nvSpPr>
-              <p:cNvPr id="3" name="2 Marcador de contenido"/>
+              <p:cNvPr id="3" name="Marcador de contenido 2"/>
               <p:cNvSpPr>
                 <a:spLocks noGrp="1" noRot="1" noChangeAspect="1" noMove="1" noResize="1" noEditPoints="1" noAdjustHandles="1" noChangeArrowheads="1" noChangeShapeType="1" noTextEdit="1"/>
               </p:cNvSpPr>
@@ -10112,13 +12040,13 @@
             </p:nvSpPr>
             <p:spPr>
               <a:xfrm>
-                <a:off x="457200" y="1600200"/>
-                <a:ext cx="8507288" cy="4525963"/>
+                <a:off x="628650" y="2226469"/>
+                <a:ext cx="3814763" cy="3263504"/>
               </a:xfrm>
-              <a:blipFill rotWithShape="1">
+              <a:blipFill>
                 <a:blip r:embed="rId2"/>
                 <a:stretch>
-                  <a:fillRect l="-1289" t="-2695" r="-1934"/>
+                  <a:fillRect l="-2077" r="-2236"/>
                 </a:stretch>
               </a:blipFill>
             </p:spPr>
@@ -10137,16 +12065,47 @@
           </p:sp>
         </mc:Fallback>
       </mc:AlternateContent>
+      <p:pic>
+        <p:nvPicPr>
+          <p:cNvPr id="4" name="Imagen 3"/>
+          <p:cNvPicPr>
+            <a:picLocks noChangeAspect="1"/>
+          </p:cNvPicPr>
+          <p:nvPr/>
+        </p:nvPicPr>
+        <p:blipFill>
+          <a:blip r:embed="rId3"/>
+          <a:stretch>
+            <a:fillRect/>
+          </a:stretch>
+        </p:blipFill>
+        <p:spPr>
+          <a:xfrm>
+            <a:off x="5463090" y="2593593"/>
+            <a:ext cx="3052260" cy="2248745"/>
+          </a:xfrm>
+          <a:prstGeom prst="rect">
+            <a:avLst/>
+          </a:prstGeom>
+        </p:spPr>
+      </p:pic>
     </p:spTree>
     <p:extLst>
       <p:ext uri="{BB962C8B-B14F-4D97-AF65-F5344CB8AC3E}">
-        <p14:creationId xmlns:p14="http://schemas.microsoft.com/office/powerpoint/2010/main" val="2954289933"/>
+        <p14:creationId xmlns:p14="http://schemas.microsoft.com/office/powerpoint/2010/main" val="1891594026"/>
       </p:ext>
     </p:extLst>
   </p:cSld>
   <p:clrMapOvr>
     <a:masterClrMapping/>
   </p:clrMapOvr>
+  <p:timing>
+    <p:tnLst>
+      <p:par>
+        <p:cTn id="1" dur="indefinite" restart="never" nodeType="tmRoot"/>
+      </p:par>
+    </p:tnLst>
+  </p:timing>
 </p:sld>
 </file>
 
@@ -10169,7 +12128,7 @@
       </p:grpSpPr>
       <p:sp>
         <p:nvSpPr>
-          <p:cNvPr id="2" name="1 Título"/>
+          <p:cNvPr id="2" name="Título 1"/>
           <p:cNvSpPr>
             <a:spLocks noGrp="1"/>
           </p:cNvSpPr>
@@ -10177,347 +12136,102 @@
             <p:ph type="title"/>
           </p:nvPr>
         </p:nvSpPr>
-        <p:spPr/>
+        <p:spPr>
+          <a:xfrm>
+            <a:off x="1287232" y="1234095"/>
+            <a:ext cx="8272212" cy="760350"/>
+          </a:xfrm>
+        </p:spPr>
         <p:txBody>
           <a:bodyPr>
-            <a:normAutofit/>
+            <a:normAutofit fontScale="90000"/>
           </a:bodyPr>
           <a:lstStyle/>
           <a:p>
             <a:r>
-              <a:rPr lang="es-CO" b="1" dirty="0">
-                <a:solidFill>
-                  <a:srgbClr val="0070C0"/>
-                </a:solidFill>
-              </a:rPr>
-              <a:t>Teorema del </a:t>
-            </a:r>
-            <a:r>
-              <a:rPr lang="es-CO" b="1" dirty="0" smtClean="0">
-                <a:solidFill>
-                  <a:srgbClr val="0070C0"/>
-                </a:solidFill>
-              </a:rPr>
-              <a:t>Límite </a:t>
-            </a:r>
-            <a:r>
-              <a:rPr lang="es-CO" b="1" dirty="0">
-                <a:solidFill>
-                  <a:srgbClr val="0070C0"/>
-                </a:solidFill>
-              </a:rPr>
-              <a:t>central</a:t>
-            </a:r>
-          </a:p>
-        </p:txBody>
-      </p:sp>
-      <mc:AlternateContent xmlns:mc="http://schemas.openxmlformats.org/markup-compatibility/2006" xmlns:a14="http://schemas.microsoft.com/office/drawing/2010/main">
-        <mc:Choice Requires="a14">
-          <p:sp>
-            <p:nvSpPr>
-              <p:cNvPr id="3" name="2 Marcador de contenido"/>
-              <p:cNvSpPr>
-                <a:spLocks noGrp="1"/>
-              </p:cNvSpPr>
-              <p:nvPr>
-                <p:ph idx="1"/>
-              </p:nvPr>
-            </p:nvSpPr>
-            <p:spPr>
-              <a:xfrm>
-                <a:off x="467544" y="1556792"/>
-                <a:ext cx="8229600" cy="4525963"/>
-              </a:xfrm>
-            </p:spPr>
-            <p:txBody>
-              <a:bodyPr>
-                <a:normAutofit/>
-              </a:bodyPr>
-              <a:lstStyle/>
-              <a:p>
-                <a:pPr marL="0" indent="0" algn="just">
-                  <a:buNone/>
-                </a:pPr>
-                <a:r>
-                  <a:rPr lang="es-CO" dirty="0" smtClean="0"/>
-                  <a:t>Si </a:t>
-                </a:r>
-                <a14:m>
-                  <m:oMath xmlns:m="http://schemas.openxmlformats.org/officeDocument/2006/math">
-                    <m:acc>
-                      <m:accPr>
-                        <m:chr m:val="̅"/>
-                        <m:ctrlPr>
-                          <a:rPr lang="es-CO" i="1" smtClean="0">
-                            <a:latin typeface="Cambria Math" panose="02040503050406030204" pitchFamily="18" charset="0"/>
-                          </a:rPr>
-                        </m:ctrlPr>
-                      </m:accPr>
-                      <m:e>
-                        <m:r>
-                          <a:rPr lang="es-CO" b="0" i="1" smtClean="0">
-                            <a:latin typeface="Cambria Math"/>
-                          </a:rPr>
-                          <m:t>𝑋</m:t>
-                        </m:r>
-                      </m:e>
-                    </m:acc>
-                    <m:r>
-                      <a:rPr lang="es-CO" b="0" i="1" smtClean="0">
-                        <a:latin typeface="Cambria Math"/>
-                      </a:rPr>
-                      <m:t> </m:t>
-                    </m:r>
-                    <m:r>
-                      <m:rPr>
-                        <m:sty m:val="p"/>
-                      </m:rPr>
-                      <a:rPr lang="es-CO" b="0" i="0" smtClean="0">
-                        <a:latin typeface="Cambria Math"/>
-                      </a:rPr>
-                      <m:t>es</m:t>
-                    </m:r>
-                    <m:r>
-                      <a:rPr lang="es-CO" b="0" i="0" smtClean="0">
-                        <a:latin typeface="Cambria Math"/>
-                      </a:rPr>
-                      <m:t> </m:t>
-                    </m:r>
-                  </m:oMath>
-                </a14:m>
-                <a:r>
-                  <a:rPr lang="es-CO" dirty="0" smtClean="0"/>
-                  <a:t>la media de una muestra aleatoria de tamaño n, tomada de una población de tamaño N, con media µ y varianza finita</a:t>
-                </a:r>
-                <a14:m>
-                  <m:oMath xmlns:m="http://schemas.openxmlformats.org/officeDocument/2006/math">
-                    <m:r>
-                      <a:rPr lang="es-CO" b="0" i="0" smtClean="0">
-                        <a:latin typeface="Cambria Math"/>
-                      </a:rPr>
-                      <m:t>  </m:t>
-                    </m:r>
-                    <m:sSup>
-                      <m:sSupPr>
-                        <m:ctrlPr>
-                          <a:rPr lang="es-CO" i="1" smtClean="0">
-                            <a:latin typeface="Cambria Math" panose="02040503050406030204" pitchFamily="18" charset="0"/>
-                          </a:rPr>
-                        </m:ctrlPr>
-                      </m:sSupPr>
-                      <m:e>
-                        <m:r>
-                          <a:rPr lang="es-CO" i="1" smtClean="0">
-                            <a:latin typeface="Cambria Math"/>
-                            <a:ea typeface="Cambria Math"/>
-                          </a:rPr>
-                          <m:t>𝜎</m:t>
-                        </m:r>
-                      </m:e>
-                      <m:sup>
-                        <m:r>
-                          <a:rPr lang="es-CO" b="0" i="1" smtClean="0">
-                            <a:latin typeface="Cambria Math"/>
-                          </a:rPr>
-                          <m:t>2</m:t>
-                        </m:r>
-                      </m:sup>
-                    </m:sSup>
-                  </m:oMath>
-                </a14:m>
-                <a:r>
-                  <a:rPr lang="es-CO" dirty="0" smtClean="0"/>
-                  <a:t>, entonces la forma límite de la distribución es;  </a:t>
-                </a:r>
-              </a:p>
-              <a:p>
-                <a:pPr marL="0" indent="0">
-                  <a:buNone/>
-                </a:pPr>
-                <a14:m>
-                  <m:oMathPara xmlns:m="http://schemas.openxmlformats.org/officeDocument/2006/math">
-                    <m:oMathParaPr>
-                      <m:jc m:val="centerGroup"/>
-                    </m:oMathParaPr>
-                    <m:oMath xmlns:m="http://schemas.openxmlformats.org/officeDocument/2006/math">
-                      <m:r>
-                        <a:rPr lang="es-CO" b="0" i="1" smtClean="0">
-                          <a:latin typeface="Cambria Math"/>
-                        </a:rPr>
-                        <m:t>𝑍</m:t>
-                      </m:r>
-                      <m:r>
-                        <a:rPr lang="es-CO" b="0" i="1" smtClean="0">
-                          <a:latin typeface="Cambria Math"/>
-                        </a:rPr>
-                        <m:t>=</m:t>
-                      </m:r>
-                      <m:f>
-                        <m:fPr>
-                          <m:ctrlPr>
-                            <a:rPr lang="es-CO" b="0" i="1" smtClean="0">
-                              <a:latin typeface="Cambria Math" panose="02040503050406030204" pitchFamily="18" charset="0"/>
-                            </a:rPr>
-                          </m:ctrlPr>
-                        </m:fPr>
-                        <m:num>
-                          <m:acc>
-                            <m:accPr>
-                              <m:chr m:val="̅"/>
-                              <m:ctrlPr>
-                                <a:rPr lang="es-CO" i="1">
-                                  <a:latin typeface="Cambria Math" panose="02040503050406030204" pitchFamily="18" charset="0"/>
-                                </a:rPr>
-                              </m:ctrlPr>
-                            </m:accPr>
-                            <m:e>
-                              <m:r>
-                                <a:rPr lang="es-CO" i="1">
-                                  <a:latin typeface="Cambria Math"/>
-                                </a:rPr>
-                                <m:t>𝑋</m:t>
-                              </m:r>
-                            </m:e>
-                          </m:acc>
-                          <m:r>
-                            <a:rPr lang="es-CO" b="0" i="1" smtClean="0">
-                              <a:latin typeface="Cambria Math"/>
-                            </a:rPr>
-                            <m:t>−</m:t>
-                          </m:r>
-                          <m:r>
-                            <m:rPr>
-                              <m:nor/>
-                            </m:rPr>
-                            <a:rPr lang="es-CO" dirty="0"/>
-                            <m:t>µ</m:t>
-                          </m:r>
-                        </m:num>
-                        <m:den>
-                          <m:r>
-                            <a:rPr lang="es-CO" b="0" i="1" smtClean="0">
-                              <a:latin typeface="Cambria Math"/>
-                              <a:ea typeface="Cambria Math"/>
-                            </a:rPr>
-                            <m:t>𝜎</m:t>
-                          </m:r>
-                          <m:r>
-                            <a:rPr lang="es-CO" b="0" i="1" smtClean="0">
-                              <a:latin typeface="Cambria Math"/>
-                              <a:ea typeface="Cambria Math"/>
-                            </a:rPr>
-                            <m:t>/</m:t>
-                          </m:r>
-                          <m:rad>
-                            <m:radPr>
-                              <m:degHide m:val="on"/>
-                              <m:ctrlPr>
-                                <a:rPr lang="es-CO" b="0" i="1" smtClean="0">
-                                  <a:latin typeface="Cambria Math" panose="02040503050406030204" pitchFamily="18" charset="0"/>
-                                  <a:ea typeface="Cambria Math"/>
-                                </a:rPr>
-                              </m:ctrlPr>
-                            </m:radPr>
-                            <m:deg/>
-                            <m:e>
-                              <m:r>
-                                <a:rPr lang="es-CO" b="0" i="1" smtClean="0">
-                                  <a:latin typeface="Cambria Math"/>
-                                  <a:ea typeface="Cambria Math"/>
-                                </a:rPr>
-                                <m:t>𝑛</m:t>
-                              </m:r>
-                            </m:e>
-                          </m:rad>
-                        </m:den>
-                      </m:f>
-                    </m:oMath>
-                  </m:oMathPara>
-                </a14:m>
-                <a:endParaRPr lang="es-CO" dirty="0" smtClean="0"/>
-              </a:p>
-              <a:p>
-                <a:pPr marL="0" indent="0">
-                  <a:buNone/>
-                </a:pPr>
-                <a:r>
-                  <a:rPr lang="es-CO" dirty="0" smtClean="0"/>
-                  <a:t>Conforme </a:t>
-                </a:r>
-                <a14:m>
-                  <m:oMath xmlns:m="http://schemas.openxmlformats.org/officeDocument/2006/math">
-                    <m:r>
-                      <a:rPr lang="es-CO" b="0" i="1" smtClean="0">
-                        <a:latin typeface="Cambria Math"/>
-                      </a:rPr>
-                      <m:t>𝑛</m:t>
-                    </m:r>
-                    <m:r>
-                      <a:rPr lang="es-CO" b="0" i="1" smtClean="0">
-                        <a:latin typeface="Cambria Math"/>
-                        <a:ea typeface="Cambria Math"/>
-                      </a:rPr>
-                      <m:t>→∞, </m:t>
-                    </m:r>
-                  </m:oMath>
-                </a14:m>
-                <a:r>
-                  <a:rPr lang="es-CO" dirty="0" smtClean="0"/>
-                  <a:t>es la distribución de la normal estándar n(Z;0,1)</a:t>
-                </a:r>
-                <a:endParaRPr lang="es-CO" dirty="0"/>
-              </a:p>
-            </p:txBody>
-          </p:sp>
-        </mc:Choice>
-        <mc:Fallback xmlns="">
-          <p:sp>
-            <p:nvSpPr>
-              <p:cNvPr id="3" name="2 Marcador de contenido"/>
-              <p:cNvSpPr>
-                <a:spLocks noGrp="1" noRot="1" noChangeAspect="1" noMove="1" noResize="1" noEditPoints="1" noAdjustHandles="1" noChangeArrowheads="1" noChangeShapeType="1" noTextEdit="1"/>
-              </p:cNvSpPr>
-              <p:nvPr>
-                <p:ph idx="1"/>
-              </p:nvPr>
-            </p:nvSpPr>
-            <p:spPr>
-              <a:xfrm>
-                <a:off x="467544" y="1556792"/>
-                <a:ext cx="8229600" cy="4525963"/>
-              </a:xfrm>
-              <a:blipFill rotWithShape="1">
-                <a:blip r:embed="rId2"/>
-                <a:stretch>
-                  <a:fillRect l="-1926" t="-1615" r="-2593"/>
-                </a:stretch>
-              </a:blipFill>
-            </p:spPr>
-            <p:txBody>
-              <a:bodyPr/>
-              <a:lstStyle/>
-              <a:p>
-                <a:r>
-                  <a:rPr lang="es-CO">
-                    <a:noFill/>
-                  </a:rPr>
-                  <a:t> </a:t>
-                </a:r>
-              </a:p>
-            </p:txBody>
-          </p:sp>
-        </mc:Fallback>
-      </mc:AlternateContent>
+              <a:rPr lang="es-CO" b="1" dirty="0" smtClean="0"/>
+              <a:t>FUNCIÓN DE DISTRIBUCIÓN ACUMULADA</a:t>
+            </a:r>
+            <a:endParaRPr lang="es-CO" b="1" dirty="0"/>
+          </a:p>
+        </p:txBody>
+      </p:sp>
+      <p:sp>
+        <p:nvSpPr>
+          <p:cNvPr id="3" name="Marcador de contenido 2"/>
+          <p:cNvSpPr>
+            <a:spLocks noGrp="1"/>
+          </p:cNvSpPr>
+          <p:nvPr>
+            <p:ph idx="1"/>
+          </p:nvPr>
+        </p:nvSpPr>
+        <p:spPr>
+          <a:xfrm>
+            <a:off x="435895" y="2492623"/>
+            <a:ext cx="8272211" cy="729455"/>
+          </a:xfrm>
+        </p:spPr>
+        <p:txBody>
+          <a:bodyPr>
+            <a:normAutofit fontScale="85000" lnSpcReduction="10000"/>
+          </a:bodyPr>
+          <a:lstStyle/>
+          <a:p>
+            <a:pPr marL="0" indent="0">
+              <a:buNone/>
+            </a:pPr>
+            <a:r>
+              <a:rPr lang="es-CO" dirty="0" smtClean="0"/>
+              <a:t>La función de distribución acumulada se denota como </a:t>
+            </a:r>
+          </a:p>
+          <a:p>
+            <a:endParaRPr lang="es-CO" dirty="0"/>
+          </a:p>
+        </p:txBody>
+      </p:sp>
+      <p:pic>
+        <p:nvPicPr>
+          <p:cNvPr id="4" name="Imagen 3"/>
+          <p:cNvPicPr>
+            <a:picLocks noChangeAspect="1"/>
+          </p:cNvPicPr>
+          <p:nvPr/>
+        </p:nvPicPr>
+        <p:blipFill>
+          <a:blip r:embed="rId2"/>
+          <a:stretch>
+            <a:fillRect/>
+          </a:stretch>
+        </p:blipFill>
+        <p:spPr>
+          <a:xfrm>
+            <a:off x="2507554" y="2996380"/>
+            <a:ext cx="4128892" cy="2493593"/>
+          </a:xfrm>
+          <a:prstGeom prst="rect">
+            <a:avLst/>
+          </a:prstGeom>
+        </p:spPr>
+      </p:pic>
     </p:spTree>
     <p:extLst>
       <p:ext uri="{BB962C8B-B14F-4D97-AF65-F5344CB8AC3E}">
-        <p14:creationId xmlns:p14="http://schemas.microsoft.com/office/powerpoint/2010/main" val="3004949137"/>
+        <p14:creationId xmlns:p14="http://schemas.microsoft.com/office/powerpoint/2010/main" val="4093193253"/>
       </p:ext>
     </p:extLst>
   </p:cSld>
   <p:clrMapOvr>
     <a:masterClrMapping/>
   </p:clrMapOvr>
+  <p:timing>
+    <p:tnLst>
+      <p:par>
+        <p:cTn id="1" dur="indefinite" restart="never" nodeType="tmRoot"/>
+      </p:par>
+    </p:tnLst>
+  </p:timing>
 </p:sld>
 </file>
 
@@ -10540,7 +12254,7 @@
       </p:grpSpPr>
       <p:sp>
         <p:nvSpPr>
-          <p:cNvPr id="2" name="1 Título"/>
+          <p:cNvPr id="2" name="Título 1"/>
           <p:cNvSpPr>
             <a:spLocks noGrp="1"/>
           </p:cNvSpPr>
@@ -10548,127 +12262,70 @@
             <p:ph type="title"/>
           </p:nvPr>
         </p:nvSpPr>
-        <p:spPr/>
+        <p:spPr>
+          <a:xfrm>
+            <a:off x="435894" y="1383867"/>
+            <a:ext cx="8272212" cy="569087"/>
+          </a:xfrm>
+        </p:spPr>
         <p:txBody>
           <a:bodyPr>
-            <a:normAutofit/>
+            <a:normAutofit fontScale="90000"/>
           </a:bodyPr>
           <a:lstStyle/>
           <a:p>
-            <a:r>
-              <a:rPr lang="es-CO" b="1" dirty="0">
-                <a:solidFill>
-                  <a:srgbClr val="0070C0"/>
-                </a:solidFill>
-              </a:rPr>
-              <a:t>Técnicas de Muestreo </a:t>
-            </a:r>
-          </a:p>
-        </p:txBody>
-      </p:sp>
-      <p:sp>
-        <p:nvSpPr>
-          <p:cNvPr id="3" name="2 Marcador de contenido"/>
-          <p:cNvSpPr>
-            <a:spLocks noGrp="1"/>
-          </p:cNvSpPr>
+            <a:pPr algn="ctr"/>
+            <a:r>
+              <a:rPr lang="es-CO" b="1" dirty="0" smtClean="0"/>
+              <a:t>Estructura de la tabla normal</a:t>
+            </a:r>
+            <a:endParaRPr lang="es-CO" b="1" dirty="0"/>
+          </a:p>
+        </p:txBody>
+      </p:sp>
+      <p:pic>
+        <p:nvPicPr>
+          <p:cNvPr id="4" name="Marcador de contenido 3"/>
+          <p:cNvPicPr>
+            <a:picLocks noGrp="1" noChangeAspect="1"/>
+          </p:cNvPicPr>
           <p:nvPr>
             <p:ph idx="1"/>
           </p:nvPr>
-        </p:nvSpPr>
-        <p:spPr/>
-        <p:txBody>
-          <a:bodyPr>
-            <a:normAutofit lnSpcReduction="10000"/>
-          </a:bodyPr>
-          <a:lstStyle/>
-          <a:p>
-            <a:r>
-              <a:rPr lang="es-CO" dirty="0" smtClean="0"/>
-              <a:t>Muestreo No-Aleatorizado (o No-Probabilista) </a:t>
-            </a:r>
-          </a:p>
-          <a:p>
-            <a:pPr marL="1371600" lvl="2" indent="-571500">
-              <a:buFont typeface="+mj-lt"/>
-              <a:buAutoNum type="romanLcPeriod"/>
-            </a:pPr>
-            <a:r>
-              <a:rPr lang="es-CO" dirty="0" smtClean="0"/>
-              <a:t>   Se basa en el juicio personal del investigador. </a:t>
-            </a:r>
-            <a:endParaRPr lang="es-CO" dirty="0"/>
-          </a:p>
-          <a:p>
-            <a:pPr marL="1371600" lvl="2" indent="-571500">
-              <a:buFont typeface="+mj-lt"/>
-              <a:buAutoNum type="romanLcPeriod"/>
-            </a:pPr>
-            <a:r>
-              <a:rPr lang="es-CO" dirty="0" smtClean="0"/>
-              <a:t>   Puede generar buenas muestras pero no permite    </a:t>
-            </a:r>
-          </a:p>
-          <a:p>
-            <a:pPr marL="800100" lvl="2" indent="0">
-              <a:buNone/>
-            </a:pPr>
-            <a:r>
-              <a:rPr lang="es-CO" dirty="0"/>
-              <a:t> </a:t>
-            </a:r>
-            <a:r>
-              <a:rPr lang="es-CO" dirty="0" smtClean="0"/>
-              <a:t>          una evaluación estadística de confianza. </a:t>
-            </a:r>
-          </a:p>
-          <a:p>
-            <a:pPr marL="800100" lvl="2" indent="0">
-              <a:buNone/>
-            </a:pPr>
-            <a:r>
-              <a:rPr lang="es-CO" dirty="0" smtClean="0"/>
-              <a:t>iii.        Frecuentemente usado como primera aproximación </a:t>
-            </a:r>
-          </a:p>
-          <a:p>
-            <a:r>
-              <a:rPr lang="es-CO" dirty="0" smtClean="0"/>
-              <a:t>Muestreo Aleatorizado (o Probabilista ) </a:t>
-            </a:r>
-          </a:p>
-          <a:p>
-            <a:pPr marL="1371600" lvl="2" indent="-571500">
-              <a:buFont typeface="+mj-lt"/>
-              <a:buAutoNum type="romanLcPeriod"/>
-            </a:pPr>
-            <a:r>
-              <a:rPr lang="es-CO" dirty="0"/>
-              <a:t>Se controla la probabilidad de seleccionar un determinado individuo </a:t>
-            </a:r>
-          </a:p>
-          <a:p>
-            <a:pPr marL="1371600" lvl="2" indent="-571500">
-              <a:buFont typeface="+mj-lt"/>
-              <a:buAutoNum type="romanLcPeriod"/>
-            </a:pPr>
-            <a:r>
-              <a:rPr lang="es-CO" dirty="0"/>
-              <a:t>Permite estudiar objetivamente la confianza de las generalizaciones hacia la población objetivo. </a:t>
-            </a:r>
-          </a:p>
-        </p:txBody>
-      </p:sp>
+        </p:nvPicPr>
+        <p:blipFill>
+          <a:blip r:embed="rId2"/>
+          <a:stretch>
+            <a:fillRect/>
+          </a:stretch>
+        </p:blipFill>
+        <p:spPr>
+          <a:xfrm>
+            <a:off x="1825121" y="2297638"/>
+            <a:ext cx="5493758" cy="3433412"/>
+          </a:xfrm>
+          <a:prstGeom prst="rect">
+            <a:avLst/>
+          </a:prstGeom>
+        </p:spPr>
+      </p:pic>
     </p:spTree>
     <p:extLst>
       <p:ext uri="{BB962C8B-B14F-4D97-AF65-F5344CB8AC3E}">
-        <p14:creationId xmlns:p14="http://schemas.microsoft.com/office/powerpoint/2010/main" val="3428098799"/>
+        <p14:creationId xmlns:p14="http://schemas.microsoft.com/office/powerpoint/2010/main" val="1679942932"/>
       </p:ext>
     </p:extLst>
   </p:cSld>
   <p:clrMapOvr>
     <a:masterClrMapping/>
   </p:clrMapOvr>
+  <p:timing>
+    <p:tnLst>
+      <p:par>
+        <p:cTn id="1" dur="indefinite" restart="never" nodeType="tmRoot"/>
+      </p:par>
+    </p:tnLst>
+  </p:timing>
 </p:sld>
 </file>
 
@@ -10691,230 +12348,78 @@
       </p:grpSpPr>
       <p:sp>
         <p:nvSpPr>
-          <p:cNvPr id="3" name="2 Marcador de contenido"/>
+          <p:cNvPr id="2" name="Título 1"/>
           <p:cNvSpPr>
             <a:spLocks noGrp="1"/>
           </p:cNvSpPr>
           <p:nvPr>
-            <p:ph idx="1"/>
-          </p:nvPr>
-        </p:nvSpPr>
-        <p:spPr/>
+            <p:ph type="title"/>
+          </p:nvPr>
+        </p:nvSpPr>
+        <p:spPr>
+          <a:xfrm>
+            <a:off x="435894" y="1383868"/>
+            <a:ext cx="8272212" cy="506024"/>
+          </a:xfrm>
+        </p:spPr>
         <p:txBody>
           <a:bodyPr>
-            <a:normAutofit fontScale="77500" lnSpcReduction="20000"/>
+            <a:normAutofit fontScale="90000"/>
           </a:bodyPr>
           <a:lstStyle/>
           <a:p>
-            <a:pPr marL="0" indent="0" algn="ctr">
-              <a:spcBef>
-                <a:spcPct val="0"/>
-              </a:spcBef>
-              <a:buNone/>
-            </a:pPr>
-            <a:r>
-              <a:rPr lang="es-CO" sz="4100" b="1" dirty="0">
-                <a:solidFill>
-                  <a:srgbClr val="0070C0"/>
-                </a:solidFill>
-                <a:latin typeface="+mj-lt"/>
-                <a:ea typeface="+mj-ea"/>
-                <a:cs typeface="+mj-cs"/>
-              </a:rPr>
-              <a:t>Muestreo no-Aleatorizado o </a:t>
-            </a:r>
-            <a:r>
-              <a:rPr lang="es-CO" sz="4100" b="1" dirty="0" smtClean="0">
-                <a:solidFill>
-                  <a:srgbClr val="0070C0"/>
-                </a:solidFill>
-                <a:latin typeface="+mj-lt"/>
-                <a:ea typeface="+mj-ea"/>
-                <a:cs typeface="+mj-cs"/>
-              </a:rPr>
-              <a:t>no-Probabilístico </a:t>
-            </a:r>
-            <a:endParaRPr lang="es-CO" sz="4100" b="1" dirty="0">
-              <a:solidFill>
-                <a:srgbClr val="0070C0"/>
-              </a:solidFill>
-              <a:latin typeface="+mj-lt"/>
-              <a:ea typeface="+mj-ea"/>
-              <a:cs typeface="+mj-cs"/>
-            </a:endParaRPr>
-          </a:p>
-          <a:p>
-            <a:r>
-              <a:rPr lang="es-CO" dirty="0" smtClean="0"/>
-              <a:t> Muestreo por </a:t>
-            </a:r>
-            <a:r>
-              <a:rPr lang="es-CO" dirty="0" err="1" smtClean="0"/>
-              <a:t>convenciencia</a:t>
-            </a:r>
-            <a:r>
-              <a:rPr lang="es-CO" dirty="0" smtClean="0"/>
-              <a:t>  </a:t>
-            </a:r>
-          </a:p>
-          <a:p>
-            <a:r>
-              <a:rPr lang="es-CO" dirty="0" smtClean="0"/>
-              <a:t> Muestreo por juicio </a:t>
-            </a:r>
-          </a:p>
-          <a:p>
-            <a:r>
-              <a:rPr lang="es-CO" dirty="0" smtClean="0"/>
-              <a:t> Muestreo por cuota </a:t>
-            </a:r>
-          </a:p>
-          <a:p>
-            <a:r>
-              <a:rPr lang="es-CO" dirty="0" smtClean="0"/>
-              <a:t> Muestreo tipo “bola de nieve” (</a:t>
-            </a:r>
-            <a:r>
-              <a:rPr lang="es-CO" dirty="0" err="1" smtClean="0"/>
-              <a:t>snowball</a:t>
-            </a:r>
-            <a:r>
-              <a:rPr lang="es-CO" dirty="0" smtClean="0"/>
-              <a:t>) </a:t>
-            </a:r>
-          </a:p>
-          <a:p>
-            <a:pPr marL="0" indent="0">
-              <a:buNone/>
-            </a:pPr>
-            <a:endParaRPr lang="es-CO" sz="4100" b="1" dirty="0" smtClean="0">
-              <a:solidFill>
-                <a:srgbClr val="0070C0"/>
-              </a:solidFill>
-              <a:latin typeface="+mj-lt"/>
-              <a:ea typeface="+mj-ea"/>
-              <a:cs typeface="+mj-cs"/>
-            </a:endParaRPr>
-          </a:p>
-          <a:p>
-            <a:pPr marL="0" indent="0">
-              <a:spcBef>
-                <a:spcPct val="0"/>
-              </a:spcBef>
-              <a:buNone/>
-            </a:pPr>
-            <a:r>
-              <a:rPr lang="es-CO" sz="4100" b="1" dirty="0" smtClean="0">
-                <a:solidFill>
-                  <a:srgbClr val="0070C0"/>
-                </a:solidFill>
-                <a:latin typeface="+mj-lt"/>
-                <a:ea typeface="+mj-ea"/>
-                <a:cs typeface="+mj-cs"/>
-              </a:rPr>
-              <a:t>Muestreo </a:t>
-            </a:r>
-            <a:r>
-              <a:rPr lang="es-CO" sz="4100" b="1" dirty="0">
-                <a:solidFill>
-                  <a:srgbClr val="0070C0"/>
-                </a:solidFill>
-                <a:latin typeface="+mj-lt"/>
-                <a:ea typeface="+mj-ea"/>
-                <a:cs typeface="+mj-cs"/>
-              </a:rPr>
-              <a:t>Aleatorizado o </a:t>
-            </a:r>
-            <a:r>
-              <a:rPr lang="es-CO" sz="4100" b="1" dirty="0" smtClean="0">
-                <a:solidFill>
-                  <a:srgbClr val="0070C0"/>
-                </a:solidFill>
-                <a:latin typeface="+mj-lt"/>
-                <a:ea typeface="+mj-ea"/>
-                <a:cs typeface="+mj-cs"/>
-              </a:rPr>
-              <a:t>Probabilístico: </a:t>
-            </a:r>
-            <a:endParaRPr lang="es-CO" sz="4100" b="1" dirty="0">
-              <a:solidFill>
-                <a:srgbClr val="0070C0"/>
-              </a:solidFill>
-              <a:latin typeface="+mj-lt"/>
-              <a:ea typeface="+mj-ea"/>
-              <a:cs typeface="+mj-cs"/>
-            </a:endParaRPr>
-          </a:p>
-          <a:p>
-            <a:r>
-              <a:rPr lang="es-CO" dirty="0" smtClean="0"/>
-              <a:t>Muestreo aleatorio simple </a:t>
-            </a:r>
-          </a:p>
-          <a:p>
-            <a:r>
-              <a:rPr lang="es-CO" dirty="0" smtClean="0"/>
-              <a:t>Muestreo sistemático </a:t>
-            </a:r>
-          </a:p>
-          <a:p>
-            <a:r>
-              <a:rPr lang="es-CO" dirty="0" smtClean="0"/>
-              <a:t>Muestreo estratificado </a:t>
-            </a:r>
-          </a:p>
-          <a:p>
-            <a:r>
-              <a:rPr lang="es-CO" dirty="0" smtClean="0"/>
-              <a:t>Muestreo por grupos</a:t>
-            </a:r>
-            <a:endParaRPr lang="es-CO" dirty="0"/>
-          </a:p>
-        </p:txBody>
-      </p:sp>
-      <p:sp>
-        <p:nvSpPr>
-          <p:cNvPr id="4" name="1 Título"/>
-          <p:cNvSpPr>
-            <a:spLocks noGrp="1"/>
-          </p:cNvSpPr>
-          <p:nvPr>
-            <p:ph type="title"/>
-          </p:nvPr>
-        </p:nvSpPr>
-        <p:spPr/>
-        <p:txBody>
-          <a:bodyPr>
-            <a:normAutofit/>
-          </a:bodyPr>
-          <a:lstStyle/>
-          <a:p>
-            <a:r>
-              <a:rPr lang="es-CO" b="1" dirty="0" smtClean="0">
-                <a:solidFill>
-                  <a:srgbClr val="0070C0"/>
-                </a:solidFill>
-              </a:rPr>
-              <a:t>Técnicas de Muestreo </a:t>
-            </a:r>
-            <a:endParaRPr lang="es-CO" b="1" dirty="0">
-              <a:solidFill>
-                <a:srgbClr val="0070C0"/>
-              </a:solidFill>
-            </a:endParaRPr>
-          </a:p>
-        </p:txBody>
-      </p:sp>
+            <a:pPr algn="ctr"/>
+            <a:r>
+              <a:rPr lang="es-CO" b="1" dirty="0" smtClean="0"/>
+              <a:t>EJEMPLOS</a:t>
+            </a:r>
+            <a:endParaRPr lang="es-CO" b="1" dirty="0"/>
+          </a:p>
+        </p:txBody>
+      </p:sp>
+      <p:pic>
+        <p:nvPicPr>
+          <p:cNvPr id="4" name="Marcador de contenido 3"/>
+          <p:cNvPicPr>
+            <a:picLocks noGrp="1" noChangeAspect="1"/>
+          </p:cNvPicPr>
+          <p:nvPr>
+            <p:ph idx="1"/>
+          </p:nvPr>
+        </p:nvPicPr>
+        <p:blipFill>
+          <a:blip r:embed="rId2"/>
+          <a:stretch>
+            <a:fillRect/>
+          </a:stretch>
+        </p:blipFill>
+        <p:spPr>
+          <a:xfrm>
+            <a:off x="802131" y="2241851"/>
+            <a:ext cx="7539738" cy="3468222"/>
+          </a:xfrm>
+          <a:prstGeom prst="rect">
+            <a:avLst/>
+          </a:prstGeom>
+        </p:spPr>
+      </p:pic>
     </p:spTree>
     <p:extLst>
       <p:ext uri="{BB962C8B-B14F-4D97-AF65-F5344CB8AC3E}">
-        <p14:creationId xmlns:p14="http://schemas.microsoft.com/office/powerpoint/2010/main" val="2591280976"/>
+        <p14:creationId xmlns:p14="http://schemas.microsoft.com/office/powerpoint/2010/main" val="3365582253"/>
       </p:ext>
     </p:extLst>
   </p:cSld>
   <p:clrMapOvr>
     <a:masterClrMapping/>
   </p:clrMapOvr>
+  <p:timing>
+    <p:tnLst>
+      <p:par>
+        <p:cTn id="1" dur="indefinite" restart="never" nodeType="tmRoot"/>
+      </p:par>
+    </p:tnLst>
+  </p:timing>
 </p:sld>
 </file>
 

--- a/Tamaños de muestra.pptx
+++ b/Tamaños de muestra.pptx
@@ -5,7 +5,7 @@
     <p:sldMasterId id="2147483648" r:id="rId1"/>
   </p:sldMasterIdLst>
   <p:notesMasterIdLst>
-    <p:notesMasterId r:id="rId43"/>
+    <p:notesMasterId r:id="rId45"/>
   </p:notesMasterIdLst>
   <p:sldIdLst>
     <p:sldId id="256" r:id="rId2"/>
@@ -23,18 +23,18 @@
     <p:sldId id="265" r:id="rId14"/>
     <p:sldId id="266" r:id="rId15"/>
     <p:sldId id="267" r:id="rId16"/>
-    <p:sldId id="268" r:id="rId17"/>
-    <p:sldId id="269" r:id="rId18"/>
-    <p:sldId id="270" r:id="rId19"/>
-    <p:sldId id="257" r:id="rId20"/>
-    <p:sldId id="285" r:id="rId21"/>
+    <p:sldId id="302" r:id="rId17"/>
+    <p:sldId id="268" r:id="rId18"/>
+    <p:sldId id="269" r:id="rId19"/>
+    <p:sldId id="270" r:id="rId20"/>
+    <p:sldId id="257" r:id="rId21"/>
     <p:sldId id="258" r:id="rId22"/>
     <p:sldId id="259" r:id="rId23"/>
     <p:sldId id="261" r:id="rId24"/>
-    <p:sldId id="286" r:id="rId25"/>
-    <p:sldId id="264" r:id="rId26"/>
-    <p:sldId id="262" r:id="rId27"/>
-    <p:sldId id="263" r:id="rId28"/>
+    <p:sldId id="264" r:id="rId25"/>
+    <p:sldId id="262" r:id="rId26"/>
+    <p:sldId id="263" r:id="rId27"/>
+    <p:sldId id="303" r:id="rId28"/>
     <p:sldId id="273" r:id="rId29"/>
     <p:sldId id="274" r:id="rId30"/>
     <p:sldId id="275" r:id="rId31"/>
@@ -45,10 +45,12 @@
     <p:sldId id="280" r:id="rId36"/>
     <p:sldId id="281" r:id="rId37"/>
     <p:sldId id="282" r:id="rId38"/>
-    <p:sldId id="283" r:id="rId39"/>
-    <p:sldId id="284" r:id="rId40"/>
-    <p:sldId id="271" r:id="rId41"/>
-    <p:sldId id="272" r:id="rId42"/>
+    <p:sldId id="304" r:id="rId39"/>
+    <p:sldId id="305" r:id="rId40"/>
+    <p:sldId id="283" r:id="rId41"/>
+    <p:sldId id="284" r:id="rId42"/>
+    <p:sldId id="271" r:id="rId43"/>
+    <p:sldId id="272" r:id="rId44"/>
   </p:sldIdLst>
   <p:sldSz cx="9144000" cy="6858000" type="screen4x3"/>
   <p:notesSz cx="6858000" cy="9144000"/>
@@ -166,6 +168,18 @@
 </p:presentation>
 </file>
 
+<file path=ppt/commentAuthors.xml><?xml version="1.0" encoding="utf-8"?>
+<p:cmAuthorLst xmlns:a="http://schemas.openxmlformats.org/drawingml/2006/main" xmlns:r="http://schemas.openxmlformats.org/officeDocument/2006/relationships" xmlns:p="http://schemas.openxmlformats.org/presentationml/2006/main">
+  <p:cmAuthor id="1" name="Johana Tróchez González" initials="JTG" lastIdx="1" clrIdx="0">
+    <p:extLst>
+      <p:ext uri="{19B8F6BF-5375-455C-9EA6-DF929625EA0E}">
+        <p15:presenceInfo xmlns:p15="http://schemas.microsoft.com/office/powerpoint/2012/main" userId="Johana Tróchez González" providerId="None"/>
+      </p:ext>
+    </p:extLst>
+  </p:cmAuthor>
+</p:cmAuthorLst>
+</file>
+
 <file path=ppt/notesMasters/notesMaster1.xml><?xml version="1.0" encoding="utf-8"?>
 <p:notesMaster xmlns:a="http://schemas.openxmlformats.org/drawingml/2006/main" xmlns:r="http://schemas.openxmlformats.org/officeDocument/2006/relationships" xmlns:p="http://schemas.openxmlformats.org/presentationml/2006/main">
   <p:cSld>
@@ -248,7 +262,7 @@
           <a:p>
             <a:fld id="{61686EB3-C2FB-41BC-B85A-29E8C185CCA8}" type="datetimeFigureOut">
               <a:rPr lang="es-CO" smtClean="0"/>
-              <a:t>6/02/2019</a:t>
+              <a:t>17/02/2019</a:t>
             </a:fld>
             <a:endParaRPr lang="es-CO"/>
           </a:p>
@@ -312,35 +326,35 @@
           <a:p>
             <a:pPr lvl="0"/>
             <a:r>
-              <a:rPr lang="es-ES" smtClean="0"/>
+              <a:rPr lang="es-ES"/>
               <a:t>Haga clic para modificar el estilo de texto del patrón</a:t>
             </a:r>
           </a:p>
           <a:p>
             <a:pPr lvl="1"/>
             <a:r>
-              <a:rPr lang="es-ES" smtClean="0"/>
+              <a:rPr lang="es-ES"/>
               <a:t>Segundo nivel</a:t>
             </a:r>
           </a:p>
           <a:p>
             <a:pPr lvl="2"/>
             <a:r>
-              <a:rPr lang="es-ES" smtClean="0"/>
+              <a:rPr lang="es-ES"/>
               <a:t>Tercer nivel</a:t>
             </a:r>
           </a:p>
           <a:p>
             <a:pPr lvl="3"/>
             <a:r>
-              <a:rPr lang="es-ES" smtClean="0"/>
+              <a:rPr lang="es-ES"/>
               <a:t>Cuarto nivel</a:t>
             </a:r>
           </a:p>
           <a:p>
             <a:pPr lvl="4"/>
             <a:r>
-              <a:rPr lang="es-ES" smtClean="0"/>
+              <a:rPr lang="es-ES"/>
               <a:t>Quinto nivel</a:t>
             </a:r>
             <a:endParaRPr lang="es-CO"/>
@@ -638,7 +652,7 @@
           <a:lstStyle/>
           <a:p>
             <a:r>
-              <a:rPr lang="es-ES" smtClean="0"/>
+              <a:rPr lang="es-ES"/>
               <a:t>Haga clic para modificar el estilo de título del patrón</a:t>
             </a:r>
             <a:endParaRPr lang="es-CO"/>
@@ -757,7 +771,7 @@
           </a:lstStyle>
           <a:p>
             <a:r>
-              <a:rPr lang="es-ES" smtClean="0"/>
+              <a:rPr lang="es-ES"/>
               <a:t>Haga clic para modificar el estilo de subtítulo del patrón</a:t>
             </a:r>
             <a:endParaRPr lang="es-CO"/>
@@ -781,7 +795,7 @@
           <a:p>
             <a:fld id="{8420CBD6-5596-4E2D-AED7-913B4E08C409}" type="datetimeFigureOut">
               <a:rPr lang="es-CO" smtClean="0"/>
-              <a:t>6/02/2019</a:t>
+              <a:t>17/02/2019</a:t>
             </a:fld>
             <a:endParaRPr lang="es-CO"/>
           </a:p>
@@ -875,7 +889,7 @@
           <a:lstStyle/>
           <a:p>
             <a:r>
-              <a:rPr lang="es-ES" smtClean="0"/>
+              <a:rPr lang="es-ES"/>
               <a:t>Haga clic para modificar el estilo de título del patrón</a:t>
             </a:r>
             <a:endParaRPr lang="es-CO"/>
@@ -899,35 +913,35 @@
           <a:p>
             <a:pPr lvl="0"/>
             <a:r>
-              <a:rPr lang="es-ES" smtClean="0"/>
+              <a:rPr lang="es-ES"/>
               <a:t>Haga clic para modificar el estilo de texto del patrón</a:t>
             </a:r>
           </a:p>
           <a:p>
             <a:pPr lvl="1"/>
             <a:r>
-              <a:rPr lang="es-ES" smtClean="0"/>
+              <a:rPr lang="es-ES"/>
               <a:t>Segundo nivel</a:t>
             </a:r>
           </a:p>
           <a:p>
             <a:pPr lvl="2"/>
             <a:r>
-              <a:rPr lang="es-ES" smtClean="0"/>
+              <a:rPr lang="es-ES"/>
               <a:t>Tercer nivel</a:t>
             </a:r>
           </a:p>
           <a:p>
             <a:pPr lvl="3"/>
             <a:r>
-              <a:rPr lang="es-ES" smtClean="0"/>
+              <a:rPr lang="es-ES"/>
               <a:t>Cuarto nivel</a:t>
             </a:r>
           </a:p>
           <a:p>
             <a:pPr lvl="4"/>
             <a:r>
-              <a:rPr lang="es-ES" smtClean="0"/>
+              <a:rPr lang="es-ES"/>
               <a:t>Quinto nivel</a:t>
             </a:r>
             <a:endParaRPr lang="es-CO"/>
@@ -951,7 +965,7 @@
           <a:p>
             <a:fld id="{8420CBD6-5596-4E2D-AED7-913B4E08C409}" type="datetimeFigureOut">
               <a:rPr lang="es-CO" smtClean="0"/>
-              <a:t>6/02/2019</a:t>
+              <a:t>17/02/2019</a:t>
             </a:fld>
             <a:endParaRPr lang="es-CO"/>
           </a:p>
@@ -1050,7 +1064,7 @@
           <a:lstStyle/>
           <a:p>
             <a:r>
-              <a:rPr lang="es-ES" smtClean="0"/>
+              <a:rPr lang="es-ES"/>
               <a:t>Haga clic para modificar el estilo de título del patrón</a:t>
             </a:r>
             <a:endParaRPr lang="es-CO"/>
@@ -1079,35 +1093,35 @@
           <a:p>
             <a:pPr lvl="0"/>
             <a:r>
-              <a:rPr lang="es-ES" smtClean="0"/>
+              <a:rPr lang="es-ES"/>
               <a:t>Haga clic para modificar el estilo de texto del patrón</a:t>
             </a:r>
           </a:p>
           <a:p>
             <a:pPr lvl="1"/>
             <a:r>
-              <a:rPr lang="es-ES" smtClean="0"/>
+              <a:rPr lang="es-ES"/>
               <a:t>Segundo nivel</a:t>
             </a:r>
           </a:p>
           <a:p>
             <a:pPr lvl="2"/>
             <a:r>
-              <a:rPr lang="es-ES" smtClean="0"/>
+              <a:rPr lang="es-ES"/>
               <a:t>Tercer nivel</a:t>
             </a:r>
           </a:p>
           <a:p>
             <a:pPr lvl="3"/>
             <a:r>
-              <a:rPr lang="es-ES" smtClean="0"/>
+              <a:rPr lang="es-ES"/>
               <a:t>Cuarto nivel</a:t>
             </a:r>
           </a:p>
           <a:p>
             <a:pPr lvl="4"/>
             <a:r>
-              <a:rPr lang="es-ES" smtClean="0"/>
+              <a:rPr lang="es-ES"/>
               <a:t>Quinto nivel</a:t>
             </a:r>
             <a:endParaRPr lang="es-CO"/>
@@ -1131,7 +1145,7 @@
           <a:p>
             <a:fld id="{8420CBD6-5596-4E2D-AED7-913B4E08C409}" type="datetimeFigureOut">
               <a:rPr lang="es-CO" smtClean="0"/>
-              <a:t>6/02/2019</a:t>
+              <a:t>17/02/2019</a:t>
             </a:fld>
             <a:endParaRPr lang="es-CO"/>
           </a:p>
@@ -1225,7 +1239,7 @@
           <a:lstStyle/>
           <a:p>
             <a:r>
-              <a:rPr lang="es-ES" smtClean="0"/>
+              <a:rPr lang="es-ES"/>
               <a:t>Haga clic para modificar el estilo de título del patrón</a:t>
             </a:r>
             <a:endParaRPr lang="es-CO"/>
@@ -1249,35 +1263,35 @@
           <a:p>
             <a:pPr lvl="0"/>
             <a:r>
-              <a:rPr lang="es-ES" smtClean="0"/>
+              <a:rPr lang="es-ES"/>
               <a:t>Haga clic para modificar el estilo de texto del patrón</a:t>
             </a:r>
           </a:p>
           <a:p>
             <a:pPr lvl="1"/>
             <a:r>
-              <a:rPr lang="es-ES" smtClean="0"/>
+              <a:rPr lang="es-ES"/>
               <a:t>Segundo nivel</a:t>
             </a:r>
           </a:p>
           <a:p>
             <a:pPr lvl="2"/>
             <a:r>
-              <a:rPr lang="es-ES" smtClean="0"/>
+              <a:rPr lang="es-ES"/>
               <a:t>Tercer nivel</a:t>
             </a:r>
           </a:p>
           <a:p>
             <a:pPr lvl="3"/>
             <a:r>
-              <a:rPr lang="es-ES" smtClean="0"/>
+              <a:rPr lang="es-ES"/>
               <a:t>Cuarto nivel</a:t>
             </a:r>
           </a:p>
           <a:p>
             <a:pPr lvl="4"/>
             <a:r>
-              <a:rPr lang="es-ES" smtClean="0"/>
+              <a:rPr lang="es-ES"/>
               <a:t>Quinto nivel</a:t>
             </a:r>
             <a:endParaRPr lang="es-CO"/>
@@ -1301,7 +1315,7 @@
           <a:p>
             <a:fld id="{8420CBD6-5596-4E2D-AED7-913B4E08C409}" type="datetimeFigureOut">
               <a:rPr lang="es-CO" smtClean="0"/>
-              <a:t>6/02/2019</a:t>
+              <a:t>17/02/2019</a:t>
             </a:fld>
             <a:endParaRPr lang="es-CO"/>
           </a:p>
@@ -1404,7 +1418,7 @@
           </a:lstStyle>
           <a:p>
             <a:r>
-              <a:rPr lang="es-ES" smtClean="0"/>
+              <a:rPr lang="es-ES"/>
               <a:t>Haga clic para modificar el estilo de título del patrón</a:t>
             </a:r>
             <a:endParaRPr lang="es-CO"/>
@@ -1524,7 +1538,7 @@
           <a:p>
             <a:pPr lvl="0"/>
             <a:r>
-              <a:rPr lang="es-ES" smtClean="0"/>
+              <a:rPr lang="es-ES"/>
               <a:t>Haga clic para modificar el estilo de texto del patrón</a:t>
             </a:r>
           </a:p>
@@ -1547,7 +1561,7 @@
           <a:p>
             <a:fld id="{8420CBD6-5596-4E2D-AED7-913B4E08C409}" type="datetimeFigureOut">
               <a:rPr lang="es-CO" smtClean="0"/>
-              <a:t>6/02/2019</a:t>
+              <a:t>17/02/2019</a:t>
             </a:fld>
             <a:endParaRPr lang="es-CO"/>
           </a:p>
@@ -1641,7 +1655,7 @@
           <a:lstStyle/>
           <a:p>
             <a:r>
-              <a:rPr lang="es-ES" smtClean="0"/>
+              <a:rPr lang="es-ES"/>
               <a:t>Haga clic para modificar el estilo de título del patrón</a:t>
             </a:r>
             <a:endParaRPr lang="es-CO"/>
@@ -1698,35 +1712,35 @@
           <a:p>
             <a:pPr lvl="0"/>
             <a:r>
-              <a:rPr lang="es-ES" smtClean="0"/>
+              <a:rPr lang="es-ES"/>
               <a:t>Haga clic para modificar el estilo de texto del patrón</a:t>
             </a:r>
           </a:p>
           <a:p>
             <a:pPr lvl="1"/>
             <a:r>
-              <a:rPr lang="es-ES" smtClean="0"/>
+              <a:rPr lang="es-ES"/>
               <a:t>Segundo nivel</a:t>
             </a:r>
           </a:p>
           <a:p>
             <a:pPr lvl="2"/>
             <a:r>
-              <a:rPr lang="es-ES" smtClean="0"/>
+              <a:rPr lang="es-ES"/>
               <a:t>Tercer nivel</a:t>
             </a:r>
           </a:p>
           <a:p>
             <a:pPr lvl="3"/>
             <a:r>
-              <a:rPr lang="es-ES" smtClean="0"/>
+              <a:rPr lang="es-ES"/>
               <a:t>Cuarto nivel</a:t>
             </a:r>
           </a:p>
           <a:p>
             <a:pPr lvl="4"/>
             <a:r>
-              <a:rPr lang="es-ES" smtClean="0"/>
+              <a:rPr lang="es-ES"/>
               <a:t>Quinto nivel</a:t>
             </a:r>
             <a:endParaRPr lang="es-CO"/>
@@ -1783,35 +1797,35 @@
           <a:p>
             <a:pPr lvl="0"/>
             <a:r>
-              <a:rPr lang="es-ES" smtClean="0"/>
+              <a:rPr lang="es-ES"/>
               <a:t>Haga clic para modificar el estilo de texto del patrón</a:t>
             </a:r>
           </a:p>
           <a:p>
             <a:pPr lvl="1"/>
             <a:r>
-              <a:rPr lang="es-ES" smtClean="0"/>
+              <a:rPr lang="es-ES"/>
               <a:t>Segundo nivel</a:t>
             </a:r>
           </a:p>
           <a:p>
             <a:pPr lvl="2"/>
             <a:r>
-              <a:rPr lang="es-ES" smtClean="0"/>
+              <a:rPr lang="es-ES"/>
               <a:t>Tercer nivel</a:t>
             </a:r>
           </a:p>
           <a:p>
             <a:pPr lvl="3"/>
             <a:r>
-              <a:rPr lang="es-ES" smtClean="0"/>
+              <a:rPr lang="es-ES"/>
               <a:t>Cuarto nivel</a:t>
             </a:r>
           </a:p>
           <a:p>
             <a:pPr lvl="4"/>
             <a:r>
-              <a:rPr lang="es-ES" smtClean="0"/>
+              <a:rPr lang="es-ES"/>
               <a:t>Quinto nivel</a:t>
             </a:r>
             <a:endParaRPr lang="es-CO"/>
@@ -1835,7 +1849,7 @@
           <a:p>
             <a:fld id="{8420CBD6-5596-4E2D-AED7-913B4E08C409}" type="datetimeFigureOut">
               <a:rPr lang="es-CO" smtClean="0"/>
-              <a:t>6/02/2019</a:t>
+              <a:t>17/02/2019</a:t>
             </a:fld>
             <a:endParaRPr lang="es-CO"/>
           </a:p>
@@ -1933,7 +1947,7 @@
           </a:lstStyle>
           <a:p>
             <a:r>
-              <a:rPr lang="es-ES" smtClean="0"/>
+              <a:rPr lang="es-ES"/>
               <a:t>Haga clic para modificar el estilo de título del patrón</a:t>
             </a:r>
             <a:endParaRPr lang="es-CO"/>
@@ -1999,7 +2013,7 @@
           <a:p>
             <a:pPr lvl="0"/>
             <a:r>
-              <a:rPr lang="es-ES" smtClean="0"/>
+              <a:rPr lang="es-ES"/>
               <a:t>Haga clic para modificar el estilo de texto del patrón</a:t>
             </a:r>
           </a:p>
@@ -2055,35 +2069,35 @@
           <a:p>
             <a:pPr lvl="0"/>
             <a:r>
-              <a:rPr lang="es-ES" smtClean="0"/>
+              <a:rPr lang="es-ES"/>
               <a:t>Haga clic para modificar el estilo de texto del patrón</a:t>
             </a:r>
           </a:p>
           <a:p>
             <a:pPr lvl="1"/>
             <a:r>
-              <a:rPr lang="es-ES" smtClean="0"/>
+              <a:rPr lang="es-ES"/>
               <a:t>Segundo nivel</a:t>
             </a:r>
           </a:p>
           <a:p>
             <a:pPr lvl="2"/>
             <a:r>
-              <a:rPr lang="es-ES" smtClean="0"/>
+              <a:rPr lang="es-ES"/>
               <a:t>Tercer nivel</a:t>
             </a:r>
           </a:p>
           <a:p>
             <a:pPr lvl="3"/>
             <a:r>
-              <a:rPr lang="es-ES" smtClean="0"/>
+              <a:rPr lang="es-ES"/>
               <a:t>Cuarto nivel</a:t>
             </a:r>
           </a:p>
           <a:p>
             <a:pPr lvl="4"/>
             <a:r>
-              <a:rPr lang="es-ES" smtClean="0"/>
+              <a:rPr lang="es-ES"/>
               <a:t>Quinto nivel</a:t>
             </a:r>
             <a:endParaRPr lang="es-CO"/>
@@ -2149,7 +2163,7 @@
           <a:p>
             <a:pPr lvl="0"/>
             <a:r>
-              <a:rPr lang="es-ES" smtClean="0"/>
+              <a:rPr lang="es-ES"/>
               <a:t>Haga clic para modificar el estilo de texto del patrón</a:t>
             </a:r>
           </a:p>
@@ -2205,35 +2219,35 @@
           <a:p>
             <a:pPr lvl="0"/>
             <a:r>
-              <a:rPr lang="es-ES" smtClean="0"/>
+              <a:rPr lang="es-ES"/>
               <a:t>Haga clic para modificar el estilo de texto del patrón</a:t>
             </a:r>
           </a:p>
           <a:p>
             <a:pPr lvl="1"/>
             <a:r>
-              <a:rPr lang="es-ES" smtClean="0"/>
+              <a:rPr lang="es-ES"/>
               <a:t>Segundo nivel</a:t>
             </a:r>
           </a:p>
           <a:p>
             <a:pPr lvl="2"/>
             <a:r>
-              <a:rPr lang="es-ES" smtClean="0"/>
+              <a:rPr lang="es-ES"/>
               <a:t>Tercer nivel</a:t>
             </a:r>
           </a:p>
           <a:p>
             <a:pPr lvl="3"/>
             <a:r>
-              <a:rPr lang="es-ES" smtClean="0"/>
+              <a:rPr lang="es-ES"/>
               <a:t>Cuarto nivel</a:t>
             </a:r>
           </a:p>
           <a:p>
             <a:pPr lvl="4"/>
             <a:r>
-              <a:rPr lang="es-ES" smtClean="0"/>
+              <a:rPr lang="es-ES"/>
               <a:t>Quinto nivel</a:t>
             </a:r>
             <a:endParaRPr lang="es-CO"/>
@@ -2257,7 +2271,7 @@
           <a:p>
             <a:fld id="{8420CBD6-5596-4E2D-AED7-913B4E08C409}" type="datetimeFigureOut">
               <a:rPr lang="es-CO" smtClean="0"/>
-              <a:t>6/02/2019</a:t>
+              <a:t>17/02/2019</a:t>
             </a:fld>
             <a:endParaRPr lang="es-CO"/>
           </a:p>
@@ -2351,7 +2365,7 @@
           <a:lstStyle/>
           <a:p>
             <a:r>
-              <a:rPr lang="es-ES" smtClean="0"/>
+              <a:rPr lang="es-ES"/>
               <a:t>Haga clic para modificar el estilo de título del patrón</a:t>
             </a:r>
             <a:endParaRPr lang="es-CO"/>
@@ -2375,7 +2389,7 @@
           <a:p>
             <a:fld id="{8420CBD6-5596-4E2D-AED7-913B4E08C409}" type="datetimeFigureOut">
               <a:rPr lang="es-CO" smtClean="0"/>
-              <a:t>6/02/2019</a:t>
+              <a:t>17/02/2019</a:t>
             </a:fld>
             <a:endParaRPr lang="es-CO"/>
           </a:p>
@@ -2470,7 +2484,7 @@
           <a:p>
             <a:fld id="{8420CBD6-5596-4E2D-AED7-913B4E08C409}" type="datetimeFigureOut">
               <a:rPr lang="es-CO" smtClean="0"/>
-              <a:t>6/02/2019</a:t>
+              <a:t>17/02/2019</a:t>
             </a:fld>
             <a:endParaRPr lang="es-CO"/>
           </a:p>
@@ -2573,7 +2587,7 @@
           </a:lstStyle>
           <a:p>
             <a:r>
-              <a:rPr lang="es-ES" smtClean="0"/>
+              <a:rPr lang="es-ES"/>
               <a:t>Haga clic para modificar el estilo de título del patrón</a:t>
             </a:r>
             <a:endParaRPr lang="es-CO"/>
@@ -2630,35 +2644,35 @@
           <a:p>
             <a:pPr lvl="0"/>
             <a:r>
-              <a:rPr lang="es-ES" smtClean="0"/>
+              <a:rPr lang="es-ES"/>
               <a:t>Haga clic para modificar el estilo de texto del patrón</a:t>
             </a:r>
           </a:p>
           <a:p>
             <a:pPr lvl="1"/>
             <a:r>
-              <a:rPr lang="es-ES" smtClean="0"/>
+              <a:rPr lang="es-ES"/>
               <a:t>Segundo nivel</a:t>
             </a:r>
           </a:p>
           <a:p>
             <a:pPr lvl="2"/>
             <a:r>
-              <a:rPr lang="es-ES" smtClean="0"/>
+              <a:rPr lang="es-ES"/>
               <a:t>Tercer nivel</a:t>
             </a:r>
           </a:p>
           <a:p>
             <a:pPr lvl="3"/>
             <a:r>
-              <a:rPr lang="es-ES" smtClean="0"/>
+              <a:rPr lang="es-ES"/>
               <a:t>Cuarto nivel</a:t>
             </a:r>
           </a:p>
           <a:p>
             <a:pPr lvl="4"/>
             <a:r>
-              <a:rPr lang="es-ES" smtClean="0"/>
+              <a:rPr lang="es-ES"/>
               <a:t>Quinto nivel</a:t>
             </a:r>
             <a:endParaRPr lang="es-CO"/>
@@ -2724,7 +2738,7 @@
           <a:p>
             <a:pPr lvl="0"/>
             <a:r>
-              <a:rPr lang="es-ES" smtClean="0"/>
+              <a:rPr lang="es-ES"/>
               <a:t>Haga clic para modificar el estilo de texto del patrón</a:t>
             </a:r>
           </a:p>
@@ -2747,7 +2761,7 @@
           <a:p>
             <a:fld id="{8420CBD6-5596-4E2D-AED7-913B4E08C409}" type="datetimeFigureOut">
               <a:rPr lang="es-CO" smtClean="0"/>
-              <a:t>6/02/2019</a:t>
+              <a:t>17/02/2019</a:t>
             </a:fld>
             <a:endParaRPr lang="es-CO"/>
           </a:p>
@@ -2850,7 +2864,7 @@
           </a:lstStyle>
           <a:p>
             <a:r>
-              <a:rPr lang="es-ES" smtClean="0"/>
+              <a:rPr lang="es-ES"/>
               <a:t>Haga clic para modificar el estilo de título del patrón</a:t>
             </a:r>
             <a:endParaRPr lang="es-CO"/>
@@ -2977,7 +2991,7 @@
           <a:p>
             <a:pPr lvl="0"/>
             <a:r>
-              <a:rPr lang="es-ES" smtClean="0"/>
+              <a:rPr lang="es-ES"/>
               <a:t>Haga clic para modificar el estilo de texto del patrón</a:t>
             </a:r>
           </a:p>
@@ -3000,7 +3014,7 @@
           <a:p>
             <a:fld id="{8420CBD6-5596-4E2D-AED7-913B4E08C409}" type="datetimeFigureOut">
               <a:rPr lang="es-CO" smtClean="0"/>
-              <a:t>6/02/2019</a:t>
+              <a:t>17/02/2019</a:t>
             </a:fld>
             <a:endParaRPr lang="es-CO"/>
           </a:p>
@@ -3109,7 +3123,7 @@
           <a:lstStyle/>
           <a:p>
             <a:r>
-              <a:rPr lang="es-ES" smtClean="0"/>
+              <a:rPr lang="es-ES"/>
               <a:t>Haga clic para modificar el estilo de título del patrón</a:t>
             </a:r>
             <a:endParaRPr lang="es-CO"/>
@@ -3143,35 +3157,35 @@
           <a:p>
             <a:pPr lvl="0"/>
             <a:r>
-              <a:rPr lang="es-ES" smtClean="0"/>
+              <a:rPr lang="es-ES"/>
               <a:t>Haga clic para modificar el estilo de texto del patrón</a:t>
             </a:r>
           </a:p>
           <a:p>
             <a:pPr lvl="1"/>
             <a:r>
-              <a:rPr lang="es-ES" smtClean="0"/>
+              <a:rPr lang="es-ES"/>
               <a:t>Segundo nivel</a:t>
             </a:r>
           </a:p>
           <a:p>
             <a:pPr lvl="2"/>
             <a:r>
-              <a:rPr lang="es-ES" smtClean="0"/>
+              <a:rPr lang="es-ES"/>
               <a:t>Tercer nivel</a:t>
             </a:r>
           </a:p>
           <a:p>
             <a:pPr lvl="3"/>
             <a:r>
-              <a:rPr lang="es-ES" smtClean="0"/>
+              <a:rPr lang="es-ES"/>
               <a:t>Cuarto nivel</a:t>
             </a:r>
           </a:p>
           <a:p>
             <a:pPr lvl="4"/>
             <a:r>
-              <a:rPr lang="es-ES" smtClean="0"/>
+              <a:rPr lang="es-ES"/>
               <a:t>Quinto nivel</a:t>
             </a:r>
             <a:endParaRPr lang="es-CO"/>
@@ -3213,7 +3227,7 @@
           <a:p>
             <a:fld id="{8420CBD6-5596-4E2D-AED7-913B4E08C409}" type="datetimeFigureOut">
               <a:rPr lang="es-CO" smtClean="0"/>
-              <a:t>6/02/2019</a:t>
+              <a:t>17/02/2019</a:t>
             </a:fld>
             <a:endParaRPr lang="es-CO"/>
           </a:p>
@@ -3604,10 +3618,9 @@
           <a:lstStyle/>
           <a:p>
             <a:r>
-              <a:rPr lang="es-CO" b="1" dirty="0" smtClean="0"/>
+              <a:rPr lang="es-CO" b="1" dirty="0"/>
               <a:t>Tamaños de muestra</a:t>
             </a:r>
-            <a:endParaRPr lang="es-CO" b="1" dirty="0"/>
           </a:p>
         </p:txBody>
       </p:sp>
@@ -3627,10 +3640,9 @@
           <a:lstStyle/>
           <a:p>
             <a:r>
-              <a:rPr lang="es-CO" dirty="0" smtClean="0"/>
+              <a:rPr lang="es-CO" dirty="0"/>
               <a:t>Johanna Trochez </a:t>
             </a:r>
-            <a:endParaRPr lang="es-CO" dirty="0"/>
           </a:p>
         </p:txBody>
       </p:sp>
@@ -3644,13 +3656,6 @@
   <p:clrMapOvr>
     <a:masterClrMapping/>
   </p:clrMapOvr>
-  <p:timing>
-    <p:tnLst>
-      <p:par>
-        <p:cTn id="1" dur="indefinite" restart="never" nodeType="tmRoot"/>
-      </p:par>
-    </p:tnLst>
-  </p:timing>
 </p:sld>
 </file>
 
@@ -3726,13 +3731,6 @@
   <p:clrMapOvr>
     <a:masterClrMapping/>
   </p:clrMapOvr>
-  <p:timing>
-    <p:tnLst>
-      <p:par>
-        <p:cTn id="1" dur="indefinite" restart="never" nodeType="tmRoot"/>
-      </p:par>
-    </p:tnLst>
-  </p:timing>
 </p:sld>
 </file>
 
@@ -3808,13 +3806,6 @@
   <p:clrMapOvr>
     <a:masterClrMapping/>
   </p:clrMapOvr>
-  <p:timing>
-    <p:tnLst>
-      <p:par>
-        <p:cTn id="1" dur="indefinite" restart="never" nodeType="tmRoot"/>
-      </p:par>
-    </p:tnLst>
-  </p:timing>
 </p:sld>
 </file>
 
@@ -3890,13 +3881,6 @@
   <p:clrMapOvr>
     <a:masterClrMapping/>
   </p:clrMapOvr>
-  <p:timing>
-    <p:tnLst>
-      <p:par>
-        <p:cTn id="1" dur="indefinite" restart="never" nodeType="tmRoot"/>
-      </p:par>
-    </p:tnLst>
-  </p:timing>
 </p:sld>
 </file>
 
@@ -3939,15 +3923,11 @@
           </a:bodyPr>
           <a:lstStyle/>
           <a:p>
-            <a:r>
-              <a:rPr lang="es-CO" b="1" dirty="0" smtClean="0"/>
-              <a:t/>
-            </a:r>
             <a:br>
-              <a:rPr lang="es-CO" b="1" dirty="0" smtClean="0"/>
+              <a:rPr lang="es-CO" b="1" dirty="0"/>
             </a:br>
             <a:r>
-              <a:rPr lang="es-CO" b="1" dirty="0" smtClean="0">
+              <a:rPr lang="es-CO" b="1" dirty="0">
                 <a:solidFill>
                   <a:schemeClr val="tx2">
                     <a:lumMod val="60000"/>
@@ -3956,55 +3936,6 @@
                 </a:solidFill>
               </a:rPr>
               <a:t>Estadística</a:t>
-            </a:r>
-            <a:br>
-              <a:rPr lang="es-CO" b="1" dirty="0" smtClean="0">
-                <a:solidFill>
-                  <a:schemeClr val="tx2">
-                    <a:lumMod val="60000"/>
-                    <a:lumOff val="40000"/>
-                  </a:schemeClr>
-                </a:solidFill>
-              </a:rPr>
-            </a:br>
-            <a:r>
-              <a:rPr lang="es-CO" b="1" dirty="0" smtClean="0">
-                <a:solidFill>
-                  <a:schemeClr val="tx2">
-                    <a:lumMod val="60000"/>
-                    <a:lumOff val="40000"/>
-                  </a:schemeClr>
-                </a:solidFill>
-              </a:rPr>
-              <a:t/>
-            </a:r>
-            <a:br>
-              <a:rPr lang="es-CO" b="1" dirty="0" smtClean="0">
-                <a:solidFill>
-                  <a:schemeClr val="tx2">
-                    <a:lumMod val="60000"/>
-                    <a:lumOff val="40000"/>
-                  </a:schemeClr>
-                </a:solidFill>
-              </a:rPr>
-            </a:br>
-            <a:r>
-              <a:rPr lang="es-CO" sz="3100" dirty="0" smtClean="0"/>
-              <a:t>Dos conceptos fundamentales: muestra y población</a:t>
-            </a:r>
-            <a:br>
-              <a:rPr lang="es-CO" sz="3100" dirty="0" smtClean="0"/>
-            </a:br>
-            <a:r>
-              <a:rPr lang="es-CO" b="1" dirty="0">
-                <a:solidFill>
-                  <a:schemeClr val="tx2">
-                    <a:lumMod val="60000"/>
-                    <a:lumOff val="40000"/>
-                  </a:schemeClr>
-                </a:solidFill>
-              </a:rPr>
-              <a:t/>
             </a:r>
             <a:br>
               <a:rPr lang="es-CO" b="1" dirty="0">
@@ -4016,50 +3947,8 @@
                 </a:solidFill>
               </a:rPr>
             </a:br>
-            <a:r>
-              <a:rPr lang="es-CO" b="1" dirty="0" smtClean="0"/>
-              <a:t/>
-            </a:r>
             <a:br>
-              <a:rPr lang="es-CO" b="1" dirty="0" smtClean="0"/>
-            </a:br>
-            <a:endParaRPr lang="es-CO" dirty="0"/>
-          </a:p>
-        </p:txBody>
-      </p:sp>
-      <p:sp>
-        <p:nvSpPr>
-          <p:cNvPr id="3" name="2 Marcador de contenido"/>
-          <p:cNvSpPr>
-            <a:spLocks noGrp="1"/>
-          </p:cNvSpPr>
-          <p:nvPr>
-            <p:ph idx="1"/>
-          </p:nvPr>
-        </p:nvSpPr>
-        <p:spPr>
-          <a:xfrm>
-            <a:off x="323528" y="1859259"/>
-            <a:ext cx="4162360" cy="4525963"/>
-          </a:xfrm>
-        </p:spPr>
-        <p:txBody>
-          <a:bodyPr>
-            <a:normAutofit/>
-          </a:bodyPr>
-          <a:lstStyle/>
-          <a:p>
-            <a:pPr marL="0" indent="0" algn="just">
-              <a:buNone/>
-            </a:pPr>
-            <a:endParaRPr lang="es-CO" dirty="0"/>
-          </a:p>
-          <a:p>
-            <a:pPr marL="0" indent="0" algn="just">
-              <a:buNone/>
-            </a:pPr>
-            <a:r>
-              <a:rPr lang="es-CO" sz="2400" b="1" dirty="0" smtClean="0">
+              <a:rPr lang="es-CO" b="1" dirty="0">
                 <a:solidFill>
                   <a:schemeClr val="tx2">
                     <a:lumMod val="60000"/>
@@ -4067,41 +3956,16 @@
                   </a:schemeClr>
                 </a:solidFill>
               </a:rPr>
-              <a:t>Población:</a:t>
-            </a:r>
-            <a:r>
-              <a:rPr lang="es-CO" sz="2400" b="1" dirty="0" smtClean="0"/>
-              <a:t> </a:t>
-            </a:r>
-            <a:r>
-              <a:rPr lang="es-CO" sz="2400" dirty="0"/>
-              <a:t>conjunto </a:t>
-            </a:r>
-            <a:r>
-              <a:rPr lang="es-CO" sz="2400" dirty="0" smtClean="0"/>
-              <a:t>de elementos </a:t>
-            </a:r>
-            <a:r>
-              <a:rPr lang="es-CO" sz="2400" dirty="0"/>
-              <a:t>sobre los que queremos hacer </a:t>
-            </a:r>
-            <a:r>
-              <a:rPr lang="es-CO" sz="2400" dirty="0" smtClean="0"/>
-              <a:t>afirmaciones</a:t>
-            </a:r>
-          </a:p>
-          <a:p>
-            <a:pPr marL="0" indent="0" algn="just">
-              <a:buNone/>
-            </a:pPr>
-            <a:endParaRPr lang="es-CO" sz="2400" dirty="0"/>
-          </a:p>
-          <a:p>
-            <a:pPr marL="0" indent="0" algn="just">
-              <a:buNone/>
-            </a:pPr>
-            <a:r>
-              <a:rPr lang="es-CO" sz="2400" b="1" dirty="0" smtClean="0">
+            </a:br>
+            <a:r>
+              <a:rPr lang="es-CO" sz="3100" dirty="0"/>
+              <a:t>Dos conceptos fundamentales: muestra y población</a:t>
+            </a:r>
+            <a:br>
+              <a:rPr lang="es-CO" sz="3100" dirty="0"/>
+            </a:br>
+            <a:br>
+              <a:rPr lang="es-CO" b="1" dirty="0">
                 <a:solidFill>
                   <a:schemeClr val="tx2">
                     <a:lumMod val="60000"/>
@@ -4109,8 +3973,45 @@
                   </a:schemeClr>
                 </a:solidFill>
               </a:rPr>
-              <a:t>Muestra</a:t>
-            </a:r>
+            </a:br>
+            <a:br>
+              <a:rPr lang="es-CO" b="1" dirty="0"/>
+            </a:br>
+            <a:endParaRPr lang="es-CO" dirty="0"/>
+          </a:p>
+        </p:txBody>
+      </p:sp>
+      <p:sp>
+        <p:nvSpPr>
+          <p:cNvPr id="3" name="2 Marcador de contenido"/>
+          <p:cNvSpPr>
+            <a:spLocks noGrp="1"/>
+          </p:cNvSpPr>
+          <p:nvPr>
+            <p:ph idx="1"/>
+          </p:nvPr>
+        </p:nvSpPr>
+        <p:spPr>
+          <a:xfrm>
+            <a:off x="323528" y="1859259"/>
+            <a:ext cx="4162360" cy="4525963"/>
+          </a:xfrm>
+        </p:spPr>
+        <p:txBody>
+          <a:bodyPr>
+            <a:normAutofit/>
+          </a:bodyPr>
+          <a:lstStyle/>
+          <a:p>
+            <a:pPr marL="0" indent="0" algn="just">
+              <a:buNone/>
+            </a:pPr>
+            <a:endParaRPr lang="es-CO" dirty="0"/>
+          </a:p>
+          <a:p>
+            <a:pPr marL="0" indent="0" algn="just">
+              <a:buNone/>
+            </a:pPr>
             <a:r>
               <a:rPr lang="es-CO" sz="2400" b="1" dirty="0">
                 <a:solidFill>
@@ -4120,7 +4021,7 @@
                   </a:schemeClr>
                 </a:solidFill>
               </a:rPr>
-              <a:t>:</a:t>
+              <a:t>Población objetivo:</a:t>
             </a:r>
             <a:r>
               <a:rPr lang="es-CO" sz="2400" b="1" dirty="0"/>
@@ -4128,15 +4029,37 @@
             </a:r>
             <a:r>
               <a:rPr lang="es-CO" sz="2400" dirty="0"/>
-              <a:t>subconjunto de la población que se </a:t>
-            </a:r>
-            <a:r>
-              <a:rPr lang="es-CO" sz="2400" dirty="0" smtClean="0"/>
-              <a:t>extrae para </a:t>
+              <a:t>conjunto de elementos sobre los que queremos hacer afirmaciones</a:t>
+            </a:r>
+          </a:p>
+          <a:p>
+            <a:pPr marL="0" indent="0" algn="just">
+              <a:buNone/>
+            </a:pPr>
+            <a:endParaRPr lang="es-CO" sz="2400" dirty="0"/>
+          </a:p>
+          <a:p>
+            <a:pPr marL="0" indent="0" algn="just">
+              <a:buNone/>
+            </a:pPr>
+            <a:r>
+              <a:rPr lang="es-CO" sz="2400" b="1" dirty="0">
+                <a:solidFill>
+                  <a:schemeClr val="tx2">
+                    <a:lumMod val="60000"/>
+                    <a:lumOff val="40000"/>
+                  </a:schemeClr>
+                </a:solidFill>
+              </a:rPr>
+              <a:t>Muestra:</a:t>
+            </a:r>
+            <a:r>
+              <a:rPr lang="es-CO" sz="2400" b="1" dirty="0"/>
+              <a:t> </a:t>
             </a:r>
             <a:r>
               <a:rPr lang="es-CO" sz="2400" dirty="0"/>
-              <a:t>ser estudiado</a:t>
+              <a:t>subconjunto de la población que se extrae para ser estudiado</a:t>
             </a:r>
           </a:p>
         </p:txBody>
@@ -4251,7 +4174,7 @@
           <a:lstStyle/>
           <a:p>
             <a:r>
-              <a:rPr lang="es-CO" b="1" dirty="0" smtClean="0">
+              <a:rPr lang="es-CO" b="1" dirty="0">
                 <a:solidFill>
                   <a:schemeClr val="tx2">
                     <a:lumMod val="60000"/>
@@ -4261,14 +4184,6 @@
               </a:rPr>
               <a:t>¿Porqué una muestra?</a:t>
             </a:r>
-            <a:endParaRPr lang="es-CO" b="1" dirty="0">
-              <a:solidFill>
-                <a:schemeClr val="tx2">
-                  <a:lumMod val="60000"/>
-                  <a:lumOff val="40000"/>
-                </a:schemeClr>
-              </a:solidFill>
-            </a:endParaRPr>
           </a:p>
         </p:txBody>
       </p:sp>
@@ -4291,28 +4206,16 @@
               <a:buNone/>
             </a:pPr>
             <a:r>
-              <a:rPr lang="es-CO" dirty="0" smtClean="0"/>
-              <a:t>Imposibilidad </a:t>
-            </a:r>
-            <a:r>
               <a:rPr lang="es-CO" dirty="0"/>
-              <a:t>o costo excesivo de realizar un </a:t>
+              <a:t>Imposibilidad o costo excesivo de realizar un </a:t>
             </a:r>
             <a:r>
               <a:rPr lang="es-CO" b="1" dirty="0"/>
               <a:t>censo </a:t>
             </a:r>
             <a:r>
-              <a:rPr lang="es-CO" dirty="0" smtClean="0"/>
-              <a:t>en que </a:t>
-            </a:r>
-            <a:r>
               <a:rPr lang="es-CO" dirty="0"/>
-              <a:t>se mide toda la </a:t>
-            </a:r>
-            <a:r>
-              <a:rPr lang="es-CO" dirty="0" smtClean="0"/>
-              <a:t>población.</a:t>
+              <a:t>en que se mide toda la población.</a:t>
             </a:r>
           </a:p>
           <a:p>
@@ -4379,7 +4282,7 @@
           <a:lstStyle/>
           <a:p>
             <a:r>
-              <a:rPr lang="es-CO" b="1" dirty="0" smtClean="0">
+              <a:rPr lang="es-CO" b="1" dirty="0">
                 <a:solidFill>
                   <a:schemeClr val="tx2">
                     <a:lumMod val="60000"/>
@@ -4390,7 +4293,7 @@
               <a:t>Herramientas con dos </a:t>
             </a:r>
             <a:br>
-              <a:rPr lang="es-CO" b="1" dirty="0" smtClean="0">
+              <a:rPr lang="es-CO" b="1" dirty="0">
                 <a:solidFill>
                   <a:schemeClr val="tx2">
                     <a:lumMod val="60000"/>
@@ -4400,7 +4303,7 @@
               </a:rPr>
             </a:br>
             <a:r>
-              <a:rPr lang="es-CO" b="1" dirty="0" smtClean="0">
+              <a:rPr lang="es-CO" b="1" dirty="0">
                 <a:solidFill>
                   <a:schemeClr val="tx2">
                     <a:lumMod val="60000"/>
@@ -4410,12 +4313,8 @@
               </a:rPr>
               <a:t>Objetivos Básicos</a:t>
             </a:r>
-            <a:r>
-              <a:rPr lang="es-CO" dirty="0" smtClean="0"/>
-              <a:t/>
-            </a:r>
             <a:br>
-              <a:rPr lang="es-CO" dirty="0" smtClean="0"/>
+              <a:rPr lang="es-CO" dirty="0"/>
             </a:br>
             <a:endParaRPr lang="es-CO" dirty="0"/>
           </a:p>
@@ -4443,27 +4342,19 @@
           </a:bodyPr>
           <a:lstStyle/>
           <a:p>
-            <a:endParaRPr lang="es-CO" dirty="0" smtClean="0"/>
+            <a:endParaRPr lang="es-CO" dirty="0"/>
           </a:p>
           <a:p>
             <a:pPr marL="0" indent="0" algn="just">
               <a:buNone/>
             </a:pPr>
             <a:r>
-              <a:rPr lang="es-CO" sz="7000" dirty="0" smtClean="0"/>
-              <a:t>Describir </a:t>
-            </a:r>
-            <a:r>
               <a:rPr lang="es-CO" sz="7000" dirty="0"/>
-              <a:t>la muestra: </a:t>
+              <a:t>Describir la muestra: </a:t>
             </a:r>
             <a:r>
               <a:rPr lang="es-CO" sz="7000" b="1" dirty="0"/>
-              <a:t>Estadística </a:t>
-            </a:r>
-            <a:r>
-              <a:rPr lang="es-CO" sz="7000" b="1" dirty="0" smtClean="0"/>
-              <a:t>Descriptiva</a:t>
+              <a:t>Estadística Descriptiva</a:t>
             </a:r>
           </a:p>
           <a:p>
@@ -4477,46 +4368,30 @@
               <a:buNone/>
             </a:pPr>
             <a:r>
-              <a:rPr lang="es-CO" sz="7000" dirty="0" smtClean="0"/>
-              <a:t>Obtener </a:t>
-            </a:r>
-            <a:r>
               <a:rPr lang="es-CO" sz="7000" dirty="0"/>
-              <a:t>conclusiones de la población a partir de </a:t>
-            </a:r>
-            <a:r>
-              <a:rPr lang="es-CO" sz="7000" dirty="0" smtClean="0"/>
-              <a:t>la muestra</a:t>
-            </a:r>
-            <a:r>
-              <a:rPr lang="es-CO" sz="7000" dirty="0"/>
-              <a:t>: </a:t>
+              <a:t>Obtener conclusiones de la población a partir de la muestra: </a:t>
             </a:r>
             <a:r>
               <a:rPr lang="es-CO" sz="7000" b="1" dirty="0"/>
-              <a:t>Inferencia Estadística</a:t>
-            </a:r>
-            <a:r>
-              <a:rPr lang="es-CO" sz="7000" b="1" dirty="0" smtClean="0"/>
-              <a:t>.</a:t>
+              <a:t>Inferencia Estadística.</a:t>
             </a:r>
           </a:p>
           <a:p>
             <a:pPr marL="0" indent="0" algn="just">
               <a:buNone/>
             </a:pPr>
-            <a:endParaRPr lang="es-CO" sz="7000" b="1" dirty="0" smtClean="0"/>
+            <a:endParaRPr lang="es-CO" sz="7000" b="1" dirty="0"/>
           </a:p>
           <a:p>
             <a:pPr marL="0" indent="0" algn="just">
               <a:buNone/>
             </a:pPr>
             <a:r>
-              <a:rPr lang="es-CO" sz="7000" b="1" dirty="0" smtClean="0"/>
+              <a:rPr lang="es-CO" sz="7000" b="1" dirty="0"/>
               <a:t>Parámetro: </a:t>
             </a:r>
             <a:r>
-              <a:rPr lang="es-CO" sz="7000" dirty="0" smtClean="0"/>
+              <a:rPr lang="es-CO" sz="7000" dirty="0"/>
               <a:t>número derivado del estudio de una variable estadística de toda una población.</a:t>
             </a:r>
           </a:p>
@@ -4524,18 +4399,18 @@
             <a:pPr marL="0" indent="0" algn="just">
               <a:buNone/>
             </a:pPr>
-            <a:endParaRPr lang="es-CO" sz="7000" dirty="0" smtClean="0"/>
+            <a:endParaRPr lang="es-CO" sz="7000" dirty="0"/>
           </a:p>
           <a:p>
             <a:pPr marL="0" indent="0" algn="just">
               <a:buNone/>
             </a:pPr>
             <a:r>
-              <a:rPr lang="es-CO" sz="7000" b="1" dirty="0" smtClean="0"/>
+              <a:rPr lang="es-CO" sz="7000" b="1" dirty="0"/>
               <a:t>Estadístico:</a:t>
             </a:r>
             <a:r>
-              <a:rPr lang="es-CO" sz="7000" dirty="0" smtClean="0"/>
+              <a:rPr lang="es-CO" sz="7000" dirty="0"/>
               <a:t> Medida de resumen numérica que se calcula a partir de la muestra</a:t>
             </a:r>
           </a:p>
@@ -4544,10 +4419,9 @@
               <a:buNone/>
             </a:pPr>
             <a:r>
-              <a:rPr lang="es-CO" b="1" dirty="0" smtClean="0"/>
+              <a:rPr lang="es-CO" b="1" dirty="0"/>
               <a:t> </a:t>
             </a:r>
-            <a:endParaRPr lang="es-CO" b="1" dirty="0"/>
           </a:p>
         </p:txBody>
       </p:sp>
@@ -4583,6 +4457,191 @@
       </p:grpSpPr>
       <p:sp>
         <p:nvSpPr>
+          <p:cNvPr id="2" name="Título 1">
+            <a:extLst>
+              <a:ext uri="{FF2B5EF4-FFF2-40B4-BE49-F238E27FC236}">
+                <a16:creationId xmlns:a16="http://schemas.microsoft.com/office/drawing/2014/main" id="{58F3F421-3DA2-4709-A428-3E886A0AD7B3}"/>
+              </a:ext>
+            </a:extLst>
+          </p:cNvPr>
+          <p:cNvSpPr>
+            <a:spLocks noGrp="1"/>
+          </p:cNvSpPr>
+          <p:nvPr>
+            <p:ph type="title"/>
+          </p:nvPr>
+        </p:nvSpPr>
+        <p:spPr/>
+        <p:txBody>
+          <a:bodyPr>
+            <a:normAutofit/>
+          </a:bodyPr>
+          <a:lstStyle/>
+          <a:p>
+            <a:r>
+              <a:rPr lang="es-MX" sz="5400" b="1" dirty="0">
+                <a:solidFill>
+                  <a:schemeClr val="tx2">
+                    <a:lumMod val="60000"/>
+                    <a:lumOff val="40000"/>
+                  </a:schemeClr>
+                </a:solidFill>
+                <a:latin typeface="+mn-lt"/>
+                <a:ea typeface="+mn-ea"/>
+                <a:cs typeface="+mn-cs"/>
+              </a:rPr>
+              <a:t>Definiciones </a:t>
+            </a:r>
+            <a:endParaRPr lang="es-CO" sz="5400" b="1" dirty="0">
+              <a:solidFill>
+                <a:schemeClr val="tx2">
+                  <a:lumMod val="60000"/>
+                  <a:lumOff val="40000"/>
+                </a:schemeClr>
+              </a:solidFill>
+              <a:latin typeface="+mn-lt"/>
+              <a:ea typeface="+mn-ea"/>
+              <a:cs typeface="+mn-cs"/>
+            </a:endParaRPr>
+          </a:p>
+        </p:txBody>
+      </p:sp>
+      <p:sp>
+        <p:nvSpPr>
+          <p:cNvPr id="3" name="Marcador de contenido 2">
+            <a:extLst>
+              <a:ext uri="{FF2B5EF4-FFF2-40B4-BE49-F238E27FC236}">
+                <a16:creationId xmlns:a16="http://schemas.microsoft.com/office/drawing/2014/main" id="{9F36FB2C-822E-4268-801E-C74A67C3B3D0}"/>
+              </a:ext>
+            </a:extLst>
+          </p:cNvPr>
+          <p:cNvSpPr>
+            <a:spLocks noGrp="1"/>
+          </p:cNvSpPr>
+          <p:nvPr>
+            <p:ph idx="1"/>
+          </p:nvPr>
+        </p:nvSpPr>
+        <p:spPr/>
+        <p:txBody>
+          <a:bodyPr/>
+          <a:lstStyle/>
+          <a:p>
+            <a:pPr algn="just"/>
+            <a:r>
+              <a:rPr lang="es-MX" sz="2400" b="1" dirty="0">
+                <a:solidFill>
+                  <a:schemeClr val="tx2">
+                    <a:lumMod val="60000"/>
+                    <a:lumOff val="40000"/>
+                  </a:schemeClr>
+                </a:solidFill>
+              </a:rPr>
+              <a:t>Elemento y Unidad de observación: </a:t>
+            </a:r>
+            <a:r>
+              <a:rPr lang="es-MX" sz="2400" dirty="0"/>
+              <a:t>Objeto sobre el cual se realiza una medición. En poblaciones humanas las unidades de observación son los humanos.</a:t>
+            </a:r>
+          </a:p>
+          <a:p>
+            <a:pPr algn="just"/>
+            <a:r>
+              <a:rPr lang="es-MX" sz="2400" b="1" dirty="0">
+                <a:solidFill>
+                  <a:schemeClr val="tx2">
+                    <a:lumMod val="60000"/>
+                    <a:lumOff val="40000"/>
+                  </a:schemeClr>
+                </a:solidFill>
+              </a:rPr>
+              <a:t>Unidad de muestreo: </a:t>
+            </a:r>
+            <a:r>
+              <a:rPr lang="es-MX" sz="2400" dirty="0"/>
+              <a:t>Unidad donde realizamos el muestreo</a:t>
+            </a:r>
+          </a:p>
+          <a:p>
+            <a:pPr algn="just"/>
+            <a:r>
+              <a:rPr lang="es-MX" sz="2400" b="1" dirty="0">
+                <a:solidFill>
+                  <a:schemeClr val="tx2">
+                    <a:lumMod val="60000"/>
+                    <a:lumOff val="40000"/>
+                  </a:schemeClr>
+                </a:solidFill>
+              </a:rPr>
+              <a:t>Marco de muestreo: </a:t>
+            </a:r>
+            <a:r>
+              <a:rPr lang="es-MX" sz="2400" dirty="0"/>
+              <a:t>Lista de las unidades de muestreo</a:t>
+            </a:r>
+          </a:p>
+          <a:p>
+            <a:pPr algn="just"/>
+            <a:endParaRPr lang="es-MX" sz="2400" dirty="0"/>
+          </a:p>
+          <a:p>
+            <a:pPr algn="just"/>
+            <a:r>
+              <a:rPr lang="es-MX" sz="2400" dirty="0"/>
+              <a:t>Podríamos estudiar personas pero no tenemos la lista de todos los individuos que pertenecen a la población objetivo.</a:t>
+            </a:r>
+          </a:p>
+          <a:p>
+            <a:pPr algn="just"/>
+            <a:r>
+              <a:rPr lang="es-MX" sz="2400" dirty="0"/>
+              <a:t>Las familias sirven como unidades de muestreo y las unidades de observación son los individuos que viven en una familia  </a:t>
+            </a:r>
+          </a:p>
+          <a:p>
+            <a:endParaRPr lang="es-CO" sz="2400" b="1" dirty="0">
+              <a:solidFill>
+                <a:schemeClr val="tx2">
+                  <a:lumMod val="60000"/>
+                  <a:lumOff val="40000"/>
+                </a:schemeClr>
+              </a:solidFill>
+            </a:endParaRPr>
+          </a:p>
+        </p:txBody>
+      </p:sp>
+    </p:spTree>
+    <p:extLst>
+      <p:ext uri="{BB962C8B-B14F-4D97-AF65-F5344CB8AC3E}">
+        <p14:creationId xmlns:p14="http://schemas.microsoft.com/office/powerpoint/2010/main" val="1620886589"/>
+      </p:ext>
+    </p:extLst>
+  </p:cSld>
+  <p:clrMapOvr>
+    <a:masterClrMapping/>
+  </p:clrMapOvr>
+</p:sld>
+</file>
+
+<file path=ppt/slides/slide17.xml><?xml version="1.0" encoding="utf-8"?>
+<p:sld xmlns:a="http://schemas.openxmlformats.org/drawingml/2006/main" xmlns:r="http://schemas.openxmlformats.org/officeDocument/2006/relationships" xmlns:p="http://schemas.openxmlformats.org/presentationml/2006/main">
+  <p:cSld>
+    <p:spTree>
+      <p:nvGrpSpPr>
+        <p:cNvPr id="1" name=""/>
+        <p:cNvGrpSpPr/>
+        <p:nvPr/>
+      </p:nvGrpSpPr>
+      <p:grpSpPr>
+        <a:xfrm>
+          <a:off x="0" y="0"/>
+          <a:ext cx="0" cy="0"/>
+          <a:chOff x="0" y="0"/>
+          <a:chExt cx="0" cy="0"/>
+        </a:xfrm>
+      </p:grpSpPr>
+      <p:sp>
+        <p:nvSpPr>
           <p:cNvPr id="2" name="1 Título"/>
           <p:cNvSpPr>
             <a:spLocks noGrp="1"/>
@@ -4607,50 +4666,13 @@
               <a:t>¿</a:t>
             </a:r>
             <a:r>
-              <a:rPr lang="es-CO" sz="3600" b="1" dirty="0" smtClean="0">
-                <a:solidFill>
-                  <a:srgbClr val="0070C0"/>
-                </a:solidFill>
-              </a:rPr>
-              <a:t>Cómo elegir el </a:t>
-            </a:r>
-            <a:r>
               <a:rPr lang="es-CO" sz="3600" b="1" dirty="0">
                 <a:solidFill>
                   <a:srgbClr val="0070C0"/>
                 </a:solidFill>
               </a:rPr>
-              <a:t>t</a:t>
-            </a:r>
-            <a:r>
-              <a:rPr lang="es-CO" sz="3600" b="1" dirty="0" smtClean="0">
-                <a:solidFill>
-                  <a:srgbClr val="0070C0"/>
-                </a:solidFill>
-              </a:rPr>
-              <a:t>amaño </a:t>
-            </a:r>
-            <a:r>
-              <a:rPr lang="es-CO" sz="3600" b="1" dirty="0">
-                <a:solidFill>
-                  <a:srgbClr val="0070C0"/>
-                </a:solidFill>
-              </a:rPr>
-              <a:t>de la Muestra (n) </a:t>
-            </a:r>
-            <a:r>
-              <a:rPr lang="es-CO" sz="3600" b="1" dirty="0" smtClean="0">
-                <a:solidFill>
-                  <a:srgbClr val="0070C0"/>
-                </a:solidFill>
-              </a:rPr>
-              <a:t>?</a:t>
-            </a:r>
-            <a:endParaRPr lang="es-CO" sz="3600" b="1" dirty="0">
-              <a:solidFill>
-                <a:srgbClr val="0070C0"/>
-              </a:solidFill>
-            </a:endParaRPr>
+              <a:t>Cómo elegir el tamaño de la Muestra (n) ?</a:t>
+            </a:r>
           </a:p>
         </p:txBody>
       </p:sp>
@@ -4677,39 +4699,38 @@
           <a:lstStyle/>
           <a:p>
             <a:r>
-              <a:rPr lang="es-CO" dirty="0" smtClean="0"/>
+              <a:rPr lang="es-CO" dirty="0"/>
               <a:t>¿Qué se va a medir? </a:t>
             </a:r>
           </a:p>
           <a:p>
             <a:r>
-              <a:rPr lang="es-CO" dirty="0" smtClean="0"/>
+              <a:rPr lang="es-CO" dirty="0"/>
               <a:t>¿Qué se quiere determinar? </a:t>
             </a:r>
           </a:p>
           <a:p>
             <a:r>
-              <a:rPr lang="es-CO" dirty="0" smtClean="0"/>
+              <a:rPr lang="es-CO" dirty="0"/>
               <a:t>Nivel máximo de error admisible </a:t>
             </a:r>
           </a:p>
           <a:p>
             <a:r>
-              <a:rPr lang="es-CO" dirty="0" smtClean="0"/>
+              <a:rPr lang="es-CO" dirty="0"/>
               <a:t>Nivel de confianza con qué se quiere obtener la estimación del tamaño </a:t>
             </a:r>
             <a:r>
-              <a:rPr lang="es-CO" dirty="0" err="1" smtClean="0"/>
+              <a:rPr lang="es-CO" dirty="0" err="1"/>
               <a:t>muestral</a:t>
             </a:r>
             <a:endParaRPr lang="es-CO" dirty="0"/>
           </a:p>
           <a:p>
             <a:r>
-              <a:rPr lang="es-CO" dirty="0" smtClean="0"/>
+              <a:rPr lang="es-CO" dirty="0"/>
               <a:t>Variabilidad de las características a medir</a:t>
             </a:r>
-            <a:endParaRPr lang="es-CO" dirty="0"/>
           </a:p>
         </p:txBody>
       </p:sp>
@@ -4726,7 +4747,7 @@
 </p:sld>
 </file>
 
-<file path=ppt/slides/slide17.xml><?xml version="1.0" encoding="utf-8"?>
+<file path=ppt/slides/slide18.xml><?xml version="1.0" encoding="utf-8"?>
 <p:sld xmlns:a="http://schemas.openxmlformats.org/drawingml/2006/main" xmlns:r="http://schemas.openxmlformats.org/officeDocument/2006/relationships" xmlns:p="http://schemas.openxmlformats.org/presentationml/2006/main">
   <p:cSld>
     <p:spTree>
@@ -4771,7 +4792,7 @@
                   <a:buNone/>
                 </a:pPr>
                 <a:r>
-                  <a:rPr lang="es-CO" dirty="0" smtClean="0"/>
+                  <a:rPr lang="es-CO" dirty="0"/>
                   <a:t>Se dice que las variables aleatorias </a:t>
                 </a:r>
                 <a:r>
@@ -4807,19 +4828,15 @@
                   <a:t>muestra aleatoria </a:t>
                 </a:r>
                 <a:r>
-                  <a:rPr lang="es-CO" dirty="0" smtClean="0"/>
-                  <a:t>simple de </a:t>
-                </a:r>
-                <a:r>
                   <a:rPr lang="es-CO" dirty="0"/>
-                  <a:t>tamaño </a:t>
+                  <a:t>simple de tamaño </a:t>
                 </a:r>
                 <a:r>
                   <a:rPr lang="es-CO" i="1" dirty="0"/>
                   <a:t>n </a:t>
                 </a:r>
                 <a:r>
-                  <a:rPr lang="es-CO" dirty="0" smtClean="0"/>
+                  <a:rPr lang="es-CO" dirty="0"/>
                   <a:t>si:</a:t>
                 </a:r>
               </a:p>
@@ -4868,11 +4885,7 @@
                 </a:r>
                 <a:r>
                   <a:rPr lang="es-CO" dirty="0"/>
-                  <a:t>tiene la misma distribución de </a:t>
-                </a:r>
-                <a:r>
-                  <a:rPr lang="es-CO" dirty="0" smtClean="0"/>
-                  <a:t>probabilidad, en la mayoría de veces se asume normal</a:t>
+                  <a:t>tiene la misma distribución de probabilidad, en la mayoría de veces se asume normal</a:t>
                 </a:r>
               </a:p>
               <a:p>
@@ -4880,11 +4893,11 @@
                   <a:buNone/>
                 </a:pPr>
                 <a:r>
-                  <a:rPr lang="es-CO" b="1" dirty="0" smtClean="0"/>
+                  <a:rPr lang="es-CO" b="1" dirty="0"/>
                   <a:t>3. </a:t>
                 </a:r>
                 <a:r>
-                  <a:rPr lang="es-CO" dirty="0" smtClean="0"/>
+                  <a:rPr lang="es-CO" dirty="0"/>
                   <a:t>Cualquier función de las variables aleatorias que forman una muestra se llaman estadístico .</a:t>
                 </a:r>
               </a:p>
@@ -4893,7 +4906,7 @@
                   <a:buNone/>
                 </a:pPr>
                 <a:r>
-                  <a:rPr lang="es-CO" dirty="0" smtClean="0"/>
+                  <a:rPr lang="es-CO" dirty="0"/>
                   <a:t> </a:t>
                 </a:r>
               </a:p>
@@ -4902,12 +4915,8 @@
                   <a:buNone/>
                 </a:pPr>
                 <a:r>
-                  <a:rPr lang="es-CO" dirty="0" smtClean="0"/>
-                  <a:t>Es decir </a:t>
-                </a:r>
-                <a:r>
                   <a:rPr lang="es-CO" dirty="0"/>
-                  <a:t>las </a:t>
+                  <a:t>Es decir las </a:t>
                 </a:r>
                 <a:r>
                   <a:rPr lang="es-CO" i="1" dirty="0"/>
@@ -4919,26 +4928,18 @@
                 </a:r>
                 <a:r>
                   <a:rPr lang="es-CO" i="1" dirty="0"/>
-                  <a:t>independientes </a:t>
-                </a:r>
-                <a:r>
-                  <a:rPr lang="es-CO" i="1" dirty="0" smtClean="0"/>
-                  <a:t>e idénticamente </a:t>
-                </a:r>
-                <a:r>
-                  <a:rPr lang="es-CO" i="1" dirty="0"/>
-                  <a:t>distribuidas </a:t>
+                  <a:t>independientes e idénticamente distribuidas </a:t>
                 </a:r>
                 <a:r>
                   <a:rPr lang="es-CO" dirty="0"/>
                   <a:t>(</a:t>
                 </a:r>
                 <a:r>
-                  <a:rPr lang="es-CO" dirty="0" err="1" smtClean="0"/>
+                  <a:rPr lang="es-CO" dirty="0" err="1"/>
                   <a:t>iid</a:t>
                 </a:r>
                 <a:r>
-                  <a:rPr lang="es-CO" dirty="0" smtClean="0"/>
+                  <a:rPr lang="es-CO" dirty="0"/>
                   <a:t>)</a:t>
                 </a:r>
                 <a14:m>
@@ -5108,7 +5109,7 @@
 </p:sld>
 </file>
 
-<file path=ppt/slides/slide18.xml><?xml version="1.0" encoding="utf-8"?>
+<file path=ppt/slides/slide19.xml><?xml version="1.0" encoding="utf-8"?>
 <p:sld xmlns:a="http://schemas.openxmlformats.org/drawingml/2006/main" xmlns:r="http://schemas.openxmlformats.org/officeDocument/2006/relationships" xmlns:p="http://schemas.openxmlformats.org/presentationml/2006/main">
   <p:cSld>
     <p:spTree>
@@ -5148,23 +5149,7 @@
                   <a:srgbClr val="0070C0"/>
                 </a:solidFill>
               </a:rPr>
-              <a:t>Teorema del </a:t>
-            </a:r>
-            <a:r>
-              <a:rPr lang="es-CO" b="1" dirty="0" smtClean="0">
-                <a:solidFill>
-                  <a:srgbClr val="0070C0"/>
-                </a:solidFill>
-              </a:rPr>
-              <a:t>Límite </a:t>
-            </a:r>
-            <a:r>
-              <a:rPr lang="es-CO" b="1" dirty="0">
-                <a:solidFill>
-                  <a:srgbClr val="0070C0"/>
-                </a:solidFill>
-              </a:rPr>
-              <a:t>central</a:t>
+              <a:t>Teorema del Límite central</a:t>
             </a:r>
           </a:p>
         </p:txBody>
@@ -5197,7 +5182,7 @@
                   <a:buNone/>
                 </a:pPr>
                 <a:r>
-                  <a:rPr lang="es-CO" dirty="0" smtClean="0"/>
+                  <a:rPr lang="es-CO" dirty="0"/>
                   <a:t>Si </a:t>
                 </a:r>
                 <a14:m>
@@ -5244,7 +5229,7 @@
                   </m:oMath>
                 </a14:m>
                 <a:r>
-                  <a:rPr lang="es-CO" dirty="0" smtClean="0"/>
+                  <a:rPr lang="es-CO" dirty="0"/>
                   <a:t>la media de una muestra aleatoria de tamaño n, tomada de una población de tamaño N, con media µ y varianza finita</a:t>
                 </a:r>
                 <a14:m>
@@ -5284,7 +5269,7 @@
                   </m:oMath>
                 </a14:m>
                 <a:r>
-                  <a:rPr lang="es-CO" dirty="0" smtClean="0"/>
+                  <a:rPr lang="es-CO" dirty="0"/>
                   <a:t>, entonces la forma límite de la distribución es;  </a:t>
                 </a:r>
               </a:p>
@@ -5392,14 +5377,14 @@
                     </m:oMath>
                   </m:oMathPara>
                 </a14:m>
-                <a:endParaRPr lang="es-CO" dirty="0" smtClean="0"/>
+                <a:endParaRPr lang="es-CO" dirty="0"/>
               </a:p>
               <a:p>
                 <a:pPr marL="0" indent="0">
                   <a:buNone/>
                 </a:pPr>
                 <a:r>
-                  <a:rPr lang="es-CO" dirty="0" smtClean="0"/>
+                  <a:rPr lang="es-CO" dirty="0"/>
                   <a:t>Conforme </a:t>
                 </a:r>
                 <a14:m>
@@ -5420,10 +5405,9 @@
                   </m:oMath>
                 </a14:m>
                 <a:r>
-                  <a:rPr lang="es-CO" dirty="0" smtClean="0"/>
+                  <a:rPr lang="es-CO" dirty="0"/>
                   <a:t>es la distribución de la normal estándar n(Z;0,1)</a:t>
                 </a:r>
-                <a:endParaRPr lang="es-CO" dirty="0"/>
               </a:p>
             </p:txBody>
           </p:sp>
@@ -5479,7 +5463,7 @@
 </p:sld>
 </file>
 
-<file path=ppt/slides/slide19.xml><?xml version="1.0" encoding="utf-8"?>
+<file path=ppt/slides/slide2.xml><?xml version="1.0" encoding="utf-8"?>
 <p:sld xmlns:a="http://schemas.openxmlformats.org/drawingml/2006/main" xmlns:r="http://schemas.openxmlformats.org/officeDocument/2006/relationships" xmlns:p="http://schemas.openxmlformats.org/presentationml/2006/main">
   <p:cSld>
     <p:spTree>
@@ -5498,6 +5482,126 @@
       </p:grpSpPr>
       <p:sp>
         <p:nvSpPr>
+          <p:cNvPr id="2" name="Título 1"/>
+          <p:cNvSpPr>
+            <a:spLocks noGrp="1"/>
+          </p:cNvSpPr>
+          <p:nvPr>
+            <p:ph type="title"/>
+          </p:nvPr>
+        </p:nvSpPr>
+        <p:spPr>
+          <a:xfrm>
+            <a:off x="435893" y="1179904"/>
+            <a:ext cx="8272212" cy="760350"/>
+          </a:xfrm>
+        </p:spPr>
+        <p:txBody>
+          <a:bodyPr>
+            <a:normAutofit fontScale="90000"/>
+          </a:bodyPr>
+          <a:lstStyle/>
+          <a:p>
+            <a:pPr algn="ctr"/>
+            <a:r>
+              <a:rPr lang="es-CO" b="1"/>
+              <a:t>DISTRIBUCIÓN </a:t>
+            </a:r>
+            <a:r>
+              <a:rPr lang="es-CO" b="1" dirty="0"/>
+              <a:t>NORMAL</a:t>
+            </a:r>
+          </a:p>
+        </p:txBody>
+      </p:sp>
+      <p:sp>
+        <p:nvSpPr>
+          <p:cNvPr id="3" name="Marcador de contenido 2"/>
+          <p:cNvSpPr>
+            <a:spLocks noGrp="1"/>
+          </p:cNvSpPr>
+          <p:nvPr>
+            <p:ph idx="1"/>
+          </p:nvPr>
+        </p:nvSpPr>
+        <p:spPr>
+          <a:xfrm>
+            <a:off x="364950" y="2478346"/>
+            <a:ext cx="8272211" cy="934407"/>
+          </a:xfrm>
+        </p:spPr>
+        <p:txBody>
+          <a:bodyPr>
+            <a:normAutofit/>
+          </a:bodyPr>
+          <a:lstStyle/>
+          <a:p>
+            <a:pPr marL="0" indent="0" algn="ctr">
+              <a:buNone/>
+            </a:pPr>
+            <a:r>
+              <a:rPr lang="es-CO" sz="2700" dirty="0"/>
+              <a:t>Una distribución ampliamente usada es la distribución normal o gaussiana</a:t>
+            </a:r>
+          </a:p>
+        </p:txBody>
+      </p:sp>
+      <p:pic>
+        <p:nvPicPr>
+          <p:cNvPr id="6" name="Imagen 5"/>
+          <p:cNvPicPr>
+            <a:picLocks noChangeAspect="1"/>
+          </p:cNvPicPr>
+          <p:nvPr/>
+        </p:nvPicPr>
+        <p:blipFill>
+          <a:blip r:embed="rId2"/>
+          <a:stretch>
+            <a:fillRect/>
+          </a:stretch>
+        </p:blipFill>
+        <p:spPr>
+          <a:xfrm>
+            <a:off x="3004649" y="3412753"/>
+            <a:ext cx="3134700" cy="2549160"/>
+          </a:xfrm>
+          <a:prstGeom prst="rect">
+            <a:avLst/>
+          </a:prstGeom>
+        </p:spPr>
+      </p:pic>
+    </p:spTree>
+    <p:extLst>
+      <p:ext uri="{BB962C8B-B14F-4D97-AF65-F5344CB8AC3E}">
+        <p14:creationId xmlns:p14="http://schemas.microsoft.com/office/powerpoint/2010/main" val="227165988"/>
+      </p:ext>
+    </p:extLst>
+  </p:cSld>
+  <p:clrMapOvr>
+    <a:masterClrMapping/>
+  </p:clrMapOvr>
+</p:sld>
+</file>
+
+<file path=ppt/slides/slide20.xml><?xml version="1.0" encoding="utf-8"?>
+<p:sld xmlns:a="http://schemas.openxmlformats.org/drawingml/2006/main" xmlns:r="http://schemas.openxmlformats.org/officeDocument/2006/relationships" xmlns:p="http://schemas.openxmlformats.org/presentationml/2006/main">
+  <p:cSld>
+    <p:spTree>
+      <p:nvGrpSpPr>
+        <p:cNvPr id="1" name=""/>
+        <p:cNvGrpSpPr/>
+        <p:nvPr/>
+      </p:nvGrpSpPr>
+      <p:grpSpPr>
+        <a:xfrm>
+          <a:off x="0" y="0"/>
+          <a:ext cx="0" cy="0"/>
+          <a:chOff x="0" y="0"/>
+          <a:chExt cx="0" cy="0"/>
+        </a:xfrm>
+      </p:grpSpPr>
+      <p:sp>
+        <p:nvSpPr>
           <p:cNvPr id="2" name="1 Título"/>
           <p:cNvSpPr>
             <a:spLocks noGrp="1"/>
@@ -5506,21 +5610,29 @@
             <p:ph type="title"/>
           </p:nvPr>
         </p:nvSpPr>
-        <p:spPr/>
+        <p:spPr>
+          <a:xfrm>
+            <a:off x="457200" y="0"/>
+            <a:ext cx="8229600" cy="1143000"/>
+          </a:xfrm>
+        </p:spPr>
         <p:txBody>
           <a:bodyPr/>
           <a:lstStyle/>
           <a:p>
             <a:r>
-              <a:rPr lang="es-CO" b="1" dirty="0" smtClean="0"/>
+              <a:rPr lang="es-CO" b="1" dirty="0">
+                <a:solidFill>
+                  <a:srgbClr val="0070C0"/>
+                </a:solidFill>
+              </a:rPr>
               <a:t>Tamaño de muestra para µ</a:t>
             </a:r>
-            <a:endParaRPr lang="es-CO" b="1" dirty="0"/>
-          </a:p>
-        </p:txBody>
-      </p:sp>
-      <mc:AlternateContent xmlns:mc="http://schemas.openxmlformats.org/markup-compatibility/2006" xmlns:a14="http://schemas.microsoft.com/office/drawing/2010/main">
-        <mc:Choice Requires="a14">
+          </a:p>
+        </p:txBody>
+      </p:sp>
+      <mc:AlternateContent xmlns:mc="http://schemas.openxmlformats.org/markup-compatibility/2006">
+        <mc:Choice xmlns:a14="http://schemas.microsoft.com/office/drawing/2010/main" Requires="a14">
           <p:sp>
             <p:nvSpPr>
               <p:cNvPr id="3" name="2 Marcador de contenido"/>
@@ -5533,7 +5645,7 @@
             </p:nvSpPr>
             <p:spPr>
               <a:xfrm>
-                <a:off x="899592" y="1639341"/>
+                <a:off x="835174" y="1530645"/>
                 <a:ext cx="7473652" cy="4525963"/>
               </a:xfrm>
             </p:spPr>
@@ -5547,7 +5659,7 @@
                   <a:buNone/>
                 </a:pPr>
                 <a:r>
-                  <a:rPr lang="es-CO" b="1" dirty="0" smtClean="0"/>
+                  <a:rPr lang="es-CO" b="1" dirty="0"/>
                   <a:t>Población Finita        </a:t>
                 </a:r>
                 <a14:m>
@@ -5747,20 +5859,20 @@
                     </m:f>
                   </m:oMath>
                 </a14:m>
-                <a:endParaRPr lang="es-CO" b="0" dirty="0" smtClean="0"/>
+                <a:endParaRPr lang="es-CO" b="0" dirty="0"/>
               </a:p>
               <a:p>
                 <a:pPr marL="0" indent="0">
                   <a:buNone/>
                 </a:pPr>
-                <a:endParaRPr lang="es-CO" dirty="0" smtClean="0"/>
+                <a:endParaRPr lang="es-CO" dirty="0"/>
               </a:p>
               <a:p>
                 <a:pPr marL="0" indent="0">
                   <a:buNone/>
                 </a:pPr>
                 <a:r>
-                  <a:rPr lang="es-CO" b="1" dirty="0" smtClean="0"/>
+                  <a:rPr lang="es-CO" b="1" dirty="0"/>
                   <a:t>Población infinita:</a:t>
                 </a:r>
               </a:p>
@@ -5768,7 +5880,7 @@
                 <a:pPr marL="0" indent="0">
                   <a:buNone/>
                 </a:pPr>
-                <a:endParaRPr lang="es-CO" dirty="0" smtClean="0"/>
+                <a:endParaRPr lang="es-CO" dirty="0"/>
               </a:p>
               <a:p>
                 <a:pPr marL="0" indent="0">
@@ -5895,7 +6007,7 @@
             </p:txBody>
           </p:sp>
         </mc:Choice>
-        <mc:Fallback xmlns="">
+        <mc:Fallback>
           <p:sp>
             <p:nvSpPr>
               <p:cNvPr id="3" name="2 Marcador de contenido"/>
@@ -5908,13 +6020,13 @@
             </p:nvSpPr>
             <p:spPr>
               <a:xfrm>
-                <a:off x="899592" y="1639341"/>
+                <a:off x="835174" y="1530645"/>
                 <a:ext cx="7473652" cy="4525963"/>
               </a:xfrm>
-              <a:blipFill rotWithShape="1">
+              <a:blipFill>
                 <a:blip r:embed="rId2"/>
                 <a:stretch>
-                  <a:fillRect l="-2121"/>
+                  <a:fillRect l="-2039"/>
                 </a:stretch>
               </a:blipFill>
             </p:spPr>
@@ -5956,7 +6068,7 @@
         </p:blipFill>
         <p:spPr bwMode="auto">
           <a:xfrm>
-            <a:off x="4197464" y="3374112"/>
+            <a:off x="4381504" y="2638501"/>
             <a:ext cx="4305300" cy="2771776"/>
           </a:xfrm>
           <a:prstGeom prst="rect">
@@ -5974,219 +6086,44 @@
           </a:extLst>
         </p:spPr>
       </p:pic>
-    </p:spTree>
-    <p:extLst>
-      <p:ext uri="{BB962C8B-B14F-4D97-AF65-F5344CB8AC3E}">
-        <p14:creationId xmlns:p14="http://schemas.microsoft.com/office/powerpoint/2010/main" val="4105064497"/>
-      </p:ext>
-    </p:extLst>
-  </p:cSld>
-  <p:clrMapOvr>
-    <a:masterClrMapping/>
-  </p:clrMapOvr>
-</p:sld>
-</file>
-
-<file path=ppt/slides/slide2.xml><?xml version="1.0" encoding="utf-8"?>
-<p:sld xmlns:a="http://schemas.openxmlformats.org/drawingml/2006/main" xmlns:r="http://schemas.openxmlformats.org/officeDocument/2006/relationships" xmlns:p="http://schemas.openxmlformats.org/presentationml/2006/main">
-  <p:cSld>
-    <p:spTree>
-      <p:nvGrpSpPr>
-        <p:cNvPr id="1" name=""/>
-        <p:cNvGrpSpPr/>
-        <p:nvPr/>
-      </p:nvGrpSpPr>
-      <p:grpSpPr>
-        <a:xfrm>
-          <a:off x="0" y="0"/>
-          <a:ext cx="0" cy="0"/>
-          <a:chOff x="0" y="0"/>
-          <a:chExt cx="0" cy="0"/>
-        </a:xfrm>
-      </p:grpSpPr>
-      <p:sp>
-        <p:nvSpPr>
-          <p:cNvPr id="2" name="Título 1"/>
-          <p:cNvSpPr>
-            <a:spLocks noGrp="1"/>
-          </p:cNvSpPr>
-          <p:nvPr>
-            <p:ph type="title"/>
-          </p:nvPr>
+      <p:sp>
+        <p:nvSpPr>
+          <p:cNvPr id="4" name="Rectángulo 3">
+            <a:extLst>
+              <a:ext uri="{FF2B5EF4-FFF2-40B4-BE49-F238E27FC236}">
+                <a16:creationId xmlns:a16="http://schemas.microsoft.com/office/drawing/2014/main" id="{5FAC4867-126E-48C8-BCDC-4C94A3058268}"/>
+              </a:ext>
+            </a:extLst>
+          </p:cNvPr>
+          <p:cNvSpPr/>
+          <p:nvPr/>
         </p:nvSpPr>
         <p:spPr>
           <a:xfrm>
-            <a:off x="435893" y="1179904"/>
-            <a:ext cx="8272212" cy="760350"/>
-          </a:xfrm>
-        </p:spPr>
-        <p:txBody>
-          <a:bodyPr>
-            <a:normAutofit fontScale="90000"/>
-          </a:bodyPr>
-          <a:lstStyle/>
-          <a:p>
-            <a:pPr algn="ctr"/>
-            <a:r>
-              <a:rPr lang="es-CO" b="1" smtClean="0"/>
-              <a:t>DISTRIBUCIÓN </a:t>
-            </a:r>
-            <a:r>
-              <a:rPr lang="es-CO" b="1" dirty="0" smtClean="0"/>
-              <a:t>NORMAL</a:t>
-            </a:r>
-            <a:endParaRPr lang="es-CO" b="1" dirty="0"/>
-          </a:p>
-        </p:txBody>
-      </p:sp>
-      <p:sp>
-        <p:nvSpPr>
-          <p:cNvPr id="3" name="Marcador de contenido 2"/>
-          <p:cNvSpPr>
-            <a:spLocks noGrp="1"/>
-          </p:cNvSpPr>
-          <p:nvPr>
-            <p:ph idx="1"/>
-          </p:nvPr>
-        </p:nvSpPr>
-        <p:spPr>
-          <a:xfrm>
-            <a:off x="364950" y="2478346"/>
-            <a:ext cx="8272211" cy="934407"/>
-          </a:xfrm>
-        </p:spPr>
-        <p:txBody>
-          <a:bodyPr>
-            <a:normAutofit/>
-          </a:bodyPr>
-          <a:lstStyle/>
-          <a:p>
-            <a:pPr marL="0" indent="0" algn="ctr">
-              <a:buNone/>
-            </a:pPr>
-            <a:r>
-              <a:rPr lang="es-CO" sz="2700" dirty="0"/>
-              <a:t>Una distribución ampliamente usada es la distribución normal o gaussiana</a:t>
-            </a:r>
-            <a:endParaRPr lang="es-CO" sz="2700" dirty="0"/>
-          </a:p>
-        </p:txBody>
-      </p:sp>
-      <p:pic>
-        <p:nvPicPr>
-          <p:cNvPr id="6" name="Imagen 5"/>
-          <p:cNvPicPr>
-            <a:picLocks noChangeAspect="1"/>
-          </p:cNvPicPr>
-          <p:nvPr/>
-        </p:nvPicPr>
-        <p:blipFill>
-          <a:blip r:embed="rId2"/>
-          <a:stretch>
-            <a:fillRect/>
-          </a:stretch>
-        </p:blipFill>
-        <p:spPr>
-          <a:xfrm>
-            <a:off x="3004649" y="3412753"/>
-            <a:ext cx="3134700" cy="2549160"/>
+            <a:off x="1606908" y="5825775"/>
+            <a:ext cx="5930184" cy="369332"/>
           </a:xfrm>
           <a:prstGeom prst="rect">
             <a:avLst/>
           </a:prstGeom>
         </p:spPr>
-      </p:pic>
+        <p:txBody>
+          <a:bodyPr wrap="square">
+            <a:spAutoFit/>
+          </a:bodyPr>
+          <a:lstStyle/>
+          <a:p>
+            <a:r>
+              <a:rPr lang="es-CO" dirty="0"/>
+              <a:t>Video: https://www.youtube.com/watch?v=JX5m7o6rOAQ</a:t>
+            </a:r>
+          </a:p>
+        </p:txBody>
+      </p:sp>
     </p:spTree>
     <p:extLst>
       <p:ext uri="{BB962C8B-B14F-4D97-AF65-F5344CB8AC3E}">
-        <p14:creationId xmlns:p14="http://schemas.microsoft.com/office/powerpoint/2010/main" val="227165988"/>
-      </p:ext>
-    </p:extLst>
-  </p:cSld>
-  <p:clrMapOvr>
-    <a:masterClrMapping/>
-  </p:clrMapOvr>
-  <p:timing>
-    <p:tnLst>
-      <p:par>
-        <p:cTn id="1" dur="indefinite" restart="never" nodeType="tmRoot"/>
-      </p:par>
-    </p:tnLst>
-  </p:timing>
-</p:sld>
-</file>
-
-<file path=ppt/slides/slide20.xml><?xml version="1.0" encoding="utf-8"?>
-<p:sld xmlns:a="http://schemas.openxmlformats.org/drawingml/2006/main" xmlns:r="http://schemas.openxmlformats.org/officeDocument/2006/relationships" xmlns:p="http://schemas.openxmlformats.org/presentationml/2006/main">
-  <p:cSld>
-    <p:spTree>
-      <p:nvGrpSpPr>
-        <p:cNvPr id="1" name=""/>
-        <p:cNvGrpSpPr/>
-        <p:nvPr/>
-      </p:nvGrpSpPr>
-      <p:grpSpPr>
-        <a:xfrm>
-          <a:off x="0" y="0"/>
-          <a:ext cx="0" cy="0"/>
-          <a:chOff x="0" y="0"/>
-          <a:chExt cx="0" cy="0"/>
-        </a:xfrm>
-      </p:grpSpPr>
-      <p:sp>
-        <p:nvSpPr>
-          <p:cNvPr id="2" name="Título 1"/>
-          <p:cNvSpPr>
-            <a:spLocks noGrp="1"/>
-          </p:cNvSpPr>
-          <p:nvPr>
-            <p:ph type="title"/>
-          </p:nvPr>
-        </p:nvSpPr>
-        <p:spPr/>
-        <p:txBody>
-          <a:bodyPr/>
-          <a:lstStyle/>
-          <a:p>
-            <a:endParaRPr lang="es-CO"/>
-          </a:p>
-        </p:txBody>
-      </p:sp>
-      <p:sp>
-        <p:nvSpPr>
-          <p:cNvPr id="3" name="Marcador de contenido 2"/>
-          <p:cNvSpPr>
-            <a:spLocks noGrp="1"/>
-          </p:cNvSpPr>
-          <p:nvPr>
-            <p:ph idx="1"/>
-          </p:nvPr>
-        </p:nvSpPr>
-        <p:spPr/>
-        <p:txBody>
-          <a:bodyPr/>
-          <a:lstStyle/>
-          <a:p>
-            <a:r>
-              <a:rPr lang="es-CO" dirty="0" smtClean="0"/>
-              <a:t>Video</a:t>
-            </a:r>
-          </a:p>
-          <a:p>
-            <a:pPr marL="0" indent="0">
-              <a:buNone/>
-            </a:pPr>
-            <a:r>
-              <a:rPr lang="es-CO" sz="2800" dirty="0"/>
-              <a:t>https://www.youtube.com/watch?v=JX5m7o6rOAQ</a:t>
-            </a:r>
-          </a:p>
-        </p:txBody>
-      </p:sp>
-    </p:spTree>
-    <p:extLst>
-      <p:ext uri="{BB962C8B-B14F-4D97-AF65-F5344CB8AC3E}">
-        <p14:creationId xmlns:p14="http://schemas.microsoft.com/office/powerpoint/2010/main" val="2896219063"/>
+        <p14:creationId xmlns:p14="http://schemas.microsoft.com/office/powerpoint/2010/main" val="4105064497"/>
       </p:ext>
     </p:extLst>
   </p:cSld>
@@ -6231,10 +6168,13 @@
           <a:lstStyle/>
           <a:p>
             <a:r>
-              <a:rPr lang="es-CO" b="1" dirty="0" smtClean="0"/>
+              <a:rPr lang="es-CO" b="1" dirty="0">
+                <a:solidFill>
+                  <a:srgbClr val="0070C0"/>
+                </a:solidFill>
+              </a:rPr>
               <a:t>¿Qué se necesita?</a:t>
             </a:r>
-            <a:endParaRPr lang="es-CO" b="1" dirty="0"/>
           </a:p>
         </p:txBody>
       </p:sp>
@@ -6261,17 +6201,17 @@
           <a:lstStyle/>
           <a:p>
             <a:r>
-              <a:rPr lang="es-CO" dirty="0" smtClean="0"/>
+              <a:rPr lang="es-CO" dirty="0"/>
               <a:t>NC=Nivel de confianza</a:t>
             </a:r>
           </a:p>
           <a:p>
             <a:r>
-              <a:rPr lang="el-GR" dirty="0" smtClean="0"/>
+              <a:rPr lang="el-GR" dirty="0"/>
               <a:t>σ</a:t>
             </a:r>
             <a:r>
-              <a:rPr lang="es-CO" dirty="0" smtClean="0"/>
+              <a:rPr lang="es-CO" dirty="0"/>
               <a:t>=Desviación estándar</a:t>
             </a:r>
           </a:p>
@@ -6281,12 +6221,12 @@
               <a:t>e</a:t>
             </a:r>
             <a:r>
-              <a:rPr lang="es-CO" dirty="0" smtClean="0"/>
+              <a:rPr lang="es-CO" dirty="0"/>
               <a:t>= error máximo admisible</a:t>
             </a:r>
           </a:p>
           <a:p>
-            <a:endParaRPr lang="es-CO" dirty="0" smtClean="0"/>
+            <a:endParaRPr lang="es-CO" dirty="0"/>
           </a:p>
           <a:p>
             <a:endParaRPr lang="es-CO" dirty="0"/>
@@ -6392,7 +6332,7 @@
                   <a:buNone/>
                 </a:pPr>
                 <a:r>
-                  <a:rPr lang="es-CO" sz="2600" dirty="0" smtClean="0"/>
+                  <a:rPr lang="es-CO" sz="2600" dirty="0"/>
                   <a:t>Se desea estimar el contenido medio de un refresco con un nivel de confianza del 93%, con un error máximo de estimación de 5ml. Muestras previas indican que la desviación del contenido es 12 ml. Calcular el tamaño de muestra.</a:t>
                 </a:r>
               </a:p>
@@ -6401,7 +6341,7 @@
                   <a:buNone/>
                 </a:pPr>
                 <a:r>
-                  <a:rPr lang="es-CO" sz="2600" dirty="0" smtClean="0"/>
+                  <a:rPr lang="es-CO" sz="2600" dirty="0"/>
                   <a:t>NC: 0.93</a:t>
                 </a:r>
               </a:p>
@@ -6410,7 +6350,7 @@
                   <a:buNone/>
                 </a:pPr>
                 <a:r>
-                  <a:rPr lang="es-CO" sz="2600" dirty="0" smtClean="0"/>
+                  <a:rPr lang="es-CO" sz="2600" dirty="0"/>
                   <a:t>α=0.07</a:t>
                 </a:r>
               </a:p>
@@ -6419,11 +6359,11 @@
                   <a:buNone/>
                 </a:pPr>
                 <a:r>
-                  <a:rPr lang="el-GR" sz="2600" dirty="0" smtClean="0"/>
+                  <a:rPr lang="el-GR" sz="2600" dirty="0"/>
                   <a:t>α</a:t>
                 </a:r>
                 <a:r>
-                  <a:rPr lang="es-CO" sz="2600" dirty="0" smtClean="0"/>
+                  <a:rPr lang="es-CO" sz="2600" dirty="0"/>
                   <a:t>/2=0.035</a:t>
                 </a:r>
               </a:p>
@@ -6479,14 +6419,14 @@
                     </m:oMath>
                   </m:oMathPara>
                 </a14:m>
-                <a:endParaRPr lang="es-CO" sz="2600" dirty="0" smtClean="0"/>
+                <a:endParaRPr lang="es-CO" sz="2600" dirty="0"/>
               </a:p>
               <a:p>
                 <a:pPr marL="0" indent="0" algn="just">
                   <a:buNone/>
                 </a:pPr>
                 <a:r>
-                  <a:rPr lang="es-CO" sz="2600" dirty="0" smtClean="0"/>
+                  <a:rPr lang="es-CO" sz="2600" dirty="0"/>
                   <a:t>σ=12 ml</a:t>
                 </a:r>
               </a:p>
@@ -6495,14 +6435,13 @@
                   <a:buNone/>
                 </a:pPr>
                 <a:r>
-                  <a:rPr lang="es-CO" sz="2600" i="1" dirty="0" smtClean="0"/>
+                  <a:rPr lang="es-CO" sz="2600" i="1" dirty="0"/>
                   <a:t>e</a:t>
                 </a:r>
                 <a:r>
-                  <a:rPr lang="es-CO" sz="2600" dirty="0" smtClean="0"/>
+                  <a:rPr lang="es-CO" sz="2600" dirty="0"/>
                   <a:t>= 5ml</a:t>
                 </a:r>
-                <a:endParaRPr lang="es-CO" sz="2600" dirty="0"/>
               </a:p>
             </p:txBody>
           </p:sp>
@@ -6686,10 +6625,10 @@
                     </m:oMath>
                   </m:oMathPara>
                 </a14:m>
-                <a:endParaRPr lang="es-CO" sz="2400" b="0" dirty="0" smtClean="0"/>
+                <a:endParaRPr lang="es-CO" sz="2400" b="0" dirty="0"/>
               </a:p>
               <a:p>
-                <a:endParaRPr lang="es-CO" sz="2400" dirty="0" smtClean="0"/>
+                <a:endParaRPr lang="es-CO" sz="2400" dirty="0"/>
               </a:p>
               <a:p>
                 <a:pPr/>
@@ -6802,18 +6741,17 @@
                     </m:oMath>
                   </m:oMathPara>
                 </a14:m>
-                <a:endParaRPr lang="es-CO" sz="2400" b="0" dirty="0" smtClean="0"/>
+                <a:endParaRPr lang="es-CO" sz="2400" b="0" dirty="0"/>
               </a:p>
               <a:p>
-                <a:endParaRPr lang="es-CO" sz="2400" b="0" dirty="0" smtClean="0"/>
+                <a:endParaRPr lang="es-CO" sz="2400" b="0" dirty="0"/>
               </a:p>
               <a:p>
                 <a:pPr algn="ctr"/>
                 <a:r>
-                  <a:rPr lang="es-CO" sz="2400" dirty="0" smtClean="0"/>
+                  <a:rPr lang="es-CO" sz="2400" dirty="0"/>
                   <a:t> n=19</a:t>
                 </a:r>
-                <a:endParaRPr lang="es-CO" sz="2400" dirty="0"/>
               </a:p>
             </p:txBody>
           </p:sp>
@@ -6899,19 +6837,24 @@
         </p:nvSpPr>
         <p:spPr/>
         <p:txBody>
-          <a:bodyPr/>
+          <a:bodyPr>
+            <a:normAutofit fontScale="90000"/>
+          </a:bodyPr>
           <a:lstStyle/>
           <a:p>
             <a:r>
-              <a:rPr lang="es-CO" dirty="0" smtClean="0"/>
+              <a:rPr lang="es-CO" b="1" dirty="0">
+                <a:solidFill>
+                  <a:srgbClr val="0070C0"/>
+                </a:solidFill>
+              </a:rPr>
               <a:t>Tamaño de muestra para estimar p</a:t>
             </a:r>
-            <a:endParaRPr lang="es-CO" dirty="0"/>
-          </a:p>
-        </p:txBody>
-      </p:sp>
-      <mc:AlternateContent xmlns:mc="http://schemas.openxmlformats.org/markup-compatibility/2006" xmlns:a14="http://schemas.microsoft.com/office/drawing/2010/main">
-        <mc:Choice Requires="a14">
+          </a:p>
+        </p:txBody>
+      </p:sp>
+      <mc:AlternateContent xmlns:mc="http://schemas.openxmlformats.org/markup-compatibility/2006">
+        <mc:Choice xmlns:a14="http://schemas.microsoft.com/office/drawing/2010/main" Requires="a14">
           <p:sp>
             <p:nvSpPr>
               <p:cNvPr id="4" name="2 Marcador de contenido"/>
@@ -6922,7 +6865,7 @@
             </p:nvSpPr>
             <p:spPr>
               <a:xfrm>
-                <a:off x="899592" y="1639341"/>
+                <a:off x="835174" y="1628800"/>
                 <a:ext cx="7473652" cy="4525963"/>
               </a:xfrm>
               <a:prstGeom prst="rect">
@@ -7076,7 +7019,7 @@
                   <a:buNone/>
                 </a:pPr>
                 <a:r>
-                  <a:rPr lang="es-CO" b="1" dirty="0" smtClean="0"/>
+                  <a:rPr lang="es-CO" b="1" dirty="0"/>
                   <a:t>Población Finita        </a:t>
                 </a:r>
                 <a14:m>
@@ -7368,7 +7311,7 @@
             </p:txBody>
           </p:sp>
         </mc:Choice>
-        <mc:Fallback xmlns="">
+        <mc:Fallback>
           <p:sp>
             <p:nvSpPr>
               <p:cNvPr id="4" name="2 Marcador de contenido"/>
@@ -7379,16 +7322,16 @@
             </p:nvSpPr>
             <p:spPr>
               <a:xfrm>
-                <a:off x="899592" y="1639341"/>
+                <a:off x="835174" y="1628800"/>
                 <a:ext cx="7473652" cy="4525963"/>
               </a:xfrm>
               <a:prstGeom prst="rect">
                 <a:avLst/>
               </a:prstGeom>
-              <a:blipFill rotWithShape="1">
+              <a:blipFill>
                 <a:blip r:embed="rId2"/>
                 <a:stretch>
-                  <a:fillRect l="-2121"/>
+                  <a:fillRect l="-2039"/>
                 </a:stretch>
               </a:blipFill>
             </p:spPr>
@@ -7430,7 +7373,7 @@
         </p:blipFill>
         <p:spPr bwMode="auto">
           <a:xfrm>
-            <a:off x="4620394" y="3573016"/>
+            <a:off x="4392353" y="2676745"/>
             <a:ext cx="4305300" cy="2771776"/>
           </a:xfrm>
           <a:prstGeom prst="rect">
@@ -7448,6 +7391,40 @@
           </a:extLst>
         </p:spPr>
       </p:pic>
+      <p:sp>
+        <p:nvSpPr>
+          <p:cNvPr id="3" name="Rectángulo 2">
+            <a:extLst>
+              <a:ext uri="{FF2B5EF4-FFF2-40B4-BE49-F238E27FC236}">
+                <a16:creationId xmlns:a16="http://schemas.microsoft.com/office/drawing/2014/main" id="{1578290C-89C1-48C4-BE3F-99FE010711CB}"/>
+              </a:ext>
+            </a:extLst>
+          </p:cNvPr>
+          <p:cNvSpPr/>
+          <p:nvPr/>
+        </p:nvSpPr>
+        <p:spPr>
+          <a:xfrm>
+            <a:off x="1695475" y="5659683"/>
+            <a:ext cx="5753050" cy="369332"/>
+          </a:xfrm>
+          <a:prstGeom prst="rect">
+            <a:avLst/>
+          </a:prstGeom>
+        </p:spPr>
+        <p:txBody>
+          <a:bodyPr wrap="square">
+            <a:spAutoFit/>
+          </a:bodyPr>
+          <a:lstStyle/>
+          <a:p>
+            <a:r>
+              <a:rPr lang="es-CO" dirty="0"/>
+              <a:t>Video: https://www.youtube.com/watch?v=4G2kKHX5O8U</a:t>
+            </a:r>
+          </a:p>
+        </p:txBody>
+      </p:sp>
     </p:spTree>
     <p:extLst>
       <p:ext uri="{BB962C8B-B14F-4D97-AF65-F5344CB8AC3E}">
@@ -7480,35 +7457,12 @@
       </p:grpSpPr>
       <p:sp>
         <p:nvSpPr>
-          <p:cNvPr id="2" name="Título 1"/>
+          <p:cNvPr id="2" name="1 Título"/>
           <p:cNvSpPr>
             <a:spLocks noGrp="1"/>
           </p:cNvSpPr>
           <p:nvPr>
             <p:ph type="title"/>
-          </p:nvPr>
-        </p:nvSpPr>
-        <p:spPr/>
-        <p:txBody>
-          <a:bodyPr/>
-          <a:lstStyle/>
-          <a:p>
-            <a:r>
-              <a:rPr lang="es-CO" dirty="0" smtClean="0"/>
-              <a:t>Video</a:t>
-            </a:r>
-            <a:endParaRPr lang="es-CO" dirty="0"/>
-          </a:p>
-        </p:txBody>
-      </p:sp>
-      <p:sp>
-        <p:nvSpPr>
-          <p:cNvPr id="3" name="Marcador de contenido 2"/>
-          <p:cNvSpPr>
-            <a:spLocks noGrp="1"/>
-          </p:cNvSpPr>
-          <p:nvPr>
-            <p:ph idx="1"/>
           </p:nvPr>
         </p:nvSpPr>
         <p:spPr/>
@@ -7519,64 +7473,13 @@
           <a:lstStyle/>
           <a:p>
             <a:r>
-              <a:rPr lang="es-CO" sz="2800" dirty="0"/>
-              <a:t>https://www.youtube.com/watch?v=4G2kKHX5O8U</a:t>
-            </a:r>
-          </a:p>
-        </p:txBody>
-      </p:sp>
-    </p:spTree>
-    <p:extLst>
-      <p:ext uri="{BB962C8B-B14F-4D97-AF65-F5344CB8AC3E}">
-        <p14:creationId xmlns:p14="http://schemas.microsoft.com/office/powerpoint/2010/main" val="2847703299"/>
-      </p:ext>
-    </p:extLst>
-  </p:cSld>
-  <p:clrMapOvr>
-    <a:masterClrMapping/>
-  </p:clrMapOvr>
-</p:sld>
-</file>
-
-<file path=ppt/slides/slide25.xml><?xml version="1.0" encoding="utf-8"?>
-<p:sld xmlns:a="http://schemas.openxmlformats.org/drawingml/2006/main" xmlns:r="http://schemas.openxmlformats.org/officeDocument/2006/relationships" xmlns:p="http://schemas.openxmlformats.org/presentationml/2006/main">
-  <p:cSld>
-    <p:spTree>
-      <p:nvGrpSpPr>
-        <p:cNvPr id="1" name=""/>
-        <p:cNvGrpSpPr/>
-        <p:nvPr/>
-      </p:nvGrpSpPr>
-      <p:grpSpPr>
-        <a:xfrm>
-          <a:off x="0" y="0"/>
-          <a:ext cx="0" cy="0"/>
-          <a:chOff x="0" y="0"/>
-          <a:chExt cx="0" cy="0"/>
-        </a:xfrm>
-      </p:grpSpPr>
-      <p:sp>
-        <p:nvSpPr>
-          <p:cNvPr id="2" name="1 Título"/>
-          <p:cNvSpPr>
-            <a:spLocks noGrp="1"/>
-          </p:cNvSpPr>
-          <p:nvPr>
-            <p:ph type="title"/>
-          </p:nvPr>
-        </p:nvSpPr>
-        <p:spPr/>
-        <p:txBody>
-          <a:bodyPr>
-            <a:normAutofit/>
-          </a:bodyPr>
-          <a:lstStyle/>
-          <a:p>
-            <a:r>
-              <a:rPr lang="es-CO" b="1" dirty="0" smtClean="0"/>
+              <a:rPr lang="es-CO" sz="4000" b="1" dirty="0">
+                <a:solidFill>
+                  <a:srgbClr val="0070C0"/>
+                </a:solidFill>
+              </a:rPr>
               <a:t>¿Qué se necesita?</a:t>
             </a:r>
-            <a:endParaRPr lang="es-CO" b="1" dirty="0"/>
           </a:p>
         </p:txBody>
       </p:sp>
@@ -7605,7 +7508,7 @@
               <a:lstStyle/>
               <a:p>
                 <a:r>
-                  <a:rPr lang="es-CO" dirty="0" smtClean="0"/>
+                  <a:rPr lang="es-CO" dirty="0"/>
                   <a:t>NC=Nivel de confianza</a:t>
                 </a:r>
               </a:p>
@@ -7648,18 +7551,18 @@
                   </m:oMath>
                 </a14:m>
                 <a:r>
-                  <a:rPr lang="es-CO" dirty="0" smtClean="0"/>
+                  <a:rPr lang="es-CO" dirty="0"/>
                   <a:t>=valor del </a:t>
                 </a:r>
                 <a:r>
-                  <a:rPr lang="es-CO" dirty="0" err="1" smtClean="0"/>
+                  <a:rPr lang="es-CO" dirty="0" err="1"/>
                   <a:t>cuantil</a:t>
                 </a:r>
-                <a:endParaRPr lang="es-CO" dirty="0" smtClean="0"/>
+                <a:endParaRPr lang="es-CO" dirty="0"/>
               </a:p>
               <a:p>
                 <a:r>
-                  <a:rPr lang="es-CO" dirty="0" smtClean="0"/>
+                  <a:rPr lang="es-CO" dirty="0"/>
                   <a:t>p=proporción estimada</a:t>
                 </a:r>
               </a:p>
@@ -7669,12 +7572,12 @@
                   <a:t>e</a:t>
                 </a:r>
                 <a:r>
-                  <a:rPr lang="es-CO" dirty="0" smtClean="0"/>
+                  <a:rPr lang="es-CO" dirty="0"/>
                   <a:t>= error máximo admisible</a:t>
                 </a:r>
               </a:p>
               <a:p>
-                <a:endParaRPr lang="es-CO" dirty="0" smtClean="0"/>
+                <a:endParaRPr lang="es-CO" dirty="0"/>
               </a:p>
               <a:p>
                 <a:endParaRPr lang="es-CO" dirty="0"/>
@@ -7774,7 +7677,7 @@
 </p:sld>
 </file>
 
-<file path=ppt/slides/slide26.xml><?xml version="1.0" encoding="utf-8"?>
+<file path=ppt/slides/slide25.xml><?xml version="1.0" encoding="utf-8"?>
 <p:sld xmlns:a="http://schemas.openxmlformats.org/drawingml/2006/main" xmlns:r="http://schemas.openxmlformats.org/officeDocument/2006/relationships" xmlns:p="http://schemas.openxmlformats.org/presentationml/2006/main">
   <p:cSld>
     <p:spTree>
@@ -7831,7 +7734,7 @@
               <a:buNone/>
             </a:pPr>
             <a:r>
-              <a:rPr lang="es-CO" sz="2400" dirty="0" smtClean="0"/>
+              <a:rPr lang="es-CO" sz="2400" dirty="0"/>
               <a:t>Se desea estimar con un nivel de confianza del 97% el porcentaje de clientes que compraría un nuevo producto. para esto se toma una muestra previa de 80 clientes de los cuales 65 manifestarían que comprarían el nuevo producto. </a:t>
             </a:r>
           </a:p>
@@ -7840,7 +7743,7 @@
               <a:buNone/>
             </a:pPr>
             <a:r>
-              <a:rPr lang="es-CO" sz="2400" dirty="0" smtClean="0"/>
+              <a:rPr lang="es-CO" sz="2400" dirty="0"/>
               <a:t>Si se desea un error máximo de estimación de 6% calcule el tamaño de muestra</a:t>
             </a:r>
           </a:p>
@@ -7848,7 +7751,7 @@
             <a:pPr marL="0" indent="0" algn="just">
               <a:buNone/>
             </a:pPr>
-            <a:endParaRPr lang="es-CO" sz="2400" dirty="0" smtClean="0"/>
+            <a:endParaRPr lang="es-CO" sz="2400" dirty="0"/>
           </a:p>
           <a:p>
             <a:pPr marL="0" indent="0" algn="just">
@@ -7871,7 +7774,7 @@
 </p:sld>
 </file>
 
-<file path=ppt/slides/slide27.xml><?xml version="1.0" encoding="utf-8"?>
+<file path=ppt/slides/slide26.xml><?xml version="1.0" encoding="utf-8"?>
 <p:sld xmlns:a="http://schemas.openxmlformats.org/drawingml/2006/main" xmlns:r="http://schemas.openxmlformats.org/officeDocument/2006/relationships" xmlns:p="http://schemas.openxmlformats.org/presentationml/2006/main">
   <p:cSld>
     <p:spTree>
@@ -7914,7 +7817,7 @@
                   <a:buNone/>
                 </a:pPr>
                 <a:r>
-                  <a:rPr lang="es-CO" dirty="0" smtClean="0"/>
+                  <a:rPr lang="es-CO" dirty="0"/>
                   <a:t>NC=97%                       </a:t>
                 </a:r>
               </a:p>
@@ -7923,7 +7826,7 @@
                   <a:buNone/>
                 </a:pPr>
                 <a:r>
-                  <a:rPr lang="es-CO" dirty="0" smtClean="0"/>
+                  <a:rPr lang="es-CO" dirty="0"/>
                   <a:t>α=0.03</a:t>
                 </a:r>
               </a:p>
@@ -7932,11 +7835,11 @@
                   <a:buNone/>
                 </a:pPr>
                 <a:r>
-                  <a:rPr lang="el-GR" dirty="0" smtClean="0"/>
+                  <a:rPr lang="el-GR" dirty="0"/>
                   <a:t>α</a:t>
                 </a:r>
                 <a:r>
-                  <a:rPr lang="es-CO" dirty="0" smtClean="0"/>
+                  <a:rPr lang="es-CO" dirty="0"/>
                   <a:t>/2=0.015</a:t>
                 </a:r>
               </a:p>
@@ -7988,7 +7891,7 @@
                   </m:oMath>
                 </a14:m>
                 <a:r>
-                  <a:rPr lang="es-CO" dirty="0" smtClean="0"/>
+                  <a:rPr lang="es-CO" dirty="0"/>
                   <a:t>2.17</a:t>
                 </a:r>
               </a:p>
@@ -8048,7 +7951,7 @@
                     </m:oMath>
                   </m:oMathPara>
                 </a14:m>
-                <a:endParaRPr lang="es-CO" b="0" dirty="0" smtClean="0"/>
+                <a:endParaRPr lang="es-CO" b="0" dirty="0"/>
               </a:p>
               <a:p>
                 <a:pPr marL="0" indent="0" algn="just">
@@ -8075,21 +7978,20 @@
                     </m:oMath>
                   </m:oMathPara>
                 </a14:m>
-                <a:endParaRPr lang="es-CO" b="0" dirty="0" smtClean="0"/>
+                <a:endParaRPr lang="es-CO" b="0" dirty="0"/>
               </a:p>
               <a:p>
                 <a:pPr marL="0" indent="0" algn="just">
                   <a:buNone/>
                 </a:pPr>
                 <a:r>
-                  <a:rPr lang="es-CO" i="1" dirty="0" smtClean="0"/>
+                  <a:rPr lang="es-CO" i="1" dirty="0"/>
                   <a:t>e</a:t>
                 </a:r>
                 <a:r>
-                  <a:rPr lang="es-CO" dirty="0" smtClean="0"/>
+                  <a:rPr lang="es-CO" dirty="0"/>
                   <a:t>=0.06</a:t>
                 </a:r>
-                <a:endParaRPr lang="es-CO" dirty="0"/>
               </a:p>
               <a:p>
                 <a:endParaRPr lang="es-CO" dirty="0"/>
@@ -8279,14 +8181,14 @@
                     </m:oMath>
                   </m:oMathPara>
                 </a14:m>
-                <a:endParaRPr lang="es-CO" sz="3200" dirty="0" smtClean="0">
+                <a:endParaRPr lang="es-CO" sz="3200" dirty="0">
                   <a:solidFill>
                     <a:prstClr val="black"/>
                   </a:solidFill>
                 </a:endParaRPr>
               </a:p>
               <a:p>
-                <a:endParaRPr lang="es-CO" sz="3200" dirty="0" smtClean="0"/>
+                <a:endParaRPr lang="es-CO" sz="3200" dirty="0"/>
               </a:p>
               <a:p>
                 <a:pPr/>
@@ -8380,10 +8282,10 @@
                     </m:oMath>
                   </m:oMathPara>
                 </a14:m>
-                <a:endParaRPr lang="es-CO" sz="3200" dirty="0" smtClean="0"/>
+                <a:endParaRPr lang="es-CO" sz="3200" dirty="0"/>
               </a:p>
               <a:p>
-                <a:endParaRPr lang="es-CO" sz="3200" dirty="0" smtClean="0"/>
+                <a:endParaRPr lang="es-CO" sz="3200" dirty="0"/>
               </a:p>
               <a:p>
                 <a:pPr/>
@@ -8465,6 +8367,102 @@
 </p:sld>
 </file>
 
+<file path=ppt/slides/slide27.xml><?xml version="1.0" encoding="utf-8"?>
+<p:sld xmlns:a="http://schemas.openxmlformats.org/drawingml/2006/main" xmlns:r="http://schemas.openxmlformats.org/officeDocument/2006/relationships" xmlns:p="http://schemas.openxmlformats.org/presentationml/2006/main">
+  <p:cSld>
+    <p:spTree>
+      <p:nvGrpSpPr>
+        <p:cNvPr id="1" name=""/>
+        <p:cNvGrpSpPr/>
+        <p:nvPr/>
+      </p:nvGrpSpPr>
+      <p:grpSpPr>
+        <a:xfrm>
+          <a:off x="0" y="0"/>
+          <a:ext cx="0" cy="0"/>
+          <a:chOff x="0" y="0"/>
+          <a:chExt cx="0" cy="0"/>
+        </a:xfrm>
+      </p:grpSpPr>
+      <p:sp>
+        <p:nvSpPr>
+          <p:cNvPr id="2" name="Título 1">
+            <a:extLst>
+              <a:ext uri="{FF2B5EF4-FFF2-40B4-BE49-F238E27FC236}">
+                <a16:creationId xmlns:a16="http://schemas.microsoft.com/office/drawing/2014/main" id="{F6ED565D-F028-4658-9474-9A4E70366400}"/>
+              </a:ext>
+            </a:extLst>
+          </p:cNvPr>
+          <p:cNvSpPr>
+            <a:spLocks noGrp="1"/>
+          </p:cNvSpPr>
+          <p:nvPr>
+            <p:ph type="title"/>
+          </p:nvPr>
+        </p:nvSpPr>
+        <p:spPr/>
+        <p:txBody>
+          <a:bodyPr/>
+          <a:lstStyle/>
+          <a:p>
+            <a:r>
+              <a:rPr lang="es-MX" b="1" dirty="0">
+                <a:solidFill>
+                  <a:srgbClr val="0070C0"/>
+                </a:solidFill>
+              </a:rPr>
+              <a:t>Sesgo de medición </a:t>
+            </a:r>
+            <a:endParaRPr lang="es-CO" b="1" dirty="0">
+              <a:solidFill>
+                <a:srgbClr val="0070C0"/>
+              </a:solidFill>
+            </a:endParaRPr>
+          </a:p>
+        </p:txBody>
+      </p:sp>
+      <p:sp>
+        <p:nvSpPr>
+          <p:cNvPr id="3" name="Marcador de contenido 2">
+            <a:extLst>
+              <a:ext uri="{FF2B5EF4-FFF2-40B4-BE49-F238E27FC236}">
+                <a16:creationId xmlns:a16="http://schemas.microsoft.com/office/drawing/2014/main" id="{35488322-237E-4B71-B40F-C4FA2A7D4FA4}"/>
+              </a:ext>
+            </a:extLst>
+          </p:cNvPr>
+          <p:cNvSpPr>
+            <a:spLocks noGrp="1"/>
+          </p:cNvSpPr>
+          <p:nvPr>
+            <p:ph idx="1"/>
+          </p:nvPr>
+        </p:nvSpPr>
+        <p:spPr/>
+        <p:txBody>
+          <a:bodyPr/>
+          <a:lstStyle/>
+          <a:p>
+            <a:r>
+              <a:rPr lang="es-MX" dirty="0"/>
+              <a:t>Ocurre cuando el instrumento con el que se mide tiene una tendencia a diferir del valor verdadero en alguna dirección.</a:t>
+            </a:r>
+            <a:endParaRPr lang="es-CO" dirty="0"/>
+          </a:p>
+        </p:txBody>
+      </p:sp>
+    </p:spTree>
+    <p:extLst>
+      <p:ext uri="{BB962C8B-B14F-4D97-AF65-F5344CB8AC3E}">
+        <p14:creationId xmlns:p14="http://schemas.microsoft.com/office/powerpoint/2010/main" val="1793996277"/>
+      </p:ext>
+    </p:extLst>
+  </p:cSld>
+  <p:clrMapOvr>
+    <a:masterClrMapping/>
+  </p:clrMapOvr>
+</p:sld>
+</file>
+
 <file path=ppt/slides/slide28.xml><?xml version="1.0" encoding="utf-8"?>
 <p:sld xmlns:a="http://schemas.openxmlformats.org/drawingml/2006/main" xmlns:r="http://schemas.openxmlformats.org/officeDocument/2006/relationships" xmlns:p="http://schemas.openxmlformats.org/presentationml/2006/main">
   <p:cSld>
@@ -8528,7 +8526,7 @@
           <a:lstStyle/>
           <a:p>
             <a:r>
-              <a:rPr lang="es-CO" dirty="0" smtClean="0"/>
+              <a:rPr lang="es-CO" dirty="0"/>
               <a:t>Muestreo No-Aleatorizado (o No-Probabilista) </a:t>
             </a:r>
           </a:p>
@@ -8538,10 +8536,9 @@
               <a:buAutoNum type="romanLcPeriod"/>
             </a:pPr>
             <a:r>
-              <a:rPr lang="es-CO" dirty="0" smtClean="0"/>
+              <a:rPr lang="es-CO" dirty="0"/>
               <a:t>   Se basa en el juicio personal del investigador. </a:t>
             </a:r>
-            <a:endParaRPr lang="es-CO" dirty="0"/>
           </a:p>
           <a:p>
             <a:pPr marL="1371600" lvl="2" indent="-571500">
@@ -8549,7 +8546,7 @@
               <a:buAutoNum type="romanLcPeriod"/>
             </a:pPr>
             <a:r>
-              <a:rPr lang="es-CO" dirty="0" smtClean="0"/>
+              <a:rPr lang="es-CO" dirty="0"/>
               <a:t>   Puede generar buenas muestras pero no permite    </a:t>
             </a:r>
           </a:p>
@@ -8559,11 +8556,7 @@
             </a:pPr>
             <a:r>
               <a:rPr lang="es-CO" dirty="0"/>
-              <a:t> </a:t>
-            </a:r>
-            <a:r>
-              <a:rPr lang="es-CO" dirty="0" smtClean="0"/>
-              <a:t>          una evaluación estadística de confianza. </a:t>
+              <a:t>           una evaluación estadística de confianza. </a:t>
             </a:r>
           </a:p>
           <a:p>
@@ -8571,13 +8564,13 @@
               <a:buNone/>
             </a:pPr>
             <a:r>
-              <a:rPr lang="es-CO" dirty="0" smtClean="0"/>
+              <a:rPr lang="es-CO" dirty="0"/>
               <a:t>iii.        Frecuentemente usado como primera aproximación </a:t>
             </a:r>
           </a:p>
           <a:p>
             <a:r>
-              <a:rPr lang="es-CO" dirty="0" smtClean="0"/>
+              <a:rPr lang="es-CO" dirty="0"/>
               <a:t>Muestreo Aleatorizado (o Probabilista ) </a:t>
             </a:r>
           </a:p>
@@ -8665,19 +8658,53 @@
                 <a:ea typeface="+mj-ea"/>
                 <a:cs typeface="+mj-cs"/>
               </a:rPr>
-              <a:t>Muestreo no-Aleatorizado o </a:t>
-            </a:r>
-            <a:r>
-              <a:rPr lang="es-CO" sz="4100" b="1" dirty="0" smtClean="0">
-                <a:solidFill>
-                  <a:srgbClr val="0070C0"/>
-                </a:solidFill>
-                <a:latin typeface="+mj-lt"/>
-                <a:ea typeface="+mj-ea"/>
-                <a:cs typeface="+mj-cs"/>
-              </a:rPr>
-              <a:t>no-Probabilístico </a:t>
-            </a:r>
+              <a:t>Muestreo no-Aleatorizado o no-Probabilístico </a:t>
+            </a:r>
+          </a:p>
+          <a:p>
+            <a:r>
+              <a:rPr lang="es-CO" dirty="0"/>
+              <a:t> Muestreo por </a:t>
+            </a:r>
+            <a:r>
+              <a:rPr lang="es-CO" dirty="0" err="1"/>
+              <a:t>convenciencia</a:t>
+            </a:r>
+            <a:r>
+              <a:rPr lang="es-CO" dirty="0"/>
+              <a:t>  </a:t>
+            </a:r>
+          </a:p>
+          <a:p>
+            <a:r>
+              <a:rPr lang="es-CO" dirty="0"/>
+              <a:t> Muestreo por juicio </a:t>
+            </a:r>
+          </a:p>
+          <a:p>
+            <a:r>
+              <a:rPr lang="es-CO" dirty="0"/>
+              <a:t> Muestreo por cuota </a:t>
+            </a:r>
+          </a:p>
+          <a:p>
+            <a:r>
+              <a:rPr lang="es-CO" dirty="0"/>
+              <a:t> Muestreo tipo “bola de nieve” (</a:t>
+            </a:r>
+            <a:r>
+              <a:rPr lang="es-CO" dirty="0" err="1"/>
+              <a:t>snowball</a:t>
+            </a:r>
+            <a:r>
+              <a:rPr lang="es-CO" dirty="0"/>
+              <a:t>) </a:t>
+            </a:r>
+          </a:p>
+          <a:p>
+            <a:pPr marL="0" indent="0">
+              <a:buNone/>
+            </a:pPr>
             <a:endParaRPr lang="es-CO" sz="4100" b="1" dirty="0">
               <a:solidFill>
                 <a:srgbClr val="0070C0"/>
@@ -8688,76 +8715,12 @@
             </a:endParaRPr>
           </a:p>
           <a:p>
-            <a:r>
-              <a:rPr lang="es-CO" dirty="0" smtClean="0"/>
-              <a:t> Muestreo por </a:t>
-            </a:r>
-            <a:r>
-              <a:rPr lang="es-CO" dirty="0" err="1" smtClean="0"/>
-              <a:t>convenciencia</a:t>
-            </a:r>
-            <a:r>
-              <a:rPr lang="es-CO" dirty="0" smtClean="0"/>
-              <a:t>  </a:t>
-            </a:r>
-          </a:p>
-          <a:p>
-            <a:r>
-              <a:rPr lang="es-CO" dirty="0" smtClean="0"/>
-              <a:t> Muestreo por juicio </a:t>
-            </a:r>
-          </a:p>
-          <a:p>
-            <a:r>
-              <a:rPr lang="es-CO" dirty="0" smtClean="0"/>
-              <a:t> Muestreo por cuota </a:t>
-            </a:r>
-          </a:p>
-          <a:p>
-            <a:r>
-              <a:rPr lang="es-CO" dirty="0" smtClean="0"/>
-              <a:t> Muestreo tipo “bola de nieve” (</a:t>
-            </a:r>
-            <a:r>
-              <a:rPr lang="es-CO" dirty="0" err="1" smtClean="0"/>
-              <a:t>snowball</a:t>
-            </a:r>
-            <a:r>
-              <a:rPr lang="es-CO" dirty="0" smtClean="0"/>
-              <a:t>) </a:t>
-            </a:r>
-          </a:p>
-          <a:p>
-            <a:pPr marL="0" indent="0">
-              <a:buNone/>
-            </a:pPr>
-            <a:endParaRPr lang="es-CO" sz="4100" b="1" dirty="0" smtClean="0">
-              <a:solidFill>
-                <a:srgbClr val="0070C0"/>
-              </a:solidFill>
-              <a:latin typeface="+mj-lt"/>
-              <a:ea typeface="+mj-ea"/>
-              <a:cs typeface="+mj-cs"/>
-            </a:endParaRPr>
-          </a:p>
-          <a:p>
             <a:pPr marL="0" indent="0">
               <a:spcBef>
                 <a:spcPct val="0"/>
               </a:spcBef>
               <a:buNone/>
             </a:pPr>
-            <a:r>
-              <a:rPr lang="es-CO" sz="4100" b="1" dirty="0" smtClean="0">
-                <a:solidFill>
-                  <a:srgbClr val="0070C0"/>
-                </a:solidFill>
-                <a:latin typeface="+mj-lt"/>
-                <a:ea typeface="+mj-ea"/>
-                <a:cs typeface="+mj-cs"/>
-              </a:rPr>
-              <a:t>Muestreo </a:t>
-            </a:r>
             <a:r>
               <a:rPr lang="es-CO" sz="4100" b="1" dirty="0">
                 <a:solidFill>
@@ -8767,52 +8730,32 @@
                 <a:ea typeface="+mj-ea"/>
                 <a:cs typeface="+mj-cs"/>
               </a:rPr>
-              <a:t>Aleatorizado o </a:t>
-            </a:r>
-            <a:r>
-              <a:rPr lang="es-CO" sz="4100" b="1" dirty="0" smtClean="0">
-                <a:solidFill>
-                  <a:srgbClr val="0070C0"/>
-                </a:solidFill>
-                <a:latin typeface="+mj-lt"/>
-                <a:ea typeface="+mj-ea"/>
-                <a:cs typeface="+mj-cs"/>
-              </a:rPr>
-              <a:t>Probabilístico: </a:t>
-            </a:r>
-            <a:endParaRPr lang="es-CO" sz="4100" b="1" dirty="0">
-              <a:solidFill>
-                <a:srgbClr val="0070C0"/>
-              </a:solidFill>
-              <a:latin typeface="+mj-lt"/>
-              <a:ea typeface="+mj-ea"/>
-              <a:cs typeface="+mj-cs"/>
-            </a:endParaRPr>
-          </a:p>
-          <a:p>
-            <a:r>
-              <a:rPr lang="es-CO" dirty="0" smtClean="0"/>
+              <a:t>Muestreo Aleatorizado o Probabilístico: </a:t>
+            </a:r>
+          </a:p>
+          <a:p>
+            <a:r>
+              <a:rPr lang="es-CO" dirty="0"/>
               <a:t>Muestreo aleatorio simple </a:t>
             </a:r>
           </a:p>
           <a:p>
             <a:r>
-              <a:rPr lang="es-CO" dirty="0" smtClean="0"/>
+              <a:rPr lang="es-CO" dirty="0"/>
               <a:t>Muestreo sistemático </a:t>
             </a:r>
           </a:p>
           <a:p>
             <a:r>
-              <a:rPr lang="es-CO" dirty="0" smtClean="0"/>
+              <a:rPr lang="es-CO" dirty="0"/>
               <a:t>Muestreo estratificado </a:t>
             </a:r>
           </a:p>
           <a:p>
             <a:r>
-              <a:rPr lang="es-CO" dirty="0" smtClean="0"/>
+              <a:rPr lang="es-CO" dirty="0"/>
               <a:t>Muestreo por grupos</a:t>
             </a:r>
-            <a:endParaRPr lang="es-CO" dirty="0"/>
           </a:p>
         </p:txBody>
       </p:sp>
@@ -8834,18 +8777,13 @@
           <a:lstStyle/>
           <a:p>
             <a:r>
-              <a:rPr lang="es-CO" b="1" dirty="0" smtClean="0">
+              <a:rPr lang="es-CO" b="1" dirty="0">
                 <a:solidFill>
                   <a:srgbClr val="0070C0"/>
                 </a:solidFill>
               </a:rPr>
               <a:t>Técnicas de Muestreo </a:t>
             </a:r>
-            <a:endParaRPr lang="es-CO" b="1" dirty="0">
-              <a:solidFill>
-                <a:srgbClr val="0070C0"/>
-              </a:solidFill>
-            </a:endParaRPr>
           </a:p>
         </p:txBody>
       </p:sp>
@@ -8903,10 +8841,9 @@
           <a:p>
             <a:pPr algn="ctr"/>
             <a:r>
-              <a:rPr lang="es-CO" b="1" dirty="0" smtClean="0"/>
+              <a:rPr lang="es-CO" b="1" dirty="0"/>
               <a:t>Parámetros de la distribución</a:t>
             </a:r>
-            <a:endParaRPr lang="es-CO" b="1" dirty="0"/>
           </a:p>
         </p:txBody>
       </p:sp>
@@ -8995,13 +8932,6 @@
   <p:clrMapOvr>
     <a:masterClrMapping/>
   </p:clrMapOvr>
-  <p:timing>
-    <p:tnLst>
-      <p:par>
-        <p:cTn id="1" dur="indefinite" restart="never" nodeType="tmRoot"/>
-      </p:par>
-    </p:tnLst>
-  </p:timing>
 </p:sld>
 </file>
 
@@ -9126,7 +9056,7 @@
           <a:lstStyle/>
           <a:p>
             <a:r>
-              <a:rPr lang="es-CO" b="1" dirty="0" smtClean="0">
+              <a:rPr lang="es-CO" b="1" dirty="0">
                 <a:solidFill>
                   <a:srgbClr val="0070C0"/>
                 </a:solidFill>
@@ -9134,27 +9064,19 @@
               <a:t>Muestreo no probabilista</a:t>
             </a:r>
             <a:br>
-              <a:rPr lang="es-CO" b="1" dirty="0" smtClean="0">
+              <a:rPr lang="es-CO" b="1" dirty="0">
                 <a:solidFill>
                   <a:srgbClr val="0070C0"/>
                 </a:solidFill>
               </a:rPr>
             </a:br>
             <a:r>
-              <a:rPr lang="es-CO" b="1" dirty="0" smtClean="0">
-                <a:solidFill>
-                  <a:srgbClr val="0070C0"/>
-                </a:solidFill>
-              </a:rPr>
-              <a:t>Muestreo </a:t>
-            </a:r>
-            <a:r>
               <a:rPr lang="es-CO" b="1" dirty="0">
                 <a:solidFill>
                   <a:srgbClr val="0070C0"/>
                 </a:solidFill>
               </a:rPr>
-              <a:t>por Conveniencia </a:t>
+              <a:t>Muestreo por Conveniencia </a:t>
             </a:r>
           </a:p>
         </p:txBody>
@@ -9182,19 +9104,19 @@
           <a:lstStyle/>
           <a:p>
             <a:r>
-              <a:rPr lang="es-CO" dirty="0" smtClean="0"/>
+              <a:rPr lang="es-CO" dirty="0"/>
               <a:t> Los elementos de la muestra se eligen por estar en el lugar o en el momento adecuado para la investigación. </a:t>
             </a:r>
           </a:p>
           <a:p>
             <a:r>
-              <a:rPr lang="es-CO" dirty="0" smtClean="0"/>
+              <a:rPr lang="es-CO" dirty="0"/>
               <a:t> El criterio de selección (lugar, tiempo y demás) es completamente dependiente del investigador, sin reglas predeterminadas. </a:t>
             </a:r>
           </a:p>
           <a:p>
             <a:r>
-              <a:rPr lang="es-CO" b="1" dirty="0" smtClean="0">
+              <a:rPr lang="es-CO" b="1" dirty="0">
                 <a:solidFill>
                   <a:schemeClr val="accent1">
                     <a:lumMod val="75000"/>
@@ -9209,7 +9131,7 @@
               <a:buNone/>
             </a:pPr>
             <a:r>
-              <a:rPr lang="es-CO" dirty="0" smtClean="0"/>
+              <a:rPr lang="es-CO" dirty="0"/>
               <a:t> encuestas en la calle</a:t>
             </a:r>
           </a:p>
@@ -9218,7 +9140,7 @@
               <a:buNone/>
             </a:pPr>
             <a:r>
-              <a:rPr lang="es-CO" dirty="0" smtClean="0"/>
+              <a:rPr lang="es-CO" dirty="0"/>
               <a:t> encuestas a estudiantes </a:t>
             </a:r>
           </a:p>
@@ -9227,10 +9149,9 @@
               <a:buNone/>
             </a:pPr>
             <a:r>
-              <a:rPr lang="es-CO" dirty="0" smtClean="0"/>
+              <a:rPr lang="es-CO" dirty="0"/>
               <a:t> encuestas web</a:t>
             </a:r>
-            <a:endParaRPr lang="es-CO" dirty="0"/>
           </a:p>
         </p:txBody>
       </p:sp>
@@ -9369,38 +9290,33 @@
           <a:lstStyle/>
           <a:p>
             <a:r>
-              <a:rPr lang="es-CO" dirty="0" smtClean="0"/>
+              <a:rPr lang="es-CO" dirty="0"/>
               <a:t>Se selecciona de acuerdo a alguna característica especifica del encuestado juzgada por el encuestador</a:t>
             </a:r>
           </a:p>
           <a:p>
             <a:r>
-              <a:rPr lang="es-CO" dirty="0" smtClean="0"/>
-              <a:t>Muestreo </a:t>
-            </a:r>
-            <a:r>
               <a:rPr lang="es-CO" dirty="0"/>
-              <a:t>por conveniencia </a:t>
-            </a:r>
-          </a:p>
-          <a:p>
-            <a:r>
-              <a:rPr lang="es-CO" dirty="0" smtClean="0"/>
+              <a:t>Muestreo por conveniencia </a:t>
+            </a:r>
+          </a:p>
+          <a:p>
+            <a:r>
+              <a:rPr lang="es-CO" dirty="0"/>
               <a:t>Clientes / Consumidores de un cierto tipo</a:t>
             </a:r>
           </a:p>
           <a:p>
             <a:r>
-              <a:rPr lang="es-CO" dirty="0" smtClean="0"/>
+              <a:rPr lang="es-CO" dirty="0"/>
               <a:t>Expertos en un tema o aspecto de la organización </a:t>
             </a:r>
           </a:p>
           <a:p>
             <a:r>
-              <a:rPr lang="es-CO" dirty="0" smtClean="0"/>
+              <a:rPr lang="es-CO" dirty="0"/>
               <a:t>Personajes “líderes de opinión”</a:t>
             </a:r>
-            <a:endParaRPr lang="es-CO" dirty="0"/>
           </a:p>
         </p:txBody>
       </p:sp>
@@ -9529,24 +9445,33 @@
         <p:spPr>
           <a:xfrm>
             <a:off x="457200" y="1600201"/>
-            <a:ext cx="8507288" cy="1684783"/>
+            <a:ext cx="4402832" cy="4565103"/>
           </a:xfrm>
         </p:spPr>
         <p:txBody>
           <a:bodyPr>
-            <a:normAutofit fontScale="92500" lnSpcReduction="20000"/>
+            <a:normAutofit fontScale="77500" lnSpcReduction="20000"/>
           </a:bodyPr>
           <a:lstStyle/>
           <a:p>
-            <a:r>
-              <a:rPr lang="es-CO" dirty="0" smtClean="0"/>
+            <a:pPr algn="just"/>
+            <a:r>
+              <a:rPr lang="es-CO" dirty="0"/>
               <a:t>Separa la población de acuerdo a variables de control: edad, sexo, raza, nivel socio-económico </a:t>
             </a:r>
           </a:p>
           <a:p>
-            <a:r>
-              <a:rPr lang="es-CO" dirty="0" smtClean="0"/>
+            <a:pPr algn="just"/>
+            <a:r>
+              <a:rPr lang="es-CO" dirty="0"/>
               <a:t>A cada subgrupo se le asigna una proporción de muestreo, típicamente un % de la población</a:t>
+            </a:r>
+          </a:p>
+          <a:p>
+            <a:pPr algn="just"/>
+            <a:r>
+              <a:rPr lang="es-MX" dirty="0"/>
+              <a:t>La elección de la unidad en la muestra esta basada en el criterio del investigador de modo que se elige una muestra de conveniencia dentro de cada subpoblación</a:t>
             </a:r>
             <a:endParaRPr lang="es-CO" dirty="0"/>
           </a:p>
@@ -9575,8 +9500,8 @@
         </p:blipFill>
         <p:spPr bwMode="auto">
           <a:xfrm>
-            <a:off x="2699792" y="3381096"/>
-            <a:ext cx="4953668" cy="3278765"/>
+            <a:off x="5062129" y="2229440"/>
+            <a:ext cx="3624671" cy="2399120"/>
           </a:xfrm>
           <a:prstGeom prst="rect">
             <a:avLst/>
@@ -9687,22 +9612,21 @@
           <a:lstStyle/>
           <a:p>
             <a:r>
-              <a:rPr lang="es-CO" dirty="0" smtClean="0"/>
+              <a:rPr lang="es-CO" dirty="0"/>
               <a:t>Se selecciona un grupo inicial</a:t>
             </a:r>
           </a:p>
           <a:p>
             <a:r>
-              <a:rPr lang="es-CO" dirty="0" smtClean="0"/>
+              <a:rPr lang="es-CO" dirty="0"/>
               <a:t>Los nuevos encuestados se seleccionan en base a las referencias de los encuestados anteriores, explotando sus “redes sociales” .</a:t>
             </a:r>
           </a:p>
           <a:p>
             <a:r>
-              <a:rPr lang="es-CO" dirty="0" smtClean="0"/>
+              <a:rPr lang="es-CO" dirty="0"/>
               <a:t>Muy utilizado en ciencias sociales, cuando la característica a estudiar es rara o escasa y cuando es difícil conseguir encuestados.</a:t>
             </a:r>
-            <a:endParaRPr lang="es-CO" dirty="0"/>
           </a:p>
         </p:txBody>
       </p:sp>
@@ -9784,37 +9708,16 @@
           <a:p>
             <a:r>
               <a:rPr lang="es-CO" dirty="0"/>
-              <a:t>Un investigador quiere hacer un estudio sobre el comportamiento de los individuos </a:t>
-            </a:r>
-            <a:r>
-              <a:rPr lang="es-CO" dirty="0" smtClean="0"/>
-              <a:t>de una</a:t>
-            </a:r>
+              <a:t>Un investigador quiere hacer un estudio sobre el comportamiento de los individuos de una secta secreta. </a:t>
+            </a:r>
+          </a:p>
+          <a:p>
+            <a:endParaRPr lang="es-CO" dirty="0"/>
+          </a:p>
+          <a:p>
             <a:r>
               <a:rPr lang="es-CO" dirty="0"/>
-              <a:t> secta secreta. </a:t>
-            </a:r>
-            <a:endParaRPr lang="es-CO" dirty="0" smtClean="0"/>
-          </a:p>
-          <a:p>
-            <a:endParaRPr lang="es-CO" dirty="0"/>
-          </a:p>
-          <a:p>
-            <a:r>
-              <a:rPr lang="es-CO" dirty="0" smtClean="0"/>
-              <a:t>Empieza </a:t>
-            </a:r>
-            <a:r>
-              <a:rPr lang="es-CO" dirty="0"/>
-              <a:t>estudiando a tres integrantes </a:t>
-            </a:r>
-            <a:r>
-              <a:rPr lang="es-CO" dirty="0" smtClean="0"/>
-              <a:t>de </a:t>
-            </a:r>
-            <a:r>
-              <a:rPr lang="es-CO" dirty="0"/>
-              <a:t>la misma secta que conoce y ellos le van presentando a otros sujetos para incluirlos en su estudio.</a:t>
+              <a:t>Empieza estudiando a tres integrantes de la misma secta que conoce y ellos le van presentando a otros sujetos para incluirlos en su estudio.</a:t>
             </a:r>
           </a:p>
           <a:p>
@@ -9875,7 +9778,7 @@
           <a:lstStyle/>
           <a:p>
             <a:r>
-              <a:rPr lang="es-CO" sz="4900" b="1" dirty="0" smtClean="0">
+              <a:rPr lang="es-CO" sz="4900" b="1" dirty="0">
                 <a:solidFill>
                   <a:srgbClr val="0070C0"/>
                 </a:solidFill>
@@ -9883,34 +9786,22 @@
               <a:t>Muestreo probabilístico </a:t>
             </a:r>
             <a:br>
-              <a:rPr lang="es-CO" sz="4900" b="1" dirty="0" smtClean="0">
+              <a:rPr lang="es-CO" sz="4900" b="1" dirty="0">
                 <a:solidFill>
                   <a:srgbClr val="0070C0"/>
                 </a:solidFill>
               </a:rPr>
             </a:br>
             <a:r>
-              <a:rPr lang="es-CO" sz="4900" b="1" dirty="0" smtClean="0">
-                <a:solidFill>
-                  <a:srgbClr val="0070C0"/>
-                </a:solidFill>
-              </a:rPr>
-              <a:t>Muestreo </a:t>
-            </a:r>
-            <a:r>
               <a:rPr lang="es-CO" sz="4900" b="1" dirty="0">
                 <a:solidFill>
                   <a:srgbClr val="0070C0"/>
                 </a:solidFill>
               </a:rPr>
-              <a:t>Aleatorio Simple</a:t>
-            </a:r>
-            <a:r>
-              <a:rPr lang="es-CO" dirty="0" smtClean="0"/>
-              <a:t/>
+              <a:t>Muestreo Aleatorio Simple</a:t>
             </a:r>
             <a:br>
-              <a:rPr lang="es-CO" dirty="0" smtClean="0"/>
+              <a:rPr lang="es-CO" dirty="0"/>
             </a:br>
             <a:endParaRPr lang="es-CO" dirty="0"/>
           </a:p>
@@ -9939,48 +9830,35 @@
           <a:lstStyle/>
           <a:p>
             <a:r>
-              <a:rPr lang="es-CO" dirty="0" smtClean="0"/>
+              <a:rPr lang="es-CO" dirty="0"/>
               <a:t>Cada elemento del marco </a:t>
             </a:r>
             <a:r>
-              <a:rPr lang="es-CO" dirty="0" err="1" smtClean="0"/>
+              <a:rPr lang="es-CO" dirty="0" err="1"/>
               <a:t>muestral</a:t>
             </a:r>
             <a:r>
-              <a:rPr lang="es-CO" dirty="0" smtClean="0"/>
+              <a:rPr lang="es-CO" dirty="0"/>
               <a:t> tiene la misma probabilidad de ser seleccionado y cada elemento se selecciona de manera independiente de los otros.</a:t>
             </a:r>
           </a:p>
           <a:p>
             <a:r>
               <a:rPr lang="es-CO" dirty="0"/>
-              <a:t>C</a:t>
-            </a:r>
-            <a:r>
-              <a:rPr lang="es-CO" dirty="0" smtClean="0"/>
-              <a:t>on reemplazo: se pueden repetir elementos</a:t>
+              <a:t>Con reemplazo: se pueden repetir elementos</a:t>
             </a:r>
           </a:p>
           <a:p>
             <a:r>
               <a:rPr lang="es-CO" dirty="0"/>
-              <a:t>S</a:t>
-            </a:r>
-            <a:r>
-              <a:rPr lang="es-CO" dirty="0" smtClean="0"/>
-              <a:t>in reemplazo: no se pueden repetir elementos</a:t>
+              <a:t>Sin reemplazo: no se pueden repetir elementos</a:t>
             </a:r>
           </a:p>
           <a:p>
             <a:r>
               <a:rPr lang="es-CO" dirty="0"/>
-              <a:t>S</a:t>
-            </a:r>
-            <a:r>
-              <a:rPr lang="es-CO" dirty="0" smtClean="0"/>
-              <a:t>e indexa a la población y luego se elige un índice de manera aleatoria hasta completar el tamaño deseado de la muestra.</a:t>
-            </a:r>
-            <a:endParaRPr lang="es-CO" dirty="0"/>
+              <a:t>Se indexa a la población y luego se elige un índice de manera aleatoria hasta completar el tamaño deseado de la muestra.</a:t>
+            </a:r>
           </a:p>
         </p:txBody>
       </p:sp>
@@ -10091,20 +9969,12 @@
           <a:lstStyle/>
           <a:p>
             <a:r>
-              <a:rPr lang="es-CO" b="1" dirty="0" smtClean="0">
-                <a:solidFill>
-                  <a:srgbClr val="0070C0"/>
-                </a:solidFill>
-              </a:rPr>
-              <a:t>Muestreo </a:t>
-            </a:r>
-            <a:r>
               <a:rPr lang="es-CO" b="1" dirty="0">
                 <a:solidFill>
                   <a:srgbClr val="0070C0"/>
                 </a:solidFill>
               </a:rPr>
-              <a:t>Aleatorio Estratificado</a:t>
+              <a:t>Muestreo Aleatorio Estratificado</a:t>
             </a:r>
           </a:p>
         </p:txBody>
@@ -10136,67 +10006,27 @@
             </a:pPr>
             <a:r>
               <a:rPr lang="es-CO" dirty="0"/>
-              <a:t>Antes de seleccionar los elementos, se agrupa </a:t>
-            </a:r>
-            <a:r>
-              <a:rPr lang="es-CO" dirty="0" smtClean="0"/>
-              <a:t>la población </a:t>
-            </a:r>
-            <a:r>
-              <a:rPr lang="es-CO" dirty="0" err="1" smtClean="0"/>
+              <a:t>Antes de seleccionar los elementos, se agrupa la población </a:t>
+            </a:r>
+            <a:r>
+              <a:rPr lang="es-CO" dirty="0" err="1"/>
               <a:t>muestral</a:t>
             </a:r>
             <a:r>
-              <a:rPr lang="es-CO" dirty="0" smtClean="0"/>
-              <a:t> </a:t>
-            </a:r>
-            <a:r>
               <a:rPr lang="es-CO" dirty="0"/>
-              <a:t>en estratos de acuerdo a </a:t>
-            </a:r>
-            <a:r>
-              <a:rPr lang="es-CO" dirty="0" smtClean="0"/>
-              <a:t>una variable </a:t>
-            </a:r>
-            <a:r>
-              <a:rPr lang="es-CO" dirty="0"/>
-              <a:t>importante: edad, género</a:t>
-            </a:r>
-            <a:r>
-              <a:rPr lang="es-CO" dirty="0" smtClean="0"/>
-              <a:t>, ocupación</a:t>
-            </a:r>
-            <a:r>
-              <a:rPr lang="es-CO" dirty="0"/>
-              <a:t>.</a:t>
-            </a:r>
-          </a:p>
-          <a:p>
-            <a:endParaRPr lang="es-CO" dirty="0" smtClean="0"/>
+              <a:t> en estratos de acuerdo a una variable importante: edad, género, ocupación.</a:t>
+            </a:r>
+          </a:p>
+          <a:p>
+            <a:endParaRPr lang="es-CO" dirty="0"/>
           </a:p>
           <a:p>
             <a:pPr marL="0" indent="0">
               <a:buNone/>
             </a:pPr>
             <a:r>
-              <a:rPr lang="es-CO" dirty="0" smtClean="0"/>
-              <a:t>Objetivo</a:t>
-            </a:r>
-            <a:r>
               <a:rPr lang="es-CO" dirty="0"/>
-              <a:t>: reducir la variabilidad que se </a:t>
-            </a:r>
-            <a:r>
-              <a:rPr lang="es-CO" dirty="0" smtClean="0"/>
-              <a:t>puede observar </a:t>
-            </a:r>
-            <a:r>
-              <a:rPr lang="es-CO" dirty="0"/>
-              <a:t>dentro de cada </a:t>
-            </a:r>
-            <a:r>
-              <a:rPr lang="es-CO" dirty="0" smtClean="0"/>
-              <a:t>estrato</a:t>
+              <a:t>Objetivo: reducir la variabilidad que se puede observar dentro de cada estrato</a:t>
             </a:r>
           </a:p>
           <a:p>
@@ -10210,18 +10040,9 @@
               <a:buNone/>
             </a:pPr>
             <a:r>
-              <a:rPr lang="es-CO" dirty="0" smtClean="0"/>
-              <a:t>Dentro </a:t>
-            </a:r>
-            <a:r>
               <a:rPr lang="es-CO" dirty="0"/>
-              <a:t>de cada estrato se puede proceder </a:t>
-            </a:r>
-            <a:r>
-              <a:rPr lang="es-CO" dirty="0" smtClean="0"/>
-              <a:t>con muestreo simple</a:t>
-            </a:r>
-            <a:endParaRPr lang="es-CO" dirty="0"/>
+              <a:t>Dentro de cada estrato se puede proceder con muestreo simple</a:t>
+            </a:r>
           </a:p>
         </p:txBody>
       </p:sp>
@@ -10417,33 +10238,15 @@
             <a:pPr algn="just"/>
             <a:r>
               <a:rPr lang="es-CO" sz="2000" dirty="0"/>
-              <a:t>El método de muestreo por conglomerados se utiliza cuando la población está agrupada </a:t>
-            </a:r>
-            <a:r>
-              <a:rPr lang="es-CO" sz="2000" dirty="0" smtClean="0"/>
-              <a:t>naturalmente.</a:t>
-            </a:r>
-            <a:endParaRPr lang="es-CO" sz="2000" dirty="0"/>
+              <a:t>El método de muestreo por conglomerados se utiliza cuando la población está agrupada naturalmente.</a:t>
+            </a:r>
           </a:p>
           <a:p>
             <a:pPr algn="just"/>
             <a:r>
               <a:rPr lang="es-CO" sz="2000" dirty="0"/>
-              <a:t>Si se supone que los conglomerados son muestra significativa de la variable que se está estudiando, se puede seleccionar algunos </a:t>
-            </a:r>
-            <a:r>
-              <a:rPr lang="es-CO" sz="2000" dirty="0" smtClean="0"/>
-              <a:t>grupos </a:t>
-            </a:r>
-            <a:r>
-              <a:rPr lang="es-CO" sz="2000" dirty="0"/>
-              <a:t>al azar (todos los conglomerados deben tener las mismas probabilidades de ser seleccionados) y utilizarlos en representación de la población</a:t>
-            </a:r>
-            <a:r>
-              <a:rPr lang="es-CO" sz="2000" dirty="0" smtClean="0"/>
-              <a:t>.</a:t>
-            </a:r>
-            <a:endParaRPr lang="es-CO" sz="2000" dirty="0"/>
+              <a:t>Si se supone que los conglomerados son muestra significativa de la variable que se está estudiando, se puede seleccionar algunos grupos al azar (todos los conglomerados deben tener las mismas probabilidades de ser seleccionados) y utilizarlos en representación de la población.</a:t>
+            </a:r>
           </a:p>
         </p:txBody>
       </p:sp>
@@ -10468,9 +10271,11 @@
           </a:bodyPr>
           <a:lstStyle/>
           <a:p>
+            <a:pPr algn="just"/>
             <a:endParaRPr lang="es-CO" dirty="0"/>
           </a:p>
           <a:p>
+            <a:pPr algn="just"/>
             <a:r>
               <a:rPr lang="es-CO" sz="2000" dirty="0"/>
               <a:t>En la práctica, el conglomerado más utilizado es el geográfico. Si queremos hacer un estudio en un país, podemos dividir el país en conglomerados como las comunidades, provincias, ciudades.</a:t>
@@ -10510,7 +10315,13 @@
       </p:grpSpPr>
       <p:sp>
         <p:nvSpPr>
-          <p:cNvPr id="2" name="1 Título"/>
+          <p:cNvPr id="2" name="Título 1">
+            <a:extLst>
+              <a:ext uri="{FF2B5EF4-FFF2-40B4-BE49-F238E27FC236}">
+                <a16:creationId xmlns:a16="http://schemas.microsoft.com/office/drawing/2014/main" id="{3901B129-AAB8-446F-AB33-B3620559F2F9}"/>
+              </a:ext>
+            </a:extLst>
+          </p:cNvPr>
           <p:cNvSpPr>
             <a:spLocks noGrp="1"/>
           </p:cNvSpPr>
@@ -10519,369 +10330,327 @@
           </p:nvPr>
         </p:nvSpPr>
         <p:spPr/>
+        <p:txBody>
+          <a:bodyPr>
+            <a:noAutofit/>
+          </a:bodyPr>
+          <a:lstStyle/>
+          <a:p>
+            <a:r>
+              <a:rPr lang="es-MX" sz="3200" b="1" dirty="0">
+                <a:solidFill>
+                  <a:srgbClr val="0070C0"/>
+                </a:solidFill>
+              </a:rPr>
+              <a:t>Diferencia entre</a:t>
+            </a:r>
+            <a:endParaRPr lang="es-CO" sz="3200" b="1" dirty="0">
+              <a:solidFill>
+                <a:srgbClr val="0070C0"/>
+              </a:solidFill>
+            </a:endParaRPr>
+          </a:p>
+        </p:txBody>
+      </p:sp>
+      <p:sp>
+        <p:nvSpPr>
+          <p:cNvPr id="3" name="Marcador de contenido 2">
+            <a:extLst>
+              <a:ext uri="{FF2B5EF4-FFF2-40B4-BE49-F238E27FC236}">
+                <a16:creationId xmlns:a16="http://schemas.microsoft.com/office/drawing/2014/main" id="{E43E4BBC-FF75-454B-AF97-AE15B76F8689}"/>
+              </a:ext>
+            </a:extLst>
+          </p:cNvPr>
+          <p:cNvSpPr>
+            <a:spLocks noGrp="1"/>
+          </p:cNvSpPr>
+          <p:nvPr>
+            <p:ph idx="1"/>
+          </p:nvPr>
+        </p:nvSpPr>
+        <p:spPr>
+          <a:xfrm>
+            <a:off x="566710" y="1166018"/>
+            <a:ext cx="3970784" cy="4525963"/>
+          </a:xfrm>
+        </p:spPr>
         <p:txBody>
           <a:bodyPr>
             <a:normAutofit/>
           </a:bodyPr>
           <a:lstStyle/>
           <a:p>
-            <a:r>
-              <a:rPr lang="es-CO" b="1" dirty="0">
-                <a:solidFill>
-                  <a:srgbClr val="0070C0"/>
-                </a:solidFill>
-              </a:rPr>
-              <a:t>Muestreo sistemático</a:t>
-            </a:r>
-          </a:p>
-        </p:txBody>
-      </p:sp>
-      <p:pic>
-        <p:nvPicPr>
-          <p:cNvPr id="8194" name="Picture 2"/>
-          <p:cNvPicPr>
-            <a:picLocks noGrp="1" noChangeAspect="1" noChangeArrowheads="1"/>
-          </p:cNvPicPr>
-          <p:nvPr>
-            <p:ph idx="1"/>
-          </p:nvPr>
-        </p:nvPicPr>
-        <p:blipFill>
-          <a:blip r:embed="rId2">
+            <a:pPr marL="0" indent="0" algn="ctr">
+              <a:buNone/>
+            </a:pPr>
+            <a:r>
+              <a:rPr lang="es-MX" sz="2200" b="1" dirty="0"/>
+              <a:t>Muestreo por estratos</a:t>
+            </a:r>
+          </a:p>
+          <a:p>
+            <a:pPr marL="0" indent="0" algn="ctr">
+              <a:buNone/>
+            </a:pPr>
+            <a:r>
+              <a:rPr lang="es-MX" sz="2200" dirty="0"/>
+              <a:t>Población de H estratos, el estrato h tiene n elementos</a:t>
+            </a:r>
+            <a:endParaRPr lang="es-CO" sz="2200" dirty="0"/>
+          </a:p>
+        </p:txBody>
+      </p:sp>
+      <p:sp>
+        <p:nvSpPr>
+          <p:cNvPr id="6" name="Marcador de contenido 2">
             <a:extLst>
-              <a:ext uri="{28A0092B-C50C-407E-A947-70E740481C1C}">
-                <a14:useLocalDpi xmlns:a14="http://schemas.microsoft.com/office/drawing/2010/main" val="0"/>
+              <a:ext uri="{FF2B5EF4-FFF2-40B4-BE49-F238E27FC236}">
+                <a16:creationId xmlns:a16="http://schemas.microsoft.com/office/drawing/2014/main" id="{CBEBE64E-D213-4A3D-9D98-B19CDDA9E131}"/>
               </a:ext>
             </a:extLst>
-          </a:blip>
-          <a:srcRect/>
-          <a:stretch>
-            <a:fillRect/>
-          </a:stretch>
-        </p:blipFill>
-        <p:spPr bwMode="auto">
-          <a:xfrm>
-            <a:off x="1763688" y="5661248"/>
-            <a:ext cx="5476875" cy="609600"/>
-          </a:xfrm>
-          <a:prstGeom prst="rect">
-            <a:avLst/>
-          </a:prstGeom>
-          <a:noFill/>
-          <a:ln>
-            <a:noFill/>
-          </a:ln>
-          <a:extLst>
-            <a:ext uri="{909E8E84-426E-40DD-AFC4-6F175D3DCCD1}">
-              <a14:hiddenFill xmlns:a14="http://schemas.microsoft.com/office/drawing/2010/main">
-                <a:solidFill>
-                  <a:schemeClr val="accent1"/>
-                </a:solidFill>
-              </a14:hiddenFill>
-            </a:ext>
-            <a:ext uri="{91240B29-F687-4F45-9708-019B960494DF}">
-              <a14:hiddenLine xmlns:a14="http://schemas.microsoft.com/office/drawing/2010/main" w="9525">
-                <a:solidFill>
-                  <a:schemeClr val="tx1"/>
-                </a:solidFill>
-                <a:miter lim="800000"/>
-                <a:headEnd/>
-                <a:tailEnd/>
-              </a14:hiddenLine>
-            </a:ext>
-          </a:extLst>
-        </p:spPr>
-      </p:pic>
-      <p:sp>
-        <p:nvSpPr>
-          <p:cNvPr id="4" name="3 Rectángulo"/>
-          <p:cNvSpPr/>
+          </p:cNvPr>
+          <p:cNvSpPr txBox="1">
+            <a:spLocks/>
+          </p:cNvSpPr>
           <p:nvPr/>
         </p:nvSpPr>
         <p:spPr>
           <a:xfrm>
-            <a:off x="827584" y="1124744"/>
-            <a:ext cx="7776864" cy="4062651"/>
+            <a:off x="4606506" y="1170055"/>
+            <a:ext cx="3970784" cy="4525963"/>
           </a:xfrm>
           <a:prstGeom prst="rect">
             <a:avLst/>
           </a:prstGeom>
         </p:spPr>
         <p:txBody>
-          <a:bodyPr wrap="square">
-            <a:spAutoFit/>
+          <a:bodyPr vert="horz" lIns="91440" tIns="45720" rIns="91440" bIns="45720" rtlCol="0">
+            <a:normAutofit/>
           </a:bodyPr>
-          <a:lstStyle/>
-          <a:p>
-            <a:pPr marL="285750" indent="-285750" fontAlgn="base">
+          <a:lstStyle>
+            <a:lvl1pPr marL="342900" indent="-342900" algn="l" defTabSz="914400" rtl="0" eaLnBrk="1" latinLnBrk="0" hangingPunct="1">
+              <a:spcBef>
+                <a:spcPct val="20000"/>
+              </a:spcBef>
               <a:buFont typeface="Arial" panose="020B0604020202020204" pitchFamily="34" charset="0"/>
               <a:buChar char="•"/>
-            </a:pPr>
-            <a:r>
-              <a:rPr lang="es-CO" sz="2400" dirty="0" smtClean="0"/>
-              <a:t>Se </a:t>
-            </a:r>
-            <a:r>
-              <a:rPr lang="es-CO" sz="2400" dirty="0"/>
-              <a:t>utiliza en </a:t>
-            </a:r>
-            <a:r>
-              <a:rPr lang="es-CO" sz="2400" dirty="0" smtClean="0"/>
-              <a:t>muestras</a:t>
-            </a:r>
-            <a:r>
-              <a:rPr lang="es-CO" sz="2400" dirty="0"/>
-              <a:t> ordenadas del 1 al </a:t>
-            </a:r>
-            <a:r>
-              <a:rPr lang="es-CO" sz="2400" i="1" dirty="0" smtClean="0"/>
-              <a:t>N</a:t>
-            </a:r>
-            <a:r>
-              <a:rPr lang="es-CO" sz="2400" dirty="0" smtClean="0"/>
-              <a:t>.</a:t>
-            </a:r>
-          </a:p>
-          <a:p>
-            <a:pPr marL="285750" indent="-285750" fontAlgn="base">
+              <a:defRPr sz="3200" kern="1200">
+                <a:solidFill>
+                  <a:schemeClr val="tx1"/>
+                </a:solidFill>
+                <a:latin typeface="+mn-lt"/>
+                <a:ea typeface="+mn-ea"/>
+                <a:cs typeface="+mn-cs"/>
+              </a:defRPr>
+            </a:lvl1pPr>
+            <a:lvl2pPr marL="742950" indent="-285750" algn="l" defTabSz="914400" rtl="0" eaLnBrk="1" latinLnBrk="0" hangingPunct="1">
+              <a:spcBef>
+                <a:spcPct val="20000"/>
+              </a:spcBef>
+              <a:buFont typeface="Arial" panose="020B0604020202020204" pitchFamily="34" charset="0"/>
+              <a:buChar char="–"/>
+              <a:defRPr sz="2800" kern="1200">
+                <a:solidFill>
+                  <a:schemeClr val="tx1"/>
+                </a:solidFill>
+                <a:latin typeface="+mn-lt"/>
+                <a:ea typeface="+mn-ea"/>
+                <a:cs typeface="+mn-cs"/>
+              </a:defRPr>
+            </a:lvl2pPr>
+            <a:lvl3pPr marL="1143000" indent="-228600" algn="l" defTabSz="914400" rtl="0" eaLnBrk="1" latinLnBrk="0" hangingPunct="1">
+              <a:spcBef>
+                <a:spcPct val="20000"/>
+              </a:spcBef>
               <a:buFont typeface="Arial" panose="020B0604020202020204" pitchFamily="34" charset="0"/>
               <a:buChar char="•"/>
-            </a:pPr>
-            <a:r>
-              <a:rPr lang="es-CO" sz="2400" dirty="0" smtClean="0"/>
-              <a:t>Supongamos </a:t>
-            </a:r>
-            <a:r>
-              <a:rPr lang="es-CO" sz="2400" dirty="0"/>
-              <a:t>que tenemos una población de </a:t>
-            </a:r>
-            <a:r>
-              <a:rPr lang="es-CO" sz="2400" i="1" dirty="0"/>
-              <a:t>N</a:t>
-            </a:r>
-            <a:r>
-              <a:rPr lang="es-CO" sz="2400" dirty="0"/>
-              <a:t> individuos ordenados del 1 al </a:t>
-            </a:r>
-            <a:r>
-              <a:rPr lang="es-CO" sz="2400" i="1" dirty="0"/>
-              <a:t>N</a:t>
-            </a:r>
-            <a:r>
-              <a:rPr lang="es-CO" sz="2400" dirty="0"/>
-              <a:t>. Queremos seleccionar una muestra de tamaño </a:t>
-            </a:r>
-            <a:r>
-              <a:rPr lang="es-CO" sz="2400" i="1" dirty="0" smtClean="0"/>
-              <a:t>n</a:t>
-            </a:r>
-            <a:r>
-              <a:rPr lang="es-CO" sz="2400" dirty="0" smtClean="0"/>
-              <a:t>.</a:t>
-            </a:r>
-          </a:p>
-          <a:p>
-            <a:pPr marL="285750" indent="-285750" fontAlgn="base">
+              <a:defRPr sz="2400" kern="1200">
+                <a:solidFill>
+                  <a:schemeClr val="tx1"/>
+                </a:solidFill>
+                <a:latin typeface="+mn-lt"/>
+                <a:ea typeface="+mn-ea"/>
+                <a:cs typeface="+mn-cs"/>
+              </a:defRPr>
+            </a:lvl3pPr>
+            <a:lvl4pPr marL="1600200" indent="-228600" algn="l" defTabSz="914400" rtl="0" eaLnBrk="1" latinLnBrk="0" hangingPunct="1">
+              <a:spcBef>
+                <a:spcPct val="20000"/>
+              </a:spcBef>
+              <a:buFont typeface="Arial" panose="020B0604020202020204" pitchFamily="34" charset="0"/>
+              <a:buChar char="–"/>
+              <a:defRPr sz="2000" kern="1200">
+                <a:solidFill>
+                  <a:schemeClr val="tx1"/>
+                </a:solidFill>
+                <a:latin typeface="+mn-lt"/>
+                <a:ea typeface="+mn-ea"/>
+                <a:cs typeface="+mn-cs"/>
+              </a:defRPr>
+            </a:lvl4pPr>
+            <a:lvl5pPr marL="2057400" indent="-228600" algn="l" defTabSz="914400" rtl="0" eaLnBrk="1" latinLnBrk="0" hangingPunct="1">
+              <a:spcBef>
+                <a:spcPct val="20000"/>
+              </a:spcBef>
+              <a:buFont typeface="Arial" panose="020B0604020202020204" pitchFamily="34" charset="0"/>
+              <a:buChar char="»"/>
+              <a:defRPr sz="2000" kern="1200">
+                <a:solidFill>
+                  <a:schemeClr val="tx1"/>
+                </a:solidFill>
+                <a:latin typeface="+mn-lt"/>
+                <a:ea typeface="+mn-ea"/>
+                <a:cs typeface="+mn-cs"/>
+              </a:defRPr>
+            </a:lvl5pPr>
+            <a:lvl6pPr marL="2514600" indent="-228600" algn="l" defTabSz="914400" rtl="0" eaLnBrk="1" latinLnBrk="0" hangingPunct="1">
+              <a:spcBef>
+                <a:spcPct val="20000"/>
+              </a:spcBef>
               <a:buFont typeface="Arial" panose="020B0604020202020204" pitchFamily="34" charset="0"/>
               <a:buChar char="•"/>
-            </a:pPr>
-            <a:r>
-              <a:rPr lang="es-CO" sz="2400" dirty="0" smtClean="0"/>
-              <a:t>Sea</a:t>
-            </a:r>
-            <a:r>
-              <a:rPr lang="es-CO" sz="2400" dirty="0"/>
-              <a:t> </a:t>
-            </a:r>
-            <a:r>
-              <a:rPr lang="es-CO" sz="2400" i="1" dirty="0"/>
-              <a:t>k</a:t>
-            </a:r>
-            <a:r>
-              <a:rPr lang="es-CO" sz="2400" dirty="0"/>
-              <a:t> el entero más próximo a </a:t>
-            </a:r>
-            <a:r>
-              <a:rPr lang="es-CO" sz="2400" i="1" dirty="0" smtClean="0"/>
-              <a:t>N/n</a:t>
-            </a:r>
-            <a:r>
-              <a:rPr lang="es-CO" sz="2400" dirty="0" smtClean="0"/>
-              <a:t>.</a:t>
-            </a:r>
-          </a:p>
-          <a:p>
-            <a:pPr marL="285750" indent="-285750" fontAlgn="base">
+              <a:defRPr sz="2000" kern="1200">
+                <a:solidFill>
+                  <a:schemeClr val="tx1"/>
+                </a:solidFill>
+                <a:latin typeface="+mn-lt"/>
+                <a:ea typeface="+mn-ea"/>
+                <a:cs typeface="+mn-cs"/>
+              </a:defRPr>
+            </a:lvl6pPr>
+            <a:lvl7pPr marL="2971800" indent="-228600" algn="l" defTabSz="914400" rtl="0" eaLnBrk="1" latinLnBrk="0" hangingPunct="1">
+              <a:spcBef>
+                <a:spcPct val="20000"/>
+              </a:spcBef>
               <a:buFont typeface="Arial" panose="020B0604020202020204" pitchFamily="34" charset="0"/>
               <a:buChar char="•"/>
-            </a:pPr>
-            <a:r>
-              <a:rPr lang="es-CO" sz="2400" dirty="0" smtClean="0"/>
-              <a:t>Escogemos </a:t>
-            </a:r>
-            <a:r>
-              <a:rPr lang="es-CO" sz="2400" dirty="0"/>
-              <a:t>al azar un número </a:t>
-            </a:r>
-            <a:r>
-              <a:rPr lang="es-CO" sz="2400" i="1" dirty="0"/>
-              <a:t>i</a:t>
-            </a:r>
-            <a:r>
-              <a:rPr lang="es-CO" sz="2400" dirty="0"/>
-              <a:t> entre 1 y </a:t>
-            </a:r>
-            <a:r>
-              <a:rPr lang="es-CO" sz="2400" i="1" dirty="0"/>
-              <a:t>k</a:t>
-            </a:r>
-            <a:r>
-              <a:rPr lang="es-CO" sz="2400" dirty="0"/>
-              <a:t> (utilizando los números aleatorios, sacar una bola de un bombo, etc</a:t>
-            </a:r>
-            <a:r>
-              <a:rPr lang="es-CO" sz="2400" dirty="0" smtClean="0"/>
-              <a:t>.).</a:t>
-            </a:r>
-          </a:p>
-          <a:p>
-            <a:pPr marL="285750" indent="-285750" fontAlgn="base">
+              <a:defRPr sz="2000" kern="1200">
+                <a:solidFill>
+                  <a:schemeClr val="tx1"/>
+                </a:solidFill>
+                <a:latin typeface="+mn-lt"/>
+                <a:ea typeface="+mn-ea"/>
+                <a:cs typeface="+mn-cs"/>
+              </a:defRPr>
+            </a:lvl7pPr>
+            <a:lvl8pPr marL="3429000" indent="-228600" algn="l" defTabSz="914400" rtl="0" eaLnBrk="1" latinLnBrk="0" hangingPunct="1">
+              <a:spcBef>
+                <a:spcPct val="20000"/>
+              </a:spcBef>
               <a:buFont typeface="Arial" panose="020B0604020202020204" pitchFamily="34" charset="0"/>
               <a:buChar char="•"/>
+              <a:defRPr sz="2000" kern="1200">
+                <a:solidFill>
+                  <a:schemeClr val="tx1"/>
+                </a:solidFill>
+                <a:latin typeface="+mn-lt"/>
+                <a:ea typeface="+mn-ea"/>
+                <a:cs typeface="+mn-cs"/>
+              </a:defRPr>
+            </a:lvl8pPr>
+            <a:lvl9pPr marL="3886200" indent="-228600" algn="l" defTabSz="914400" rtl="0" eaLnBrk="1" latinLnBrk="0" hangingPunct="1">
+              <a:spcBef>
+                <a:spcPct val="20000"/>
+              </a:spcBef>
+              <a:buFont typeface="Arial" panose="020B0604020202020204" pitchFamily="34" charset="0"/>
+              <a:buChar char="•"/>
+              <a:defRPr sz="2000" kern="1200">
+                <a:solidFill>
+                  <a:schemeClr val="tx1"/>
+                </a:solidFill>
+                <a:latin typeface="+mn-lt"/>
+                <a:ea typeface="+mn-ea"/>
+                <a:cs typeface="+mn-cs"/>
+              </a:defRPr>
+            </a:lvl9pPr>
+          </a:lstStyle>
+          <a:p>
+            <a:pPr marL="0" indent="0" algn="ctr">
+              <a:buFont typeface="Arial" panose="020B0604020202020204" pitchFamily="34" charset="0"/>
+              <a:buNone/>
             </a:pPr>
             <a:r>
-              <a:rPr lang="es-CO" sz="2400" dirty="0" smtClean="0"/>
-              <a:t>La</a:t>
-            </a:r>
-            <a:r>
-              <a:rPr lang="es-CO" sz="2400" dirty="0"/>
-              <a:t> muestra será el elemento </a:t>
-            </a:r>
-            <a:r>
-              <a:rPr lang="es-CO" sz="2400" i="1" dirty="0"/>
-              <a:t>i</a:t>
-            </a:r>
-            <a:r>
-              <a:rPr lang="es-CO" sz="2400" dirty="0"/>
-              <a:t> y los elementos </a:t>
-            </a:r>
-            <a:r>
-              <a:rPr lang="es-CO" sz="2400" i="1" dirty="0" err="1"/>
-              <a:t>i+k</a:t>
-            </a:r>
-            <a:r>
-              <a:rPr lang="es-CO" sz="2400" dirty="0"/>
-              <a:t>, </a:t>
-            </a:r>
-            <a:r>
-              <a:rPr lang="es-CO" sz="2400" i="1" dirty="0"/>
-              <a:t>i+2k</a:t>
-            </a:r>
-            <a:r>
-              <a:rPr lang="es-CO" sz="2400" dirty="0"/>
-              <a:t>, etc</a:t>
-            </a:r>
-            <a:r>
-              <a:rPr lang="es-CO" sz="2400" dirty="0" smtClean="0"/>
-              <a:t>. </a:t>
-            </a:r>
-            <a:r>
-              <a:rPr lang="es-CO" sz="2400" dirty="0"/>
-              <a:t>Es decir, el elemento </a:t>
-            </a:r>
-            <a:r>
-              <a:rPr lang="es-CO" sz="2400" i="1" dirty="0"/>
-              <a:t>k</a:t>
-            </a:r>
-            <a:r>
-              <a:rPr lang="es-CO" sz="2400" dirty="0"/>
-              <a:t> y los elementos a intervalos fijos </a:t>
-            </a:r>
-            <a:r>
-              <a:rPr lang="es-CO" sz="2400" i="1" dirty="0"/>
-              <a:t>k</a:t>
-            </a:r>
-            <a:r>
-              <a:rPr lang="es-CO" sz="2400" dirty="0"/>
-              <a:t> hasta conseguir los </a:t>
-            </a:r>
-            <a:r>
-              <a:rPr lang="es-CO" sz="2400" i="1" dirty="0"/>
-              <a:t>n</a:t>
-            </a:r>
-            <a:r>
-              <a:rPr lang="es-CO" sz="2400" dirty="0"/>
-              <a:t> sujetos</a:t>
-            </a:r>
-            <a:r>
-              <a:rPr lang="es-CO" sz="2400" dirty="0" smtClean="0"/>
-              <a:t>:</a:t>
-            </a:r>
-          </a:p>
-          <a:p>
-            <a:pPr fontAlgn="base"/>
-            <a:endParaRPr lang="es-CO" dirty="0"/>
+              <a:rPr lang="es-MX" sz="2200" b="1" dirty="0"/>
+              <a:t>Muestreo por conglomerados</a:t>
+            </a:r>
+          </a:p>
+          <a:p>
+            <a:pPr marL="0" indent="0" algn="ctr">
+              <a:buFont typeface="Arial" panose="020B0604020202020204" pitchFamily="34" charset="0"/>
+              <a:buNone/>
+            </a:pPr>
+            <a:r>
+              <a:rPr lang="es-MX" sz="2200" dirty="0"/>
+              <a:t>Población de N conglomerados</a:t>
+            </a:r>
+            <a:endParaRPr lang="es-CO" sz="2200" dirty="0"/>
           </a:p>
         </p:txBody>
       </p:sp>
       <p:pic>
         <p:nvPicPr>
-          <p:cNvPr id="8195" name="Picture 3"/>
+          <p:cNvPr id="7" name="Imagen 6">
+            <a:extLst>
+              <a:ext uri="{FF2B5EF4-FFF2-40B4-BE49-F238E27FC236}">
+                <a16:creationId xmlns:a16="http://schemas.microsoft.com/office/drawing/2014/main" id="{1A12D7C1-1A02-4CEF-8684-A37AAEA8B3DB}"/>
+              </a:ext>
+            </a:extLst>
+          </p:cNvPr>
           <p:cNvPicPr>
-            <a:picLocks noChangeAspect="1" noChangeArrowheads="1"/>
+            <a:picLocks noChangeAspect="1"/>
           </p:cNvPicPr>
           <p:nvPr/>
         </p:nvPicPr>
         <p:blipFill>
-          <a:blip r:embed="rId3">
-            <a:extLst>
-              <a:ext uri="{28A0092B-C50C-407E-A947-70E740481C1C}">
-                <a14:useLocalDpi xmlns:a14="http://schemas.microsoft.com/office/drawing/2010/main" val="0"/>
-              </a:ext>
-            </a:extLst>
-          </a:blip>
-          <a:srcRect/>
+          <a:blip r:embed="rId2"/>
           <a:stretch>
             <a:fillRect/>
           </a:stretch>
         </p:blipFill>
-        <p:spPr bwMode="auto">
+        <p:spPr>
           <a:xfrm>
-            <a:off x="2514207" y="4941168"/>
-            <a:ext cx="4067175" cy="371475"/>
+            <a:off x="1089677" y="3077101"/>
+            <a:ext cx="2924850" cy="2190400"/>
           </a:xfrm>
           <a:prstGeom prst="rect">
             <a:avLst/>
           </a:prstGeom>
-          <a:noFill/>
-          <a:ln>
-            <a:noFill/>
-          </a:ln>
-          <a:extLst>
-            <a:ext uri="{909E8E84-426E-40DD-AFC4-6F175D3DCCD1}">
-              <a14:hiddenFill xmlns:a14="http://schemas.microsoft.com/office/drawing/2010/main">
-                <a:solidFill>
-                  <a:schemeClr val="accent1"/>
-                </a:solidFill>
-              </a14:hiddenFill>
-            </a:ext>
-            <a:ext uri="{91240B29-F687-4F45-9708-019B960494DF}">
-              <a14:hiddenLine xmlns:a14="http://schemas.microsoft.com/office/drawing/2010/main" w="9525">
-                <a:solidFill>
-                  <a:schemeClr val="tx1"/>
-                </a:solidFill>
-                <a:miter lim="800000"/>
-                <a:headEnd/>
-                <a:tailEnd/>
-              </a14:hiddenLine>
-            </a:ext>
-          </a:extLst>
+        </p:spPr>
+      </p:pic>
+      <p:pic>
+        <p:nvPicPr>
+          <p:cNvPr id="8" name="Imagen 7">
+            <a:extLst>
+              <a:ext uri="{FF2B5EF4-FFF2-40B4-BE49-F238E27FC236}">
+                <a16:creationId xmlns:a16="http://schemas.microsoft.com/office/drawing/2014/main" id="{B3A72B9C-B4AB-4FC9-9677-9EF024DB3FC1}"/>
+              </a:ext>
+            </a:extLst>
+          </p:cNvPr>
+          <p:cNvPicPr>
+            <a:picLocks noChangeAspect="1"/>
+          </p:cNvPicPr>
+          <p:nvPr/>
+        </p:nvPicPr>
+        <p:blipFill>
+          <a:blip r:embed="rId2"/>
+          <a:stretch>
+            <a:fillRect/>
+          </a:stretch>
+        </p:blipFill>
+        <p:spPr>
+          <a:xfrm>
+            <a:off x="5129473" y="3068960"/>
+            <a:ext cx="2924850" cy="2190400"/>
+          </a:xfrm>
+          <a:prstGeom prst="rect">
+            <a:avLst/>
+          </a:prstGeom>
         </p:spPr>
       </p:pic>
     </p:spTree>
     <p:extLst>
       <p:ext uri="{BB962C8B-B14F-4D97-AF65-F5344CB8AC3E}">
-        <p14:creationId xmlns:p14="http://schemas.microsoft.com/office/powerpoint/2010/main" val="2065159707"/>
+        <p14:creationId xmlns:p14="http://schemas.microsoft.com/office/powerpoint/2010/main" val="2167680488"/>
       </p:ext>
     </p:extLst>
   </p:cSld>
@@ -10910,7 +10679,13 @@
       </p:grpSpPr>
       <p:sp>
         <p:nvSpPr>
-          <p:cNvPr id="2" name="1 Título"/>
+          <p:cNvPr id="2" name="Título 1">
+            <a:extLst>
+              <a:ext uri="{FF2B5EF4-FFF2-40B4-BE49-F238E27FC236}">
+                <a16:creationId xmlns:a16="http://schemas.microsoft.com/office/drawing/2014/main" id="{3901B129-AAB8-446F-AB33-B3620559F2F9}"/>
+              </a:ext>
+            </a:extLst>
+          </p:cNvPr>
           <p:cNvSpPr>
             <a:spLocks noGrp="1"/>
           </p:cNvSpPr>
@@ -10919,226 +10694,333 @@
           </p:nvPr>
         </p:nvSpPr>
         <p:spPr/>
+        <p:txBody>
+          <a:bodyPr>
+            <a:noAutofit/>
+          </a:bodyPr>
+          <a:lstStyle/>
+          <a:p>
+            <a:r>
+              <a:rPr lang="es-MX" sz="3200" b="1" dirty="0">
+                <a:solidFill>
+                  <a:srgbClr val="0070C0"/>
+                </a:solidFill>
+              </a:rPr>
+              <a:t>Diferencia entre</a:t>
+            </a:r>
+            <a:endParaRPr lang="es-CO" sz="3200" b="1" dirty="0">
+              <a:solidFill>
+                <a:srgbClr val="0070C0"/>
+              </a:solidFill>
+            </a:endParaRPr>
+          </a:p>
+        </p:txBody>
+      </p:sp>
+      <p:sp>
+        <p:nvSpPr>
+          <p:cNvPr id="3" name="Marcador de contenido 2">
+            <a:extLst>
+              <a:ext uri="{FF2B5EF4-FFF2-40B4-BE49-F238E27FC236}">
+                <a16:creationId xmlns:a16="http://schemas.microsoft.com/office/drawing/2014/main" id="{E43E4BBC-FF75-454B-AF97-AE15B76F8689}"/>
+              </a:ext>
+            </a:extLst>
+          </p:cNvPr>
+          <p:cNvSpPr>
+            <a:spLocks noGrp="1"/>
+          </p:cNvSpPr>
+          <p:nvPr>
+            <p:ph idx="1"/>
+          </p:nvPr>
+        </p:nvSpPr>
+        <p:spPr>
+          <a:xfrm>
+            <a:off x="566710" y="1166018"/>
+            <a:ext cx="3812190" cy="4525963"/>
+          </a:xfrm>
+        </p:spPr>
         <p:txBody>
           <a:bodyPr>
             <a:normAutofit/>
           </a:bodyPr>
           <a:lstStyle/>
           <a:p>
-            <a:r>
-              <a:rPr lang="es-CO" b="1" dirty="0">
-                <a:solidFill>
-                  <a:srgbClr val="0070C0"/>
-                </a:solidFill>
-              </a:rPr>
-              <a:t>EJEMPLO</a:t>
-            </a:r>
-          </a:p>
-        </p:txBody>
-      </p:sp>
-      <p:sp>
-        <p:nvSpPr>
-          <p:cNvPr id="3" name="2 Marcador de contenido"/>
-          <p:cNvSpPr>
-            <a:spLocks noGrp="1"/>
-          </p:cNvSpPr>
-          <p:nvPr>
-            <p:ph idx="1"/>
-          </p:nvPr>
+            <a:pPr marL="0" indent="0" algn="ctr">
+              <a:buNone/>
+            </a:pPr>
+            <a:r>
+              <a:rPr lang="es-MX" sz="2200" b="1" dirty="0"/>
+              <a:t>Muestreo por estratos</a:t>
+            </a:r>
+          </a:p>
+          <a:p>
+            <a:pPr marL="0" indent="0" algn="ctr">
+              <a:buNone/>
+            </a:pPr>
+            <a:r>
+              <a:rPr lang="es-MX" sz="2200" dirty="0"/>
+              <a:t>Se extrae una muestra aleatoria simple de cada estrato</a:t>
+            </a:r>
+            <a:endParaRPr lang="es-CO" sz="2200" dirty="0"/>
+          </a:p>
+        </p:txBody>
+      </p:sp>
+      <p:sp>
+        <p:nvSpPr>
+          <p:cNvPr id="6" name="Marcador de contenido 2">
+            <a:extLst>
+              <a:ext uri="{FF2B5EF4-FFF2-40B4-BE49-F238E27FC236}">
+                <a16:creationId xmlns:a16="http://schemas.microsoft.com/office/drawing/2014/main" id="{CBEBE64E-D213-4A3D-9D98-B19CDDA9E131}"/>
+              </a:ext>
+            </a:extLst>
+          </p:cNvPr>
+          <p:cNvSpPr txBox="1">
+            <a:spLocks/>
+          </p:cNvSpPr>
+          <p:nvPr/>
         </p:nvSpPr>
         <p:spPr>
           <a:xfrm>
-            <a:off x="467544" y="1196752"/>
-            <a:ext cx="8229600" cy="1828800"/>
-          </a:xfrm>
-        </p:spPr>
-        <p:txBody>
-          <a:bodyPr>
-            <a:normAutofit fontScale="77500" lnSpcReduction="20000"/>
-          </a:bodyPr>
-          <a:lstStyle/>
-          <a:p>
-            <a:pPr fontAlgn="base"/>
-            <a:r>
-              <a:rPr lang="es-CO" dirty="0" smtClean="0"/>
-              <a:t>Se quiere saber </a:t>
-            </a:r>
-            <a:r>
-              <a:rPr lang="es-CO" dirty="0"/>
-              <a:t>la opinión sobre un profesor de una clase de 60 personas. Dichas personas están ordenadas por orden alfabético en la lista de alumnos de clase. Para realizar la encuesta, seleccionamos a 12 personas. Por lo tanto, </a:t>
-            </a:r>
-            <a:r>
-              <a:rPr lang="es-CO" i="1" dirty="0"/>
-              <a:t>N</a:t>
-            </a:r>
-            <a:r>
-              <a:rPr lang="es-CO" dirty="0"/>
-              <a:t>=60 </a:t>
-            </a:r>
-            <a:r>
-              <a:rPr lang="es-CO" dirty="0" smtClean="0"/>
-              <a:t>y </a:t>
-            </a:r>
-            <a:r>
-              <a:rPr lang="es-CO" i="1" dirty="0" smtClean="0"/>
-              <a:t>n</a:t>
-            </a:r>
-            <a:r>
-              <a:rPr lang="es-CO" dirty="0" smtClean="0"/>
-              <a:t>=12</a:t>
-            </a:r>
-            <a:r>
-              <a:rPr lang="es-CO" dirty="0"/>
-              <a:t>. El intervalo fijo entre sujetos es</a:t>
-            </a:r>
-            <a:r>
-              <a:rPr lang="es-CO" dirty="0" smtClean="0"/>
-              <a:t>:</a:t>
-            </a:r>
-            <a:endParaRPr lang="es-CO" dirty="0"/>
-          </a:p>
-        </p:txBody>
-      </p:sp>
-      <p:pic>
-        <p:nvPicPr>
-          <p:cNvPr id="9218" name="Picture 2"/>
-          <p:cNvPicPr>
-            <a:picLocks noChangeAspect="1" noChangeArrowheads="1"/>
-          </p:cNvPicPr>
-          <p:nvPr/>
-        </p:nvPicPr>
-        <p:blipFill>
-          <a:blip r:embed="rId2">
-            <a:extLst>
-              <a:ext uri="{28A0092B-C50C-407E-A947-70E740481C1C}">
-                <a14:useLocalDpi xmlns:a14="http://schemas.microsoft.com/office/drawing/2010/main" val="0"/>
-              </a:ext>
-            </a:extLst>
-          </a:blip>
-          <a:srcRect/>
-          <a:stretch>
-            <a:fillRect/>
-          </a:stretch>
-        </p:blipFill>
-        <p:spPr bwMode="auto">
-          <a:xfrm>
-            <a:off x="3203848" y="2998948"/>
-            <a:ext cx="3250658" cy="526727"/>
-          </a:xfrm>
-          <a:prstGeom prst="rect">
-            <a:avLst/>
-          </a:prstGeom>
-          <a:noFill/>
-          <a:ln>
-            <a:noFill/>
-          </a:ln>
-          <a:extLst>
-            <a:ext uri="{909E8E84-426E-40DD-AFC4-6F175D3DCCD1}">
-              <a14:hiddenFill xmlns:a14="http://schemas.microsoft.com/office/drawing/2010/main">
-                <a:solidFill>
-                  <a:schemeClr val="accent1"/>
-                </a:solidFill>
-              </a14:hiddenFill>
-            </a:ext>
-            <a:ext uri="{91240B29-F687-4F45-9708-019B960494DF}">
-              <a14:hiddenLine xmlns:a14="http://schemas.microsoft.com/office/drawing/2010/main" w="9525">
-                <a:solidFill>
-                  <a:schemeClr val="tx1"/>
-                </a:solidFill>
-                <a:miter lim="800000"/>
-                <a:headEnd/>
-                <a:tailEnd/>
-              </a14:hiddenLine>
-            </a:ext>
-          </a:extLst>
-        </p:spPr>
-      </p:pic>
-      <p:sp>
-        <p:nvSpPr>
-          <p:cNvPr id="4" name="3 Rectángulo"/>
-          <p:cNvSpPr/>
-          <p:nvPr/>
-        </p:nvSpPr>
-        <p:spPr>
-          <a:xfrm>
-            <a:off x="539552" y="3556273"/>
-            <a:ext cx="8352928" cy="1246495"/>
+            <a:off x="4606506" y="1170055"/>
+            <a:ext cx="3970784" cy="4525963"/>
           </a:xfrm>
           <a:prstGeom prst="rect">
             <a:avLst/>
           </a:prstGeom>
         </p:spPr>
         <p:txBody>
-          <a:bodyPr wrap="square">
-            <a:spAutoFit/>
+          <a:bodyPr vert="horz" lIns="91440" tIns="45720" rIns="91440" bIns="45720" rtlCol="0">
+            <a:normAutofit/>
           </a:bodyPr>
-          <a:lstStyle/>
-          <a:p>
-            <a:r>
-              <a:rPr lang="es-CO" sz="2500" dirty="0"/>
-              <a:t>Ahora elegimos al azar un número entre 1 y k=5. Suponemos que nos sale i=2. La muestra resultado mediante el muestreo sistemático será:</a:t>
-            </a:r>
+          <a:lstStyle>
+            <a:lvl1pPr marL="342900" indent="-342900" algn="l" defTabSz="914400" rtl="0" eaLnBrk="1" latinLnBrk="0" hangingPunct="1">
+              <a:spcBef>
+                <a:spcPct val="20000"/>
+              </a:spcBef>
+              <a:buFont typeface="Arial" panose="020B0604020202020204" pitchFamily="34" charset="0"/>
+              <a:buChar char="•"/>
+              <a:defRPr sz="3200" kern="1200">
+                <a:solidFill>
+                  <a:schemeClr val="tx1"/>
+                </a:solidFill>
+                <a:latin typeface="+mn-lt"/>
+                <a:ea typeface="+mn-ea"/>
+                <a:cs typeface="+mn-cs"/>
+              </a:defRPr>
+            </a:lvl1pPr>
+            <a:lvl2pPr marL="742950" indent="-285750" algn="l" defTabSz="914400" rtl="0" eaLnBrk="1" latinLnBrk="0" hangingPunct="1">
+              <a:spcBef>
+                <a:spcPct val="20000"/>
+              </a:spcBef>
+              <a:buFont typeface="Arial" panose="020B0604020202020204" pitchFamily="34" charset="0"/>
+              <a:buChar char="–"/>
+              <a:defRPr sz="2800" kern="1200">
+                <a:solidFill>
+                  <a:schemeClr val="tx1"/>
+                </a:solidFill>
+                <a:latin typeface="+mn-lt"/>
+                <a:ea typeface="+mn-ea"/>
+                <a:cs typeface="+mn-cs"/>
+              </a:defRPr>
+            </a:lvl2pPr>
+            <a:lvl3pPr marL="1143000" indent="-228600" algn="l" defTabSz="914400" rtl="0" eaLnBrk="1" latinLnBrk="0" hangingPunct="1">
+              <a:spcBef>
+                <a:spcPct val="20000"/>
+              </a:spcBef>
+              <a:buFont typeface="Arial" panose="020B0604020202020204" pitchFamily="34" charset="0"/>
+              <a:buChar char="•"/>
+              <a:defRPr sz="2400" kern="1200">
+                <a:solidFill>
+                  <a:schemeClr val="tx1"/>
+                </a:solidFill>
+                <a:latin typeface="+mn-lt"/>
+                <a:ea typeface="+mn-ea"/>
+                <a:cs typeface="+mn-cs"/>
+              </a:defRPr>
+            </a:lvl3pPr>
+            <a:lvl4pPr marL="1600200" indent="-228600" algn="l" defTabSz="914400" rtl="0" eaLnBrk="1" latinLnBrk="0" hangingPunct="1">
+              <a:spcBef>
+                <a:spcPct val="20000"/>
+              </a:spcBef>
+              <a:buFont typeface="Arial" panose="020B0604020202020204" pitchFamily="34" charset="0"/>
+              <a:buChar char="–"/>
+              <a:defRPr sz="2000" kern="1200">
+                <a:solidFill>
+                  <a:schemeClr val="tx1"/>
+                </a:solidFill>
+                <a:latin typeface="+mn-lt"/>
+                <a:ea typeface="+mn-ea"/>
+                <a:cs typeface="+mn-cs"/>
+              </a:defRPr>
+            </a:lvl4pPr>
+            <a:lvl5pPr marL="2057400" indent="-228600" algn="l" defTabSz="914400" rtl="0" eaLnBrk="1" latinLnBrk="0" hangingPunct="1">
+              <a:spcBef>
+                <a:spcPct val="20000"/>
+              </a:spcBef>
+              <a:buFont typeface="Arial" panose="020B0604020202020204" pitchFamily="34" charset="0"/>
+              <a:buChar char="»"/>
+              <a:defRPr sz="2000" kern="1200">
+                <a:solidFill>
+                  <a:schemeClr val="tx1"/>
+                </a:solidFill>
+                <a:latin typeface="+mn-lt"/>
+                <a:ea typeface="+mn-ea"/>
+                <a:cs typeface="+mn-cs"/>
+              </a:defRPr>
+            </a:lvl5pPr>
+            <a:lvl6pPr marL="2514600" indent="-228600" algn="l" defTabSz="914400" rtl="0" eaLnBrk="1" latinLnBrk="0" hangingPunct="1">
+              <a:spcBef>
+                <a:spcPct val="20000"/>
+              </a:spcBef>
+              <a:buFont typeface="Arial" panose="020B0604020202020204" pitchFamily="34" charset="0"/>
+              <a:buChar char="•"/>
+              <a:defRPr sz="2000" kern="1200">
+                <a:solidFill>
+                  <a:schemeClr val="tx1"/>
+                </a:solidFill>
+                <a:latin typeface="+mn-lt"/>
+                <a:ea typeface="+mn-ea"/>
+                <a:cs typeface="+mn-cs"/>
+              </a:defRPr>
+            </a:lvl6pPr>
+            <a:lvl7pPr marL="2971800" indent="-228600" algn="l" defTabSz="914400" rtl="0" eaLnBrk="1" latinLnBrk="0" hangingPunct="1">
+              <a:spcBef>
+                <a:spcPct val="20000"/>
+              </a:spcBef>
+              <a:buFont typeface="Arial" panose="020B0604020202020204" pitchFamily="34" charset="0"/>
+              <a:buChar char="•"/>
+              <a:defRPr sz="2000" kern="1200">
+                <a:solidFill>
+                  <a:schemeClr val="tx1"/>
+                </a:solidFill>
+                <a:latin typeface="+mn-lt"/>
+                <a:ea typeface="+mn-ea"/>
+                <a:cs typeface="+mn-cs"/>
+              </a:defRPr>
+            </a:lvl7pPr>
+            <a:lvl8pPr marL="3429000" indent="-228600" algn="l" defTabSz="914400" rtl="0" eaLnBrk="1" latinLnBrk="0" hangingPunct="1">
+              <a:spcBef>
+                <a:spcPct val="20000"/>
+              </a:spcBef>
+              <a:buFont typeface="Arial" panose="020B0604020202020204" pitchFamily="34" charset="0"/>
+              <a:buChar char="•"/>
+              <a:defRPr sz="2000" kern="1200">
+                <a:solidFill>
+                  <a:schemeClr val="tx1"/>
+                </a:solidFill>
+                <a:latin typeface="+mn-lt"/>
+                <a:ea typeface="+mn-ea"/>
+                <a:cs typeface="+mn-cs"/>
+              </a:defRPr>
+            </a:lvl8pPr>
+            <a:lvl9pPr marL="3886200" indent="-228600" algn="l" defTabSz="914400" rtl="0" eaLnBrk="1" latinLnBrk="0" hangingPunct="1">
+              <a:spcBef>
+                <a:spcPct val="20000"/>
+              </a:spcBef>
+              <a:buFont typeface="Arial" panose="020B0604020202020204" pitchFamily="34" charset="0"/>
+              <a:buChar char="•"/>
+              <a:defRPr sz="2000" kern="1200">
+                <a:solidFill>
+                  <a:schemeClr val="tx1"/>
+                </a:solidFill>
+                <a:latin typeface="+mn-lt"/>
+                <a:ea typeface="+mn-ea"/>
+                <a:cs typeface="+mn-cs"/>
+              </a:defRPr>
+            </a:lvl9pPr>
+          </a:lstStyle>
+          <a:p>
+            <a:pPr marL="0" indent="0">
+              <a:buFont typeface="Arial" panose="020B0604020202020204" pitchFamily="34" charset="0"/>
+              <a:buNone/>
+            </a:pPr>
+            <a:r>
+              <a:rPr lang="es-MX" sz="2200" b="1" dirty="0"/>
+              <a:t>Muestreo por conglomerados</a:t>
+            </a:r>
+          </a:p>
+          <a:p>
+            <a:pPr marL="0" indent="0" algn="ctr">
+              <a:buNone/>
+            </a:pPr>
+            <a:r>
+              <a:rPr lang="es-MX" sz="2200" dirty="0"/>
+              <a:t>Se extrae una muestra aleatoria simple de conglomerados, observe que todos los elementos están en la muestra</a:t>
+            </a:r>
+            <a:endParaRPr lang="es-CO" sz="2200" dirty="0"/>
+          </a:p>
+          <a:p>
+            <a:pPr marL="0" indent="0">
+              <a:buFont typeface="Arial" panose="020B0604020202020204" pitchFamily="34" charset="0"/>
+              <a:buNone/>
+            </a:pPr>
+            <a:endParaRPr lang="es-CO" sz="2200" dirty="0"/>
           </a:p>
         </p:txBody>
       </p:sp>
       <p:pic>
         <p:nvPicPr>
-          <p:cNvPr id="9219" name="Picture 3"/>
+          <p:cNvPr id="4" name="Imagen 3">
+            <a:extLst>
+              <a:ext uri="{FF2B5EF4-FFF2-40B4-BE49-F238E27FC236}">
+                <a16:creationId xmlns:a16="http://schemas.microsoft.com/office/drawing/2014/main" id="{A892AE6B-4403-4CE0-AD7B-D9F3A99A0843}"/>
+              </a:ext>
+            </a:extLst>
+          </p:cNvPr>
           <p:cNvPicPr>
-            <a:picLocks noChangeAspect="1" noChangeArrowheads="1"/>
+            <a:picLocks noChangeAspect="1"/>
           </p:cNvPicPr>
           <p:nvPr/>
         </p:nvPicPr>
         <p:blipFill>
-          <a:blip r:embed="rId3">
-            <a:extLst>
-              <a:ext uri="{28A0092B-C50C-407E-A947-70E740481C1C}">
-                <a14:useLocalDpi xmlns:a14="http://schemas.microsoft.com/office/drawing/2010/main" val="0"/>
-              </a:ext>
-            </a:extLst>
-          </a:blip>
-          <a:srcRect/>
+          <a:blip r:embed="rId2"/>
           <a:stretch>
             <a:fillRect/>
           </a:stretch>
         </p:blipFill>
-        <p:spPr bwMode="auto">
+        <p:spPr>
           <a:xfrm>
-            <a:off x="3203848" y="4509120"/>
-            <a:ext cx="4524375" cy="1857375"/>
+            <a:off x="1050152" y="3550914"/>
+            <a:ext cx="3003900" cy="2141067"/>
           </a:xfrm>
           <a:prstGeom prst="rect">
             <a:avLst/>
           </a:prstGeom>
-          <a:noFill/>
-          <a:ln>
-            <a:noFill/>
-          </a:ln>
-          <a:extLst>
-            <a:ext uri="{909E8E84-426E-40DD-AFC4-6F175D3DCCD1}">
-              <a14:hiddenFill xmlns:a14="http://schemas.microsoft.com/office/drawing/2010/main">
-                <a:solidFill>
-                  <a:schemeClr val="accent1"/>
-                </a:solidFill>
-              </a14:hiddenFill>
-            </a:ext>
-            <a:ext uri="{91240B29-F687-4F45-9708-019B960494DF}">
-              <a14:hiddenLine xmlns:a14="http://schemas.microsoft.com/office/drawing/2010/main" w="9525">
-                <a:solidFill>
-                  <a:schemeClr val="tx1"/>
-                </a:solidFill>
-                <a:miter lim="800000"/>
-                <a:headEnd/>
-                <a:tailEnd/>
-              </a14:hiddenLine>
-            </a:ext>
-          </a:extLst>
+        </p:spPr>
+      </p:pic>
+      <p:pic>
+        <p:nvPicPr>
+          <p:cNvPr id="9" name="Imagen 8">
+            <a:extLst>
+              <a:ext uri="{FF2B5EF4-FFF2-40B4-BE49-F238E27FC236}">
+                <a16:creationId xmlns:a16="http://schemas.microsoft.com/office/drawing/2014/main" id="{E307A4C3-3D94-4E96-ACAA-BBFB16CE4B1A}"/>
+              </a:ext>
+            </a:extLst>
+          </p:cNvPr>
+          <p:cNvPicPr>
+            <a:picLocks noChangeAspect="1"/>
+          </p:cNvPicPr>
+          <p:nvPr/>
+        </p:nvPicPr>
+        <p:blipFill>
+          <a:blip r:embed="rId3"/>
+          <a:stretch>
+            <a:fillRect/>
+          </a:stretch>
+        </p:blipFill>
+        <p:spPr>
+          <a:xfrm>
+            <a:off x="5015670" y="3550914"/>
+            <a:ext cx="2924850" cy="2160800"/>
+          </a:xfrm>
+          <a:prstGeom prst="rect">
+            <a:avLst/>
+          </a:prstGeom>
         </p:spPr>
       </p:pic>
     </p:spTree>
     <p:extLst>
       <p:ext uri="{BB962C8B-B14F-4D97-AF65-F5344CB8AC3E}">
-        <p14:creationId xmlns:p14="http://schemas.microsoft.com/office/powerpoint/2010/main" val="4146904237"/>
+        <p14:creationId xmlns:p14="http://schemas.microsoft.com/office/powerpoint/2010/main" val="3912219632"/>
       </p:ext>
     </p:extLst>
   </p:cSld>
@@ -11187,12 +11069,11 @@
               <a:rPr lang="es-CO" sz="3000" b="1" dirty="0"/>
               <a:t>Función de distribución de probabilidad normal</a:t>
             </a:r>
-            <a:endParaRPr lang="es-CO" sz="3000" b="1" dirty="0"/>
-          </a:p>
-        </p:txBody>
-      </p:sp>
-      <mc:AlternateContent xmlns:mc="http://schemas.openxmlformats.org/markup-compatibility/2006">
-        <mc:Choice xmlns:a14="http://schemas.microsoft.com/office/drawing/2010/main" Requires="a14">
+          </a:p>
+        </p:txBody>
+      </p:sp>
+      <mc:AlternateContent xmlns:mc="http://schemas.openxmlformats.org/markup-compatibility/2006" xmlns:a14="http://schemas.microsoft.com/office/drawing/2010/main">
+        <mc:Choice Requires="a14">
           <p:sp>
             <p:nvSpPr>
               <p:cNvPr id="3" name="Marcador de contenido 2"/>
@@ -11214,15 +11095,15 @@
                   <a:buNone/>
                 </a:pPr>
                 <a:r>
-                  <a:rPr lang="es-CO" dirty="0" smtClean="0"/>
+                  <a:rPr lang="es-CO" dirty="0"/>
                   <a:t>Una variable aleatoria x con </a:t>
                 </a:r>
                 <a:r>
-                  <a:rPr lang="es-CO" dirty="0" err="1" smtClean="0"/>
+                  <a:rPr lang="es-CO" dirty="0" err="1"/>
                   <a:t>pdf</a:t>
                 </a:r>
                 <a:r>
-                  <a:rPr lang="es-CO" dirty="0" smtClean="0"/>
+                  <a:rPr lang="es-CO" dirty="0"/>
                   <a:t> </a:t>
                 </a:r>
               </a:p>
@@ -11236,7 +11117,7 @@
                 <a:pPr marL="0" indent="0">
                   <a:buNone/>
                 </a:pPr>
-                <a:endParaRPr lang="es-CO" dirty="0" smtClean="0"/>
+                <a:endParaRPr lang="es-CO" dirty="0"/>
               </a:p>
               <a:p>
                 <a:pPr marL="0" indent="0">
@@ -11248,38 +11129,38 @@
                 <a:pPr marL="0" indent="0">
                   <a:buNone/>
                 </a:pPr>
-                <a:endParaRPr lang="es-CO" dirty="0" smtClean="0"/>
+                <a:endParaRPr lang="es-CO" dirty="0"/>
               </a:p>
               <a:p>
                 <a:pPr marL="0" indent="0">
                   <a:buNone/>
                 </a:pPr>
                 <a:r>
-                  <a:rPr lang="es-CO" sz="3000" dirty="0" smtClean="0"/>
+                  <a:rPr lang="es-CO" sz="3000" dirty="0"/>
                   <a:t>es una variable aleatoria con parámetros </a:t>
                 </a:r>
                 <a:r>
-                  <a:rPr lang="el-GR" sz="3000" dirty="0" smtClean="0"/>
+                  <a:rPr lang="el-GR" sz="3000" dirty="0"/>
                   <a:t>μ</a:t>
                 </a:r>
                 <a:r>
-                  <a:rPr lang="es-CO" sz="3000" dirty="0" smtClean="0"/>
+                  <a:rPr lang="es-CO" sz="3000" dirty="0"/>
                   <a:t> </a:t>
                 </a:r>
                 <a:r>
-                  <a:rPr lang="az-Cyrl-AZ" sz="3000" dirty="0" smtClean="0"/>
+                  <a:rPr lang="az-Cyrl-AZ" sz="3000" dirty="0"/>
                   <a:t>Є</a:t>
                 </a:r>
                 <a:r>
-                  <a:rPr lang="es-CO" sz="3000" dirty="0" smtClean="0"/>
+                  <a:rPr lang="es-CO" sz="3000" dirty="0"/>
                   <a:t> R y </a:t>
                 </a:r>
                 <a:r>
-                  <a:rPr lang="el-GR" sz="3000" dirty="0" smtClean="0"/>
+                  <a:rPr lang="el-GR" sz="3000" dirty="0"/>
                   <a:t>σ</a:t>
                 </a:r>
                 <a:r>
-                  <a:rPr lang="es-CO" sz="3000" dirty="0" smtClean="0"/>
+                  <a:rPr lang="es-CO" sz="3000" dirty="0"/>
                   <a:t>&gt;0.</a:t>
                 </a:r>
               </a:p>
@@ -11288,7 +11169,7 @@
                   <a:buNone/>
                 </a:pPr>
                 <a:r>
-                  <a:rPr lang="es-CO" dirty="0" smtClean="0"/>
+                  <a:rPr lang="es-CO" dirty="0"/>
                   <a:t>La variable  aleatoria se denota de la forma </a:t>
                 </a:r>
                 <a14:m>
@@ -11379,7 +11260,7 @@
             </p:txBody>
           </p:sp>
         </mc:Choice>
-        <mc:Fallback>
+        <mc:Fallback xmlns="">
           <p:sp>
             <p:nvSpPr>
               <p:cNvPr id="3" name="Marcador de contenido 2"/>
@@ -11447,13 +11328,6 @@
   <p:clrMapOvr>
     <a:masterClrMapping/>
   </p:clrMapOvr>
-  <p:timing>
-    <p:tnLst>
-      <p:par>
-        <p:cTn id="1" dur="indefinite" restart="never" nodeType="tmRoot"/>
-      </p:par>
-    </p:tnLst>
-  </p:timing>
 </p:sld>
 </file>
 
@@ -11492,18 +11366,609 @@
           <a:lstStyle/>
           <a:p>
             <a:r>
-              <a:rPr lang="es-CO" b="1" dirty="0" smtClean="0">
+              <a:rPr lang="es-CO" b="1" dirty="0">
+                <a:solidFill>
+                  <a:srgbClr val="0070C0"/>
+                </a:solidFill>
+              </a:rPr>
+              <a:t>Muestreo sistemático</a:t>
+            </a:r>
+          </a:p>
+        </p:txBody>
+      </p:sp>
+      <p:pic>
+        <p:nvPicPr>
+          <p:cNvPr id="8194" name="Picture 2"/>
+          <p:cNvPicPr>
+            <a:picLocks noGrp="1" noChangeAspect="1" noChangeArrowheads="1"/>
+          </p:cNvPicPr>
+          <p:nvPr>
+            <p:ph idx="1"/>
+          </p:nvPr>
+        </p:nvPicPr>
+        <p:blipFill>
+          <a:blip r:embed="rId2">
+            <a:extLst>
+              <a:ext uri="{28A0092B-C50C-407E-A947-70E740481C1C}">
+                <a14:useLocalDpi xmlns:a14="http://schemas.microsoft.com/office/drawing/2010/main" val="0"/>
+              </a:ext>
+            </a:extLst>
+          </a:blip>
+          <a:srcRect/>
+          <a:stretch>
+            <a:fillRect/>
+          </a:stretch>
+        </p:blipFill>
+        <p:spPr bwMode="auto">
+          <a:xfrm>
+            <a:off x="1763688" y="5661248"/>
+            <a:ext cx="5476875" cy="609600"/>
+          </a:xfrm>
+          <a:prstGeom prst="rect">
+            <a:avLst/>
+          </a:prstGeom>
+          <a:noFill/>
+          <a:ln>
+            <a:noFill/>
+          </a:ln>
+          <a:extLst>
+            <a:ext uri="{909E8E84-426E-40DD-AFC4-6F175D3DCCD1}">
+              <a14:hiddenFill xmlns:a14="http://schemas.microsoft.com/office/drawing/2010/main">
+                <a:solidFill>
+                  <a:schemeClr val="accent1"/>
+                </a:solidFill>
+              </a14:hiddenFill>
+            </a:ext>
+            <a:ext uri="{91240B29-F687-4F45-9708-019B960494DF}">
+              <a14:hiddenLine xmlns:a14="http://schemas.microsoft.com/office/drawing/2010/main" w="9525">
+                <a:solidFill>
+                  <a:schemeClr val="tx1"/>
+                </a:solidFill>
+                <a:miter lim="800000"/>
+                <a:headEnd/>
+                <a:tailEnd/>
+              </a14:hiddenLine>
+            </a:ext>
+          </a:extLst>
+        </p:spPr>
+      </p:pic>
+      <p:sp>
+        <p:nvSpPr>
+          <p:cNvPr id="4" name="3 Rectángulo"/>
+          <p:cNvSpPr/>
+          <p:nvPr/>
+        </p:nvSpPr>
+        <p:spPr>
+          <a:xfrm>
+            <a:off x="827584" y="1124744"/>
+            <a:ext cx="7776864" cy="4062651"/>
+          </a:xfrm>
+          <a:prstGeom prst="rect">
+            <a:avLst/>
+          </a:prstGeom>
+        </p:spPr>
+        <p:txBody>
+          <a:bodyPr wrap="square">
+            <a:spAutoFit/>
+          </a:bodyPr>
+          <a:lstStyle/>
+          <a:p>
+            <a:pPr marL="285750" indent="-285750" fontAlgn="base">
+              <a:buFont typeface="Arial" panose="020B0604020202020204" pitchFamily="34" charset="0"/>
+              <a:buChar char="•"/>
+            </a:pPr>
+            <a:r>
+              <a:rPr lang="es-CO" sz="2400" dirty="0"/>
+              <a:t>Se utiliza en muestras ordenadas del 1 al </a:t>
+            </a:r>
+            <a:r>
+              <a:rPr lang="es-CO" sz="2400" i="1" dirty="0"/>
+              <a:t>N</a:t>
+            </a:r>
+            <a:r>
+              <a:rPr lang="es-CO" sz="2400" dirty="0"/>
+              <a:t>.</a:t>
+            </a:r>
+          </a:p>
+          <a:p>
+            <a:pPr marL="285750" indent="-285750" fontAlgn="base">
+              <a:buFont typeface="Arial" panose="020B0604020202020204" pitchFamily="34" charset="0"/>
+              <a:buChar char="•"/>
+            </a:pPr>
+            <a:r>
+              <a:rPr lang="es-CO" sz="2400" dirty="0"/>
+              <a:t>Supongamos que tenemos una población de </a:t>
+            </a:r>
+            <a:r>
+              <a:rPr lang="es-CO" sz="2400" i="1" dirty="0"/>
+              <a:t>N</a:t>
+            </a:r>
+            <a:r>
+              <a:rPr lang="es-CO" sz="2400" dirty="0"/>
+              <a:t> individuos ordenados del 1 al </a:t>
+            </a:r>
+            <a:r>
+              <a:rPr lang="es-CO" sz="2400" i="1" dirty="0"/>
+              <a:t>N</a:t>
+            </a:r>
+            <a:r>
+              <a:rPr lang="es-CO" sz="2400" dirty="0"/>
+              <a:t>. Queremos seleccionar una muestra de tamaño </a:t>
+            </a:r>
+            <a:r>
+              <a:rPr lang="es-CO" sz="2400" i="1" dirty="0"/>
+              <a:t>n</a:t>
+            </a:r>
+            <a:r>
+              <a:rPr lang="es-CO" sz="2400" dirty="0"/>
+              <a:t>.</a:t>
+            </a:r>
+          </a:p>
+          <a:p>
+            <a:pPr marL="285750" indent="-285750" fontAlgn="base">
+              <a:buFont typeface="Arial" panose="020B0604020202020204" pitchFamily="34" charset="0"/>
+              <a:buChar char="•"/>
+            </a:pPr>
+            <a:r>
+              <a:rPr lang="es-CO" sz="2400" dirty="0"/>
+              <a:t>Sea </a:t>
+            </a:r>
+            <a:r>
+              <a:rPr lang="es-CO" sz="2400" i="1" dirty="0"/>
+              <a:t>k</a:t>
+            </a:r>
+            <a:r>
+              <a:rPr lang="es-CO" sz="2400" dirty="0"/>
+              <a:t> el entero más próximo a </a:t>
+            </a:r>
+            <a:r>
+              <a:rPr lang="es-CO" sz="2400" i="1" dirty="0"/>
+              <a:t>N/n</a:t>
+            </a:r>
+            <a:r>
+              <a:rPr lang="es-CO" sz="2400" dirty="0"/>
+              <a:t>.</a:t>
+            </a:r>
+          </a:p>
+          <a:p>
+            <a:pPr marL="285750" indent="-285750" fontAlgn="base">
+              <a:buFont typeface="Arial" panose="020B0604020202020204" pitchFamily="34" charset="0"/>
+              <a:buChar char="•"/>
+            </a:pPr>
+            <a:r>
+              <a:rPr lang="es-CO" sz="2400" dirty="0"/>
+              <a:t>Escogemos al azar un número </a:t>
+            </a:r>
+            <a:r>
+              <a:rPr lang="es-CO" sz="2400" i="1" dirty="0"/>
+              <a:t>i</a:t>
+            </a:r>
+            <a:r>
+              <a:rPr lang="es-CO" sz="2400" dirty="0"/>
+              <a:t> entre 1 y </a:t>
+            </a:r>
+            <a:r>
+              <a:rPr lang="es-CO" sz="2400" i="1" dirty="0"/>
+              <a:t>k</a:t>
+            </a:r>
+            <a:r>
+              <a:rPr lang="es-CO" sz="2400" dirty="0"/>
+              <a:t> (utilizando los números aleatorios, sacar una bola de un bombo, etc.).</a:t>
+            </a:r>
+          </a:p>
+          <a:p>
+            <a:pPr marL="285750" indent="-285750" fontAlgn="base">
+              <a:buFont typeface="Arial" panose="020B0604020202020204" pitchFamily="34" charset="0"/>
+              <a:buChar char="•"/>
+            </a:pPr>
+            <a:r>
+              <a:rPr lang="es-CO" sz="2400" dirty="0"/>
+              <a:t>La muestra será el elemento </a:t>
+            </a:r>
+            <a:r>
+              <a:rPr lang="es-CO" sz="2400" i="1" dirty="0"/>
+              <a:t>i</a:t>
+            </a:r>
+            <a:r>
+              <a:rPr lang="es-CO" sz="2400" dirty="0"/>
+              <a:t> y los elementos </a:t>
+            </a:r>
+            <a:r>
+              <a:rPr lang="es-CO" sz="2400" i="1" dirty="0" err="1"/>
+              <a:t>i+k</a:t>
+            </a:r>
+            <a:r>
+              <a:rPr lang="es-CO" sz="2400" dirty="0"/>
+              <a:t>, </a:t>
+            </a:r>
+            <a:r>
+              <a:rPr lang="es-CO" sz="2400" i="1" dirty="0"/>
+              <a:t>i+2k</a:t>
+            </a:r>
+            <a:r>
+              <a:rPr lang="es-CO" sz="2400" dirty="0"/>
+              <a:t>, etc. Es decir, el elemento </a:t>
+            </a:r>
+            <a:r>
+              <a:rPr lang="es-CO" sz="2400" i="1" dirty="0"/>
+              <a:t>k</a:t>
+            </a:r>
+            <a:r>
+              <a:rPr lang="es-CO" sz="2400" dirty="0"/>
+              <a:t> y los elementos a intervalos fijos </a:t>
+            </a:r>
+            <a:r>
+              <a:rPr lang="es-CO" sz="2400" i="1" dirty="0"/>
+              <a:t>k</a:t>
+            </a:r>
+            <a:r>
+              <a:rPr lang="es-CO" sz="2400" dirty="0"/>
+              <a:t> hasta conseguir los </a:t>
+            </a:r>
+            <a:r>
+              <a:rPr lang="es-CO" sz="2400" i="1" dirty="0"/>
+              <a:t>n</a:t>
+            </a:r>
+            <a:r>
+              <a:rPr lang="es-CO" sz="2400" dirty="0"/>
+              <a:t> sujetos:</a:t>
+            </a:r>
+          </a:p>
+          <a:p>
+            <a:pPr fontAlgn="base"/>
+            <a:endParaRPr lang="es-CO" dirty="0"/>
+          </a:p>
+        </p:txBody>
+      </p:sp>
+      <p:pic>
+        <p:nvPicPr>
+          <p:cNvPr id="8195" name="Picture 3"/>
+          <p:cNvPicPr>
+            <a:picLocks noChangeAspect="1" noChangeArrowheads="1"/>
+          </p:cNvPicPr>
+          <p:nvPr/>
+        </p:nvPicPr>
+        <p:blipFill>
+          <a:blip r:embed="rId3">
+            <a:extLst>
+              <a:ext uri="{28A0092B-C50C-407E-A947-70E740481C1C}">
+                <a14:useLocalDpi xmlns:a14="http://schemas.microsoft.com/office/drawing/2010/main" val="0"/>
+              </a:ext>
+            </a:extLst>
+          </a:blip>
+          <a:srcRect/>
+          <a:stretch>
+            <a:fillRect/>
+          </a:stretch>
+        </p:blipFill>
+        <p:spPr bwMode="auto">
+          <a:xfrm>
+            <a:off x="2514207" y="4941168"/>
+            <a:ext cx="4067175" cy="371475"/>
+          </a:xfrm>
+          <a:prstGeom prst="rect">
+            <a:avLst/>
+          </a:prstGeom>
+          <a:noFill/>
+          <a:ln>
+            <a:noFill/>
+          </a:ln>
+          <a:extLst>
+            <a:ext uri="{909E8E84-426E-40DD-AFC4-6F175D3DCCD1}">
+              <a14:hiddenFill xmlns:a14="http://schemas.microsoft.com/office/drawing/2010/main">
+                <a:solidFill>
+                  <a:schemeClr val="accent1"/>
+                </a:solidFill>
+              </a14:hiddenFill>
+            </a:ext>
+            <a:ext uri="{91240B29-F687-4F45-9708-019B960494DF}">
+              <a14:hiddenLine xmlns:a14="http://schemas.microsoft.com/office/drawing/2010/main" w="9525">
+                <a:solidFill>
+                  <a:schemeClr val="tx1"/>
+                </a:solidFill>
+                <a:miter lim="800000"/>
+                <a:headEnd/>
+                <a:tailEnd/>
+              </a14:hiddenLine>
+            </a:ext>
+          </a:extLst>
+        </p:spPr>
+      </p:pic>
+    </p:spTree>
+    <p:extLst>
+      <p:ext uri="{BB962C8B-B14F-4D97-AF65-F5344CB8AC3E}">
+        <p14:creationId xmlns:p14="http://schemas.microsoft.com/office/powerpoint/2010/main" val="2065159707"/>
+      </p:ext>
+    </p:extLst>
+  </p:cSld>
+  <p:clrMapOvr>
+    <a:masterClrMapping/>
+  </p:clrMapOvr>
+</p:sld>
+</file>
+
+<file path=ppt/slides/slide41.xml><?xml version="1.0" encoding="utf-8"?>
+<p:sld xmlns:a="http://schemas.openxmlformats.org/drawingml/2006/main" xmlns:r="http://schemas.openxmlformats.org/officeDocument/2006/relationships" xmlns:p="http://schemas.openxmlformats.org/presentationml/2006/main">
+  <p:cSld>
+    <p:spTree>
+      <p:nvGrpSpPr>
+        <p:cNvPr id="1" name=""/>
+        <p:cNvGrpSpPr/>
+        <p:nvPr/>
+      </p:nvGrpSpPr>
+      <p:grpSpPr>
+        <a:xfrm>
+          <a:off x="0" y="0"/>
+          <a:ext cx="0" cy="0"/>
+          <a:chOff x="0" y="0"/>
+          <a:chExt cx="0" cy="0"/>
+        </a:xfrm>
+      </p:grpSpPr>
+      <p:sp>
+        <p:nvSpPr>
+          <p:cNvPr id="2" name="1 Título"/>
+          <p:cNvSpPr>
+            <a:spLocks noGrp="1"/>
+          </p:cNvSpPr>
+          <p:nvPr>
+            <p:ph type="title"/>
+          </p:nvPr>
+        </p:nvSpPr>
+        <p:spPr/>
+        <p:txBody>
+          <a:bodyPr>
+            <a:normAutofit/>
+          </a:bodyPr>
+          <a:lstStyle/>
+          <a:p>
+            <a:r>
+              <a:rPr lang="es-CO" b="1" dirty="0">
+                <a:solidFill>
+                  <a:srgbClr val="0070C0"/>
+                </a:solidFill>
+              </a:rPr>
+              <a:t>EJEMPLO</a:t>
+            </a:r>
+          </a:p>
+        </p:txBody>
+      </p:sp>
+      <p:sp>
+        <p:nvSpPr>
+          <p:cNvPr id="3" name="2 Marcador de contenido"/>
+          <p:cNvSpPr>
+            <a:spLocks noGrp="1"/>
+          </p:cNvSpPr>
+          <p:nvPr>
+            <p:ph idx="1"/>
+          </p:nvPr>
+        </p:nvSpPr>
+        <p:spPr>
+          <a:xfrm>
+            <a:off x="467544" y="1196752"/>
+            <a:ext cx="8229600" cy="1828800"/>
+          </a:xfrm>
+        </p:spPr>
+        <p:txBody>
+          <a:bodyPr>
+            <a:normAutofit fontScale="77500" lnSpcReduction="20000"/>
+          </a:bodyPr>
+          <a:lstStyle/>
+          <a:p>
+            <a:pPr fontAlgn="base"/>
+            <a:r>
+              <a:rPr lang="es-CO" dirty="0"/>
+              <a:t>Se quiere saber la opinión sobre un profesor de una clase de 60 personas. Dichas personas están ordenadas por orden alfabético en la lista de alumnos de clase. Para realizar la encuesta, seleccionamos a 12 personas. Por lo tanto, </a:t>
+            </a:r>
+            <a:r>
+              <a:rPr lang="es-CO" i="1" dirty="0"/>
+              <a:t>N</a:t>
+            </a:r>
+            <a:r>
+              <a:rPr lang="es-CO" dirty="0"/>
+              <a:t>=60 y </a:t>
+            </a:r>
+            <a:r>
+              <a:rPr lang="es-CO" i="1" dirty="0"/>
+              <a:t>n</a:t>
+            </a:r>
+            <a:r>
+              <a:rPr lang="es-CO" dirty="0"/>
+              <a:t>=12. El intervalo fijo entre sujetos es:</a:t>
+            </a:r>
+          </a:p>
+        </p:txBody>
+      </p:sp>
+      <p:pic>
+        <p:nvPicPr>
+          <p:cNvPr id="9218" name="Picture 2"/>
+          <p:cNvPicPr>
+            <a:picLocks noChangeAspect="1" noChangeArrowheads="1"/>
+          </p:cNvPicPr>
+          <p:nvPr/>
+        </p:nvPicPr>
+        <p:blipFill>
+          <a:blip r:embed="rId2">
+            <a:extLst>
+              <a:ext uri="{28A0092B-C50C-407E-A947-70E740481C1C}">
+                <a14:useLocalDpi xmlns:a14="http://schemas.microsoft.com/office/drawing/2010/main" val="0"/>
+              </a:ext>
+            </a:extLst>
+          </a:blip>
+          <a:srcRect/>
+          <a:stretch>
+            <a:fillRect/>
+          </a:stretch>
+        </p:blipFill>
+        <p:spPr bwMode="auto">
+          <a:xfrm>
+            <a:off x="3203848" y="2998948"/>
+            <a:ext cx="3250658" cy="526727"/>
+          </a:xfrm>
+          <a:prstGeom prst="rect">
+            <a:avLst/>
+          </a:prstGeom>
+          <a:noFill/>
+          <a:ln>
+            <a:noFill/>
+          </a:ln>
+          <a:extLst>
+            <a:ext uri="{909E8E84-426E-40DD-AFC4-6F175D3DCCD1}">
+              <a14:hiddenFill xmlns:a14="http://schemas.microsoft.com/office/drawing/2010/main">
+                <a:solidFill>
+                  <a:schemeClr val="accent1"/>
+                </a:solidFill>
+              </a14:hiddenFill>
+            </a:ext>
+            <a:ext uri="{91240B29-F687-4F45-9708-019B960494DF}">
+              <a14:hiddenLine xmlns:a14="http://schemas.microsoft.com/office/drawing/2010/main" w="9525">
+                <a:solidFill>
+                  <a:schemeClr val="tx1"/>
+                </a:solidFill>
+                <a:miter lim="800000"/>
+                <a:headEnd/>
+                <a:tailEnd/>
+              </a14:hiddenLine>
+            </a:ext>
+          </a:extLst>
+        </p:spPr>
+      </p:pic>
+      <p:sp>
+        <p:nvSpPr>
+          <p:cNvPr id="4" name="3 Rectángulo"/>
+          <p:cNvSpPr/>
+          <p:nvPr/>
+        </p:nvSpPr>
+        <p:spPr>
+          <a:xfrm>
+            <a:off x="539552" y="3556273"/>
+            <a:ext cx="8352928" cy="1246495"/>
+          </a:xfrm>
+          <a:prstGeom prst="rect">
+            <a:avLst/>
+          </a:prstGeom>
+        </p:spPr>
+        <p:txBody>
+          <a:bodyPr wrap="square">
+            <a:spAutoFit/>
+          </a:bodyPr>
+          <a:lstStyle/>
+          <a:p>
+            <a:r>
+              <a:rPr lang="es-CO" sz="2500" dirty="0"/>
+              <a:t>Ahora elegimos al azar un número entre 1 y k=5. Suponemos que nos sale i=2. La muestra resultado mediante el muestreo sistemático será:</a:t>
+            </a:r>
+          </a:p>
+        </p:txBody>
+      </p:sp>
+      <p:pic>
+        <p:nvPicPr>
+          <p:cNvPr id="9219" name="Picture 3"/>
+          <p:cNvPicPr>
+            <a:picLocks noChangeAspect="1" noChangeArrowheads="1"/>
+          </p:cNvPicPr>
+          <p:nvPr/>
+        </p:nvPicPr>
+        <p:blipFill>
+          <a:blip r:embed="rId3">
+            <a:extLst>
+              <a:ext uri="{28A0092B-C50C-407E-A947-70E740481C1C}">
+                <a14:useLocalDpi xmlns:a14="http://schemas.microsoft.com/office/drawing/2010/main" val="0"/>
+              </a:ext>
+            </a:extLst>
+          </a:blip>
+          <a:srcRect/>
+          <a:stretch>
+            <a:fillRect/>
+          </a:stretch>
+        </p:blipFill>
+        <p:spPr bwMode="auto">
+          <a:xfrm>
+            <a:off x="3203848" y="4509120"/>
+            <a:ext cx="4524375" cy="1857375"/>
+          </a:xfrm>
+          <a:prstGeom prst="rect">
+            <a:avLst/>
+          </a:prstGeom>
+          <a:noFill/>
+          <a:ln>
+            <a:noFill/>
+          </a:ln>
+          <a:extLst>
+            <a:ext uri="{909E8E84-426E-40DD-AFC4-6F175D3DCCD1}">
+              <a14:hiddenFill xmlns:a14="http://schemas.microsoft.com/office/drawing/2010/main">
+                <a:solidFill>
+                  <a:schemeClr val="accent1"/>
+                </a:solidFill>
+              </a14:hiddenFill>
+            </a:ext>
+            <a:ext uri="{91240B29-F687-4F45-9708-019B960494DF}">
+              <a14:hiddenLine xmlns:a14="http://schemas.microsoft.com/office/drawing/2010/main" w="9525">
+                <a:solidFill>
+                  <a:schemeClr val="tx1"/>
+                </a:solidFill>
+                <a:miter lim="800000"/>
+                <a:headEnd/>
+                <a:tailEnd/>
+              </a14:hiddenLine>
+            </a:ext>
+          </a:extLst>
+        </p:spPr>
+      </p:pic>
+    </p:spTree>
+    <p:extLst>
+      <p:ext uri="{BB962C8B-B14F-4D97-AF65-F5344CB8AC3E}">
+        <p14:creationId xmlns:p14="http://schemas.microsoft.com/office/powerpoint/2010/main" val="4146904237"/>
+      </p:ext>
+    </p:extLst>
+  </p:cSld>
+  <p:clrMapOvr>
+    <a:masterClrMapping/>
+  </p:clrMapOvr>
+</p:sld>
+</file>
+
+<file path=ppt/slides/slide42.xml><?xml version="1.0" encoding="utf-8"?>
+<p:sld xmlns:a="http://schemas.openxmlformats.org/drawingml/2006/main" xmlns:r="http://schemas.openxmlformats.org/officeDocument/2006/relationships" xmlns:p="http://schemas.openxmlformats.org/presentationml/2006/main">
+  <p:cSld>
+    <p:spTree>
+      <p:nvGrpSpPr>
+        <p:cNvPr id="1" name=""/>
+        <p:cNvGrpSpPr/>
+        <p:nvPr/>
+      </p:nvGrpSpPr>
+      <p:grpSpPr>
+        <a:xfrm>
+          <a:off x="0" y="0"/>
+          <a:ext cx="0" cy="0"/>
+          <a:chOff x="0" y="0"/>
+          <a:chExt cx="0" cy="0"/>
+        </a:xfrm>
+      </p:grpSpPr>
+      <p:sp>
+        <p:nvSpPr>
+          <p:cNvPr id="2" name="1 Título"/>
+          <p:cNvSpPr>
+            <a:spLocks noGrp="1"/>
+          </p:cNvSpPr>
+          <p:nvPr>
+            <p:ph type="title"/>
+          </p:nvPr>
+        </p:nvSpPr>
+        <p:spPr/>
+        <p:txBody>
+          <a:bodyPr>
+            <a:normAutofit/>
+          </a:bodyPr>
+          <a:lstStyle/>
+          <a:p>
+            <a:r>
+              <a:rPr lang="es-CO" b="1" dirty="0">
                 <a:solidFill>
                   <a:srgbClr val="0070C0"/>
                 </a:solidFill>
               </a:rPr>
               <a:t>EJEMPLO  DE UNA MUESTRA</a:t>
             </a:r>
-            <a:endParaRPr lang="es-CO" b="1" dirty="0">
-              <a:solidFill>
-                <a:srgbClr val="0070C0"/>
-              </a:solidFill>
-            </a:endParaRPr>
           </a:p>
         </p:txBody>
       </p:sp>
@@ -11533,10 +11998,9 @@
               <a:buNone/>
             </a:pPr>
             <a:r>
-              <a:rPr lang="es-CO" dirty="0" smtClean="0"/>
+              <a:rPr lang="es-CO" dirty="0"/>
               <a:t>Encuestas acerca de la preferencia de un candidato presidencial, las cuales se hacen sobre una muestra.</a:t>
             </a:r>
-            <a:endParaRPr lang="es-CO" dirty="0"/>
           </a:p>
         </p:txBody>
       </p:sp>
@@ -11607,7 +12071,7 @@
 </p:sld>
 </file>
 
-<file path=ppt/slides/slide41.xml><?xml version="1.0" encoding="utf-8"?>
+<file path=ppt/slides/slide43.xml><?xml version="1.0" encoding="utf-8"?>
 <p:sld xmlns:a="http://schemas.openxmlformats.org/drawingml/2006/main" xmlns:r="http://schemas.openxmlformats.org/officeDocument/2006/relationships" xmlns:p="http://schemas.openxmlformats.org/presentationml/2006/main">
   <p:cSld>
     <p:spTree>
@@ -11780,10 +12244,9 @@
           <a:p>
             <a:pPr algn="ctr"/>
             <a:r>
-              <a:rPr lang="es-CO" b="1" dirty="0" smtClean="0"/>
+              <a:rPr lang="es-CO" b="1" dirty="0"/>
               <a:t>REGLA EMPIRICA</a:t>
             </a:r>
-            <a:endParaRPr lang="es-CO" b="1" dirty="0"/>
           </a:p>
         </p:txBody>
       </p:sp>
@@ -11823,13 +12286,6 @@
   <p:clrMapOvr>
     <a:masterClrMapping/>
   </p:clrMapOvr>
-  <p:timing>
-    <p:tnLst>
-      <p:par>
-        <p:cTn id="1" dur="indefinite" restart="never" nodeType="tmRoot"/>
-      </p:par>
-    </p:tnLst>
-  </p:timing>
 </p:sld>
 </file>
 
@@ -11874,15 +12330,14 @@
           <a:p>
             <a:pPr algn="ctr"/>
             <a:r>
-              <a:rPr lang="es-CO" b="1" dirty="0" smtClean="0"/>
+              <a:rPr lang="es-CO" b="1" dirty="0"/>
               <a:t>DISTRIBUCIÓN NORMAL ESTÁNDAR</a:t>
             </a:r>
-            <a:endParaRPr lang="es-CO" b="1" dirty="0"/>
-          </a:p>
-        </p:txBody>
-      </p:sp>
-      <mc:AlternateContent xmlns:mc="http://schemas.openxmlformats.org/markup-compatibility/2006">
-        <mc:Choice xmlns:a14="http://schemas.microsoft.com/office/drawing/2010/main" Requires="a14">
+          </a:p>
+        </p:txBody>
+      </p:sp>
+      <mc:AlternateContent xmlns:mc="http://schemas.openxmlformats.org/markup-compatibility/2006" xmlns:a14="http://schemas.microsoft.com/office/drawing/2010/main">
+        <mc:Choice Requires="a14">
           <p:sp>
             <p:nvSpPr>
               <p:cNvPr id="3" name="Marcador de contenido 2"/>
@@ -12027,7 +12482,7 @@
             </p:txBody>
           </p:sp>
         </mc:Choice>
-        <mc:Fallback>
+        <mc:Fallback xmlns="">
           <p:sp>
             <p:nvSpPr>
               <p:cNvPr id="3" name="Marcador de contenido 2"/>
@@ -12099,13 +12554,6 @@
   <p:clrMapOvr>
     <a:masterClrMapping/>
   </p:clrMapOvr>
-  <p:timing>
-    <p:tnLst>
-      <p:par>
-        <p:cTn id="1" dur="indefinite" restart="never" nodeType="tmRoot"/>
-      </p:par>
-    </p:tnLst>
-  </p:timing>
 </p:sld>
 </file>
 
@@ -12149,10 +12597,9 @@
           <a:lstStyle/>
           <a:p>
             <a:r>
-              <a:rPr lang="es-CO" b="1" dirty="0" smtClean="0"/>
+              <a:rPr lang="es-CO" b="1" dirty="0"/>
               <a:t>FUNCIÓN DE DISTRIBUCIÓN ACUMULADA</a:t>
             </a:r>
-            <a:endParaRPr lang="es-CO" b="1" dirty="0"/>
           </a:p>
         </p:txBody>
       </p:sp>
@@ -12182,7 +12629,7 @@
               <a:buNone/>
             </a:pPr>
             <a:r>
-              <a:rPr lang="es-CO" dirty="0" smtClean="0"/>
+              <a:rPr lang="es-CO" dirty="0"/>
               <a:t>La función de distribución acumulada se denota como </a:t>
             </a:r>
           </a:p>
@@ -12225,13 +12672,6 @@
   <p:clrMapOvr>
     <a:masterClrMapping/>
   </p:clrMapOvr>
-  <p:timing>
-    <p:tnLst>
-      <p:par>
-        <p:cTn id="1" dur="indefinite" restart="never" nodeType="tmRoot"/>
-      </p:par>
-    </p:tnLst>
-  </p:timing>
 </p:sld>
 </file>
 
@@ -12276,10 +12716,9 @@
           <a:p>
             <a:pPr algn="ctr"/>
             <a:r>
-              <a:rPr lang="es-CO" b="1" dirty="0" smtClean="0"/>
+              <a:rPr lang="es-CO" b="1" dirty="0"/>
               <a:t>Estructura de la tabla normal</a:t>
             </a:r>
-            <a:endParaRPr lang="es-CO" b="1" dirty="0"/>
           </a:p>
         </p:txBody>
       </p:sp>
@@ -12319,13 +12758,6 @@
   <p:clrMapOvr>
     <a:masterClrMapping/>
   </p:clrMapOvr>
-  <p:timing>
-    <p:tnLst>
-      <p:par>
-        <p:cTn id="1" dur="indefinite" restart="never" nodeType="tmRoot"/>
-      </p:par>
-    </p:tnLst>
-  </p:timing>
 </p:sld>
 </file>
 
@@ -12370,10 +12802,9 @@
           <a:p>
             <a:pPr algn="ctr"/>
             <a:r>
-              <a:rPr lang="es-CO" b="1" dirty="0" smtClean="0"/>
+              <a:rPr lang="es-CO" b="1" dirty="0"/>
               <a:t>EJEMPLOS</a:t>
             </a:r>
-            <a:endParaRPr lang="es-CO" b="1" dirty="0"/>
           </a:p>
         </p:txBody>
       </p:sp>
@@ -12413,13 +12844,6 @@
   <p:clrMapOvr>
     <a:masterClrMapping/>
   </p:clrMapOvr>
-  <p:timing>
-    <p:tnLst>
-      <p:par>
-        <p:cTn id="1" dur="indefinite" restart="never" nodeType="tmRoot"/>
-      </p:par>
-    </p:tnLst>
-  </p:timing>
 </p:sld>
 </file>
 
